--- a/slides/MonetDB workshop.pptx
+++ b/slides/MonetDB workshop.pptx
@@ -244,11 +244,11 @@
           <c:showBubbleSize val="0"/>
         </c:dLbls>
         <c:gapWidth val="150"/>
-        <c:axId val="64198144"/>
-        <c:axId val="64199680"/>
+        <c:axId val="79803904"/>
+        <c:axId val="79805440"/>
       </c:barChart>
       <c:catAx>
-        <c:axId val="64198144"/>
+        <c:axId val="79803904"/>
         <c:scaling>
           <c:orientation val="minMax"/>
         </c:scaling>
@@ -257,7 +257,7 @@
         <c:majorTickMark val="out"/>
         <c:minorTickMark val="none"/>
         <c:tickLblPos val="nextTo"/>
-        <c:crossAx val="64199680"/>
+        <c:crossAx val="79805440"/>
         <c:crosses val="autoZero"/>
         <c:auto val="1"/>
         <c:lblAlgn val="ctr"/>
@@ -265,7 +265,7 @@
         <c:noMultiLvlLbl val="0"/>
       </c:catAx>
       <c:valAx>
-        <c:axId val="64199680"/>
+        <c:axId val="79805440"/>
         <c:scaling>
           <c:orientation val="minMax"/>
         </c:scaling>
@@ -276,7 +276,7 @@
         <c:majorTickMark val="out"/>
         <c:minorTickMark val="none"/>
         <c:tickLblPos val="nextTo"/>
-        <c:crossAx val="64198144"/>
+        <c:crossAx val="79803904"/>
         <c:crosses val="autoZero"/>
         <c:crossBetween val="between"/>
       </c:valAx>
@@ -419,11 +419,11 @@
           <c:showBubbleSize val="0"/>
         </c:dLbls>
         <c:gapWidth val="150"/>
-        <c:axId val="32617984"/>
-        <c:axId val="32619520"/>
+        <c:axId val="22914560"/>
+        <c:axId val="22916096"/>
       </c:barChart>
       <c:catAx>
-        <c:axId val="32617984"/>
+        <c:axId val="22914560"/>
         <c:scaling>
           <c:orientation val="minMax"/>
         </c:scaling>
@@ -432,7 +432,7 @@
         <c:majorTickMark val="out"/>
         <c:minorTickMark val="none"/>
         <c:tickLblPos val="nextTo"/>
-        <c:crossAx val="32619520"/>
+        <c:crossAx val="22916096"/>
         <c:crosses val="autoZero"/>
         <c:auto val="1"/>
         <c:lblAlgn val="ctr"/>
@@ -440,7 +440,7 @@
         <c:noMultiLvlLbl val="0"/>
       </c:catAx>
       <c:valAx>
-        <c:axId val="32619520"/>
+        <c:axId val="22916096"/>
         <c:scaling>
           <c:orientation val="minMax"/>
         </c:scaling>
@@ -451,7 +451,7 @@
         <c:majorTickMark val="out"/>
         <c:minorTickMark val="none"/>
         <c:tickLblPos val="nextTo"/>
-        <c:crossAx val="32617984"/>
+        <c:crossAx val="22914560"/>
         <c:crosses val="autoZero"/>
         <c:crossBetween val="between"/>
       </c:valAx>
@@ -625,11 +625,11 @@
           <c:showBubbleSize val="0"/>
         </c:dLbls>
         <c:gapWidth val="150"/>
-        <c:axId val="66160128"/>
-        <c:axId val="66161664"/>
+        <c:axId val="87397888"/>
+        <c:axId val="87399424"/>
       </c:barChart>
       <c:catAx>
-        <c:axId val="66160128"/>
+        <c:axId val="87397888"/>
         <c:scaling>
           <c:orientation val="minMax"/>
         </c:scaling>
@@ -638,7 +638,7 @@
         <c:majorTickMark val="out"/>
         <c:minorTickMark val="none"/>
         <c:tickLblPos val="nextTo"/>
-        <c:crossAx val="66161664"/>
+        <c:crossAx val="87399424"/>
         <c:crosses val="autoZero"/>
         <c:auto val="1"/>
         <c:lblAlgn val="ctr"/>
@@ -646,7 +646,7 @@
         <c:noMultiLvlLbl val="0"/>
       </c:catAx>
       <c:valAx>
-        <c:axId val="66161664"/>
+        <c:axId val="87399424"/>
         <c:scaling>
           <c:orientation val="minMax"/>
         </c:scaling>
@@ -657,7 +657,7 @@
         <c:majorTickMark val="out"/>
         <c:minorTickMark val="none"/>
         <c:tickLblPos val="nextTo"/>
-        <c:crossAx val="66160128"/>
+        <c:crossAx val="87397888"/>
         <c:crosses val="autoZero"/>
         <c:crossBetween val="between"/>
       </c:valAx>
@@ -788,7 +788,7 @@
           <a:p>
             <a:fld id="{D33F08C4-19E2-45C3-B624-C97CC54881AA}" type="datetimeFigureOut">
               <a:rPr lang="en-US" smtClean="0"/>
-              <a:t>5/20/2015</a:t>
+              <a:t>5/21/2015</a:t>
             </a:fld>
             <a:endParaRPr lang="en-US"/>
           </a:p>
@@ -1207,7 +1207,7 @@
               <a:rPr lang="en-US" smtClean="0"/>
               <a:t>4</a:t>
             </a:fld>
-            <a:endParaRPr lang="en-US"/>
+            <a:endParaRPr lang="en-US" dirty="0"/>
           </a:p>
         </p:txBody>
       </p:sp>
@@ -1291,7 +1291,7 @@
               <a:rPr lang="en-US" smtClean="0"/>
               <a:t>5</a:t>
             </a:fld>
-            <a:endParaRPr lang="en-US"/>
+            <a:endParaRPr lang="en-US" dirty="0"/>
           </a:p>
         </p:txBody>
       </p:sp>
@@ -4065,7 +4065,7 @@
           <a:p>
             <a:fld id="{9CBAC602-64DA-4CCD-AFCB-7521516D8C55}" type="datetimeFigureOut">
               <a:rPr lang="en-US" smtClean="0"/>
-              <a:t>5/20/2015</a:t>
+              <a:t>5/21/2015</a:t>
             </a:fld>
             <a:endParaRPr lang="en-US"/>
           </a:p>
@@ -4350,7 +4350,7 @@
           <a:p>
             <a:fld id="{9CBAC602-64DA-4CCD-AFCB-7521516D8C55}" type="datetimeFigureOut">
               <a:rPr lang="en-US" smtClean="0"/>
-              <a:t>5/20/2015</a:t>
+              <a:t>5/21/2015</a:t>
             </a:fld>
             <a:endParaRPr lang="en-US"/>
           </a:p>
@@ -4525,7 +4525,7 @@
           <a:p>
             <a:fld id="{9CBAC602-64DA-4CCD-AFCB-7521516D8C55}" type="datetimeFigureOut">
               <a:rPr lang="en-US" smtClean="0"/>
-              <a:t>5/20/2015</a:t>
+              <a:t>5/21/2015</a:t>
             </a:fld>
             <a:endParaRPr lang="en-US"/>
           </a:p>
@@ -4690,7 +4690,7 @@
           <a:p>
             <a:fld id="{9CBAC602-64DA-4CCD-AFCB-7521516D8C55}" type="datetimeFigureOut">
               <a:rPr lang="en-US" smtClean="0"/>
-              <a:t>5/20/2015</a:t>
+              <a:t>5/21/2015</a:t>
             </a:fld>
             <a:endParaRPr lang="en-US"/>
           </a:p>
@@ -4931,7 +4931,7 @@
           <a:p>
             <a:fld id="{9CBAC602-64DA-4CCD-AFCB-7521516D8C55}" type="datetimeFigureOut">
               <a:rPr lang="en-US" smtClean="0"/>
-              <a:t>5/20/2015</a:t>
+              <a:t>5/21/2015</a:t>
             </a:fld>
             <a:endParaRPr lang="en-US"/>
           </a:p>
@@ -5044,7 +5044,7 @@
           <a:p>
             <a:fld id="{9CBAC602-64DA-4CCD-AFCB-7521516D8C55}" type="datetimeFigureOut">
               <a:rPr lang="en-US" smtClean="0"/>
-              <a:t>5/20/2015</a:t>
+              <a:t>5/21/2015</a:t>
             </a:fld>
             <a:endParaRPr lang="en-US"/>
           </a:p>
@@ -5583,7 +5583,7 @@
           <a:p>
             <a:fld id="{9CBAC602-64DA-4CCD-AFCB-7521516D8C55}" type="datetimeFigureOut">
               <a:rPr lang="en-US" smtClean="0"/>
-              <a:t>5/20/2015</a:t>
+              <a:t>5/21/2015</a:t>
             </a:fld>
             <a:endParaRPr lang="en-US"/>
           </a:p>
@@ -5696,7 +5696,7 @@
           <a:p>
             <a:fld id="{9CBAC602-64DA-4CCD-AFCB-7521516D8C55}" type="datetimeFigureOut">
               <a:rPr lang="en-US" smtClean="0"/>
-              <a:t>5/20/2015</a:t>
+              <a:t>5/21/2015</a:t>
             </a:fld>
             <a:endParaRPr lang="en-US"/>
           </a:p>
@@ -5786,7 +5786,7 @@
           <a:p>
             <a:fld id="{9CBAC602-64DA-4CCD-AFCB-7521516D8C55}" type="datetimeFigureOut">
               <a:rPr lang="en-US" smtClean="0"/>
-              <a:t>5/20/2015</a:t>
+              <a:t>5/21/2015</a:t>
             </a:fld>
             <a:endParaRPr lang="en-US"/>
           </a:p>
@@ -8437,7 +8437,7 @@
           <a:p>
             <a:fld id="{9CBAC602-64DA-4CCD-AFCB-7521516D8C55}" type="datetimeFigureOut">
               <a:rPr lang="en-US" smtClean="0"/>
-              <a:t>5/20/2015</a:t>
+              <a:t>5/21/2015</a:t>
             </a:fld>
             <a:endParaRPr lang="en-US"/>
           </a:p>
@@ -11649,7 +11649,7 @@
           <a:p>
             <a:fld id="{9CBAC602-64DA-4CCD-AFCB-7521516D8C55}" type="datetimeFigureOut">
               <a:rPr lang="en-US" smtClean="0"/>
-              <a:t>5/20/2015</a:t>
+              <a:t>5/21/2015</a:t>
             </a:fld>
             <a:endParaRPr lang="en-US"/>
           </a:p>
@@ -14471,7 +14471,7 @@
           <a:p>
             <a:fld id="{9CBAC602-64DA-4CCD-AFCB-7521516D8C55}" type="datetimeFigureOut">
               <a:rPr lang="en-US" smtClean="0"/>
-              <a:t>5/20/2015</a:t>
+              <a:t>5/21/2015</a:t>
             </a:fld>
             <a:endParaRPr lang="en-US"/>
           </a:p>
@@ -14992,7 +14992,12 @@
             <p:ph type="subTitle" idx="1"/>
           </p:nvPr>
         </p:nvSpPr>
-        <p:spPr/>
+        <p:spPr>
+          <a:xfrm>
+            <a:off x="4572000" y="4419600"/>
+            <a:ext cx="3309803" cy="1260629"/>
+          </a:xfrm>
+        </p:spPr>
         <p:txBody>
           <a:bodyPr/>
           <a:lstStyle/>
@@ -15190,7 +15195,7 @@
         </p:nvGraphicFramePr>
         <p:xfrm>
           <a:off x="1295400" y="4800600"/>
-          <a:ext cx="6100286" cy="176403"/>
+          <a:ext cx="6100286" cy="192786"/>
         </p:xfrm>
         <a:graphic>
           <a:graphicData uri="http://schemas.openxmlformats.org/drawingml/2006/table">
@@ -16006,7 +16011,7 @@
         </p:nvGraphicFramePr>
         <p:xfrm>
           <a:off x="1295400" y="5029200"/>
-          <a:ext cx="6100286" cy="176403"/>
+          <a:ext cx="6100286" cy="192786"/>
         </p:xfrm>
         <a:graphic>
           <a:graphicData uri="http://schemas.openxmlformats.org/drawingml/2006/table">
@@ -16602,7 +16607,7 @@
         </p:nvGraphicFramePr>
         <p:xfrm>
           <a:off x="1295400" y="5257800"/>
-          <a:ext cx="6100286" cy="176403"/>
+          <a:ext cx="6100286" cy="192786"/>
         </p:xfrm>
         <a:graphic>
           <a:graphicData uri="http://schemas.openxmlformats.org/drawingml/2006/table">
@@ -17518,23 +17523,38 @@
             <a:pPr marL="68580" indent="0" algn="ctr">
               <a:buNone/>
             </a:pPr>
-            <a:endParaRPr lang="en-US" dirty="0"/>
-          </a:p>
-          <a:p>
-            <a:r>
-              <a:rPr lang="en-US" dirty="0" smtClean="0"/>
+            <a:endParaRPr lang="en-US" dirty="0">
+              <a:latin typeface="Arial" pitchFamily="34" charset="0"/>
+              <a:cs typeface="Arial" pitchFamily="34" charset="0"/>
+            </a:endParaRPr>
+          </a:p>
+          <a:p>
+            <a:r>
+              <a:rPr lang="en-US" dirty="0" smtClean="0">
+                <a:latin typeface="Arial" pitchFamily="34" charset="0"/>
+                <a:cs typeface="Arial" pitchFamily="34" charset="0"/>
+              </a:rPr>
               <a:t>Serializes </a:t>
             </a:r>
             <a:r>
-              <a:rPr lang="en-US" dirty="0"/>
+              <a:rPr lang="en-US" dirty="0">
+                <a:latin typeface="Arial" pitchFamily="34" charset="0"/>
+                <a:cs typeface="Arial" pitchFamily="34" charset="0"/>
+              </a:rPr>
               <a:t>all </a:t>
             </a:r>
             <a:r>
-              <a:rPr lang="en-US" dirty="0" smtClean="0"/>
+              <a:rPr lang="en-US" dirty="0" smtClean="0">
+                <a:latin typeface="Arial" pitchFamily="34" charset="0"/>
+                <a:cs typeface="Arial" pitchFamily="34" charset="0"/>
+              </a:rPr>
               <a:t>values </a:t>
             </a:r>
             <a:r>
-              <a:rPr lang="en-US" dirty="0"/>
+              <a:rPr lang="en-US" dirty="0">
+                <a:latin typeface="Arial" pitchFamily="34" charset="0"/>
+                <a:cs typeface="Arial" pitchFamily="34" charset="0"/>
+              </a:rPr>
               <a:t>of a same line together</a:t>
             </a:r>
           </a:p>
@@ -17574,7 +17594,10 @@
           <a:lstStyle/>
           <a:p>
             <a:pPr algn="ctr"/>
-            <a:endParaRPr lang="en-US"/>
+            <a:endParaRPr lang="en-US" dirty="0">
+              <a:latin typeface="Arial" pitchFamily="34" charset="0"/>
+              <a:cs typeface="Arial" pitchFamily="34" charset="0"/>
+            </a:endParaRPr>
           </a:p>
         </p:txBody>
       </p:sp>
@@ -17639,10 +17662,16 @@
           <a:lstStyle/>
           <a:p>
             <a:r>
-              <a:rPr lang="en-US" sz="1600" dirty="0" smtClean="0"/>
+              <a:rPr lang="en-US" sz="1600" dirty="0" smtClean="0">
+                <a:latin typeface="Arial" pitchFamily="34" charset="0"/>
+                <a:cs typeface="Arial" pitchFamily="34" charset="0"/>
+              </a:rPr>
               <a:t>Row-Oriented Database</a:t>
             </a:r>
-            <a:endParaRPr lang="en-US" sz="1600" dirty="0"/>
+            <a:endParaRPr lang="en-US" sz="1600" dirty="0">
+              <a:latin typeface="Arial" pitchFamily="34" charset="0"/>
+              <a:cs typeface="Arial" pitchFamily="34" charset="0"/>
+            </a:endParaRPr>
           </a:p>
         </p:txBody>
       </p:sp>
@@ -18071,7 +18100,7 @@
           <p:nvPr>
             <p:extLst>
               <p:ext uri="{D42A27DB-BD31-4B8C-83A1-F6EECF244321}">
-                <p14:modId xmlns:p14="http://schemas.microsoft.com/office/powerpoint/2010/main" val="827075300"/>
+                <p14:modId xmlns:p14="http://schemas.microsoft.com/office/powerpoint/2010/main" val="3364903570"/>
               </p:ext>
             </p:extLst>
           </p:nvPr>
@@ -18168,7 +18197,17 @@
                           <a:latin typeface="Arial" pitchFamily="34" charset="0"/>
                           <a:cs typeface="Arial" pitchFamily="34" charset="0"/>
                         </a:rPr>
-                        <a:t>CSU Bachelor</a:t>
+                        <a:t>CSU </a:t>
+                      </a:r>
+                      <a:r>
+                        <a:rPr lang="en-US" sz="800" dirty="0" smtClean="0">
+                          <a:solidFill>
+                            <a:schemeClr val="bg1"/>
+                          </a:solidFill>
+                          <a:latin typeface="Arial" pitchFamily="34" charset="0"/>
+                          <a:cs typeface="Arial" pitchFamily="34" charset="0"/>
+                        </a:rPr>
+                        <a:t>Bachelor</a:t>
                       </a:r>
                       <a:r>
                         <a:rPr lang="en-US" sz="800" baseline="0" dirty="0" smtClean="0">
@@ -19041,61 +19080,97 @@
               <a:buNone/>
             </a:pPr>
             <a:r>
-              <a:rPr lang="en-US" dirty="0" smtClean="0"/>
+              <a:rPr lang="en-US" dirty="0" smtClean="0">
+                <a:latin typeface="Arial" pitchFamily="34" charset="0"/>
+                <a:cs typeface="Arial" pitchFamily="34" charset="0"/>
+              </a:rPr>
               <a:t>MySQL</a:t>
             </a:r>
-            <a:endParaRPr lang="en-US" dirty="0"/>
+            <a:endParaRPr lang="en-US" dirty="0">
+              <a:latin typeface="Arial" pitchFamily="34" charset="0"/>
+              <a:cs typeface="Arial" pitchFamily="34" charset="0"/>
+            </a:endParaRPr>
           </a:p>
           <a:p>
             <a:pPr marL="68580" indent="0">
               <a:buNone/>
             </a:pPr>
-            <a:endParaRPr lang="en-US" dirty="0" smtClean="0"/>
+            <a:endParaRPr lang="en-US" dirty="0" smtClean="0">
+              <a:latin typeface="Arial" pitchFamily="34" charset="0"/>
+              <a:cs typeface="Arial" pitchFamily="34" charset="0"/>
+            </a:endParaRPr>
           </a:p>
           <a:p>
             <a:pPr marL="68580" indent="0">
               <a:buNone/>
             </a:pPr>
-            <a:endParaRPr lang="en-US" dirty="0"/>
+            <a:endParaRPr lang="en-US" dirty="0">
+              <a:latin typeface="Arial" pitchFamily="34" charset="0"/>
+              <a:cs typeface="Arial" pitchFamily="34" charset="0"/>
+            </a:endParaRPr>
           </a:p>
           <a:p>
             <a:pPr marL="68580" indent="0">
               <a:buNone/>
             </a:pPr>
-            <a:endParaRPr lang="en-US" dirty="0" smtClean="0"/>
+            <a:endParaRPr lang="en-US" dirty="0" smtClean="0">
+              <a:latin typeface="Arial" pitchFamily="34" charset="0"/>
+              <a:cs typeface="Arial" pitchFamily="34" charset="0"/>
+            </a:endParaRPr>
           </a:p>
           <a:p>
             <a:pPr marL="68580" indent="0">
               <a:buNone/>
             </a:pPr>
-            <a:endParaRPr lang="en-US" dirty="0"/>
+            <a:endParaRPr lang="en-US" dirty="0">
+              <a:latin typeface="Arial" pitchFamily="34" charset="0"/>
+              <a:cs typeface="Arial" pitchFamily="34" charset="0"/>
+            </a:endParaRPr>
           </a:p>
           <a:p>
             <a:pPr marL="68580" indent="0">
               <a:buNone/>
             </a:pPr>
-            <a:endParaRPr lang="en-US" dirty="0" smtClean="0"/>
-          </a:p>
-          <a:p>
-            <a:r>
-              <a:rPr lang="en-US" dirty="0" smtClean="0"/>
+            <a:endParaRPr lang="en-US" dirty="0" smtClean="0">
+              <a:latin typeface="Arial" pitchFamily="34" charset="0"/>
+              <a:cs typeface="Arial" pitchFamily="34" charset="0"/>
+            </a:endParaRPr>
+          </a:p>
+          <a:p>
+            <a:r>
+              <a:rPr lang="en-US" dirty="0" smtClean="0">
+                <a:latin typeface="Arial" pitchFamily="34" charset="0"/>
+                <a:cs typeface="Arial" pitchFamily="34" charset="0"/>
+              </a:rPr>
               <a:t>Open source RDBMS (</a:t>
             </a:r>
             <a:r>
-              <a:rPr lang="en-US" dirty="0"/>
+              <a:rPr lang="en-US" dirty="0">
+                <a:latin typeface="Arial" pitchFamily="34" charset="0"/>
+                <a:cs typeface="Arial" pitchFamily="34" charset="0"/>
+              </a:rPr>
               <a:t>Relational Database Management </a:t>
             </a:r>
             <a:r>
-              <a:rPr lang="en-US" dirty="0" smtClean="0"/>
+              <a:rPr lang="en-US" dirty="0" smtClean="0">
+                <a:latin typeface="Arial" pitchFamily="34" charset="0"/>
+                <a:cs typeface="Arial" pitchFamily="34" charset="0"/>
+              </a:rPr>
               <a:t>System)</a:t>
             </a:r>
-            <a:endParaRPr lang="en-US" dirty="0"/>
+            <a:endParaRPr lang="en-US" dirty="0">
+              <a:latin typeface="Arial" pitchFamily="34" charset="0"/>
+              <a:cs typeface="Arial" pitchFamily="34" charset="0"/>
+            </a:endParaRPr>
           </a:p>
           <a:p>
             <a:pPr marL="68580" indent="0">
               <a:buNone/>
             </a:pPr>
-            <a:endParaRPr lang="en-US" dirty="0" smtClean="0"/>
+            <a:endParaRPr lang="en-US" dirty="0" smtClean="0">
+              <a:latin typeface="Arial" pitchFamily="34" charset="0"/>
+              <a:cs typeface="Arial" pitchFamily="34" charset="0"/>
+            </a:endParaRPr>
           </a:p>
           <a:p>
             <a:r>
@@ -19105,6 +19180,8 @@
                     <a:lumMod val="75000"/>
                   </a:schemeClr>
                 </a:solidFill>
+                <a:latin typeface="Arial" pitchFamily="34" charset="0"/>
+                <a:cs typeface="Arial" pitchFamily="34" charset="0"/>
               </a:rPr>
               <a:t>Cross Platforms (Windows, Linux, …)</a:t>
             </a:r>
@@ -19116,6 +19193,8 @@
                   <a:lumMod val="75000"/>
                 </a:schemeClr>
               </a:solidFill>
+              <a:latin typeface="Arial" pitchFamily="34" charset="0"/>
+              <a:cs typeface="Arial" pitchFamily="34" charset="0"/>
             </a:endParaRPr>
           </a:p>
           <a:p>
@@ -19126,6 +19205,8 @@
                     <a:lumMod val="75000"/>
                   </a:schemeClr>
                 </a:solidFill>
+                <a:latin typeface="Arial" pitchFamily="34" charset="0"/>
+                <a:cs typeface="Arial" pitchFamily="34" charset="0"/>
               </a:rPr>
               <a:t>Row-Oriented DBMS</a:t>
             </a:r>
@@ -19135,6 +19216,8 @@
                   <a:lumMod val="75000"/>
                 </a:schemeClr>
               </a:solidFill>
+              <a:latin typeface="Arial" pitchFamily="34" charset="0"/>
+              <a:cs typeface="Arial" pitchFamily="34" charset="0"/>
             </a:endParaRPr>
           </a:p>
           <a:p>
@@ -19144,6 +19227,8 @@
                   <a:lumMod val="75000"/>
                 </a:schemeClr>
               </a:solidFill>
+              <a:latin typeface="Arial" pitchFamily="34" charset="0"/>
+              <a:cs typeface="Arial" pitchFamily="34" charset="0"/>
             </a:endParaRPr>
           </a:p>
           <a:p>
@@ -19153,6 +19238,8 @@
                   <a:lumMod val="75000"/>
                 </a:schemeClr>
               </a:solidFill>
+              <a:latin typeface="Arial" pitchFamily="34" charset="0"/>
+              <a:cs typeface="Arial" pitchFamily="34" charset="0"/>
             </a:endParaRPr>
           </a:p>
         </p:txBody>
@@ -19292,7 +19379,7 @@
         </p:spPr>
         <p:txBody>
           <a:bodyPr>
-            <a:normAutofit fontScale="92500" lnSpcReduction="10000"/>
+            <a:normAutofit fontScale="92500"/>
           </a:bodyPr>
           <a:lstStyle/>
           <a:p>
@@ -19300,7 +19387,10 @@
               <a:buNone/>
             </a:pPr>
             <a:r>
-              <a:rPr lang="en-US" dirty="0" smtClean="0"/>
+              <a:rPr lang="en-US" dirty="0" smtClean="0">
+                <a:latin typeface="Arial" pitchFamily="34" charset="0"/>
+                <a:cs typeface="Arial" pitchFamily="34" charset="0"/>
+              </a:rPr>
               <a:t>History</a:t>
             </a:r>
           </a:p>
@@ -19308,18 +19398,27 @@
             <a:pPr marL="68580" indent="0" algn="ctr">
               <a:buNone/>
             </a:pPr>
-            <a:endParaRPr lang="en-US" dirty="0"/>
+            <a:endParaRPr lang="en-US" dirty="0">
+              <a:latin typeface="Arial" pitchFamily="34" charset="0"/>
+              <a:cs typeface="Arial" pitchFamily="34" charset="0"/>
+            </a:endParaRPr>
           </a:p>
           <a:p>
             <a:pPr marL="68580" indent="0" algn="just">
               <a:buNone/>
             </a:pPr>
             <a:r>
-              <a:rPr lang="en-US" dirty="0"/>
+              <a:rPr lang="en-US" dirty="0">
+                <a:latin typeface="Arial" pitchFamily="34" charset="0"/>
+                <a:cs typeface="Arial" pitchFamily="34" charset="0"/>
+              </a:rPr>
               <a:t>Column stores or transposed files have been implemented from the early days of DBMS development</a:t>
             </a:r>
             <a:r>
-              <a:rPr lang="en-US" dirty="0" smtClean="0"/>
+              <a:rPr lang="en-US" dirty="0" smtClean="0">
+                <a:latin typeface="Arial" pitchFamily="34" charset="0"/>
+                <a:cs typeface="Arial" pitchFamily="34" charset="0"/>
+              </a:rPr>
               <a:t>.</a:t>
             </a:r>
           </a:p>
@@ -19327,34 +19426,52 @@
             <a:pPr marL="68580" indent="0" algn="just">
               <a:buNone/>
             </a:pPr>
-            <a:endParaRPr lang="en-US" dirty="0" smtClean="0"/>
+            <a:endParaRPr lang="en-US" dirty="0" smtClean="0">
+              <a:latin typeface="Arial" pitchFamily="34" charset="0"/>
+              <a:cs typeface="Arial" pitchFamily="34" charset="0"/>
+            </a:endParaRPr>
           </a:p>
           <a:p>
             <a:pPr marL="68580" indent="0" algn="just">
               <a:buNone/>
             </a:pPr>
-            <a:endParaRPr lang="en-US" dirty="0"/>
+            <a:endParaRPr lang="en-US" dirty="0">
+              <a:latin typeface="Arial" pitchFamily="34" charset="0"/>
+              <a:cs typeface="Arial" pitchFamily="34" charset="0"/>
+            </a:endParaRPr>
           </a:p>
           <a:p>
             <a:pPr marL="68580" indent="0" algn="just">
               <a:buNone/>
             </a:pPr>
-            <a:endParaRPr lang="en-US" dirty="0"/>
+            <a:endParaRPr lang="en-US" dirty="0">
+              <a:latin typeface="Arial" pitchFamily="34" charset="0"/>
+              <a:cs typeface="Arial" pitchFamily="34" charset="0"/>
+            </a:endParaRPr>
           </a:p>
           <a:p>
             <a:pPr marL="68580" indent="0" algn="just">
               <a:buNone/>
             </a:pPr>
             <a:r>
-              <a:rPr lang="en-US" dirty="0"/>
+              <a:rPr lang="en-US" dirty="0">
+                <a:latin typeface="Arial" pitchFamily="34" charset="0"/>
+                <a:cs typeface="Arial" pitchFamily="34" charset="0"/>
+              </a:rPr>
               <a:t>Statistics Canada implemented the RAPID </a:t>
             </a:r>
             <a:r>
-              <a:rPr lang="en-US" dirty="0" smtClean="0"/>
+              <a:rPr lang="en-US" dirty="0" smtClean="0">
+                <a:latin typeface="Arial" pitchFamily="34" charset="0"/>
+                <a:cs typeface="Arial" pitchFamily="34" charset="0"/>
+              </a:rPr>
               <a:t>system</a:t>
             </a:r>
             <a:r>
-              <a:rPr lang="en-US" dirty="0"/>
+              <a:rPr lang="en-US" dirty="0">
+                <a:latin typeface="Arial" pitchFamily="34" charset="0"/>
+                <a:cs typeface="Arial" pitchFamily="34" charset="0"/>
+              </a:rPr>
               <a:t> in 1976 and used it for processing and retrieval of the Canadian Census of Population and Housing as well as several other statistical applications.</a:t>
             </a:r>
           </a:p>
@@ -19362,7 +19479,10 @@
             <a:pPr marL="68580" indent="0" algn="just">
               <a:buNone/>
             </a:pPr>
-            <a:endParaRPr lang="en-US" dirty="0" smtClean="0"/>
+            <a:endParaRPr lang="en-US" dirty="0" smtClean="0">
+              <a:latin typeface="Arial" pitchFamily="34" charset="0"/>
+              <a:cs typeface="Arial" pitchFamily="34" charset="0"/>
+            </a:endParaRPr>
           </a:p>
         </p:txBody>
       </p:sp>
@@ -19468,7 +19588,10 @@
               <a:buNone/>
             </a:pPr>
             <a:r>
-              <a:rPr lang="en-US" dirty="0" smtClean="0"/>
+              <a:rPr lang="en-US" dirty="0" smtClean="0">
+                <a:latin typeface="Arial" pitchFamily="34" charset="0"/>
+                <a:cs typeface="Arial" pitchFamily="34" charset="0"/>
+              </a:rPr>
               <a:t>What is it?</a:t>
             </a:r>
           </a:p>
@@ -19476,18 +19599,27 @@
             <a:pPr marL="68580" indent="0" algn="ctr">
               <a:buNone/>
             </a:pPr>
-            <a:endParaRPr lang="en-US" dirty="0" smtClean="0"/>
+            <a:endParaRPr lang="en-US" dirty="0" smtClean="0">
+              <a:latin typeface="Arial" pitchFamily="34" charset="0"/>
+              <a:cs typeface="Arial" pitchFamily="34" charset="0"/>
+            </a:endParaRPr>
           </a:p>
           <a:p>
             <a:pPr marL="68580" indent="0">
               <a:buNone/>
             </a:pPr>
             <a:r>
-              <a:rPr lang="en-US" sz="2200" dirty="0" smtClean="0"/>
+              <a:rPr lang="en-US" sz="2200" dirty="0" smtClean="0">
+                <a:latin typeface="Arial" pitchFamily="34" charset="0"/>
+                <a:cs typeface="Arial" pitchFamily="34" charset="0"/>
+              </a:rPr>
               <a:t>Store each </a:t>
             </a:r>
             <a:r>
-              <a:rPr lang="en-US" sz="2200" dirty="0"/>
+              <a:rPr lang="en-US" sz="2200" dirty="0">
+                <a:latin typeface="Arial" pitchFamily="34" charset="0"/>
+                <a:cs typeface="Arial" pitchFamily="34" charset="0"/>
+              </a:rPr>
               <a:t>column in a table with an id that can be used for the joins</a:t>
             </a:r>
           </a:p>
@@ -19520,6 +19652,8 @@
                 <a:solidFill>
                   <a:schemeClr val="tx2"/>
                 </a:solidFill>
+                <a:latin typeface="Arial" pitchFamily="34" charset="0"/>
+                <a:cs typeface="Arial" pitchFamily="34" charset="0"/>
               </a:rPr>
               <a:t>High performance in </a:t>
             </a:r>
@@ -19528,6 +19662,8 @@
                 <a:solidFill>
                   <a:schemeClr val="tx2"/>
                 </a:solidFill>
+                <a:latin typeface="Arial" pitchFamily="34" charset="0"/>
+                <a:cs typeface="Arial" pitchFamily="34" charset="0"/>
               </a:rPr>
               <a:t>Online Analytical Processing </a:t>
             </a:r>
@@ -19536,6 +19672,8 @@
                 <a:solidFill>
                   <a:schemeClr val="tx2"/>
                 </a:solidFill>
+                <a:latin typeface="Arial" pitchFamily="34" charset="0"/>
+                <a:cs typeface="Arial" pitchFamily="34" charset="0"/>
               </a:rPr>
               <a:t>(OLAP)</a:t>
             </a:r>
@@ -19677,41 +19815,71 @@
               <a:buNone/>
             </a:pPr>
             <a:r>
-              <a:rPr lang="en-US" dirty="0" smtClean="0"/>
+              <a:rPr lang="en-US" dirty="0" smtClean="0">
+                <a:latin typeface="Arial" pitchFamily="34" charset="0"/>
+                <a:cs typeface="Arial" pitchFamily="34" charset="0"/>
+              </a:rPr>
               <a:t>MonetDB</a:t>
             </a:r>
-            <a:endParaRPr lang="en-US" dirty="0"/>
-          </a:p>
-          <a:p>
-            <a:endParaRPr lang="en-US" dirty="0" smtClean="0"/>
-          </a:p>
-          <a:p>
-            <a:endParaRPr lang="en-US" dirty="0"/>
-          </a:p>
-          <a:p>
-            <a:endParaRPr lang="en-US" dirty="0" smtClean="0"/>
-          </a:p>
-          <a:p>
-            <a:endParaRPr lang="en-US" dirty="0"/>
+            <a:endParaRPr lang="en-US" dirty="0">
+              <a:latin typeface="Arial" pitchFamily="34" charset="0"/>
+              <a:cs typeface="Arial" pitchFamily="34" charset="0"/>
+            </a:endParaRPr>
+          </a:p>
+          <a:p>
+            <a:endParaRPr lang="en-US" dirty="0" smtClean="0">
+              <a:latin typeface="Arial" pitchFamily="34" charset="0"/>
+              <a:cs typeface="Arial" pitchFamily="34" charset="0"/>
+            </a:endParaRPr>
+          </a:p>
+          <a:p>
+            <a:endParaRPr lang="en-US" dirty="0">
+              <a:latin typeface="Arial" pitchFamily="34" charset="0"/>
+              <a:cs typeface="Arial" pitchFamily="34" charset="0"/>
+            </a:endParaRPr>
+          </a:p>
+          <a:p>
+            <a:endParaRPr lang="en-US" dirty="0" smtClean="0">
+              <a:latin typeface="Arial" pitchFamily="34" charset="0"/>
+              <a:cs typeface="Arial" pitchFamily="34" charset="0"/>
+            </a:endParaRPr>
+          </a:p>
+          <a:p>
+            <a:endParaRPr lang="en-US" dirty="0">
+              <a:latin typeface="Arial" pitchFamily="34" charset="0"/>
+              <a:cs typeface="Arial" pitchFamily="34" charset="0"/>
+            </a:endParaRPr>
           </a:p>
           <a:p>
             <a:pPr marL="68580" indent="0">
               <a:buNone/>
             </a:pPr>
-            <a:endParaRPr lang="en-US" dirty="0" smtClean="0"/>
-          </a:p>
-          <a:p>
-            <a:r>
-              <a:rPr lang="en-US" dirty="0" smtClean="0"/>
+            <a:endParaRPr lang="en-US" dirty="0" smtClean="0">
+              <a:latin typeface="Arial" pitchFamily="34" charset="0"/>
+              <a:cs typeface="Arial" pitchFamily="34" charset="0"/>
+            </a:endParaRPr>
+          </a:p>
+          <a:p>
+            <a:r>
+              <a:rPr lang="en-US" dirty="0" smtClean="0">
+                <a:latin typeface="Arial" pitchFamily="34" charset="0"/>
+                <a:cs typeface="Arial" pitchFamily="34" charset="0"/>
+              </a:rPr>
               <a:t>Open source DBMS</a:t>
             </a:r>
           </a:p>
           <a:p>
-            <a:endParaRPr lang="en-US" dirty="0" smtClean="0"/>
-          </a:p>
-          <a:p>
-            <a:r>
-              <a:rPr lang="en-US" dirty="0" smtClean="0"/>
+            <a:endParaRPr lang="en-US" dirty="0" smtClean="0">
+              <a:latin typeface="Arial" pitchFamily="34" charset="0"/>
+              <a:cs typeface="Arial" pitchFamily="34" charset="0"/>
+            </a:endParaRPr>
+          </a:p>
+          <a:p>
+            <a:r>
+              <a:rPr lang="en-US" dirty="0" smtClean="0">
+                <a:latin typeface="Arial" pitchFamily="34" charset="0"/>
+                <a:cs typeface="Arial" pitchFamily="34" charset="0"/>
+              </a:rPr>
               <a:t>Cross Platforms </a:t>
             </a:r>
             <a:r>
@@ -19721,6 +19889,8 @@
                     <a:lumMod val="75000"/>
                   </a:schemeClr>
                 </a:solidFill>
+                <a:latin typeface="Arial" pitchFamily="34" charset="0"/>
+                <a:cs typeface="Arial" pitchFamily="34" charset="0"/>
               </a:rPr>
               <a:t>(Windows, Linux, </a:t>
             </a:r>
@@ -19731,20 +19901,41 @@
                     <a:lumMod val="75000"/>
                   </a:schemeClr>
                 </a:solidFill>
+                <a:latin typeface="Arial" pitchFamily="34" charset="0"/>
+                <a:cs typeface="Arial" pitchFamily="34" charset="0"/>
               </a:rPr>
               <a:t>…)</a:t>
             </a:r>
-            <a:endParaRPr lang="en-US" dirty="0" smtClean="0"/>
-          </a:p>
-          <a:p>
-            <a:endParaRPr lang="en-US" dirty="0"/>
-          </a:p>
-          <a:p>
-            <a:r>
-              <a:rPr lang="en-US" dirty="0" smtClean="0"/>
-              <a:t>Column-Oriented DBMS</a:t>
-            </a:r>
-            <a:endParaRPr lang="en-US" dirty="0"/>
+            <a:endParaRPr lang="en-US" dirty="0" smtClean="0">
+              <a:latin typeface="Arial" pitchFamily="34" charset="0"/>
+              <a:cs typeface="Arial" pitchFamily="34" charset="0"/>
+            </a:endParaRPr>
+          </a:p>
+          <a:p>
+            <a:endParaRPr lang="en-US" dirty="0">
+              <a:latin typeface="Arial" pitchFamily="34" charset="0"/>
+              <a:cs typeface="Arial" pitchFamily="34" charset="0"/>
+            </a:endParaRPr>
+          </a:p>
+          <a:p>
+            <a:r>
+              <a:rPr lang="en-US" dirty="0" smtClean="0">
+                <a:latin typeface="Arial" pitchFamily="34" charset="0"/>
+                <a:cs typeface="Arial" pitchFamily="34" charset="0"/>
+              </a:rPr>
+              <a:t>Column-Oriented </a:t>
+            </a:r>
+            <a:r>
+              <a:rPr lang="en-US" dirty="0" smtClean="0">
+                <a:latin typeface="Arial" pitchFamily="34" charset="0"/>
+                <a:cs typeface="Arial" pitchFamily="34" charset="0"/>
+              </a:rPr>
+              <a:t>DBMS</a:t>
+            </a:r>
+            <a:endParaRPr lang="en-US" dirty="0">
+              <a:latin typeface="Arial" pitchFamily="34" charset="0"/>
+              <a:cs typeface="Arial" pitchFamily="34" charset="0"/>
+            </a:endParaRPr>
           </a:p>
         </p:txBody>
       </p:sp>
@@ -19880,7 +20071,10 @@
               <a:buNone/>
             </a:pPr>
             <a:r>
-              <a:rPr lang="en-US" dirty="0" smtClean="0"/>
+              <a:rPr lang="en-US" dirty="0" smtClean="0">
+                <a:latin typeface="Arial" pitchFamily="34" charset="0"/>
+                <a:cs typeface="Arial" pitchFamily="34" charset="0"/>
+              </a:rPr>
               <a:t>Materialized view</a:t>
             </a:r>
           </a:p>
@@ -19888,17 +20082,26 @@
             <a:pPr marL="68580" indent="0">
               <a:buNone/>
             </a:pPr>
-            <a:endParaRPr lang="en-US" dirty="0" smtClean="0"/>
-          </a:p>
-          <a:p>
-            <a:r>
-              <a:rPr lang="en-US" sz="2000" dirty="0" smtClean="0"/>
+            <a:endParaRPr lang="en-US" dirty="0" smtClean="0">
+              <a:latin typeface="Arial" pitchFamily="34" charset="0"/>
+              <a:cs typeface="Arial" pitchFamily="34" charset="0"/>
+            </a:endParaRPr>
+          </a:p>
+          <a:p>
+            <a:r>
+              <a:rPr lang="en-US" sz="2000" dirty="0" smtClean="0">
+                <a:latin typeface="Arial" pitchFamily="34" charset="0"/>
+                <a:cs typeface="Arial" pitchFamily="34" charset="0"/>
+              </a:rPr>
               <a:t>Pre-computed data using aggregation functions (such as SUM, COUNT, MIN, MAX)</a:t>
             </a:r>
           </a:p>
           <a:p>
             <a:r>
-              <a:rPr lang="en-US" sz="2000" dirty="0" smtClean="0"/>
+              <a:rPr lang="en-US" sz="2000" dirty="0" smtClean="0">
+                <a:latin typeface="Arial" pitchFamily="34" charset="0"/>
+                <a:cs typeface="Arial" pitchFamily="34" charset="0"/>
+              </a:rPr>
               <a:t>Massive improvement in query processing time</a:t>
             </a:r>
           </a:p>
@@ -19906,19 +20109,31 @@
             <a:pPr marL="68580" indent="0">
               <a:buNone/>
             </a:pPr>
-            <a:endParaRPr lang="en-US" sz="2000" dirty="0" smtClean="0"/>
+            <a:endParaRPr lang="en-US" sz="2000" dirty="0" smtClean="0">
+              <a:latin typeface="Arial" pitchFamily="34" charset="0"/>
+              <a:cs typeface="Arial" pitchFamily="34" charset="0"/>
+            </a:endParaRPr>
           </a:p>
           <a:p>
             <a:pPr marL="68580" indent="0">
               <a:buNone/>
             </a:pPr>
-            <a:endParaRPr lang="en-US" dirty="0"/>
-          </a:p>
-          <a:p>
-            <a:endParaRPr lang="en-US" dirty="0"/>
-          </a:p>
-          <a:p>
-            <a:endParaRPr lang="en-US" dirty="0"/>
+            <a:endParaRPr lang="en-US" dirty="0">
+              <a:latin typeface="Arial" pitchFamily="34" charset="0"/>
+              <a:cs typeface="Arial" pitchFamily="34" charset="0"/>
+            </a:endParaRPr>
+          </a:p>
+          <a:p>
+            <a:endParaRPr lang="en-US" dirty="0">
+              <a:latin typeface="Arial" pitchFamily="34" charset="0"/>
+              <a:cs typeface="Arial" pitchFamily="34" charset="0"/>
+            </a:endParaRPr>
+          </a:p>
+          <a:p>
+            <a:endParaRPr lang="en-US" dirty="0">
+              <a:latin typeface="Arial" pitchFamily="34" charset="0"/>
+              <a:cs typeface="Arial" pitchFamily="34" charset="0"/>
+            </a:endParaRPr>
           </a:p>
         </p:txBody>
       </p:sp>
@@ -20073,7 +20288,10 @@
               <a:buNone/>
             </a:pPr>
             <a:r>
-              <a:rPr lang="en-US" dirty="0" smtClean="0"/>
+              <a:rPr lang="en-US" dirty="0" smtClean="0">
+                <a:latin typeface="Arial" pitchFamily="34" charset="0"/>
+                <a:cs typeface="Arial" pitchFamily="34" charset="0"/>
+              </a:rPr>
               <a:t>Query rewriting</a:t>
             </a:r>
           </a:p>
@@ -20081,24 +20299,42 @@
             <a:pPr marL="68580" indent="0">
               <a:buNone/>
             </a:pPr>
-            <a:endParaRPr lang="en-US" dirty="0" smtClean="0"/>
-          </a:p>
-          <a:p>
-            <a:r>
-              <a:rPr lang="en-US" sz="2000" dirty="0" smtClean="0"/>
+            <a:endParaRPr lang="en-US" dirty="0" smtClean="0">
+              <a:latin typeface="Arial" pitchFamily="34" charset="0"/>
+              <a:cs typeface="Arial" pitchFamily="34" charset="0"/>
+            </a:endParaRPr>
+          </a:p>
+          <a:p>
+            <a:r>
+              <a:rPr lang="en-US" sz="2000" dirty="0" smtClean="0">
+                <a:latin typeface="Arial" pitchFamily="34" charset="0"/>
+                <a:cs typeface="Arial" pitchFamily="34" charset="0"/>
+              </a:rPr>
               <a:t>Use the materialized view for rewrite the same query but more simply</a:t>
             </a:r>
-            <a:endParaRPr lang="en-US" sz="2000" dirty="0"/>
-          </a:p>
-          <a:p>
-            <a:endParaRPr lang="en-US" sz="2000" dirty="0" smtClean="0"/>
-          </a:p>
-          <a:p>
-            <a:endParaRPr lang="en-US" sz="2000" dirty="0" smtClean="0"/>
-          </a:p>
-          <a:p>
-            <a:r>
-              <a:rPr lang="en-US" sz="2000" dirty="0" smtClean="0"/>
+            <a:endParaRPr lang="en-US" sz="2000" dirty="0">
+              <a:latin typeface="Arial" pitchFamily="34" charset="0"/>
+              <a:cs typeface="Arial" pitchFamily="34" charset="0"/>
+            </a:endParaRPr>
+          </a:p>
+          <a:p>
+            <a:endParaRPr lang="en-US" sz="2000" dirty="0" smtClean="0">
+              <a:latin typeface="Arial" pitchFamily="34" charset="0"/>
+              <a:cs typeface="Arial" pitchFamily="34" charset="0"/>
+            </a:endParaRPr>
+          </a:p>
+          <a:p>
+            <a:endParaRPr lang="en-US" sz="2000" dirty="0" smtClean="0">
+              <a:latin typeface="Arial" pitchFamily="34" charset="0"/>
+              <a:cs typeface="Arial" pitchFamily="34" charset="0"/>
+            </a:endParaRPr>
+          </a:p>
+          <a:p>
+            <a:r>
+              <a:rPr lang="en-US" sz="2000" dirty="0" smtClean="0">
+                <a:latin typeface="Arial" pitchFamily="34" charset="0"/>
+                <a:cs typeface="Arial" pitchFamily="34" charset="0"/>
+              </a:rPr>
               <a:t>The query rewrite runs faster than the first query </a:t>
             </a:r>
           </a:p>
@@ -20106,62 +20342,98 @@
             <a:pPr marL="68580" indent="0">
               <a:buNone/>
             </a:pPr>
-            <a:endParaRPr lang="en-US" sz="2000" dirty="0" smtClean="0"/>
+            <a:endParaRPr lang="en-US" sz="2000" dirty="0" smtClean="0">
+              <a:latin typeface="Arial" pitchFamily="34" charset="0"/>
+              <a:cs typeface="Arial" pitchFamily="34" charset="0"/>
+            </a:endParaRPr>
           </a:p>
           <a:p>
             <a:pPr marL="68580" indent="0">
               <a:buNone/>
             </a:pPr>
-            <a:endParaRPr lang="en-US" sz="2000" dirty="0" smtClean="0"/>
-          </a:p>
-          <a:p>
-            <a:r>
-              <a:rPr lang="en-US" sz="2000" dirty="0"/>
+            <a:endParaRPr lang="en-US" sz="2000" dirty="0" smtClean="0">
+              <a:latin typeface="Arial" pitchFamily="34" charset="0"/>
+              <a:cs typeface="Arial" pitchFamily="34" charset="0"/>
+            </a:endParaRPr>
+          </a:p>
+          <a:p>
+            <a:r>
+              <a:rPr lang="en-US" sz="2000" dirty="0">
+                <a:latin typeface="Arial" pitchFamily="34" charset="0"/>
+                <a:cs typeface="Arial" pitchFamily="34" charset="0"/>
+              </a:rPr>
               <a:t>If the query is long, difficult and need to compute, the result return time will be long also</a:t>
             </a:r>
           </a:p>
           <a:p>
             <a:pPr lvl="1"/>
-            <a:endParaRPr lang="en-US" sz="1800" dirty="0"/>
-          </a:p>
-          <a:p>
-            <a:endParaRPr lang="en-US" sz="2000" dirty="0"/>
-          </a:p>
-          <a:p>
-            <a:endParaRPr lang="en-US" sz="2000" dirty="0" smtClean="0"/>
+            <a:endParaRPr lang="en-US" sz="1800" dirty="0">
+              <a:latin typeface="Arial" pitchFamily="34" charset="0"/>
+              <a:cs typeface="Arial" pitchFamily="34" charset="0"/>
+            </a:endParaRPr>
+          </a:p>
+          <a:p>
+            <a:endParaRPr lang="en-US" sz="2000" dirty="0">
+              <a:latin typeface="Arial" pitchFamily="34" charset="0"/>
+              <a:cs typeface="Arial" pitchFamily="34" charset="0"/>
+            </a:endParaRPr>
+          </a:p>
+          <a:p>
+            <a:endParaRPr lang="en-US" sz="2000" dirty="0" smtClean="0">
+              <a:latin typeface="Arial" pitchFamily="34" charset="0"/>
+              <a:cs typeface="Arial" pitchFamily="34" charset="0"/>
+            </a:endParaRPr>
           </a:p>
           <a:p>
             <a:pPr marL="68580" indent="0">
               <a:buNone/>
             </a:pPr>
-            <a:endParaRPr lang="en-US" sz="2000" dirty="0" smtClean="0"/>
+            <a:endParaRPr lang="en-US" sz="2000" dirty="0" smtClean="0">
+              <a:latin typeface="Arial" pitchFamily="34" charset="0"/>
+              <a:cs typeface="Arial" pitchFamily="34" charset="0"/>
+            </a:endParaRPr>
           </a:p>
           <a:p>
             <a:pPr marL="68580" indent="0">
               <a:buNone/>
             </a:pPr>
-            <a:endParaRPr lang="en-US" sz="2000" dirty="0" smtClean="0"/>
+            <a:endParaRPr lang="en-US" sz="2000" dirty="0" smtClean="0">
+              <a:latin typeface="Arial" pitchFamily="34" charset="0"/>
+              <a:cs typeface="Arial" pitchFamily="34" charset="0"/>
+            </a:endParaRPr>
           </a:p>
           <a:p>
             <a:pPr marL="68580" indent="0">
               <a:buNone/>
             </a:pPr>
-            <a:endParaRPr lang="en-US" sz="2000" dirty="0" smtClean="0"/>
+            <a:endParaRPr lang="en-US" sz="2000" dirty="0" smtClean="0">
+              <a:latin typeface="Arial" pitchFamily="34" charset="0"/>
+              <a:cs typeface="Arial" pitchFamily="34" charset="0"/>
+            </a:endParaRPr>
           </a:p>
           <a:p>
             <a:pPr marL="68580" indent="0">
               <a:buNone/>
             </a:pPr>
-            <a:endParaRPr lang="en-US" dirty="0" smtClean="0"/>
-          </a:p>
-          <a:p>
-            <a:endParaRPr lang="en-US" dirty="0" smtClean="0"/>
+            <a:endParaRPr lang="en-US" dirty="0" smtClean="0">
+              <a:latin typeface="Arial" pitchFamily="34" charset="0"/>
+              <a:cs typeface="Arial" pitchFamily="34" charset="0"/>
+            </a:endParaRPr>
+          </a:p>
+          <a:p>
+            <a:endParaRPr lang="en-US" dirty="0" smtClean="0">
+              <a:latin typeface="Arial" pitchFamily="34" charset="0"/>
+              <a:cs typeface="Arial" pitchFamily="34" charset="0"/>
+            </a:endParaRPr>
           </a:p>
           <a:p>
             <a:pPr marL="68580" indent="0">
               <a:buNone/>
             </a:pPr>
-            <a:endParaRPr lang="en-US" dirty="0"/>
+            <a:endParaRPr lang="en-US" dirty="0">
+              <a:latin typeface="Arial" pitchFamily="34" charset="0"/>
+              <a:cs typeface="Arial" pitchFamily="34" charset="0"/>
+            </a:endParaRPr>
           </a:p>
         </p:txBody>
       </p:sp>
@@ -20283,7 +20555,10 @@
               <a:buNone/>
             </a:pPr>
             <a:r>
-              <a:rPr lang="en-US" dirty="0" smtClean="0"/>
+              <a:rPr lang="en-US" dirty="0" smtClean="0">
+                <a:latin typeface="Arial" pitchFamily="34" charset="0"/>
+                <a:cs typeface="Arial" pitchFamily="34" charset="0"/>
+              </a:rPr>
               <a:t>Query rewriting</a:t>
             </a:r>
           </a:p>
@@ -20291,14 +20566,20 @@
             <a:pPr marL="68580" indent="0" algn="ctr">
               <a:buNone/>
             </a:pPr>
-            <a:endParaRPr lang="en-US" dirty="0"/>
+            <a:endParaRPr lang="en-US" dirty="0">
+              <a:latin typeface="Arial" pitchFamily="34" charset="0"/>
+              <a:cs typeface="Arial" pitchFamily="34" charset="0"/>
+            </a:endParaRPr>
           </a:p>
           <a:p>
             <a:pPr marL="68580" indent="0">
               <a:buNone/>
             </a:pPr>
             <a:r>
-              <a:rPr lang="en-US" dirty="0" smtClean="0"/>
+              <a:rPr lang="en-US" dirty="0" smtClean="0">
+                <a:latin typeface="Arial" pitchFamily="34" charset="0"/>
+                <a:cs typeface="Arial" pitchFamily="34" charset="0"/>
+              </a:rPr>
               <a:t>Example:</a:t>
             </a:r>
           </a:p>
@@ -20306,19 +20587,31 @@
             <a:pPr marL="68580" indent="0">
               <a:buNone/>
             </a:pPr>
-            <a:endParaRPr lang="en-US" dirty="0" smtClean="0"/>
-          </a:p>
-          <a:p>
-            <a:r>
-              <a:rPr lang="en-US" sz="2000" dirty="0" smtClean="0"/>
+            <a:endParaRPr lang="en-US" dirty="0" smtClean="0">
+              <a:latin typeface="Arial" pitchFamily="34" charset="0"/>
+              <a:cs typeface="Arial" pitchFamily="34" charset="0"/>
+            </a:endParaRPr>
+          </a:p>
+          <a:p>
+            <a:r>
+              <a:rPr lang="en-US" sz="2000" dirty="0" smtClean="0">
+                <a:latin typeface="Arial" pitchFamily="34" charset="0"/>
+                <a:cs typeface="Arial" pitchFamily="34" charset="0"/>
+              </a:rPr>
               <a:t>If the first query </a:t>
             </a:r>
             <a:r>
-              <a:rPr lang="en-US" sz="2000" b="1" dirty="0" smtClean="0"/>
+              <a:rPr lang="en-US" sz="2000" b="1" dirty="0" smtClean="0">
+                <a:latin typeface="Arial" pitchFamily="34" charset="0"/>
+                <a:cs typeface="Arial" pitchFamily="34" charset="0"/>
+              </a:rPr>
               <a:t>Q</a:t>
             </a:r>
             <a:r>
-              <a:rPr lang="en-US" sz="2000" dirty="0" smtClean="0"/>
+              <a:rPr lang="en-US" sz="2000" dirty="0" smtClean="0">
+                <a:latin typeface="Arial" pitchFamily="34" charset="0"/>
+                <a:cs typeface="Arial" pitchFamily="34" charset="0"/>
+              </a:rPr>
               <a:t> is </a:t>
             </a:r>
             <a:r>
@@ -20326,6 +20619,8 @@
                 <a:solidFill>
                   <a:srgbClr val="FF0000"/>
                 </a:solidFill>
+                <a:latin typeface="Arial" pitchFamily="34" charset="0"/>
+                <a:cs typeface="Arial" pitchFamily="34" charset="0"/>
               </a:rPr>
               <a:t>“</a:t>
             </a:r>
@@ -20334,6 +20629,8 @@
                 <a:solidFill>
                   <a:srgbClr val="FF0000"/>
                 </a:solidFill>
+                <a:latin typeface="Arial" pitchFamily="34" charset="0"/>
+                <a:cs typeface="Arial" pitchFamily="34" charset="0"/>
               </a:rPr>
               <a:t>give </a:t>
             </a:r>
@@ -20342,6 +20639,8 @@
                 <a:solidFill>
                   <a:srgbClr val="FF0000"/>
                 </a:solidFill>
+                <a:latin typeface="Arial" pitchFamily="34" charset="0"/>
+                <a:cs typeface="Arial" pitchFamily="34" charset="0"/>
               </a:rPr>
               <a:t>me the total </a:t>
             </a:r>
@@ -20350,6 +20649,8 @@
                 <a:solidFill>
                   <a:srgbClr val="FF0000"/>
                 </a:solidFill>
+                <a:latin typeface="Arial" pitchFamily="34" charset="0"/>
+                <a:cs typeface="Arial" pitchFamily="34" charset="0"/>
               </a:rPr>
               <a:t>connection </a:t>
             </a:r>
@@ -20358,6 +20659,8 @@
                 <a:solidFill>
                   <a:srgbClr val="FF0000"/>
                 </a:solidFill>
+                <a:latin typeface="Arial" pitchFamily="34" charset="0"/>
+                <a:cs typeface="Arial" pitchFamily="34" charset="0"/>
               </a:rPr>
               <a:t>per </a:t>
             </a:r>
@@ -20366,23 +20669,37 @@
                 <a:solidFill>
                   <a:srgbClr val="FF0000"/>
                 </a:solidFill>
+                <a:latin typeface="Arial" pitchFamily="34" charset="0"/>
+                <a:cs typeface="Arial" pitchFamily="34" charset="0"/>
               </a:rPr>
               <a:t>day” </a:t>
             </a:r>
             <a:r>
-              <a:rPr lang="en-US" sz="2000" dirty="0"/>
+              <a:rPr lang="en-US" sz="2000" dirty="0">
+                <a:latin typeface="Arial" pitchFamily="34" charset="0"/>
+                <a:cs typeface="Arial" pitchFamily="34" charset="0"/>
+              </a:rPr>
               <a:t>and </a:t>
             </a:r>
             <a:r>
-              <a:rPr lang="en-US" sz="2000" dirty="0" smtClean="0"/>
+              <a:rPr lang="en-US" sz="2000" dirty="0" smtClean="0">
+                <a:latin typeface="Arial" pitchFamily="34" charset="0"/>
+                <a:cs typeface="Arial" pitchFamily="34" charset="0"/>
+              </a:rPr>
               <a:t>if we already have evaluated (and stored) the total connection per day per course, the new query </a:t>
             </a:r>
             <a:r>
-              <a:rPr lang="en-US" sz="2000" b="1" dirty="0" smtClean="0"/>
+              <a:rPr lang="en-US" sz="2000" b="1" dirty="0" smtClean="0">
+                <a:latin typeface="Arial" pitchFamily="34" charset="0"/>
+                <a:cs typeface="Arial" pitchFamily="34" charset="0"/>
+              </a:rPr>
               <a:t>Q’</a:t>
             </a:r>
             <a:r>
-              <a:rPr lang="en-US" sz="2000" dirty="0" smtClean="0"/>
+              <a:rPr lang="en-US" sz="2000" dirty="0" smtClean="0">
+                <a:latin typeface="Arial" pitchFamily="34" charset="0"/>
+                <a:cs typeface="Arial" pitchFamily="34" charset="0"/>
+              </a:rPr>
               <a:t> can be rewritten as:</a:t>
             </a:r>
           </a:p>
@@ -20394,6 +20711,8 @@
               <a:solidFill>
                 <a:srgbClr val="FF0000"/>
               </a:solidFill>
+              <a:latin typeface="Arial" pitchFamily="34" charset="0"/>
+              <a:cs typeface="Arial" pitchFamily="34" charset="0"/>
             </a:endParaRPr>
           </a:p>
           <a:p>
@@ -20405,6 +20724,8 @@
                 <a:solidFill>
                   <a:srgbClr val="FF0000"/>
                 </a:solidFill>
+                <a:latin typeface="Arial" pitchFamily="34" charset="0"/>
+                <a:cs typeface="Arial" pitchFamily="34" charset="0"/>
               </a:rPr>
               <a:t>“</a:t>
             </a:r>
@@ -20413,6 +20734,8 @@
                 <a:solidFill>
                   <a:srgbClr val="FF0000"/>
                 </a:solidFill>
+                <a:latin typeface="Arial" pitchFamily="34" charset="0"/>
+                <a:cs typeface="Arial" pitchFamily="34" charset="0"/>
               </a:rPr>
               <a:t>give me the sum of totals per </a:t>
             </a:r>
@@ -20421,6 +20744,8 @@
                 <a:solidFill>
                   <a:srgbClr val="FF0000"/>
                 </a:solidFill>
+                <a:latin typeface="Arial" pitchFamily="34" charset="0"/>
+                <a:cs typeface="Arial" pitchFamily="34" charset="0"/>
               </a:rPr>
               <a:t>day </a:t>
             </a:r>
@@ -20429,6 +20754,8 @@
                 <a:solidFill>
                   <a:srgbClr val="FF0000"/>
                 </a:solidFill>
+                <a:latin typeface="Arial" pitchFamily="34" charset="0"/>
+                <a:cs typeface="Arial" pitchFamily="34" charset="0"/>
               </a:rPr>
               <a:t>per </a:t>
             </a:r>
@@ -20437,6 +20764,8 @@
                 <a:solidFill>
                   <a:srgbClr val="FF0000"/>
                 </a:solidFill>
+                <a:latin typeface="Arial" pitchFamily="34" charset="0"/>
+                <a:cs typeface="Arial" pitchFamily="34" charset="0"/>
               </a:rPr>
               <a:t>course”</a:t>
             </a:r>
@@ -20444,83 +20773,132 @@
               <a:solidFill>
                 <a:srgbClr val="FF0000"/>
               </a:solidFill>
+              <a:latin typeface="Arial" pitchFamily="34" charset="0"/>
+              <a:cs typeface="Arial" pitchFamily="34" charset="0"/>
             </a:endParaRPr>
           </a:p>
           <a:p>
             <a:pPr marL="68580" indent="0">
               <a:buNone/>
             </a:pPr>
-            <a:endParaRPr lang="en-US" sz="2000" dirty="0" smtClean="0"/>
-          </a:p>
-          <a:p>
-            <a:r>
-              <a:rPr lang="en-US" sz="2000" b="1" dirty="0" smtClean="0"/>
+            <a:endParaRPr lang="en-US" sz="2000" dirty="0" smtClean="0">
+              <a:latin typeface="Arial" pitchFamily="34" charset="0"/>
+              <a:cs typeface="Arial" pitchFamily="34" charset="0"/>
+            </a:endParaRPr>
+          </a:p>
+          <a:p>
+            <a:r>
+              <a:rPr lang="en-US" sz="2000" b="1" dirty="0" smtClean="0">
+                <a:latin typeface="Arial" pitchFamily="34" charset="0"/>
+                <a:cs typeface="Arial" pitchFamily="34" charset="0"/>
+              </a:rPr>
               <a:t>Q</a:t>
             </a:r>
             <a:r>
-              <a:rPr lang="en-US" sz="2000" dirty="0" smtClean="0"/>
+              <a:rPr lang="en-US" sz="2000" dirty="0" smtClean="0">
+                <a:latin typeface="Arial" pitchFamily="34" charset="0"/>
+                <a:cs typeface="Arial" pitchFamily="34" charset="0"/>
+              </a:rPr>
               <a:t> and </a:t>
             </a:r>
             <a:r>
-              <a:rPr lang="en-US" sz="2000" b="1" dirty="0" smtClean="0"/>
+              <a:rPr lang="en-US" sz="2000" b="1" dirty="0" smtClean="0">
+                <a:latin typeface="Arial" pitchFamily="34" charset="0"/>
+                <a:cs typeface="Arial" pitchFamily="34" charset="0"/>
+              </a:rPr>
               <a:t>Q’</a:t>
             </a:r>
             <a:r>
-              <a:rPr lang="en-US" sz="2000" dirty="0" smtClean="0"/>
+              <a:rPr lang="en-US" sz="2000" dirty="0" smtClean="0">
+                <a:latin typeface="Arial" pitchFamily="34" charset="0"/>
+                <a:cs typeface="Arial" pitchFamily="34" charset="0"/>
+              </a:rPr>
               <a:t> return </a:t>
             </a:r>
             <a:r>
-              <a:rPr lang="en-US" sz="2000" dirty="0"/>
+              <a:rPr lang="en-US" sz="2000" dirty="0">
+                <a:latin typeface="Arial" pitchFamily="34" charset="0"/>
+                <a:cs typeface="Arial" pitchFamily="34" charset="0"/>
+              </a:rPr>
               <a:t>the same result but the rewritten </a:t>
             </a:r>
             <a:r>
-              <a:rPr lang="en-US" sz="2000" dirty="0" smtClean="0"/>
+              <a:rPr lang="en-US" sz="2000" dirty="0" smtClean="0">
+                <a:latin typeface="Arial" pitchFamily="34" charset="0"/>
+                <a:cs typeface="Arial" pitchFamily="34" charset="0"/>
+              </a:rPr>
               <a:t>query is easier to evaluate because it reuse already stored results 	</a:t>
             </a:r>
             <a:endParaRPr lang="en-US" sz="1800" b="1" dirty="0" smtClean="0">
               <a:solidFill>
                 <a:srgbClr val="FF0000"/>
               </a:solidFill>
+              <a:latin typeface="Arial" pitchFamily="34" charset="0"/>
+              <a:cs typeface="Arial" pitchFamily="34" charset="0"/>
             </a:endParaRPr>
           </a:p>
           <a:p>
-            <a:endParaRPr lang="en-US" sz="2000" dirty="0"/>
-          </a:p>
-          <a:p>
-            <a:endParaRPr lang="en-US" sz="2000" dirty="0" smtClean="0"/>
+            <a:endParaRPr lang="en-US" sz="2000" dirty="0">
+              <a:latin typeface="Arial" pitchFamily="34" charset="0"/>
+              <a:cs typeface="Arial" pitchFamily="34" charset="0"/>
+            </a:endParaRPr>
+          </a:p>
+          <a:p>
+            <a:endParaRPr lang="en-US" sz="2000" dirty="0" smtClean="0">
+              <a:latin typeface="Arial" pitchFamily="34" charset="0"/>
+              <a:cs typeface="Arial" pitchFamily="34" charset="0"/>
+            </a:endParaRPr>
           </a:p>
           <a:p>
             <a:pPr marL="68580" indent="0">
               <a:buNone/>
             </a:pPr>
-            <a:endParaRPr lang="en-US" sz="2000" dirty="0" smtClean="0"/>
+            <a:endParaRPr lang="en-US" sz="2000" dirty="0" smtClean="0">
+              <a:latin typeface="Arial" pitchFamily="34" charset="0"/>
+              <a:cs typeface="Arial" pitchFamily="34" charset="0"/>
+            </a:endParaRPr>
           </a:p>
           <a:p>
             <a:pPr marL="68580" indent="0">
               <a:buNone/>
             </a:pPr>
-            <a:endParaRPr lang="en-US" sz="2000" dirty="0" smtClean="0"/>
+            <a:endParaRPr lang="en-US" sz="2000" dirty="0" smtClean="0">
+              <a:latin typeface="Arial" pitchFamily="34" charset="0"/>
+              <a:cs typeface="Arial" pitchFamily="34" charset="0"/>
+            </a:endParaRPr>
           </a:p>
           <a:p>
             <a:pPr marL="68580" indent="0">
               <a:buNone/>
             </a:pPr>
-            <a:endParaRPr lang="en-US" sz="2000" dirty="0" smtClean="0"/>
+            <a:endParaRPr lang="en-US" sz="2000" dirty="0" smtClean="0">
+              <a:latin typeface="Arial" pitchFamily="34" charset="0"/>
+              <a:cs typeface="Arial" pitchFamily="34" charset="0"/>
+            </a:endParaRPr>
           </a:p>
           <a:p>
             <a:pPr marL="68580" indent="0">
               <a:buNone/>
             </a:pPr>
-            <a:endParaRPr lang="en-US" dirty="0" smtClean="0"/>
-          </a:p>
-          <a:p>
-            <a:endParaRPr lang="en-US" dirty="0" smtClean="0"/>
+            <a:endParaRPr lang="en-US" dirty="0" smtClean="0">
+              <a:latin typeface="Arial" pitchFamily="34" charset="0"/>
+              <a:cs typeface="Arial" pitchFamily="34" charset="0"/>
+            </a:endParaRPr>
+          </a:p>
+          <a:p>
+            <a:endParaRPr lang="en-US" dirty="0" smtClean="0">
+              <a:latin typeface="Arial" pitchFamily="34" charset="0"/>
+              <a:cs typeface="Arial" pitchFamily="34" charset="0"/>
+            </a:endParaRPr>
           </a:p>
           <a:p>
             <a:pPr marL="68580" indent="0">
               <a:buNone/>
             </a:pPr>
-            <a:endParaRPr lang="en-US" dirty="0"/>
+            <a:endParaRPr lang="en-US" dirty="0">
+              <a:latin typeface="Arial" pitchFamily="34" charset="0"/>
+              <a:cs typeface="Arial" pitchFamily="34" charset="0"/>
+            </a:endParaRPr>
           </a:p>
         </p:txBody>
       </p:sp>
@@ -20626,7 +21004,10 @@
               <a:buNone/>
             </a:pPr>
             <a:r>
-              <a:rPr lang="en-US" dirty="0" smtClean="0"/>
+              <a:rPr lang="en-US" dirty="0" smtClean="0">
+                <a:latin typeface="Arial" pitchFamily="34" charset="0"/>
+                <a:cs typeface="Arial" pitchFamily="34" charset="0"/>
+              </a:rPr>
               <a:t>Query Rewriting</a:t>
             </a:r>
           </a:p>
@@ -20634,14 +21015,20 @@
             <a:pPr marL="68580" indent="0">
               <a:buNone/>
             </a:pPr>
-            <a:endParaRPr lang="en-US" dirty="0" smtClean="0"/>
+            <a:endParaRPr lang="en-US" dirty="0" smtClean="0">
+              <a:latin typeface="Arial" pitchFamily="34" charset="0"/>
+              <a:cs typeface="Arial" pitchFamily="34" charset="0"/>
+            </a:endParaRPr>
           </a:p>
           <a:p>
             <a:pPr marL="68580" indent="0">
               <a:buNone/>
             </a:pPr>
             <a:r>
-              <a:rPr lang="en-US" dirty="0" smtClean="0"/>
+              <a:rPr lang="en-US" dirty="0" smtClean="0">
+                <a:latin typeface="Arial" pitchFamily="34" charset="0"/>
+                <a:cs typeface="Arial" pitchFamily="34" charset="0"/>
+              </a:rPr>
               <a:t>Example:</a:t>
             </a:r>
           </a:p>
@@ -20649,16 +21036,25 @@
             <a:pPr marL="68580" indent="0">
               <a:buNone/>
             </a:pPr>
-            <a:endParaRPr lang="en-US" dirty="0" smtClean="0"/>
-          </a:p>
-          <a:p>
-            <a:endParaRPr lang="en-US" dirty="0" smtClean="0"/>
+            <a:endParaRPr lang="en-US" dirty="0" smtClean="0">
+              <a:latin typeface="Arial" pitchFamily="34" charset="0"/>
+              <a:cs typeface="Arial" pitchFamily="34" charset="0"/>
+            </a:endParaRPr>
+          </a:p>
+          <a:p>
+            <a:endParaRPr lang="en-US" dirty="0" smtClean="0">
+              <a:latin typeface="Arial" pitchFamily="34" charset="0"/>
+              <a:cs typeface="Arial" pitchFamily="34" charset="0"/>
+            </a:endParaRPr>
           </a:p>
           <a:p>
             <a:pPr marL="68580" indent="0">
               <a:buNone/>
             </a:pPr>
-            <a:endParaRPr lang="en-US" dirty="0"/>
+            <a:endParaRPr lang="en-US" dirty="0">
+              <a:latin typeface="Arial" pitchFamily="34" charset="0"/>
+              <a:cs typeface="Arial" pitchFamily="34" charset="0"/>
+            </a:endParaRPr>
           </a:p>
         </p:txBody>
       </p:sp>
@@ -21049,7 +21445,10 @@
               <a:buNone/>
             </a:pPr>
             <a:r>
-              <a:rPr lang="en-US" dirty="0" smtClean="0"/>
+              <a:rPr lang="en-US" dirty="0" smtClean="0">
+                <a:latin typeface="Arial" pitchFamily="34" charset="0"/>
+                <a:cs typeface="Arial" pitchFamily="34" charset="0"/>
+              </a:rPr>
               <a:t>Query rewriting</a:t>
             </a:r>
           </a:p>
@@ -21057,14 +21456,20 @@
             <a:pPr marL="68580" indent="0">
               <a:buNone/>
             </a:pPr>
-            <a:endParaRPr lang="en-US" dirty="0" smtClean="0"/>
+            <a:endParaRPr lang="en-US" dirty="0" smtClean="0">
+              <a:latin typeface="Arial" pitchFamily="34" charset="0"/>
+              <a:cs typeface="Arial" pitchFamily="34" charset="0"/>
+            </a:endParaRPr>
           </a:p>
           <a:p>
             <a:pPr marL="68580" indent="0">
               <a:buNone/>
             </a:pPr>
             <a:r>
-              <a:rPr lang="en-US" dirty="0" smtClean="0"/>
+              <a:rPr lang="en-US" dirty="0" smtClean="0">
+                <a:latin typeface="Arial" pitchFamily="34" charset="0"/>
+                <a:cs typeface="Arial" pitchFamily="34" charset="0"/>
+              </a:rPr>
               <a:t>Example:</a:t>
             </a:r>
           </a:p>
@@ -21072,16 +21477,25 @@
             <a:pPr marL="68580" indent="0">
               <a:buNone/>
             </a:pPr>
-            <a:endParaRPr lang="en-US" dirty="0" smtClean="0"/>
-          </a:p>
-          <a:p>
-            <a:endParaRPr lang="en-US" dirty="0" smtClean="0"/>
+            <a:endParaRPr lang="en-US" dirty="0" smtClean="0">
+              <a:latin typeface="Arial" pitchFamily="34" charset="0"/>
+              <a:cs typeface="Arial" pitchFamily="34" charset="0"/>
+            </a:endParaRPr>
+          </a:p>
+          <a:p>
+            <a:endParaRPr lang="en-US" dirty="0" smtClean="0">
+              <a:latin typeface="Arial" pitchFamily="34" charset="0"/>
+              <a:cs typeface="Arial" pitchFamily="34" charset="0"/>
+            </a:endParaRPr>
           </a:p>
           <a:p>
             <a:pPr marL="68580" indent="0">
               <a:buNone/>
             </a:pPr>
-            <a:endParaRPr lang="en-US" dirty="0"/>
+            <a:endParaRPr lang="en-US" dirty="0">
+              <a:latin typeface="Arial" pitchFamily="34" charset="0"/>
+              <a:cs typeface="Arial" pitchFamily="34" charset="0"/>
+            </a:endParaRPr>
           </a:p>
         </p:txBody>
       </p:sp>
@@ -21252,6 +21666,8 @@
                 <a:solidFill>
                   <a:schemeClr val="tx2"/>
                 </a:solidFill>
+                <a:latin typeface="Arial" pitchFamily="34" charset="0"/>
+                <a:cs typeface="Arial" pitchFamily="34" charset="0"/>
               </a:rPr>
               <a:t>Performance comparison between MonetDB and MySQL</a:t>
             </a:r>
@@ -21281,64 +21697,109 @@
           <a:lstStyle/>
           <a:p>
             <a:r>
-              <a:rPr lang="en-US" dirty="0" smtClean="0"/>
+              <a:rPr lang="en-US" dirty="0" smtClean="0">
+                <a:latin typeface="Arial" pitchFamily="34" charset="0"/>
+                <a:cs typeface="Arial" pitchFamily="34" charset="0"/>
+              </a:rPr>
               <a:t>For do the test we dispose of one computer with these characteristics:</a:t>
             </a:r>
           </a:p>
           <a:p>
-            <a:endParaRPr lang="en-US" dirty="0" smtClean="0"/>
-          </a:p>
-          <a:p>
-            <a:endParaRPr lang="en-US" dirty="0"/>
-          </a:p>
-          <a:p>
-            <a:r>
-              <a:rPr lang="en-US" dirty="0" smtClean="0"/>
+            <a:endParaRPr lang="en-US" dirty="0" smtClean="0">
+              <a:latin typeface="Arial" pitchFamily="34" charset="0"/>
+              <a:cs typeface="Arial" pitchFamily="34" charset="0"/>
+            </a:endParaRPr>
+          </a:p>
+          <a:p>
+            <a:endParaRPr lang="en-US" dirty="0">
+              <a:latin typeface="Arial" pitchFamily="34" charset="0"/>
+              <a:cs typeface="Arial" pitchFamily="34" charset="0"/>
+            </a:endParaRPr>
+          </a:p>
+          <a:p>
+            <a:r>
+              <a:rPr lang="en-US" dirty="0" smtClean="0">
+                <a:latin typeface="Arial" pitchFamily="34" charset="0"/>
+                <a:cs typeface="Arial" pitchFamily="34" charset="0"/>
+              </a:rPr>
               <a:t>OS: windows 7</a:t>
             </a:r>
           </a:p>
           <a:p>
-            <a:endParaRPr lang="en-US" dirty="0" smtClean="0"/>
-          </a:p>
-          <a:p>
-            <a:endParaRPr lang="en-US" dirty="0"/>
-          </a:p>
-          <a:p>
-            <a:r>
-              <a:rPr lang="en-US" dirty="0" smtClean="0"/>
+            <a:endParaRPr lang="en-US" dirty="0" smtClean="0">
+              <a:latin typeface="Arial" pitchFamily="34" charset="0"/>
+              <a:cs typeface="Arial" pitchFamily="34" charset="0"/>
+            </a:endParaRPr>
+          </a:p>
+          <a:p>
+            <a:endParaRPr lang="en-US" dirty="0">
+              <a:latin typeface="Arial" pitchFamily="34" charset="0"/>
+              <a:cs typeface="Arial" pitchFamily="34" charset="0"/>
+            </a:endParaRPr>
+          </a:p>
+          <a:p>
+            <a:r>
+              <a:rPr lang="en-US" dirty="0" smtClean="0">
+                <a:latin typeface="Arial" pitchFamily="34" charset="0"/>
+                <a:cs typeface="Arial" pitchFamily="34" charset="0"/>
+              </a:rPr>
               <a:t>RAM: 4GB</a:t>
             </a:r>
           </a:p>
           <a:p>
-            <a:endParaRPr lang="en-US" dirty="0" smtClean="0"/>
-          </a:p>
-          <a:p>
-            <a:endParaRPr lang="en-US" dirty="0"/>
-          </a:p>
-          <a:p>
-            <a:r>
-              <a:rPr lang="en-US" dirty="0" smtClean="0"/>
+            <a:endParaRPr lang="en-US" dirty="0" smtClean="0">
+              <a:latin typeface="Arial" pitchFamily="34" charset="0"/>
+              <a:cs typeface="Arial" pitchFamily="34" charset="0"/>
+            </a:endParaRPr>
+          </a:p>
+          <a:p>
+            <a:endParaRPr lang="en-US" dirty="0">
+              <a:latin typeface="Arial" pitchFamily="34" charset="0"/>
+              <a:cs typeface="Arial" pitchFamily="34" charset="0"/>
+            </a:endParaRPr>
+          </a:p>
+          <a:p>
+            <a:r>
+              <a:rPr lang="en-US" dirty="0" smtClean="0">
+                <a:latin typeface="Arial" pitchFamily="34" charset="0"/>
+                <a:cs typeface="Arial" pitchFamily="34" charset="0"/>
+              </a:rPr>
               <a:t>Processor: Quad-Core 2.5GHz</a:t>
             </a:r>
           </a:p>
           <a:p>
-            <a:endParaRPr lang="en-US" dirty="0" smtClean="0"/>
-          </a:p>
-          <a:p>
-            <a:endParaRPr lang="en-US" dirty="0"/>
-          </a:p>
-          <a:p>
-            <a:r>
-              <a:rPr lang="en-US" dirty="0" smtClean="0"/>
+            <a:endParaRPr lang="en-US" dirty="0" smtClean="0">
+              <a:latin typeface="Arial" pitchFamily="34" charset="0"/>
+              <a:cs typeface="Arial" pitchFamily="34" charset="0"/>
+            </a:endParaRPr>
+          </a:p>
+          <a:p>
+            <a:endParaRPr lang="en-US" dirty="0">
+              <a:latin typeface="Arial" pitchFamily="34" charset="0"/>
+              <a:cs typeface="Arial" pitchFamily="34" charset="0"/>
+            </a:endParaRPr>
+          </a:p>
+          <a:p>
+            <a:r>
+              <a:rPr lang="en-US" dirty="0" smtClean="0">
+                <a:latin typeface="Arial" pitchFamily="34" charset="0"/>
+                <a:cs typeface="Arial" pitchFamily="34" charset="0"/>
+              </a:rPr>
               <a:t>Database : 4GB (5Million rows)</a:t>
             </a:r>
           </a:p>
           <a:p>
             <a:r>
-              <a:rPr lang="en-US" dirty="0" smtClean="0"/>
+              <a:rPr lang="en-US" dirty="0" smtClean="0">
+                <a:latin typeface="Arial" pitchFamily="34" charset="0"/>
+                <a:cs typeface="Arial" pitchFamily="34" charset="0"/>
+              </a:rPr>
               <a:t> </a:t>
             </a:r>
-            <a:endParaRPr lang="en-US" dirty="0"/>
+            <a:endParaRPr lang="en-US" dirty="0">
+              <a:latin typeface="Arial" pitchFamily="34" charset="0"/>
+              <a:cs typeface="Arial" pitchFamily="34" charset="0"/>
+            </a:endParaRPr>
           </a:p>
         </p:txBody>
       </p:sp>
@@ -21818,10 +22279,16 @@
           <a:p>
             <a:pPr algn="just"/>
             <a:r>
-              <a:rPr lang="en-US" dirty="0" smtClean="0"/>
+              <a:rPr lang="en-US" dirty="0" smtClean="0">
+                <a:latin typeface="Arial" pitchFamily="34" charset="0"/>
+                <a:cs typeface="Arial" pitchFamily="34" charset="0"/>
+              </a:rPr>
               <a:t>Motivation: We must compare MySQL and MonetDB for find what is the faster without the optimization performance in the first time and with in the second part.</a:t>
             </a:r>
-            <a:endParaRPr lang="en-US" dirty="0"/>
+            <a:endParaRPr lang="en-US" dirty="0">
+              <a:latin typeface="Arial" pitchFamily="34" charset="0"/>
+              <a:cs typeface="Arial" pitchFamily="34" charset="0"/>
+            </a:endParaRPr>
           </a:p>
         </p:txBody>
       </p:sp>
@@ -21849,10 +22316,16 @@
           <a:p>
             <a:pPr algn="ctr"/>
             <a:r>
-              <a:rPr lang="en-US" dirty="0" smtClean="0"/>
+              <a:rPr lang="en-US" dirty="0" smtClean="0">
+                <a:latin typeface="Arial" pitchFamily="34" charset="0"/>
+                <a:cs typeface="Arial" pitchFamily="34" charset="0"/>
+              </a:rPr>
               <a:t>4.7 million of rows</a:t>
             </a:r>
-            <a:endParaRPr lang="en-US" dirty="0"/>
+            <a:endParaRPr lang="en-US" dirty="0">
+              <a:latin typeface="Arial" pitchFamily="34" charset="0"/>
+              <a:cs typeface="Arial" pitchFamily="34" charset="0"/>
+            </a:endParaRPr>
           </a:p>
         </p:txBody>
       </p:sp>
@@ -21880,10 +22353,16 @@
           <a:p>
             <a:pPr algn="ctr"/>
             <a:r>
-              <a:rPr lang="en-US" dirty="0" smtClean="0"/>
+              <a:rPr lang="en-US" dirty="0" smtClean="0">
+                <a:latin typeface="Arial" pitchFamily="34" charset="0"/>
+                <a:cs typeface="Arial" pitchFamily="34" charset="0"/>
+              </a:rPr>
               <a:t>4000 rows</a:t>
             </a:r>
-            <a:endParaRPr lang="en-US" dirty="0"/>
+            <a:endParaRPr lang="en-US" dirty="0">
+              <a:latin typeface="Arial" pitchFamily="34" charset="0"/>
+              <a:cs typeface="Arial" pitchFamily="34" charset="0"/>
+            </a:endParaRPr>
           </a:p>
         </p:txBody>
       </p:sp>
@@ -21911,10 +22390,16 @@
           <a:p>
             <a:pPr algn="ctr"/>
             <a:r>
-              <a:rPr lang="en-US" dirty="0" smtClean="0"/>
+              <a:rPr lang="en-US" dirty="0" smtClean="0">
+                <a:latin typeface="Arial" pitchFamily="34" charset="0"/>
+                <a:cs typeface="Arial" pitchFamily="34" charset="0"/>
+              </a:rPr>
               <a:t>149 rows</a:t>
             </a:r>
-            <a:endParaRPr lang="en-US" dirty="0"/>
+            <a:endParaRPr lang="en-US" dirty="0">
+              <a:latin typeface="Arial" pitchFamily="34" charset="0"/>
+              <a:cs typeface="Arial" pitchFamily="34" charset="0"/>
+            </a:endParaRPr>
           </a:p>
         </p:txBody>
       </p:sp>
@@ -22021,6 +22506,8 @@
                 <a:solidFill>
                   <a:schemeClr val="tx2"/>
                 </a:solidFill>
+                <a:latin typeface="Arial" pitchFamily="34" charset="0"/>
+                <a:cs typeface="Arial" pitchFamily="34" charset="0"/>
               </a:rPr>
               <a:t>Performance </a:t>
             </a:r>
@@ -22029,6 +22516,8 @@
                 <a:solidFill>
                   <a:schemeClr val="tx2"/>
                 </a:solidFill>
+                <a:latin typeface="Arial" pitchFamily="34" charset="0"/>
+                <a:cs typeface="Arial" pitchFamily="34" charset="0"/>
               </a:rPr>
               <a:t>Comparison </a:t>
             </a:r>
@@ -22037,6 +22526,8 @@
                 <a:solidFill>
                   <a:schemeClr val="tx2"/>
                 </a:solidFill>
+                <a:latin typeface="Arial" pitchFamily="34" charset="0"/>
+                <a:cs typeface="Arial" pitchFamily="34" charset="0"/>
               </a:rPr>
               <a:t>between MonetDB and MySQL</a:t>
             </a:r>
@@ -22160,36 +22651,60 @@
           <a:lstStyle/>
           <a:p>
             <a:r>
-              <a:rPr lang="en-US" dirty="0" smtClean="0"/>
+              <a:rPr lang="en-US" dirty="0" smtClean="0">
+                <a:latin typeface="Arial" pitchFamily="34" charset="0"/>
+                <a:cs typeface="Arial" pitchFamily="34" charset="0"/>
+              </a:rPr>
               <a:t>The query is: </a:t>
             </a:r>
           </a:p>
           <a:p>
             <a:r>
-              <a:rPr lang="en-US" b="1" dirty="0" smtClean="0"/>
+              <a:rPr lang="en-US" b="1" dirty="0" smtClean="0">
+                <a:latin typeface="Arial" pitchFamily="34" charset="0"/>
+                <a:cs typeface="Arial" pitchFamily="34" charset="0"/>
+              </a:rPr>
               <a:t>Give me </a:t>
             </a:r>
             <a:r>
-              <a:rPr lang="en-US" dirty="0" smtClean="0"/>
+              <a:rPr lang="en-US" dirty="0" smtClean="0">
+                <a:latin typeface="Arial" pitchFamily="34" charset="0"/>
+                <a:cs typeface="Arial" pitchFamily="34" charset="0"/>
+              </a:rPr>
               <a:t>the number of unique e-Learning sign on between the </a:t>
             </a:r>
             <a:r>
-              <a:rPr lang="en-US" b="1" dirty="0" smtClean="0"/>
+              <a:rPr lang="en-US" b="1" dirty="0" smtClean="0">
+                <a:latin typeface="Arial" pitchFamily="34" charset="0"/>
+                <a:cs typeface="Arial" pitchFamily="34" charset="0"/>
+              </a:rPr>
               <a:t>2014/01/01</a:t>
             </a:r>
             <a:r>
-              <a:rPr lang="en-US" dirty="0" smtClean="0"/>
+              <a:rPr lang="en-US" dirty="0" smtClean="0">
+                <a:latin typeface="Arial" pitchFamily="34" charset="0"/>
+                <a:cs typeface="Arial" pitchFamily="34" charset="0"/>
+              </a:rPr>
               <a:t> and </a:t>
             </a:r>
             <a:r>
-              <a:rPr lang="en-US" b="1" dirty="0" smtClean="0"/>
+              <a:rPr lang="en-US" b="1" dirty="0" smtClean="0">
+                <a:latin typeface="Arial" pitchFamily="34" charset="0"/>
+                <a:cs typeface="Arial" pitchFamily="34" charset="0"/>
+              </a:rPr>
               <a:t>2015/01/01 </a:t>
             </a:r>
             <a:r>
-              <a:rPr lang="en-US" dirty="0" smtClean="0"/>
+              <a:rPr lang="en-US" dirty="0" smtClean="0">
+                <a:latin typeface="Arial" pitchFamily="34" charset="0"/>
+                <a:cs typeface="Arial" pitchFamily="34" charset="0"/>
+              </a:rPr>
               <a:t>per hour</a:t>
             </a:r>
-            <a:endParaRPr lang="en-US" dirty="0"/>
+            <a:endParaRPr lang="en-US" dirty="0">
+              <a:latin typeface="Arial" pitchFamily="34" charset="0"/>
+              <a:cs typeface="Arial" pitchFamily="34" charset="0"/>
+            </a:endParaRPr>
           </a:p>
         </p:txBody>
       </p:sp>
@@ -22216,10 +22731,16 @@
           <a:lstStyle/>
           <a:p>
             <a:r>
-              <a:rPr lang="en-US" dirty="0" smtClean="0"/>
+              <a:rPr lang="en-US" dirty="0" smtClean="0">
+                <a:latin typeface="Arial" pitchFamily="34" charset="0"/>
+                <a:cs typeface="Arial" pitchFamily="34" charset="0"/>
+              </a:rPr>
               <a:t>The result return time without optimized performance:</a:t>
             </a:r>
-            <a:endParaRPr lang="en-US" dirty="0"/>
+            <a:endParaRPr lang="en-US" dirty="0">
+              <a:latin typeface="Arial" pitchFamily="34" charset="0"/>
+              <a:cs typeface="Arial" pitchFamily="34" charset="0"/>
+            </a:endParaRPr>
           </a:p>
         </p:txBody>
       </p:sp>
@@ -22525,6 +23046,8 @@
                 <a:solidFill>
                   <a:schemeClr val="tx2"/>
                 </a:solidFill>
+                <a:latin typeface="Arial" pitchFamily="34" charset="0"/>
+                <a:cs typeface="Arial" pitchFamily="34" charset="0"/>
               </a:rPr>
               <a:t>Performance comparison between MonetDB and MySQL</a:t>
             </a:r>
@@ -22554,10 +23077,16 @@
           <a:lstStyle/>
           <a:p>
             <a:r>
-              <a:rPr lang="en-US" dirty="0" smtClean="0"/>
+              <a:rPr lang="en-US" dirty="0" smtClean="0">
+                <a:latin typeface="Arial" pitchFamily="34" charset="0"/>
+                <a:cs typeface="Arial" pitchFamily="34" charset="0"/>
+              </a:rPr>
               <a:t>The result return time with optimized performance:</a:t>
             </a:r>
-            <a:endParaRPr lang="en-US" dirty="0"/>
+            <a:endParaRPr lang="en-US" dirty="0">
+              <a:latin typeface="Arial" pitchFamily="34" charset="0"/>
+              <a:cs typeface="Arial" pitchFamily="34" charset="0"/>
+            </a:endParaRPr>
           </a:p>
         </p:txBody>
       </p:sp>
@@ -22863,6 +23392,8 @@
                 <a:solidFill>
                   <a:schemeClr val="tx2"/>
                 </a:solidFill>
+                <a:latin typeface="Arial" pitchFamily="34" charset="0"/>
+                <a:cs typeface="Arial" pitchFamily="34" charset="0"/>
               </a:rPr>
               <a:t>We saw a significant difference between MonetDB and MySQL with the optimize performance in the result return time.</a:t>
             </a:r>
@@ -22870,6 +23401,8 @@
               <a:solidFill>
                 <a:schemeClr val="tx2"/>
               </a:solidFill>
+              <a:latin typeface="Arial" pitchFamily="34" charset="0"/>
+              <a:cs typeface="Arial" pitchFamily="34" charset="0"/>
             </a:endParaRPr>
           </a:p>
         </p:txBody>
@@ -23031,6 +23564,8 @@
                 <a:solidFill>
                   <a:schemeClr val="tx2"/>
                 </a:solidFill>
+                <a:latin typeface="Arial" pitchFamily="34" charset="0"/>
+                <a:cs typeface="Arial" pitchFamily="34" charset="0"/>
               </a:rPr>
               <a:t>Try a hybrid storage model with mediator based prototype</a:t>
             </a:r>
@@ -23038,6 +23573,8 @@
               <a:solidFill>
                 <a:schemeClr val="tx2"/>
               </a:solidFill>
+              <a:latin typeface="Arial" pitchFamily="34" charset="0"/>
+              <a:cs typeface="Arial" pitchFamily="34" charset="0"/>
             </a:endParaRPr>
           </a:p>
         </p:txBody>
@@ -23640,7 +24177,7 @@
         <p:spPr>
           <a:xfrm>
             <a:off x="926011" y="1905000"/>
-            <a:ext cx="7315200" cy="3108543"/>
+            <a:ext cx="7315200" cy="2677656"/>
           </a:xfrm>
           <a:prstGeom prst="rect">
             <a:avLst/>
@@ -23658,6 +24195,8 @@
                 <a:solidFill>
                   <a:schemeClr val="tx2"/>
                 </a:solidFill>
+                <a:latin typeface="Arial" pitchFamily="34" charset="0"/>
+                <a:cs typeface="Arial" pitchFamily="34" charset="0"/>
               </a:rPr>
               <a:t>With the result and the future works we can conclude that we can have the choice and the test with the hybrid storage model can be really important and can improve the result return time and the choice between row and column oriented </a:t>
             </a:r>
@@ -23665,6 +24204,8 @@
               <a:solidFill>
                 <a:schemeClr val="tx2"/>
               </a:solidFill>
+              <a:latin typeface="Arial" pitchFamily="34" charset="0"/>
+              <a:cs typeface="Arial" pitchFamily="34" charset="0"/>
             </a:endParaRPr>
           </a:p>
         </p:txBody>
@@ -23772,6 +24313,8 @@
                 <a:solidFill>
                   <a:schemeClr val="tx2"/>
                 </a:solidFill>
+                <a:latin typeface="Arial" pitchFamily="34" charset="0"/>
+                <a:cs typeface="Arial" pitchFamily="34" charset="0"/>
               </a:rPr>
               <a:t>Thank you for your attention</a:t>
             </a:r>
@@ -23782,6 +24325,8 @@
               <a:solidFill>
                 <a:schemeClr val="tx2"/>
               </a:solidFill>
+              <a:latin typeface="Arial" pitchFamily="34" charset="0"/>
+              <a:cs typeface="Arial" pitchFamily="34" charset="0"/>
             </a:endParaRPr>
           </a:p>
           <a:p>
@@ -23791,6 +24336,8 @@
                 <a:solidFill>
                   <a:schemeClr val="tx2"/>
                 </a:solidFill>
+                <a:latin typeface="Arial" pitchFamily="34" charset="0"/>
+                <a:cs typeface="Arial" pitchFamily="34" charset="0"/>
               </a:rPr>
               <a:t>Any question?</a:t>
             </a:r>
@@ -23798,6 +24345,8 @@
               <a:solidFill>
                 <a:schemeClr val="tx2"/>
               </a:solidFill>
+              <a:latin typeface="Arial" pitchFamily="34" charset="0"/>
+              <a:cs typeface="Arial" pitchFamily="34" charset="0"/>
             </a:endParaRPr>
           </a:p>
         </p:txBody>
@@ -25038,7 +25587,10 @@
               <a:buNone/>
             </a:pPr>
             <a:r>
-              <a:rPr lang="en-US" dirty="0" smtClean="0"/>
+              <a:rPr lang="en-US" dirty="0" smtClean="0">
+                <a:latin typeface="Arial" pitchFamily="34" charset="0"/>
+                <a:cs typeface="Arial" pitchFamily="34" charset="0"/>
+              </a:rPr>
               <a:t>What is Cloud Computing?</a:t>
             </a:r>
           </a:p>
@@ -25589,7 +26141,7 @@
         </p:nvSpPr>
         <p:spPr>
           <a:xfrm>
-            <a:off x="1207394" y="2762071"/>
+            <a:off x="1237874" y="2762071"/>
             <a:ext cx="7010400" cy="1200329"/>
           </a:xfrm>
           <a:prstGeom prst="rect">
@@ -25869,13 +26421,29 @@
                 <a:latin typeface="Arial" pitchFamily="34" charset="0"/>
                 <a:cs typeface="Arial" pitchFamily="34" charset="0"/>
               </a:rPr>
-              <a:t>High performance writes in Online Transaction Processing applications (OLTP)</a:t>
-            </a:r>
-          </a:p>
-          <a:p>
-            <a:pPr marL="68580" indent="0">
-              <a:buNone/>
-            </a:pPr>
+              <a:t>High performance writes in Online Transaction Processing </a:t>
+            </a:r>
+            <a:r>
+              <a:rPr lang="en-US" dirty="0">
+                <a:latin typeface="Arial" pitchFamily="34" charset="0"/>
+                <a:cs typeface="Arial" pitchFamily="34" charset="0"/>
+              </a:rPr>
+              <a:t>(</a:t>
+            </a:r>
+            <a:r>
+              <a:rPr lang="en-US" dirty="0" smtClean="0">
+                <a:latin typeface="Arial" pitchFamily="34" charset="0"/>
+                <a:cs typeface="Arial" pitchFamily="34" charset="0"/>
+              </a:rPr>
+              <a:t>OLTP) </a:t>
+            </a:r>
+            <a:r>
+              <a:rPr lang="en-US" dirty="0" smtClean="0">
+                <a:latin typeface="Arial" pitchFamily="34" charset="0"/>
+                <a:cs typeface="Arial" pitchFamily="34" charset="0"/>
+              </a:rPr>
+              <a:t>applications</a:t>
+            </a:r>
             <a:endParaRPr lang="en-US" dirty="0">
               <a:latin typeface="Arial" pitchFamily="34" charset="0"/>
               <a:cs typeface="Arial" pitchFamily="34" charset="0"/>

--- a/slides/MonetDB workshop.pptx
+++ b/slides/MonetDB workshop.pptx
@@ -5,7 +5,7 @@
     <p:sldMasterId id="2147483720" r:id="rId1"/>
   </p:sldMasterIdLst>
   <p:notesMasterIdLst>
-    <p:notesMasterId r:id="rId33"/>
+    <p:notesMasterId r:id="rId31"/>
   </p:notesMasterIdLst>
   <p:sldIdLst>
     <p:sldId id="256" r:id="rId2"/>
@@ -35,10 +35,8 @@
     <p:sldId id="277" r:id="rId26"/>
     <p:sldId id="275" r:id="rId27"/>
     <p:sldId id="288" r:id="rId28"/>
-    <p:sldId id="281" r:id="rId29"/>
-    <p:sldId id="293" r:id="rId30"/>
-    <p:sldId id="289" r:id="rId31"/>
-    <p:sldId id="290" r:id="rId32"/>
+    <p:sldId id="293" r:id="rId29"/>
+    <p:sldId id="281" r:id="rId30"/>
   </p:sldIdLst>
   <p:sldSz cx="9144000" cy="6858000" type="screen4x3"/>
   <p:notesSz cx="6858000" cy="9144000"/>
@@ -244,11 +242,11 @@
           <c:showBubbleSize val="0"/>
         </c:dLbls>
         <c:gapWidth val="150"/>
-        <c:axId val="79803904"/>
-        <c:axId val="79805440"/>
+        <c:axId val="79738752"/>
+        <c:axId val="79740288"/>
       </c:barChart>
       <c:catAx>
-        <c:axId val="79803904"/>
+        <c:axId val="79738752"/>
         <c:scaling>
           <c:orientation val="minMax"/>
         </c:scaling>
@@ -257,7 +255,7 @@
         <c:majorTickMark val="out"/>
         <c:minorTickMark val="none"/>
         <c:tickLblPos val="nextTo"/>
-        <c:crossAx val="79805440"/>
+        <c:crossAx val="79740288"/>
         <c:crosses val="autoZero"/>
         <c:auto val="1"/>
         <c:lblAlgn val="ctr"/>
@@ -265,7 +263,7 @@
         <c:noMultiLvlLbl val="0"/>
       </c:catAx>
       <c:valAx>
-        <c:axId val="79805440"/>
+        <c:axId val="79740288"/>
         <c:scaling>
           <c:orientation val="minMax"/>
         </c:scaling>
@@ -276,7 +274,7 @@
         <c:majorTickMark val="out"/>
         <c:minorTickMark val="none"/>
         <c:tickLblPos val="nextTo"/>
-        <c:crossAx val="79803904"/>
+        <c:crossAx val="79738752"/>
         <c:crosses val="autoZero"/>
         <c:crossBetween val="between"/>
       </c:valAx>
@@ -419,11 +417,11 @@
           <c:showBubbleSize val="0"/>
         </c:dLbls>
         <c:gapWidth val="150"/>
-        <c:axId val="22914560"/>
-        <c:axId val="22916096"/>
+        <c:axId val="28960640"/>
+        <c:axId val="28962176"/>
       </c:barChart>
       <c:catAx>
-        <c:axId val="22914560"/>
+        <c:axId val="28960640"/>
         <c:scaling>
           <c:orientation val="minMax"/>
         </c:scaling>
@@ -432,7 +430,7 @@
         <c:majorTickMark val="out"/>
         <c:minorTickMark val="none"/>
         <c:tickLblPos val="nextTo"/>
-        <c:crossAx val="22916096"/>
+        <c:crossAx val="28962176"/>
         <c:crosses val="autoZero"/>
         <c:auto val="1"/>
         <c:lblAlgn val="ctr"/>
@@ -440,7 +438,7 @@
         <c:noMultiLvlLbl val="0"/>
       </c:catAx>
       <c:valAx>
-        <c:axId val="22916096"/>
+        <c:axId val="28962176"/>
         <c:scaling>
           <c:orientation val="minMax"/>
         </c:scaling>
@@ -451,7 +449,7 @@
         <c:majorTickMark val="out"/>
         <c:minorTickMark val="none"/>
         <c:tickLblPos val="nextTo"/>
-        <c:crossAx val="22914560"/>
+        <c:crossAx val="28960640"/>
         <c:crosses val="autoZero"/>
         <c:crossBetween val="between"/>
       </c:valAx>
@@ -625,11 +623,11 @@
           <c:showBubbleSize val="0"/>
         </c:dLbls>
         <c:gapWidth val="150"/>
-        <c:axId val="87397888"/>
-        <c:axId val="87399424"/>
+        <c:axId val="29271936"/>
+        <c:axId val="29273472"/>
       </c:barChart>
       <c:catAx>
-        <c:axId val="87397888"/>
+        <c:axId val="29271936"/>
         <c:scaling>
           <c:orientation val="minMax"/>
         </c:scaling>
@@ -638,7 +636,7 @@
         <c:majorTickMark val="out"/>
         <c:minorTickMark val="none"/>
         <c:tickLblPos val="nextTo"/>
-        <c:crossAx val="87399424"/>
+        <c:crossAx val="29273472"/>
         <c:crosses val="autoZero"/>
         <c:auto val="1"/>
         <c:lblAlgn val="ctr"/>
@@ -646,7 +644,7 @@
         <c:noMultiLvlLbl val="0"/>
       </c:catAx>
       <c:valAx>
-        <c:axId val="87399424"/>
+        <c:axId val="29273472"/>
         <c:scaling>
           <c:orientation val="minMax"/>
         </c:scaling>
@@ -657,7 +655,7 @@
         <c:majorTickMark val="out"/>
         <c:minorTickMark val="none"/>
         <c:tickLblPos val="nextTo"/>
-        <c:crossAx val="87397888"/>
+        <c:crossAx val="29271936"/>
         <c:crosses val="autoZero"/>
         <c:crossBetween val="between"/>
       </c:valAx>
@@ -788,7 +786,7 @@
           <a:p>
             <a:fld id="{D33F08C4-19E2-45C3-B624-C97CC54881AA}" type="datetimeFigureOut">
               <a:rPr lang="en-US" smtClean="0"/>
-              <a:t>5/21/2015</a:t>
+              <a:t>5/28/2015</a:t>
             </a:fld>
             <a:endParaRPr lang="en-US"/>
           </a:p>
@@ -4065,7 +4063,7 @@
           <a:p>
             <a:fld id="{9CBAC602-64DA-4CCD-AFCB-7521516D8C55}" type="datetimeFigureOut">
               <a:rPr lang="en-US" smtClean="0"/>
-              <a:t>5/21/2015</a:t>
+              <a:t>5/28/2015</a:t>
             </a:fld>
             <a:endParaRPr lang="en-US"/>
           </a:p>
@@ -4350,7 +4348,7 @@
           <a:p>
             <a:fld id="{9CBAC602-64DA-4CCD-AFCB-7521516D8C55}" type="datetimeFigureOut">
               <a:rPr lang="en-US" smtClean="0"/>
-              <a:t>5/21/2015</a:t>
+              <a:t>5/28/2015</a:t>
             </a:fld>
             <a:endParaRPr lang="en-US"/>
           </a:p>
@@ -4525,7 +4523,7 @@
           <a:p>
             <a:fld id="{9CBAC602-64DA-4CCD-AFCB-7521516D8C55}" type="datetimeFigureOut">
               <a:rPr lang="en-US" smtClean="0"/>
-              <a:t>5/21/2015</a:t>
+              <a:t>5/28/2015</a:t>
             </a:fld>
             <a:endParaRPr lang="en-US"/>
           </a:p>
@@ -4690,7 +4688,7 @@
           <a:p>
             <a:fld id="{9CBAC602-64DA-4CCD-AFCB-7521516D8C55}" type="datetimeFigureOut">
               <a:rPr lang="en-US" smtClean="0"/>
-              <a:t>5/21/2015</a:t>
+              <a:t>5/28/2015</a:t>
             </a:fld>
             <a:endParaRPr lang="en-US"/>
           </a:p>
@@ -4931,7 +4929,7 @@
           <a:p>
             <a:fld id="{9CBAC602-64DA-4CCD-AFCB-7521516D8C55}" type="datetimeFigureOut">
               <a:rPr lang="en-US" smtClean="0"/>
-              <a:t>5/21/2015</a:t>
+              <a:t>5/28/2015</a:t>
             </a:fld>
             <a:endParaRPr lang="en-US"/>
           </a:p>
@@ -5044,7 +5042,7 @@
           <a:p>
             <a:fld id="{9CBAC602-64DA-4CCD-AFCB-7521516D8C55}" type="datetimeFigureOut">
               <a:rPr lang="en-US" smtClean="0"/>
-              <a:t>5/21/2015</a:t>
+              <a:t>5/28/2015</a:t>
             </a:fld>
             <a:endParaRPr lang="en-US"/>
           </a:p>
@@ -5583,7 +5581,7 @@
           <a:p>
             <a:fld id="{9CBAC602-64DA-4CCD-AFCB-7521516D8C55}" type="datetimeFigureOut">
               <a:rPr lang="en-US" smtClean="0"/>
-              <a:t>5/21/2015</a:t>
+              <a:t>5/28/2015</a:t>
             </a:fld>
             <a:endParaRPr lang="en-US"/>
           </a:p>
@@ -5696,7 +5694,7 @@
           <a:p>
             <a:fld id="{9CBAC602-64DA-4CCD-AFCB-7521516D8C55}" type="datetimeFigureOut">
               <a:rPr lang="en-US" smtClean="0"/>
-              <a:t>5/21/2015</a:t>
+              <a:t>5/28/2015</a:t>
             </a:fld>
             <a:endParaRPr lang="en-US"/>
           </a:p>
@@ -5786,7 +5784,7 @@
           <a:p>
             <a:fld id="{9CBAC602-64DA-4CCD-AFCB-7521516D8C55}" type="datetimeFigureOut">
               <a:rPr lang="en-US" smtClean="0"/>
-              <a:t>5/21/2015</a:t>
+              <a:t>5/28/2015</a:t>
             </a:fld>
             <a:endParaRPr lang="en-US"/>
           </a:p>
@@ -8437,7 +8435,7 @@
           <a:p>
             <a:fld id="{9CBAC602-64DA-4CCD-AFCB-7521516D8C55}" type="datetimeFigureOut">
               <a:rPr lang="en-US" smtClean="0"/>
-              <a:t>5/21/2015</a:t>
+              <a:t>5/28/2015</a:t>
             </a:fld>
             <a:endParaRPr lang="en-US"/>
           </a:p>
@@ -11649,7 +11647,7 @@
           <a:p>
             <a:fld id="{9CBAC602-64DA-4CCD-AFCB-7521516D8C55}" type="datetimeFigureOut">
               <a:rPr lang="en-US" smtClean="0"/>
-              <a:t>5/21/2015</a:t>
+              <a:t>5/28/2015</a:t>
             </a:fld>
             <a:endParaRPr lang="en-US"/>
           </a:p>
@@ -14471,7 +14469,7 @@
           <a:p>
             <a:fld id="{9CBAC602-64DA-4CCD-AFCB-7521516D8C55}" type="datetimeFigureOut">
               <a:rPr lang="en-US" smtClean="0"/>
-              <a:t>5/21/2015</a:t>
+              <a:t>5/28/2015</a:t>
             </a:fld>
             <a:endParaRPr lang="en-US"/>
           </a:p>
@@ -19923,14 +19921,7 @@
                 <a:latin typeface="Arial" pitchFamily="34" charset="0"/>
                 <a:cs typeface="Arial" pitchFamily="34" charset="0"/>
               </a:rPr>
-              <a:t>Column-Oriented </a:t>
-            </a:r>
-            <a:r>
-              <a:rPr lang="en-US" dirty="0" smtClean="0">
-                <a:latin typeface="Arial" pitchFamily="34" charset="0"/>
-                <a:cs typeface="Arial" pitchFamily="34" charset="0"/>
-              </a:rPr>
-              <a:t>DBMS</a:t>
+              <a:t>Column-Oriented DBMS</a:t>
             </a:r>
             <a:endParaRPr lang="en-US" dirty="0">
               <a:latin typeface="Arial" pitchFamily="34" charset="0"/>
@@ -24276,7 +24267,7 @@
                   <a:schemeClr val="bg1"/>
                 </a:solidFill>
               </a:rPr>
-              <a:t>The End</a:t>
+              <a:t>Glossary</a:t>
             </a:r>
             <a:endParaRPr lang="en-US" sz="2800" dirty="0">
               <a:solidFill>
@@ -24294,8 +24285,8 @@
         </p:nvSpPr>
         <p:spPr>
           <a:xfrm>
-            <a:off x="926011" y="1676400"/>
-            <a:ext cx="7315200" cy="1384995"/>
+            <a:off x="926011" y="1171468"/>
+            <a:ext cx="7315200" cy="646331"/>
           </a:xfrm>
           <a:prstGeom prst="rect">
             <a:avLst/>
@@ -24309,15 +24300,160 @@
           <a:p>
             <a:pPr algn="ctr"/>
             <a:r>
-              <a:rPr lang="en-US" sz="2800" dirty="0" smtClean="0">
+              <a:rPr lang="en-US" sz="3600" dirty="0" smtClean="0">
+                <a:solidFill>
+                  <a:schemeClr val="tx2"/>
+                </a:solidFill>
+              </a:rPr>
+              <a:t>Keyword</a:t>
+            </a:r>
+            <a:endParaRPr lang="en-US" sz="3600" dirty="0">
+              <a:solidFill>
+                <a:schemeClr val="tx2"/>
+              </a:solidFill>
+            </a:endParaRPr>
+          </a:p>
+        </p:txBody>
+      </p:sp>
+      <p:sp>
+        <p:nvSpPr>
+          <p:cNvPr id="4" name="Rectangle 3"/>
+          <p:cNvSpPr/>
+          <p:nvPr/>
+        </p:nvSpPr>
+        <p:spPr>
+          <a:xfrm>
+            <a:off x="926011" y="2133600"/>
+            <a:ext cx="7315200" cy="3908762"/>
+          </a:xfrm>
+          <a:prstGeom prst="rect">
+            <a:avLst/>
+          </a:prstGeom>
+        </p:spPr>
+        <p:txBody>
+          <a:bodyPr wrap="square">
+            <a:spAutoFit/>
+          </a:bodyPr>
+          <a:lstStyle/>
+          <a:p>
+            <a:r>
+              <a:rPr lang="en-US" sz="2400" dirty="0" smtClean="0">
                 <a:solidFill>
                   <a:schemeClr val="tx2"/>
                 </a:solidFill>
                 <a:latin typeface="Arial" pitchFamily="34" charset="0"/>
                 <a:cs typeface="Arial" pitchFamily="34" charset="0"/>
               </a:rPr>
-              <a:t>Thank you for your attention</a:t>
+              <a:t>-4Vs (Volume, Variety, Velocity, Veracity)</a:t>
             </a:r>
+          </a:p>
+          <a:p>
+            <a:r>
+              <a:rPr lang="en-US" sz="2400" dirty="0" smtClean="0">
+                <a:solidFill>
+                  <a:schemeClr val="tx2"/>
+                </a:solidFill>
+                <a:latin typeface="Arial" pitchFamily="34" charset="0"/>
+                <a:cs typeface="Arial" pitchFamily="34" charset="0"/>
+              </a:rPr>
+              <a:t>-Cloud Computing</a:t>
+            </a:r>
+          </a:p>
+          <a:p>
+            <a:r>
+              <a:rPr lang="en-US" sz="2400" dirty="0" smtClean="0">
+                <a:solidFill>
+                  <a:schemeClr val="tx2"/>
+                </a:solidFill>
+                <a:latin typeface="Arial" pitchFamily="34" charset="0"/>
+                <a:cs typeface="Arial" pitchFamily="34" charset="0"/>
+              </a:rPr>
+              <a:t>-DBMS (</a:t>
+            </a:r>
+            <a:r>
+              <a:rPr lang="en-US" sz="2400" dirty="0" err="1" smtClean="0">
+                <a:solidFill>
+                  <a:schemeClr val="tx2"/>
+                </a:solidFill>
+                <a:latin typeface="Arial" pitchFamily="34" charset="0"/>
+                <a:cs typeface="Arial" pitchFamily="34" charset="0"/>
+              </a:rPr>
+              <a:t>DataBase</a:t>
+            </a:r>
+            <a:r>
+              <a:rPr lang="en-US" sz="2400" dirty="0" smtClean="0">
+                <a:solidFill>
+                  <a:schemeClr val="tx2"/>
+                </a:solidFill>
+                <a:latin typeface="Arial" pitchFamily="34" charset="0"/>
+                <a:cs typeface="Arial" pitchFamily="34" charset="0"/>
+              </a:rPr>
+              <a:t> Management System)</a:t>
+            </a:r>
+          </a:p>
+          <a:p>
+            <a:r>
+              <a:rPr lang="en-US" sz="2400" dirty="0" smtClean="0">
+                <a:solidFill>
+                  <a:schemeClr val="tx2"/>
+                </a:solidFill>
+                <a:latin typeface="Arial" pitchFamily="34" charset="0"/>
+                <a:cs typeface="Arial" pitchFamily="34" charset="0"/>
+              </a:rPr>
+              <a:t>-Column-Oriented DBMS</a:t>
+            </a:r>
+          </a:p>
+          <a:p>
+            <a:r>
+              <a:rPr lang="en-US" sz="2400" dirty="0" smtClean="0">
+                <a:solidFill>
+                  <a:schemeClr val="tx2"/>
+                </a:solidFill>
+                <a:latin typeface="Arial" pitchFamily="34" charset="0"/>
+                <a:cs typeface="Arial" pitchFamily="34" charset="0"/>
+              </a:rPr>
+              <a:t>-Row-Oriented DBMS</a:t>
+            </a:r>
+          </a:p>
+          <a:p>
+            <a:r>
+              <a:rPr lang="en-US" sz="2400" dirty="0" smtClean="0">
+                <a:solidFill>
+                  <a:schemeClr val="tx2"/>
+                </a:solidFill>
+                <a:latin typeface="Arial" pitchFamily="34" charset="0"/>
+                <a:cs typeface="Arial" pitchFamily="34" charset="0"/>
+              </a:rPr>
+              <a:t>-Hybrid Storage</a:t>
+            </a:r>
+          </a:p>
+          <a:p>
+            <a:endParaRPr lang="en-US" sz="2400" dirty="0" smtClean="0">
+              <a:solidFill>
+                <a:schemeClr val="tx2"/>
+              </a:solidFill>
+              <a:latin typeface="Arial" pitchFamily="34" charset="0"/>
+              <a:cs typeface="Arial" pitchFamily="34" charset="0"/>
+            </a:endParaRPr>
+          </a:p>
+          <a:p>
+            <a:endParaRPr lang="en-US" sz="2400" dirty="0" smtClean="0">
+              <a:solidFill>
+                <a:schemeClr val="tx2"/>
+              </a:solidFill>
+              <a:latin typeface="Arial" pitchFamily="34" charset="0"/>
+              <a:cs typeface="Arial" pitchFamily="34" charset="0"/>
+            </a:endParaRPr>
+          </a:p>
+          <a:p>
+            <a:pPr algn="ctr"/>
+            <a:endParaRPr lang="en-US" sz="2800" dirty="0" smtClean="0">
+              <a:solidFill>
+                <a:schemeClr val="tx2"/>
+              </a:solidFill>
+              <a:latin typeface="Arial" pitchFamily="34" charset="0"/>
+              <a:cs typeface="Arial" pitchFamily="34" charset="0"/>
+            </a:endParaRPr>
           </a:p>
           <a:p>
             <a:pPr algn="ctr"/>
@@ -24329,32 +24465,12 @@
               <a:cs typeface="Arial" pitchFamily="34" charset="0"/>
             </a:endParaRPr>
           </a:p>
-          <a:p>
-            <a:pPr algn="ctr"/>
-            <a:r>
-              <a:rPr lang="en-US" sz="2800" dirty="0" smtClean="0">
-                <a:solidFill>
-                  <a:schemeClr val="tx2"/>
-                </a:solidFill>
-                <a:latin typeface="Arial" pitchFamily="34" charset="0"/>
-                <a:cs typeface="Arial" pitchFamily="34" charset="0"/>
-              </a:rPr>
-              <a:t>Any question?</a:t>
-            </a:r>
-            <a:endParaRPr lang="en-US" sz="2800" dirty="0">
-              <a:solidFill>
-                <a:schemeClr val="tx2"/>
-              </a:solidFill>
-              <a:latin typeface="Arial" pitchFamily="34" charset="0"/>
-              <a:cs typeface="Arial" pitchFamily="34" charset="0"/>
-            </a:endParaRPr>
-          </a:p>
         </p:txBody>
       </p:sp>
     </p:spTree>
     <p:extLst>
       <p:ext uri="{BB962C8B-B14F-4D97-AF65-F5344CB8AC3E}">
-        <p14:creationId xmlns:p14="http://schemas.microsoft.com/office/powerpoint/2010/main" val="335330785"/>
+        <p14:creationId xmlns:p14="http://schemas.microsoft.com/office/powerpoint/2010/main" val="249603615"/>
       </p:ext>
     </p:extLst>
   </p:cSld>
@@ -24417,7 +24533,7 @@
                   <a:schemeClr val="bg1"/>
                 </a:solidFill>
               </a:rPr>
-              <a:t>Glossary</a:t>
+              <a:t>The End</a:t>
             </a:r>
             <a:endParaRPr lang="en-US" sz="2800" dirty="0">
               <a:solidFill>
@@ -24435,8 +24551,8 @@
         </p:nvSpPr>
         <p:spPr>
           <a:xfrm>
-            <a:off x="926011" y="1171468"/>
-            <a:ext cx="7315200" cy="523220"/>
+            <a:off x="926011" y="1676400"/>
+            <a:ext cx="7315200" cy="1384995"/>
           </a:xfrm>
           <a:prstGeom prst="rect">
             <a:avLst/>
@@ -24454,13 +24570,40 @@
                 <a:solidFill>
                   <a:schemeClr val="tx2"/>
                 </a:solidFill>
+                <a:latin typeface="Arial" pitchFamily="34" charset="0"/>
+                <a:cs typeface="Arial" pitchFamily="34" charset="0"/>
               </a:rPr>
-              <a:t>Keyword</a:t>
+              <a:t>Thank you for your attention</a:t>
+            </a:r>
+          </a:p>
+          <a:p>
+            <a:pPr algn="ctr"/>
+            <a:endParaRPr lang="en-US" sz="2800" dirty="0">
+              <a:solidFill>
+                <a:schemeClr val="tx2"/>
+              </a:solidFill>
+              <a:latin typeface="Arial" pitchFamily="34" charset="0"/>
+              <a:cs typeface="Arial" pitchFamily="34" charset="0"/>
+            </a:endParaRPr>
+          </a:p>
+          <a:p>
+            <a:pPr algn="ctr"/>
+            <a:r>
+              <a:rPr lang="en-US" sz="2800" dirty="0" smtClean="0">
+                <a:solidFill>
+                  <a:schemeClr val="tx2"/>
+                </a:solidFill>
+                <a:latin typeface="Arial" pitchFamily="34" charset="0"/>
+                <a:cs typeface="Arial" pitchFamily="34" charset="0"/>
+              </a:rPr>
+              <a:t>Any question?</a:t>
             </a:r>
             <a:endParaRPr lang="en-US" sz="2800" dirty="0">
               <a:solidFill>
                 <a:schemeClr val="tx2"/>
               </a:solidFill>
+              <a:latin typeface="Arial" pitchFamily="34" charset="0"/>
+              <a:cs typeface="Arial" pitchFamily="34" charset="0"/>
             </a:endParaRPr>
           </a:p>
         </p:txBody>
@@ -24468,7 +24611,7 @@
     </p:spTree>
     <p:extLst>
       <p:ext uri="{BB962C8B-B14F-4D97-AF65-F5344CB8AC3E}">
-        <p14:creationId xmlns:p14="http://schemas.microsoft.com/office/powerpoint/2010/main" val="249603615"/>
+        <p14:creationId xmlns:p14="http://schemas.microsoft.com/office/powerpoint/2010/main" val="335330785"/>
       </p:ext>
     </p:extLst>
   </p:cSld>
@@ -24586,478 +24729,6 @@
     <p:extLst>
       <p:ext uri="{BB962C8B-B14F-4D97-AF65-F5344CB8AC3E}">
         <p14:creationId xmlns:p14="http://schemas.microsoft.com/office/powerpoint/2010/main" val="3699391134"/>
-      </p:ext>
-    </p:extLst>
-  </p:cSld>
-  <p:clrMapOvr>
-    <a:masterClrMapping/>
-  </p:clrMapOvr>
-  <p:timing>
-    <p:tnLst>
-      <p:par>
-        <p:cTn id="1" dur="indefinite" restart="never" nodeType="tmRoot"/>
-      </p:par>
-    </p:tnLst>
-  </p:timing>
-</p:sld>
-</file>
-
-<file path=ppt/slides/slide30.xml><?xml version="1.0" encoding="utf-8"?>
-<p:sld xmlns:a="http://schemas.openxmlformats.org/drawingml/2006/main" xmlns:r="http://schemas.openxmlformats.org/officeDocument/2006/relationships" xmlns:p="http://schemas.openxmlformats.org/presentationml/2006/main">
-  <p:cSld>
-    <p:spTree>
-      <p:nvGrpSpPr>
-        <p:cNvPr id="1" name=""/>
-        <p:cNvGrpSpPr/>
-        <p:nvPr/>
-      </p:nvGrpSpPr>
-      <p:grpSpPr>
-        <a:xfrm>
-          <a:off x="0" y="0"/>
-          <a:ext cx="0" cy="0"/>
-          <a:chOff x="0" y="0"/>
-          <a:chExt cx="0" cy="0"/>
-        </a:xfrm>
-      </p:grpSpPr>
-      <p:sp>
-        <p:nvSpPr>
-          <p:cNvPr id="2" name="Title 1"/>
-          <p:cNvSpPr>
-            <a:spLocks noGrp="1"/>
-          </p:cNvSpPr>
-          <p:nvPr>
-            <p:ph type="title"/>
-          </p:nvPr>
-        </p:nvSpPr>
-        <p:spPr>
-          <a:xfrm>
-            <a:off x="4495800" y="0"/>
-            <a:ext cx="3810000" cy="494264"/>
-          </a:xfrm>
-        </p:spPr>
-        <p:txBody>
-          <a:bodyPr>
-            <a:noAutofit/>
-          </a:bodyPr>
-          <a:lstStyle/>
-          <a:p>
-            <a:pPr algn="ctr"/>
-            <a:r>
-              <a:rPr lang="en-US" sz="2200" dirty="0" smtClean="0">
-                <a:solidFill>
-                  <a:schemeClr val="bg1"/>
-                </a:solidFill>
-              </a:rPr>
-              <a:t>Column-Oriented DBMS</a:t>
-            </a:r>
-            <a:endParaRPr lang="en-US" sz="2200" dirty="0">
-              <a:solidFill>
-                <a:schemeClr val="bg1"/>
-              </a:solidFill>
-            </a:endParaRPr>
-          </a:p>
-        </p:txBody>
-      </p:sp>
-      <p:sp>
-        <p:nvSpPr>
-          <p:cNvPr id="3" name="Content Placeholder 2"/>
-          <p:cNvSpPr>
-            <a:spLocks noGrp="1"/>
-          </p:cNvSpPr>
-          <p:nvPr>
-            <p:ph idx="1"/>
-          </p:nvPr>
-        </p:nvSpPr>
-        <p:spPr>
-          <a:xfrm>
-            <a:off x="1104267" y="838200"/>
-            <a:ext cx="6777317" cy="533400"/>
-          </a:xfrm>
-        </p:spPr>
-        <p:txBody>
-          <a:bodyPr/>
-          <a:lstStyle/>
-          <a:p>
-            <a:pPr marL="68580" indent="0" algn="ctr">
-              <a:buNone/>
-            </a:pPr>
-            <a:r>
-              <a:rPr lang="en-US" dirty="0" smtClean="0"/>
-              <a:t>Online Analytical Processing (OLAP) </a:t>
-            </a:r>
-          </a:p>
-        </p:txBody>
-      </p:sp>
-      <p:sp>
-        <p:nvSpPr>
-          <p:cNvPr id="7" name="Content Placeholder 2"/>
-          <p:cNvSpPr txBox="1">
-            <a:spLocks/>
-          </p:cNvSpPr>
-          <p:nvPr/>
-        </p:nvSpPr>
-        <p:spPr>
-          <a:xfrm>
-            <a:off x="1033272" y="1371600"/>
-            <a:ext cx="6777317" cy="2743200"/>
-          </a:xfrm>
-          <a:prstGeom prst="rect">
-            <a:avLst/>
-          </a:prstGeom>
-        </p:spPr>
-        <p:txBody>
-          <a:bodyPr vert="horz" lIns="91440" tIns="45720" rIns="91440" bIns="45720" rtlCol="0">
-            <a:normAutofit/>
-          </a:bodyPr>
-          <a:lstStyle>
-            <a:lvl1pPr marL="342900" indent="-274320" algn="l" defTabSz="914400" rtl="0" eaLnBrk="1" latinLnBrk="0" hangingPunct="1">
-              <a:spcBef>
-                <a:spcPct val="20000"/>
-              </a:spcBef>
-              <a:buClr>
-                <a:schemeClr val="accent1"/>
-              </a:buClr>
-              <a:buSzPct val="76000"/>
-              <a:buFont typeface="Wingdings 2" pitchFamily="18" charset="2"/>
-              <a:buChar char=""/>
-              <a:defRPr sz="2400" kern="1200">
-                <a:solidFill>
-                  <a:schemeClr val="tx2"/>
-                </a:solidFill>
-                <a:latin typeface="+mn-lt"/>
-                <a:ea typeface="+mn-ea"/>
-                <a:cs typeface="+mn-cs"/>
-              </a:defRPr>
-            </a:lvl1pPr>
-            <a:lvl2pPr marL="640080" indent="-274320" algn="l" defTabSz="914400" rtl="0" eaLnBrk="1" latinLnBrk="0" hangingPunct="1">
-              <a:spcBef>
-                <a:spcPct val="20000"/>
-              </a:spcBef>
-              <a:buClr>
-                <a:schemeClr val="accent1"/>
-              </a:buClr>
-              <a:buSzPct val="76000"/>
-              <a:buFont typeface="Wingdings 2" pitchFamily="18" charset="2"/>
-              <a:buChar char=""/>
-              <a:defRPr sz="2200" kern="1200">
-                <a:solidFill>
-                  <a:schemeClr val="tx2"/>
-                </a:solidFill>
-                <a:latin typeface="+mn-lt"/>
-                <a:ea typeface="+mn-ea"/>
-                <a:cs typeface="+mn-cs"/>
-              </a:defRPr>
-            </a:lvl2pPr>
-            <a:lvl3pPr marL="914400" indent="-228600" algn="l" defTabSz="914400" rtl="0" eaLnBrk="1" latinLnBrk="0" hangingPunct="1">
-              <a:spcBef>
-                <a:spcPct val="20000"/>
-              </a:spcBef>
-              <a:buClr>
-                <a:schemeClr val="accent1"/>
-              </a:buClr>
-              <a:buSzPct val="76000"/>
-              <a:buFont typeface="Wingdings 2" pitchFamily="18" charset="2"/>
-              <a:buChar char=""/>
-              <a:defRPr sz="2000" kern="1200">
-                <a:solidFill>
-                  <a:schemeClr val="tx2"/>
-                </a:solidFill>
-                <a:latin typeface="+mn-lt"/>
-                <a:ea typeface="+mn-ea"/>
-                <a:cs typeface="+mn-cs"/>
-              </a:defRPr>
-            </a:lvl3pPr>
-            <a:lvl4pPr marL="1124712" indent="-228600" algn="l" defTabSz="914400" rtl="0" eaLnBrk="1" latinLnBrk="0" hangingPunct="1">
-              <a:spcBef>
-                <a:spcPct val="20000"/>
-              </a:spcBef>
-              <a:buClr>
-                <a:schemeClr val="accent1"/>
-              </a:buClr>
-              <a:buSzPct val="76000"/>
-              <a:buFont typeface="Wingdings 2" pitchFamily="18" charset="2"/>
-              <a:buChar char=""/>
-              <a:defRPr sz="1800" kern="1200">
-                <a:solidFill>
-                  <a:schemeClr val="tx2"/>
-                </a:solidFill>
-                <a:latin typeface="+mn-lt"/>
-                <a:ea typeface="+mn-ea"/>
-                <a:cs typeface="+mn-cs"/>
-              </a:defRPr>
-            </a:lvl4pPr>
-            <a:lvl5pPr marL="1325880" indent="-228600" algn="l" defTabSz="914400" rtl="0" eaLnBrk="1" latinLnBrk="0" hangingPunct="1">
-              <a:spcBef>
-                <a:spcPct val="20000"/>
-              </a:spcBef>
-              <a:buClr>
-                <a:schemeClr val="accent1"/>
-              </a:buClr>
-              <a:buSzPct val="76000"/>
-              <a:buFont typeface="Wingdings 2" pitchFamily="18" charset="2"/>
-              <a:buChar char=""/>
-              <a:defRPr sz="1600" kern="1200" baseline="0">
-                <a:solidFill>
-                  <a:schemeClr val="tx2"/>
-                </a:solidFill>
-                <a:latin typeface="+mn-lt"/>
-                <a:ea typeface="+mn-ea"/>
-                <a:cs typeface="+mn-cs"/>
-              </a:defRPr>
-            </a:lvl5pPr>
-            <a:lvl6pPr marL="1517904" indent="-228600" algn="l" defTabSz="914400" rtl="0" eaLnBrk="1" latinLnBrk="0" hangingPunct="1">
-              <a:spcBef>
-                <a:spcPct val="20000"/>
-              </a:spcBef>
-              <a:buClr>
-                <a:schemeClr val="accent1"/>
-              </a:buClr>
-              <a:buSzPct val="76000"/>
-              <a:buFont typeface="Wingdings 2" pitchFamily="18" charset="2"/>
-              <a:buChar char=""/>
-              <a:defRPr sz="1400" kern="1200">
-                <a:solidFill>
-                  <a:schemeClr val="tx2"/>
-                </a:solidFill>
-                <a:latin typeface="+mn-lt"/>
-                <a:ea typeface="+mn-ea"/>
-                <a:cs typeface="+mn-cs"/>
-              </a:defRPr>
-            </a:lvl6pPr>
-            <a:lvl7pPr marL="1719072" indent="-228600" algn="l" defTabSz="914400" rtl="0" eaLnBrk="1" latinLnBrk="0" hangingPunct="1">
-              <a:spcBef>
-                <a:spcPct val="20000"/>
-              </a:spcBef>
-              <a:buClr>
-                <a:schemeClr val="accent1"/>
-              </a:buClr>
-              <a:buSzPct val="76000"/>
-              <a:buFont typeface="Wingdings 2" pitchFamily="18" charset="2"/>
-              <a:buChar char=""/>
-              <a:defRPr sz="1400" kern="1200">
-                <a:solidFill>
-                  <a:schemeClr val="tx2"/>
-                </a:solidFill>
-                <a:latin typeface="+mn-lt"/>
-                <a:ea typeface="+mn-ea"/>
-                <a:cs typeface="+mn-cs"/>
-              </a:defRPr>
-            </a:lvl7pPr>
-            <a:lvl8pPr marL="1920240" indent="-228600" algn="l" defTabSz="914400" rtl="0" eaLnBrk="1" latinLnBrk="0" hangingPunct="1">
-              <a:spcBef>
-                <a:spcPct val="20000"/>
-              </a:spcBef>
-              <a:buClr>
-                <a:schemeClr val="accent1"/>
-              </a:buClr>
-              <a:buSzPct val="76000"/>
-              <a:buFont typeface="Wingdings 2" pitchFamily="18" charset="2"/>
-              <a:buChar char=""/>
-              <a:defRPr sz="1400" kern="1200">
-                <a:solidFill>
-                  <a:schemeClr val="tx2"/>
-                </a:solidFill>
-                <a:latin typeface="+mn-lt"/>
-                <a:ea typeface="+mn-ea"/>
-                <a:cs typeface="+mn-cs"/>
-              </a:defRPr>
-            </a:lvl8pPr>
-            <a:lvl9pPr marL="2121408" indent="-228600" algn="l" defTabSz="914400" rtl="0" eaLnBrk="1" latinLnBrk="0" hangingPunct="1">
-              <a:spcBef>
-                <a:spcPct val="20000"/>
-              </a:spcBef>
-              <a:buClr>
-                <a:schemeClr val="accent1"/>
-              </a:buClr>
-              <a:buSzPct val="76000"/>
-              <a:buFont typeface="Wingdings 2" pitchFamily="18" charset="2"/>
-              <a:buChar char=""/>
-              <a:defRPr sz="1400" kern="1200">
-                <a:solidFill>
-                  <a:schemeClr val="tx2"/>
-                </a:solidFill>
-                <a:latin typeface="+mn-lt"/>
-                <a:ea typeface="+mn-ea"/>
-                <a:cs typeface="+mn-cs"/>
-              </a:defRPr>
-            </a:lvl9pPr>
-          </a:lstStyle>
-          <a:p>
-            <a:pPr marL="68580" indent="0">
-              <a:buFont typeface="Wingdings 2" pitchFamily="18" charset="2"/>
-              <a:buNone/>
-            </a:pPr>
-            <a:endParaRPr lang="en-US" dirty="0" smtClean="0"/>
-          </a:p>
-          <a:p>
-            <a:pPr marL="68580" indent="0" algn="just">
-              <a:buNone/>
-            </a:pPr>
-            <a:r>
-              <a:rPr lang="en-US" dirty="0" smtClean="0"/>
-              <a:t>OLAP is </a:t>
-            </a:r>
-            <a:r>
-              <a:rPr lang="en-US" dirty="0"/>
-              <a:t>an approach to answering multi-dimensional </a:t>
-            </a:r>
-            <a:r>
-              <a:rPr lang="en-US" dirty="0" smtClean="0"/>
-              <a:t>analytical queries swiftly. It’s </a:t>
-            </a:r>
-            <a:r>
-              <a:rPr lang="en-US" dirty="0"/>
-              <a:t>part of the broader category of business intelligence, which also encompasses relational database, report writing and data mining.</a:t>
-            </a:r>
-            <a:endParaRPr lang="en-US" dirty="0" smtClean="0"/>
-          </a:p>
-        </p:txBody>
-      </p:sp>
-    </p:spTree>
-    <p:extLst>
-      <p:ext uri="{BB962C8B-B14F-4D97-AF65-F5344CB8AC3E}">
-        <p14:creationId xmlns:p14="http://schemas.microsoft.com/office/powerpoint/2010/main" val="28872711"/>
-      </p:ext>
-    </p:extLst>
-  </p:cSld>
-  <p:clrMapOvr>
-    <a:masterClrMapping/>
-  </p:clrMapOvr>
-  <p:timing>
-    <p:tnLst>
-      <p:par>
-        <p:cTn id="1" dur="indefinite" restart="never" nodeType="tmRoot"/>
-      </p:par>
-    </p:tnLst>
-  </p:timing>
-</p:sld>
-</file>
-
-<file path=ppt/slides/slide31.xml><?xml version="1.0" encoding="utf-8"?>
-<p:sld xmlns:a="http://schemas.openxmlformats.org/drawingml/2006/main" xmlns:r="http://schemas.openxmlformats.org/officeDocument/2006/relationships" xmlns:p="http://schemas.openxmlformats.org/presentationml/2006/main">
-  <p:cSld>
-    <p:spTree>
-      <p:nvGrpSpPr>
-        <p:cNvPr id="1" name=""/>
-        <p:cNvGrpSpPr/>
-        <p:nvPr/>
-      </p:nvGrpSpPr>
-      <p:grpSpPr>
-        <a:xfrm>
-          <a:off x="0" y="0"/>
-          <a:ext cx="0" cy="0"/>
-          <a:chOff x="0" y="0"/>
-          <a:chExt cx="0" cy="0"/>
-        </a:xfrm>
-      </p:grpSpPr>
-      <p:sp>
-        <p:nvSpPr>
-          <p:cNvPr id="2" name="Title 1"/>
-          <p:cNvSpPr>
-            <a:spLocks noGrp="1"/>
-          </p:cNvSpPr>
-          <p:nvPr>
-            <p:ph type="title"/>
-          </p:nvPr>
-        </p:nvSpPr>
-        <p:spPr>
-          <a:xfrm>
-            <a:off x="4724400" y="0"/>
-            <a:ext cx="3200400" cy="494264"/>
-          </a:xfrm>
-        </p:spPr>
-        <p:txBody>
-          <a:bodyPr>
-            <a:noAutofit/>
-          </a:bodyPr>
-          <a:lstStyle/>
-          <a:p>
-            <a:pPr algn="ctr"/>
-            <a:r>
-              <a:rPr lang="en-US" sz="2400" dirty="0" smtClean="0">
-                <a:solidFill>
-                  <a:schemeClr val="bg1"/>
-                </a:solidFill>
-              </a:rPr>
-              <a:t>Row-Oriented DBMS</a:t>
-            </a:r>
-            <a:endParaRPr lang="en-US" sz="2400" dirty="0">
-              <a:solidFill>
-                <a:schemeClr val="bg1"/>
-              </a:solidFill>
-            </a:endParaRPr>
-          </a:p>
-        </p:txBody>
-      </p:sp>
-      <p:sp>
-        <p:nvSpPr>
-          <p:cNvPr id="3" name="Content Placeholder 2"/>
-          <p:cNvSpPr>
-            <a:spLocks noGrp="1"/>
-          </p:cNvSpPr>
-          <p:nvPr>
-            <p:ph idx="1"/>
-          </p:nvPr>
-        </p:nvSpPr>
-        <p:spPr>
-          <a:xfrm>
-            <a:off x="1043492" y="914400"/>
-            <a:ext cx="6777317" cy="5410200"/>
-          </a:xfrm>
-        </p:spPr>
-        <p:txBody>
-          <a:bodyPr>
-            <a:normAutofit/>
-          </a:bodyPr>
-          <a:lstStyle/>
-          <a:p>
-            <a:pPr marL="68580" indent="0" algn="ctr">
-              <a:buNone/>
-            </a:pPr>
-            <a:r>
-              <a:rPr lang="en-US" dirty="0" smtClean="0"/>
-              <a:t>Online Transaction </a:t>
-            </a:r>
-            <a:r>
-              <a:rPr lang="en-US" dirty="0"/>
-              <a:t>P</a:t>
-            </a:r>
-            <a:r>
-              <a:rPr lang="en-US" dirty="0" smtClean="0"/>
-              <a:t>rocessing (OLTP)</a:t>
-            </a:r>
-          </a:p>
-          <a:p>
-            <a:pPr marL="68580" indent="0" algn="ctr">
-              <a:buNone/>
-            </a:pPr>
-            <a:endParaRPr lang="en-US" dirty="0" smtClean="0"/>
-          </a:p>
-          <a:p>
-            <a:pPr marL="68580" indent="0">
-              <a:buNone/>
-            </a:pPr>
-            <a:endParaRPr lang="en-US" dirty="0" smtClean="0"/>
-          </a:p>
-          <a:p>
-            <a:pPr marL="68580" indent="0" algn="just">
-              <a:buNone/>
-            </a:pPr>
-            <a:r>
-              <a:rPr lang="en-US" dirty="0" smtClean="0"/>
-              <a:t>OLTP is </a:t>
-            </a:r>
-            <a:r>
-              <a:rPr lang="en-US" dirty="0"/>
-              <a:t>a class of information systems that facilitate and manage transaction-oriented applications, typically for data entry and retrieval transaction processing</a:t>
-            </a:r>
-          </a:p>
-        </p:txBody>
-      </p:sp>
-    </p:spTree>
-    <p:extLst>
-      <p:ext uri="{BB962C8B-B14F-4D97-AF65-F5344CB8AC3E}">
-        <p14:creationId xmlns:p14="http://schemas.microsoft.com/office/powerpoint/2010/main" val="2556190283"/>
       </p:ext>
     </p:extLst>
   </p:cSld>
@@ -26435,14 +26106,7 @@
                 <a:latin typeface="Arial" pitchFamily="34" charset="0"/>
                 <a:cs typeface="Arial" pitchFamily="34" charset="0"/>
               </a:rPr>
-              <a:t>OLTP) </a:t>
-            </a:r>
-            <a:r>
-              <a:rPr lang="en-US" dirty="0" smtClean="0">
-                <a:latin typeface="Arial" pitchFamily="34" charset="0"/>
-                <a:cs typeface="Arial" pitchFamily="34" charset="0"/>
-              </a:rPr>
-              <a:t>applications</a:t>
+              <a:t>OLTP) applications</a:t>
             </a:r>
             <a:endParaRPr lang="en-US" dirty="0">
               <a:latin typeface="Arial" pitchFamily="34" charset="0"/>

--- a/slides/MonetDB workshop.pptx
+++ b/slides/MonetDB workshop.pptx
@@ -5,7 +5,7 @@
     <p:sldMasterId id="2147483720" r:id="rId1"/>
   </p:sldMasterIdLst>
   <p:notesMasterIdLst>
-    <p:notesMasterId r:id="rId31"/>
+    <p:notesMasterId r:id="rId32"/>
   </p:notesMasterIdLst>
   <p:sldIdLst>
     <p:sldId id="256" r:id="rId2"/>
@@ -22,21 +22,22 @@
     <p:sldId id="263" r:id="rId13"/>
     <p:sldId id="285" r:id="rId14"/>
     <p:sldId id="260" r:id="rId15"/>
-    <p:sldId id="264" r:id="rId16"/>
-    <p:sldId id="268" r:id="rId17"/>
-    <p:sldId id="269" r:id="rId18"/>
-    <p:sldId id="280" r:id="rId19"/>
-    <p:sldId id="270" r:id="rId20"/>
-    <p:sldId id="271" r:id="rId21"/>
-    <p:sldId id="265" r:id="rId22"/>
-    <p:sldId id="286" r:id="rId23"/>
-    <p:sldId id="279" r:id="rId24"/>
-    <p:sldId id="272" r:id="rId25"/>
-    <p:sldId id="277" r:id="rId26"/>
-    <p:sldId id="275" r:id="rId27"/>
-    <p:sldId id="288" r:id="rId28"/>
-    <p:sldId id="293" r:id="rId29"/>
-    <p:sldId id="281" r:id="rId30"/>
+    <p:sldId id="294" r:id="rId16"/>
+    <p:sldId id="264" r:id="rId17"/>
+    <p:sldId id="268" r:id="rId18"/>
+    <p:sldId id="269" r:id="rId19"/>
+    <p:sldId id="280" r:id="rId20"/>
+    <p:sldId id="270" r:id="rId21"/>
+    <p:sldId id="271" r:id="rId22"/>
+    <p:sldId id="265" r:id="rId23"/>
+    <p:sldId id="286" r:id="rId24"/>
+    <p:sldId id="279" r:id="rId25"/>
+    <p:sldId id="272" r:id="rId26"/>
+    <p:sldId id="277" r:id="rId27"/>
+    <p:sldId id="275" r:id="rId28"/>
+    <p:sldId id="288" r:id="rId29"/>
+    <p:sldId id="293" r:id="rId30"/>
+    <p:sldId id="281" r:id="rId31"/>
   </p:sldIdLst>
   <p:sldSz cx="9144000" cy="6858000" type="screen4x3"/>
   <p:notesSz cx="6858000" cy="9144000"/>
@@ -242,11 +243,11 @@
           <c:showBubbleSize val="0"/>
         </c:dLbls>
         <c:gapWidth val="150"/>
-        <c:axId val="79738752"/>
-        <c:axId val="79740288"/>
+        <c:axId val="65054592"/>
+        <c:axId val="65056128"/>
       </c:barChart>
       <c:catAx>
-        <c:axId val="79738752"/>
+        <c:axId val="65054592"/>
         <c:scaling>
           <c:orientation val="minMax"/>
         </c:scaling>
@@ -255,7 +256,7 @@
         <c:majorTickMark val="out"/>
         <c:minorTickMark val="none"/>
         <c:tickLblPos val="nextTo"/>
-        <c:crossAx val="79740288"/>
+        <c:crossAx val="65056128"/>
         <c:crosses val="autoZero"/>
         <c:auto val="1"/>
         <c:lblAlgn val="ctr"/>
@@ -263,7 +264,7 @@
         <c:noMultiLvlLbl val="0"/>
       </c:catAx>
       <c:valAx>
-        <c:axId val="79740288"/>
+        <c:axId val="65056128"/>
         <c:scaling>
           <c:orientation val="minMax"/>
         </c:scaling>
@@ -274,7 +275,7 @@
         <c:majorTickMark val="out"/>
         <c:minorTickMark val="none"/>
         <c:tickLblPos val="nextTo"/>
-        <c:crossAx val="79738752"/>
+        <c:crossAx val="65054592"/>
         <c:crosses val="autoZero"/>
         <c:crossBetween val="between"/>
       </c:valAx>
@@ -348,7 +349,6 @@
           </a:p>
         </c:rich>
       </c:tx>
-      <c:layout/>
       <c:overlay val="0"/>
     </c:title>
     <c:autoTitleDeleted val="0"/>
@@ -417,11 +417,11 @@
           <c:showBubbleSize val="0"/>
         </c:dLbls>
         <c:gapWidth val="150"/>
-        <c:axId val="28960640"/>
-        <c:axId val="28962176"/>
+        <c:axId val="71427968"/>
+        <c:axId val="71429504"/>
       </c:barChart>
       <c:catAx>
-        <c:axId val="28960640"/>
+        <c:axId val="71427968"/>
         <c:scaling>
           <c:orientation val="minMax"/>
         </c:scaling>
@@ -430,7 +430,7 @@
         <c:majorTickMark val="out"/>
         <c:minorTickMark val="none"/>
         <c:tickLblPos val="nextTo"/>
-        <c:crossAx val="28962176"/>
+        <c:crossAx val="71429504"/>
         <c:crosses val="autoZero"/>
         <c:auto val="1"/>
         <c:lblAlgn val="ctr"/>
@@ -438,7 +438,7 @@
         <c:noMultiLvlLbl val="0"/>
       </c:catAx>
       <c:valAx>
-        <c:axId val="28962176"/>
+        <c:axId val="71429504"/>
         <c:scaling>
           <c:orientation val="minMax"/>
         </c:scaling>
@@ -449,7 +449,7 @@
         <c:majorTickMark val="out"/>
         <c:minorTickMark val="none"/>
         <c:tickLblPos val="nextTo"/>
-        <c:crossAx val="28960640"/>
+        <c:crossAx val="71427968"/>
         <c:crosses val="autoZero"/>
         <c:crossBetween val="between"/>
       </c:valAx>
@@ -623,11 +623,11 @@
           <c:showBubbleSize val="0"/>
         </c:dLbls>
         <c:gapWidth val="150"/>
-        <c:axId val="29271936"/>
-        <c:axId val="29273472"/>
+        <c:axId val="71141248"/>
+        <c:axId val="71142784"/>
       </c:barChart>
       <c:catAx>
-        <c:axId val="29271936"/>
+        <c:axId val="71141248"/>
         <c:scaling>
           <c:orientation val="minMax"/>
         </c:scaling>
@@ -636,7 +636,7 @@
         <c:majorTickMark val="out"/>
         <c:minorTickMark val="none"/>
         <c:tickLblPos val="nextTo"/>
-        <c:crossAx val="29273472"/>
+        <c:crossAx val="71142784"/>
         <c:crosses val="autoZero"/>
         <c:auto val="1"/>
         <c:lblAlgn val="ctr"/>
@@ -644,7 +644,7 @@
         <c:noMultiLvlLbl val="0"/>
       </c:catAx>
       <c:valAx>
-        <c:axId val="29273472"/>
+        <c:axId val="71142784"/>
         <c:scaling>
           <c:orientation val="minMax"/>
         </c:scaling>
@@ -655,14 +655,13 @@
         <c:majorTickMark val="out"/>
         <c:minorTickMark val="none"/>
         <c:tickLblPos val="nextTo"/>
-        <c:crossAx val="29271936"/>
+        <c:crossAx val="71141248"/>
         <c:crosses val="autoZero"/>
         <c:crossBetween val="between"/>
       </c:valAx>
     </c:plotArea>
     <c:legend>
       <c:legendPos val="r"/>
-      <c:layout/>
       <c:overlay val="0"/>
     </c:legend>
     <c:plotVisOnly val="1"/>
@@ -786,7 +785,7 @@
           <a:p>
             <a:fld id="{D33F08C4-19E2-45C3-B624-C97CC54881AA}" type="datetimeFigureOut">
               <a:rPr lang="en-US" smtClean="0"/>
-              <a:t>5/28/2015</a:t>
+              <a:t>5/29/2015</a:t>
             </a:fld>
             <a:endParaRPr lang="en-US"/>
           </a:p>
@@ -4063,7 +4062,7 @@
           <a:p>
             <a:fld id="{9CBAC602-64DA-4CCD-AFCB-7521516D8C55}" type="datetimeFigureOut">
               <a:rPr lang="en-US" smtClean="0"/>
-              <a:t>5/28/2015</a:t>
+              <a:t>5/29/2015</a:t>
             </a:fld>
             <a:endParaRPr lang="en-US"/>
           </a:p>
@@ -4348,7 +4347,7 @@
           <a:p>
             <a:fld id="{9CBAC602-64DA-4CCD-AFCB-7521516D8C55}" type="datetimeFigureOut">
               <a:rPr lang="en-US" smtClean="0"/>
-              <a:t>5/28/2015</a:t>
+              <a:t>5/29/2015</a:t>
             </a:fld>
             <a:endParaRPr lang="en-US"/>
           </a:p>
@@ -4523,7 +4522,7 @@
           <a:p>
             <a:fld id="{9CBAC602-64DA-4CCD-AFCB-7521516D8C55}" type="datetimeFigureOut">
               <a:rPr lang="en-US" smtClean="0"/>
-              <a:t>5/28/2015</a:t>
+              <a:t>5/29/2015</a:t>
             </a:fld>
             <a:endParaRPr lang="en-US"/>
           </a:p>
@@ -4688,7 +4687,7 @@
           <a:p>
             <a:fld id="{9CBAC602-64DA-4CCD-AFCB-7521516D8C55}" type="datetimeFigureOut">
               <a:rPr lang="en-US" smtClean="0"/>
-              <a:t>5/28/2015</a:t>
+              <a:t>5/29/2015</a:t>
             </a:fld>
             <a:endParaRPr lang="en-US"/>
           </a:p>
@@ -4929,7 +4928,7 @@
           <a:p>
             <a:fld id="{9CBAC602-64DA-4CCD-AFCB-7521516D8C55}" type="datetimeFigureOut">
               <a:rPr lang="en-US" smtClean="0"/>
-              <a:t>5/28/2015</a:t>
+              <a:t>5/29/2015</a:t>
             </a:fld>
             <a:endParaRPr lang="en-US"/>
           </a:p>
@@ -5042,7 +5041,7 @@
           <a:p>
             <a:fld id="{9CBAC602-64DA-4CCD-AFCB-7521516D8C55}" type="datetimeFigureOut">
               <a:rPr lang="en-US" smtClean="0"/>
-              <a:t>5/28/2015</a:t>
+              <a:t>5/29/2015</a:t>
             </a:fld>
             <a:endParaRPr lang="en-US"/>
           </a:p>
@@ -5581,7 +5580,7 @@
           <a:p>
             <a:fld id="{9CBAC602-64DA-4CCD-AFCB-7521516D8C55}" type="datetimeFigureOut">
               <a:rPr lang="en-US" smtClean="0"/>
-              <a:t>5/28/2015</a:t>
+              <a:t>5/29/2015</a:t>
             </a:fld>
             <a:endParaRPr lang="en-US"/>
           </a:p>
@@ -5694,7 +5693,7 @@
           <a:p>
             <a:fld id="{9CBAC602-64DA-4CCD-AFCB-7521516D8C55}" type="datetimeFigureOut">
               <a:rPr lang="en-US" smtClean="0"/>
-              <a:t>5/28/2015</a:t>
+              <a:t>5/29/2015</a:t>
             </a:fld>
             <a:endParaRPr lang="en-US"/>
           </a:p>
@@ -5784,7 +5783,7 @@
           <a:p>
             <a:fld id="{9CBAC602-64DA-4CCD-AFCB-7521516D8C55}" type="datetimeFigureOut">
               <a:rPr lang="en-US" smtClean="0"/>
-              <a:t>5/28/2015</a:t>
+              <a:t>5/29/2015</a:t>
             </a:fld>
             <a:endParaRPr lang="en-US"/>
           </a:p>
@@ -8435,7 +8434,7 @@
           <a:p>
             <a:fld id="{9CBAC602-64DA-4CCD-AFCB-7521516D8C55}" type="datetimeFigureOut">
               <a:rPr lang="en-US" smtClean="0"/>
-              <a:t>5/28/2015</a:t>
+              <a:t>5/29/2015</a:t>
             </a:fld>
             <a:endParaRPr lang="en-US"/>
           </a:p>
@@ -11647,7 +11646,7 @@
           <a:p>
             <a:fld id="{9CBAC602-64DA-4CCD-AFCB-7521516D8C55}" type="datetimeFigureOut">
               <a:rPr lang="en-US" smtClean="0"/>
-              <a:t>5/28/2015</a:t>
+              <a:t>5/29/2015</a:t>
             </a:fld>
             <a:endParaRPr lang="en-US"/>
           </a:p>
@@ -14469,7 +14468,7 @@
           <a:p>
             <a:fld id="{9CBAC602-64DA-4CCD-AFCB-7521516D8C55}" type="datetimeFigureOut">
               <a:rPr lang="en-US" smtClean="0"/>
-              <a:t>5/28/2015</a:t>
+              <a:t>5/29/2015</a:t>
             </a:fld>
             <a:endParaRPr lang="en-US"/>
           </a:p>
@@ -15001,18 +15000,9 @@
           <a:lstStyle/>
           <a:p>
             <a:r>
-              <a:rPr lang="en-US" dirty="0" err="1" smtClean="0"/>
-              <a:t>Lylian</a:t>
+              <a:rPr lang="en-US" dirty="0" smtClean="0"/>
+              <a:t>Lylian Blaud</a:t>
             </a:r>
-            <a:r>
-              <a:rPr lang="en-US" dirty="0" smtClean="0"/>
-              <a:t> </a:t>
-            </a:r>
-            <a:r>
-              <a:rPr lang="en-US" dirty="0" err="1" smtClean="0"/>
-              <a:t>Blaud</a:t>
-            </a:r>
-            <a:endParaRPr lang="en-US" dirty="0" smtClean="0"/>
           </a:p>
           <a:p>
             <a:endParaRPr lang="en-US" dirty="0"/>
@@ -15186,14 +15176,14 @@
           <p:nvPr>
             <p:extLst>
               <p:ext uri="{D42A27DB-BD31-4B8C-83A1-F6EECF244321}">
-                <p14:modId xmlns:p14="http://schemas.microsoft.com/office/powerpoint/2010/main" val="511359081"/>
+                <p14:modId xmlns:p14="http://schemas.microsoft.com/office/powerpoint/2010/main" val="91975611"/>
               </p:ext>
             </p:extLst>
           </p:nvPr>
         </p:nvGraphicFramePr>
         <p:xfrm>
-          <a:off x="1295400" y="4800600"/>
-          <a:ext cx="6100286" cy="192786"/>
+          <a:off x="1066800" y="4800600"/>
+          <a:ext cx="6172200" cy="192786"/>
         </p:xfrm>
         <a:graphic>
           <a:graphicData uri="http://schemas.openxmlformats.org/drawingml/2006/table">
@@ -15202,12 +15192,102 @@
                 <a:tableStyleId>{5C22544A-7EE6-4342-B048-85BDC9FD1C3A}</a:tableStyleId>
               </a:tblPr>
               <a:tblGrid>
-                <a:gridCol w="1535906"/>
-                <a:gridCol w="1671955"/>
-                <a:gridCol w="1486535"/>
-                <a:gridCol w="1405890"/>
+                <a:gridCol w="762000"/>
+                <a:gridCol w="1143000"/>
+                <a:gridCol w="1143000"/>
+                <a:gridCol w="1295400"/>
+                <a:gridCol w="1828800"/>
               </a:tblGrid>
               <a:tr h="0">
+                <a:tc>
+                  <a:txBody>
+                    <a:bodyPr/>
+                    <a:lstStyle/>
+                    <a:p>
+                      <a:pPr marL="0" marR="0">
+                        <a:lnSpc>
+                          <a:spcPct val="115000"/>
+                        </a:lnSpc>
+                        <a:spcBef>
+                          <a:spcPts val="0"/>
+                        </a:spcBef>
+                        <a:spcAft>
+                          <a:spcPts val="0"/>
+                        </a:spcAft>
+                      </a:pPr>
+                      <a:r>
+                        <a:rPr lang="en-US" sz="1100" dirty="0" smtClean="0">
+                          <a:solidFill>
+                            <a:schemeClr val="tx1"/>
+                          </a:solidFill>
+                          <a:effectLst/>
+                          <a:latin typeface="Arial" pitchFamily="34" charset="0"/>
+                          <a:ea typeface="Calibri"/>
+                          <a:cs typeface="Arial" pitchFamily="34" charset="0"/>
+                        </a:rPr>
+                        <a:t>id</a:t>
+                      </a:r>
+                      <a:endParaRPr lang="en-US" sz="1100" dirty="0">
+                        <a:solidFill>
+                          <a:schemeClr val="tx1"/>
+                        </a:solidFill>
+                        <a:effectLst/>
+                        <a:latin typeface="Arial" pitchFamily="34" charset="0"/>
+                        <a:ea typeface="Calibri"/>
+                        <a:cs typeface="Arial" pitchFamily="34" charset="0"/>
+                      </a:endParaRPr>
+                    </a:p>
+                  </a:txBody>
+                  <a:tcPr marL="68580" marR="68580" marT="0" marB="0">
+                    <a:lnL w="12700" cap="flat" cmpd="sng" algn="ctr">
+                      <a:solidFill>
+                        <a:schemeClr val="tx1"/>
+                      </a:solidFill>
+                      <a:prstDash val="solid"/>
+                      <a:round/>
+                      <a:headEnd type="none" w="med" len="med"/>
+                      <a:tailEnd type="none" w="med" len="med"/>
+                    </a:lnL>
+                    <a:lnR w="12700" cap="flat" cmpd="sng" algn="ctr">
+                      <a:solidFill>
+                        <a:schemeClr val="tx1"/>
+                      </a:solidFill>
+                      <a:prstDash val="solid"/>
+                      <a:round/>
+                      <a:headEnd type="none" w="med" len="med"/>
+                      <a:tailEnd type="none" w="med" len="med"/>
+                    </a:lnR>
+                    <a:lnT w="12700" cap="flat" cmpd="sng" algn="ctr">
+                      <a:solidFill>
+                        <a:schemeClr val="tx1"/>
+                      </a:solidFill>
+                      <a:prstDash val="solid"/>
+                      <a:round/>
+                      <a:headEnd type="none" w="med" len="med"/>
+                      <a:tailEnd type="none" w="med" len="med"/>
+                    </a:lnT>
+                    <a:lnB w="12700" cap="flat" cmpd="sng" algn="ctr">
+                      <a:solidFill>
+                        <a:schemeClr val="tx1"/>
+                      </a:solidFill>
+                      <a:prstDash val="solid"/>
+                      <a:round/>
+                      <a:headEnd type="none" w="med" len="med"/>
+                      <a:tailEnd type="none" w="med" len="med"/>
+                    </a:lnB>
+                    <a:lnTlToBr w="12700" cmpd="sng">
+                      <a:noFill/>
+                      <a:prstDash val="solid"/>
+                    </a:lnTlToBr>
+                    <a:lnBlToTr w="12700" cmpd="sng">
+                      <a:noFill/>
+                      <a:prstDash val="solid"/>
+                    </a:lnBlToTr>
+                    <a:solidFill>
+                      <a:schemeClr val="bg1"/>
+                    </a:solidFill>
+                  </a:tcPr>
+                </a:tc>
                 <a:tc>
                   <a:txBody>
                     <a:bodyPr/>
@@ -15574,14 +15654,14 @@
           <p:nvPr>
             <p:extLst>
               <p:ext uri="{D42A27DB-BD31-4B8C-83A1-F6EECF244321}">
-                <p14:modId xmlns:p14="http://schemas.microsoft.com/office/powerpoint/2010/main" val="1161022438"/>
+                <p14:modId xmlns:p14="http://schemas.microsoft.com/office/powerpoint/2010/main" val="2121947282"/>
               </p:ext>
             </p:extLst>
           </p:nvPr>
         </p:nvGraphicFramePr>
         <p:xfrm>
-          <a:off x="1295400" y="5029200"/>
-          <a:ext cx="6100286" cy="192786"/>
+          <a:off x="1066799" y="5029200"/>
+          <a:ext cx="6172201" cy="192786"/>
         </p:xfrm>
         <a:graphic>
           <a:graphicData uri="http://schemas.openxmlformats.org/drawingml/2006/table">
@@ -15590,10 +15670,515 @@
                 <a:tableStyleId>{5C22544A-7EE6-4342-B048-85BDC9FD1C3A}</a:tableStyleId>
               </a:tblPr>
               <a:tblGrid>
-                <a:gridCol w="1535906"/>
-                <a:gridCol w="1671955"/>
-                <a:gridCol w="1486535"/>
-                <a:gridCol w="1405890"/>
+                <a:gridCol w="762001"/>
+                <a:gridCol w="1143000"/>
+                <a:gridCol w="1143000"/>
+                <a:gridCol w="1295400"/>
+                <a:gridCol w="1828800"/>
+              </a:tblGrid>
+              <a:tr h="40386">
+                <a:tc>
+                  <a:txBody>
+                    <a:bodyPr/>
+                    <a:lstStyle/>
+                    <a:p>
+                      <a:pPr marL="0" marR="0" algn="l">
+                        <a:lnSpc>
+                          <a:spcPct val="115000"/>
+                        </a:lnSpc>
+                        <a:spcBef>
+                          <a:spcPts val="0"/>
+                        </a:spcBef>
+                        <a:spcAft>
+                          <a:spcPts val="0"/>
+                        </a:spcAft>
+                      </a:pPr>
+                      <a:r>
+                        <a:rPr lang="en-US" sz="1100" b="0" dirty="0" smtClean="0">
+                          <a:solidFill>
+                            <a:schemeClr val="tx1"/>
+                          </a:solidFill>
+                          <a:effectLst/>
+                          <a:latin typeface="Arial" pitchFamily="34" charset="0"/>
+                          <a:ea typeface="Calibri"/>
+                          <a:cs typeface="Arial" pitchFamily="34" charset="0"/>
+                        </a:rPr>
+                        <a:t>1</a:t>
+                      </a:r>
+                      <a:endParaRPr lang="en-US" sz="1100" b="0" dirty="0">
+                        <a:solidFill>
+                          <a:schemeClr val="tx1"/>
+                        </a:solidFill>
+                        <a:effectLst/>
+                        <a:latin typeface="Arial" pitchFamily="34" charset="0"/>
+                        <a:ea typeface="Calibri"/>
+                        <a:cs typeface="Arial" pitchFamily="34" charset="0"/>
+                      </a:endParaRPr>
+                    </a:p>
+                  </a:txBody>
+                  <a:tcPr marL="68580" marR="68580" marT="0" marB="0">
+                    <a:lnL w="12700" cap="flat" cmpd="sng" algn="ctr">
+                      <a:solidFill>
+                        <a:schemeClr val="tx1"/>
+                      </a:solidFill>
+                      <a:prstDash val="solid"/>
+                      <a:round/>
+                      <a:headEnd type="none" w="med" len="med"/>
+                      <a:tailEnd type="none" w="med" len="med"/>
+                    </a:lnL>
+                    <a:lnR w="12700" cap="flat" cmpd="sng" algn="ctr">
+                      <a:solidFill>
+                        <a:schemeClr val="tx1"/>
+                      </a:solidFill>
+                      <a:prstDash val="solid"/>
+                      <a:round/>
+                      <a:headEnd type="none" w="med" len="med"/>
+                      <a:tailEnd type="none" w="med" len="med"/>
+                    </a:lnR>
+                    <a:lnT w="12700" cap="flat" cmpd="sng" algn="ctr">
+                      <a:solidFill>
+                        <a:schemeClr val="tx1"/>
+                      </a:solidFill>
+                      <a:prstDash val="solid"/>
+                      <a:round/>
+                      <a:headEnd type="none" w="med" len="med"/>
+                      <a:tailEnd type="none" w="med" len="med"/>
+                    </a:lnT>
+                    <a:lnB w="12700" cap="flat" cmpd="sng" algn="ctr">
+                      <a:solidFill>
+                        <a:schemeClr val="tx1"/>
+                      </a:solidFill>
+                      <a:prstDash val="solid"/>
+                      <a:round/>
+                      <a:headEnd type="none" w="med" len="med"/>
+                      <a:tailEnd type="none" w="med" len="med"/>
+                    </a:lnB>
+                    <a:lnTlToBr w="12700" cmpd="sng">
+                      <a:noFill/>
+                      <a:prstDash val="solid"/>
+                    </a:lnTlToBr>
+                    <a:lnBlToTr w="12700" cmpd="sng">
+                      <a:noFill/>
+                      <a:prstDash val="solid"/>
+                    </a:lnBlToTr>
+                    <a:solidFill>
+                      <a:schemeClr val="bg1"/>
+                    </a:solidFill>
+                  </a:tcPr>
+                </a:tc>
+                <a:tc>
+                  <a:txBody>
+                    <a:bodyPr/>
+                    <a:lstStyle/>
+                    <a:p>
+                      <a:pPr marL="0" marR="0" algn="l">
+                        <a:lnSpc>
+                          <a:spcPct val="115000"/>
+                        </a:lnSpc>
+                        <a:spcBef>
+                          <a:spcPts val="0"/>
+                        </a:spcBef>
+                        <a:spcAft>
+                          <a:spcPts val="0"/>
+                        </a:spcAft>
+                      </a:pPr>
+                      <a:r>
+                        <a:rPr lang="en-US" sz="1100" b="0" dirty="0" smtClean="0">
+                          <a:solidFill>
+                            <a:schemeClr val="tx1"/>
+                          </a:solidFill>
+                          <a:effectLst/>
+                          <a:latin typeface="Arial" pitchFamily="34" charset="0"/>
+                          <a:cs typeface="Arial" pitchFamily="34" charset="0"/>
+                        </a:rPr>
+                        <a:t>Lylian Blaud</a:t>
+                      </a:r>
+                      <a:endParaRPr lang="en-US" sz="1100" b="0" dirty="0">
+                        <a:solidFill>
+                          <a:schemeClr val="tx1"/>
+                        </a:solidFill>
+                        <a:effectLst/>
+                        <a:latin typeface="Arial" pitchFamily="34" charset="0"/>
+                        <a:ea typeface="Calibri"/>
+                        <a:cs typeface="Arial" pitchFamily="34" charset="0"/>
+                      </a:endParaRPr>
+                    </a:p>
+                  </a:txBody>
+                  <a:tcPr marL="68580" marR="68580" marT="0" marB="0">
+                    <a:lnL w="12700" cap="flat" cmpd="sng" algn="ctr">
+                      <a:solidFill>
+                        <a:schemeClr val="tx1"/>
+                      </a:solidFill>
+                      <a:prstDash val="solid"/>
+                      <a:round/>
+                      <a:headEnd type="none" w="med" len="med"/>
+                      <a:tailEnd type="none" w="med" len="med"/>
+                    </a:lnL>
+                    <a:lnR w="12700" cap="flat" cmpd="sng" algn="ctr">
+                      <a:solidFill>
+                        <a:schemeClr val="tx1"/>
+                      </a:solidFill>
+                      <a:prstDash val="solid"/>
+                      <a:round/>
+                      <a:headEnd type="none" w="med" len="med"/>
+                      <a:tailEnd type="none" w="med" len="med"/>
+                    </a:lnR>
+                    <a:lnT w="12700" cap="flat" cmpd="sng" algn="ctr">
+                      <a:solidFill>
+                        <a:schemeClr val="tx1"/>
+                      </a:solidFill>
+                      <a:prstDash val="solid"/>
+                      <a:round/>
+                      <a:headEnd type="none" w="med" len="med"/>
+                      <a:tailEnd type="none" w="med" len="med"/>
+                    </a:lnT>
+                    <a:lnB w="12700" cap="flat" cmpd="sng" algn="ctr">
+                      <a:solidFill>
+                        <a:schemeClr val="tx1"/>
+                      </a:solidFill>
+                      <a:prstDash val="solid"/>
+                      <a:round/>
+                      <a:headEnd type="none" w="med" len="med"/>
+                      <a:tailEnd type="none" w="med" len="med"/>
+                    </a:lnB>
+                    <a:lnTlToBr w="12700" cmpd="sng">
+                      <a:noFill/>
+                      <a:prstDash val="solid"/>
+                    </a:lnTlToBr>
+                    <a:lnBlToTr w="12700" cmpd="sng">
+                      <a:noFill/>
+                      <a:prstDash val="solid"/>
+                    </a:lnBlToTr>
+                    <a:solidFill>
+                      <a:schemeClr val="bg1"/>
+                    </a:solidFill>
+                  </a:tcPr>
+                </a:tc>
+                <a:tc>
+                  <a:txBody>
+                    <a:bodyPr/>
+                    <a:lstStyle/>
+                    <a:p>
+                      <a:pPr marL="0" marR="0" algn="l">
+                        <a:lnSpc>
+                          <a:spcPct val="115000"/>
+                        </a:lnSpc>
+                        <a:spcBef>
+                          <a:spcPts val="0"/>
+                        </a:spcBef>
+                        <a:spcAft>
+                          <a:spcPts val="0"/>
+                        </a:spcAft>
+                      </a:pPr>
+                      <a:r>
+                        <a:rPr lang="en-US" sz="1100" b="0" dirty="0" smtClean="0">
+                          <a:solidFill>
+                            <a:schemeClr val="tx1"/>
+                          </a:solidFill>
+                          <a:effectLst/>
+                          <a:latin typeface="Arial" pitchFamily="34" charset="0"/>
+                          <a:cs typeface="Arial" pitchFamily="34" charset="0"/>
+                        </a:rPr>
+                        <a:t>Status</a:t>
+                      </a:r>
+                      <a:endParaRPr lang="en-US" sz="1100" b="0" dirty="0">
+                        <a:solidFill>
+                          <a:schemeClr val="tx1"/>
+                        </a:solidFill>
+                        <a:effectLst/>
+                        <a:latin typeface="Arial" pitchFamily="34" charset="0"/>
+                        <a:ea typeface="Calibri"/>
+                        <a:cs typeface="Arial" pitchFamily="34" charset="0"/>
+                      </a:endParaRPr>
+                    </a:p>
+                  </a:txBody>
+                  <a:tcPr marL="68580" marR="68580" marT="0" marB="0">
+                    <a:lnL w="12700" cap="flat" cmpd="sng" algn="ctr">
+                      <a:solidFill>
+                        <a:schemeClr val="tx1"/>
+                      </a:solidFill>
+                      <a:prstDash val="solid"/>
+                      <a:round/>
+                      <a:headEnd type="none" w="med" len="med"/>
+                      <a:tailEnd type="none" w="med" len="med"/>
+                    </a:lnL>
+                    <a:lnR w="12700" cap="flat" cmpd="sng" algn="ctr">
+                      <a:solidFill>
+                        <a:schemeClr val="tx1"/>
+                      </a:solidFill>
+                      <a:prstDash val="solid"/>
+                      <a:round/>
+                      <a:headEnd type="none" w="med" len="med"/>
+                      <a:tailEnd type="none" w="med" len="med"/>
+                    </a:lnR>
+                    <a:lnT w="12700" cap="flat" cmpd="sng" algn="ctr">
+                      <a:solidFill>
+                        <a:schemeClr val="tx1"/>
+                      </a:solidFill>
+                      <a:prstDash val="solid"/>
+                      <a:round/>
+                      <a:headEnd type="none" w="med" len="med"/>
+                      <a:tailEnd type="none" w="med" len="med"/>
+                    </a:lnT>
+                    <a:lnB w="12700" cap="flat" cmpd="sng" algn="ctr">
+                      <a:solidFill>
+                        <a:schemeClr val="tx1"/>
+                      </a:solidFill>
+                      <a:prstDash val="solid"/>
+                      <a:round/>
+                      <a:headEnd type="none" w="med" len="med"/>
+                      <a:tailEnd type="none" w="med" len="med"/>
+                    </a:lnB>
+                    <a:lnTlToBr w="12700" cmpd="sng">
+                      <a:noFill/>
+                      <a:prstDash val="solid"/>
+                    </a:lnTlToBr>
+                    <a:lnBlToTr w="12700" cmpd="sng">
+                      <a:noFill/>
+                      <a:prstDash val="solid"/>
+                    </a:lnBlToTr>
+                    <a:solidFill>
+                      <a:schemeClr val="bg1"/>
+                    </a:solidFill>
+                  </a:tcPr>
+                </a:tc>
+                <a:tc>
+                  <a:txBody>
+                    <a:bodyPr/>
+                    <a:lstStyle/>
+                    <a:p>
+                      <a:pPr marL="0" marR="0" algn="l">
+                        <a:lnSpc>
+                          <a:spcPct val="115000"/>
+                        </a:lnSpc>
+                        <a:spcBef>
+                          <a:spcPts val="0"/>
+                        </a:spcBef>
+                        <a:spcAft>
+                          <a:spcPts val="0"/>
+                        </a:spcAft>
+                      </a:pPr>
+                      <a:r>
+                        <a:rPr lang="en-US" sz="1100" b="0" dirty="0" smtClean="0">
+                          <a:solidFill>
+                            <a:schemeClr val="tx1"/>
+                          </a:solidFill>
+                          <a:effectLst/>
+                          <a:latin typeface="Arial" pitchFamily="34" charset="0"/>
+                          <a:ea typeface="+mn-ea"/>
+                          <a:cs typeface="Arial" pitchFamily="34" charset="0"/>
+                        </a:rPr>
+                        <a:t>“Hello</a:t>
+                      </a:r>
+                      <a:r>
+                        <a:rPr lang="en-US" sz="1100" b="0" baseline="0" dirty="0" smtClean="0">
+                          <a:solidFill>
+                            <a:schemeClr val="tx1"/>
+                          </a:solidFill>
+                          <a:effectLst/>
+                          <a:latin typeface="Arial" pitchFamily="34" charset="0"/>
+                          <a:ea typeface="+mn-ea"/>
+                          <a:cs typeface="Arial" pitchFamily="34" charset="0"/>
+                        </a:rPr>
+                        <a:t> !”</a:t>
+                      </a:r>
+                      <a:endParaRPr lang="en-US" sz="1100" b="0" dirty="0">
+                        <a:solidFill>
+                          <a:schemeClr val="tx1"/>
+                        </a:solidFill>
+                        <a:effectLst/>
+                        <a:latin typeface="Arial" pitchFamily="34" charset="0"/>
+                        <a:ea typeface="Calibri"/>
+                        <a:cs typeface="Arial" pitchFamily="34" charset="0"/>
+                      </a:endParaRPr>
+                    </a:p>
+                  </a:txBody>
+                  <a:tcPr marL="68580" marR="68580" marT="0" marB="0">
+                    <a:lnL w="12700" cap="flat" cmpd="sng" algn="ctr">
+                      <a:solidFill>
+                        <a:schemeClr val="tx1"/>
+                      </a:solidFill>
+                      <a:prstDash val="solid"/>
+                      <a:round/>
+                      <a:headEnd type="none" w="med" len="med"/>
+                      <a:tailEnd type="none" w="med" len="med"/>
+                    </a:lnL>
+                    <a:lnR w="12700" cap="flat" cmpd="sng" algn="ctr">
+                      <a:solidFill>
+                        <a:schemeClr val="tx1"/>
+                      </a:solidFill>
+                      <a:prstDash val="solid"/>
+                      <a:round/>
+                      <a:headEnd type="none" w="med" len="med"/>
+                      <a:tailEnd type="none" w="med" len="med"/>
+                    </a:lnR>
+                    <a:lnT w="12700" cap="flat" cmpd="sng" algn="ctr">
+                      <a:solidFill>
+                        <a:schemeClr val="tx1"/>
+                      </a:solidFill>
+                      <a:prstDash val="solid"/>
+                      <a:round/>
+                      <a:headEnd type="none" w="med" len="med"/>
+                      <a:tailEnd type="none" w="med" len="med"/>
+                    </a:lnT>
+                    <a:lnB w="12700" cap="flat" cmpd="sng" algn="ctr">
+                      <a:solidFill>
+                        <a:schemeClr val="tx1"/>
+                      </a:solidFill>
+                      <a:prstDash val="solid"/>
+                      <a:round/>
+                      <a:headEnd type="none" w="med" len="med"/>
+                      <a:tailEnd type="none" w="med" len="med"/>
+                    </a:lnB>
+                    <a:lnTlToBr w="12700" cmpd="sng">
+                      <a:noFill/>
+                      <a:prstDash val="solid"/>
+                    </a:lnTlToBr>
+                    <a:lnBlToTr w="12700" cmpd="sng">
+                      <a:noFill/>
+                      <a:prstDash val="solid"/>
+                    </a:lnBlToTr>
+                    <a:solidFill>
+                      <a:schemeClr val="bg1"/>
+                    </a:solidFill>
+                  </a:tcPr>
+                </a:tc>
+                <a:tc>
+                  <a:txBody>
+                    <a:bodyPr/>
+                    <a:lstStyle/>
+                    <a:p>
+                      <a:pPr marL="0" marR="0" algn="l">
+                        <a:lnSpc>
+                          <a:spcPct val="115000"/>
+                        </a:lnSpc>
+                        <a:spcBef>
+                          <a:spcPts val="0"/>
+                        </a:spcBef>
+                        <a:spcAft>
+                          <a:spcPts val="0"/>
+                        </a:spcAft>
+                      </a:pPr>
+                      <a:r>
+                        <a:rPr lang="en-US" sz="1100" b="0" dirty="0" smtClean="0">
+                          <a:solidFill>
+                            <a:schemeClr val="tx1"/>
+                          </a:solidFill>
+                          <a:effectLst/>
+                          <a:latin typeface="Arial" pitchFamily="34" charset="0"/>
+                          <a:ea typeface="+mn-ea"/>
+                          <a:cs typeface="Arial" pitchFamily="34" charset="0"/>
+                        </a:rPr>
+                        <a:t>05/19/2015</a:t>
+                      </a:r>
+                      <a:r>
+                        <a:rPr lang="en-US" sz="1100" b="0" baseline="0" dirty="0" smtClean="0">
+                          <a:solidFill>
+                            <a:schemeClr val="tx1"/>
+                          </a:solidFill>
+                          <a:effectLst/>
+                          <a:latin typeface="Arial" pitchFamily="34" charset="0"/>
+                          <a:ea typeface="+mn-ea"/>
+                          <a:cs typeface="Arial" pitchFamily="34" charset="0"/>
+                        </a:rPr>
+                        <a:t> 10:00</a:t>
+                      </a:r>
+                      <a:endParaRPr lang="en-US" sz="1100" b="0" dirty="0">
+                        <a:solidFill>
+                          <a:schemeClr val="tx1"/>
+                        </a:solidFill>
+                        <a:effectLst/>
+                        <a:latin typeface="Arial" pitchFamily="34" charset="0"/>
+                        <a:ea typeface="Calibri"/>
+                        <a:cs typeface="Arial" pitchFamily="34" charset="0"/>
+                      </a:endParaRPr>
+                    </a:p>
+                  </a:txBody>
+                  <a:tcPr marL="68580" marR="68580" marT="0" marB="0">
+                    <a:lnL w="12700" cap="flat" cmpd="sng" algn="ctr">
+                      <a:solidFill>
+                        <a:schemeClr val="tx1"/>
+                      </a:solidFill>
+                      <a:prstDash val="solid"/>
+                      <a:round/>
+                      <a:headEnd type="none" w="med" len="med"/>
+                      <a:tailEnd type="none" w="med" len="med"/>
+                    </a:lnL>
+                    <a:lnR w="12700" cap="flat" cmpd="sng" algn="ctr">
+                      <a:solidFill>
+                        <a:schemeClr val="tx1"/>
+                      </a:solidFill>
+                      <a:prstDash val="solid"/>
+                      <a:round/>
+                      <a:headEnd type="none" w="med" len="med"/>
+                      <a:tailEnd type="none" w="med" len="med"/>
+                    </a:lnR>
+                    <a:lnT w="12700" cap="flat" cmpd="sng" algn="ctr">
+                      <a:solidFill>
+                        <a:schemeClr val="tx1"/>
+                      </a:solidFill>
+                      <a:prstDash val="solid"/>
+                      <a:round/>
+                      <a:headEnd type="none" w="med" len="med"/>
+                      <a:tailEnd type="none" w="med" len="med"/>
+                    </a:lnT>
+                    <a:lnB w="12700" cap="flat" cmpd="sng" algn="ctr">
+                      <a:solidFill>
+                        <a:schemeClr val="tx1"/>
+                      </a:solidFill>
+                      <a:prstDash val="solid"/>
+                      <a:round/>
+                      <a:headEnd type="none" w="med" len="med"/>
+                      <a:tailEnd type="none" w="med" len="med"/>
+                    </a:lnB>
+                    <a:lnTlToBr w="12700" cmpd="sng">
+                      <a:noFill/>
+                      <a:prstDash val="solid"/>
+                    </a:lnTlToBr>
+                    <a:lnBlToTr w="12700" cmpd="sng">
+                      <a:noFill/>
+                      <a:prstDash val="solid"/>
+                    </a:lnBlToTr>
+                    <a:solidFill>
+                      <a:schemeClr val="bg1"/>
+                    </a:solidFill>
+                  </a:tcPr>
+                </a:tc>
+              </a:tr>
+            </a:tbl>
+          </a:graphicData>
+        </a:graphic>
+      </p:graphicFrame>
+      <p:graphicFrame>
+        <p:nvGraphicFramePr>
+          <p:cNvPr id="12" name="Table 11"/>
+          <p:cNvGraphicFramePr>
+            <a:graphicFrameLocks noGrp="1"/>
+          </p:cNvGraphicFramePr>
+          <p:nvPr>
+            <p:extLst>
+              <p:ext uri="{D42A27DB-BD31-4B8C-83A1-F6EECF244321}">
+                <p14:modId xmlns:p14="http://schemas.microsoft.com/office/powerpoint/2010/main" val="2692729370"/>
+              </p:ext>
+            </p:extLst>
+          </p:nvPr>
+        </p:nvGraphicFramePr>
+        <p:xfrm>
+          <a:off x="1066800" y="5257800"/>
+          <a:ext cx="6172200" cy="176403"/>
+        </p:xfrm>
+        <a:graphic>
+          <a:graphicData uri="http://schemas.openxmlformats.org/drawingml/2006/table">
+            <a:tbl>
+              <a:tblPr firstRow="1" firstCol="1" bandRow="1">
+                <a:tableStyleId>{5C22544A-7EE6-4342-B048-85BDC9FD1C3A}</a:tableStyleId>
+              </a:tblPr>
+              <a:tblGrid>
+                <a:gridCol w="762000"/>
+                <a:gridCol w="1143000"/>
+                <a:gridCol w="1143000"/>
+                <a:gridCol w="1295400"/>
+                <a:gridCol w="1828800"/>
               </a:tblGrid>
               <a:tr h="0">
                 <a:tc>
@@ -15613,40 +16198,25 @@
                         </a:spcAft>
                       </a:pPr>
                       <a:r>
-                        <a:rPr lang="en-US" sz="1100" dirty="0" err="1" smtClean="0">
+                        <a:rPr lang="en-US" sz="1100" b="0" dirty="0" smtClean="0">
                           <a:solidFill>
                             <a:schemeClr val="tx1"/>
                           </a:solidFill>
                           <a:effectLst/>
+                          <a:latin typeface="Arial" pitchFamily="34" charset="0"/>
+                          <a:ea typeface="Calibri"/>
+                          <a:cs typeface="Arial" pitchFamily="34" charset="0"/>
                         </a:rPr>
-                        <a:t>Lylian</a:t>
+                        <a:t>2</a:t>
                       </a:r>
-                      <a:r>
-                        <a:rPr lang="en-US" sz="1100" dirty="0" smtClean="0">
-                          <a:solidFill>
-                            <a:schemeClr val="tx1"/>
-                          </a:solidFill>
-                          <a:effectLst/>
-                        </a:rPr>
-                        <a:t> </a:t>
-                      </a:r>
-                      <a:r>
-                        <a:rPr lang="en-US" sz="1100" dirty="0" err="1" smtClean="0">
-                          <a:solidFill>
-                            <a:schemeClr val="tx1"/>
-                          </a:solidFill>
-                          <a:effectLst/>
-                        </a:rPr>
-                        <a:t>Blaud</a:t>
-                      </a:r>
-                      <a:endParaRPr lang="en-US" sz="1100" dirty="0">
+                      <a:endParaRPr lang="en-US" sz="1100" b="0" dirty="0">
                         <a:solidFill>
                           <a:schemeClr val="tx1"/>
                         </a:solidFill>
                         <a:effectLst/>
-                        <a:latin typeface="Calibri"/>
+                        <a:latin typeface="Arial" pitchFamily="34" charset="0"/>
                         <a:ea typeface="Calibri"/>
-                        <a:cs typeface="Times New Roman"/>
+                        <a:cs typeface="Arial" pitchFamily="34" charset="0"/>
                       </a:endParaRPr>
                     </a:p>
                   </a:txBody>
@@ -15717,22 +16287,24 @@
                         </a:spcAft>
                       </a:pPr>
                       <a:r>
-                        <a:rPr lang="en-US" sz="1100" dirty="0" smtClean="0">
+                        <a:rPr lang="en-US" sz="1100" b="0" dirty="0" smtClean="0">
                           <a:solidFill>
                             <a:schemeClr val="tx1"/>
                           </a:solidFill>
                           <a:effectLst/>
+                          <a:latin typeface="Arial" pitchFamily="34" charset="0"/>
+                          <a:cs typeface="Arial" pitchFamily="34" charset="0"/>
                         </a:rPr>
-                        <a:t>Status</a:t>
+                        <a:t>Lylian Blaud</a:t>
                       </a:r>
-                      <a:endParaRPr lang="en-US" sz="1100" dirty="0">
+                      <a:endParaRPr lang="en-US" sz="1100" b="0" dirty="0">
                         <a:solidFill>
                           <a:schemeClr val="tx1"/>
                         </a:solidFill>
                         <a:effectLst/>
-                        <a:latin typeface="Calibri"/>
+                        <a:latin typeface="Arial" pitchFamily="34" charset="0"/>
                         <a:ea typeface="Calibri"/>
-                        <a:cs typeface="Times New Roman"/>
+                        <a:cs typeface="Arial" pitchFamily="34" charset="0"/>
                       </a:endParaRPr>
                     </a:p>
                   </a:txBody>
@@ -15803,37 +16375,24 @@
                         </a:spcAft>
                       </a:pPr>
                       <a:r>
-                        <a:rPr lang="en-US" sz="1100" dirty="0" smtClean="0">
+                        <a:rPr lang="en-US" sz="1100" b="0" dirty="0" smtClean="0">
                           <a:solidFill>
                             <a:schemeClr val="tx1"/>
                           </a:solidFill>
                           <a:effectLst/>
-                          <a:latin typeface="+mn-lt"/>
-                          <a:ea typeface="+mn-ea"/>
-                          <a:cs typeface="+mn-cs"/>
+                          <a:latin typeface="Arial" pitchFamily="34" charset="0"/>
+                          <a:cs typeface="Arial" pitchFamily="34" charset="0"/>
                         </a:rPr>
-                        <a:t>“Hello</a:t>
+                        <a:t>Status</a:t>
                       </a:r>
-                      <a:r>
-                        <a:rPr lang="en-US" sz="1100" baseline="0" dirty="0" smtClean="0">
-                          <a:solidFill>
-                            <a:schemeClr val="tx1"/>
-                          </a:solidFill>
-                          <a:effectLst/>
-                          <a:latin typeface="+mn-lt"/>
-                          <a:ea typeface="+mn-ea"/>
-                          <a:cs typeface="+mn-cs"/>
-                        </a:rPr>
-                        <a:t> !”</a:t>
-                      </a:r>
-                      <a:endParaRPr lang="en-US" sz="1100" dirty="0">
+                      <a:endParaRPr lang="en-US" sz="1100" b="0" dirty="0">
                         <a:solidFill>
                           <a:schemeClr val="tx1"/>
                         </a:solidFill>
                         <a:effectLst/>
-                        <a:latin typeface="Calibri"/>
+                        <a:latin typeface="Arial" pitchFamily="34" charset="0"/>
                         <a:ea typeface="Calibri"/>
-                        <a:cs typeface="Times New Roman"/>
+                        <a:cs typeface="Arial" pitchFamily="34" charset="0"/>
                       </a:endParaRPr>
                     </a:p>
                   </a:txBody>
@@ -15904,176 +16463,30 @@
                         </a:spcAft>
                       </a:pPr>
                       <a:r>
-                        <a:rPr lang="en-US" sz="1100" dirty="0" smtClean="0">
-                          <a:solidFill>
-                            <a:schemeClr val="tx1"/>
-                          </a:solidFill>
-                          <a:effectLst/>
-                          <a:latin typeface="+mn-lt"/>
-                          <a:ea typeface="+mn-ea"/>
-                          <a:cs typeface="+mn-cs"/>
-                        </a:rPr>
-                        <a:t>05/19/2015</a:t>
-                      </a:r>
-                      <a:r>
-                        <a:rPr lang="en-US" sz="1100" baseline="0" dirty="0" smtClean="0">
-                          <a:solidFill>
-                            <a:schemeClr val="tx1"/>
-                          </a:solidFill>
-                          <a:effectLst/>
-                          <a:latin typeface="+mn-lt"/>
-                          <a:ea typeface="+mn-ea"/>
-                          <a:cs typeface="+mn-cs"/>
-                        </a:rPr>
-                        <a:t> 10:00</a:t>
-                      </a:r>
-                      <a:endParaRPr lang="en-US" sz="1100" dirty="0">
-                        <a:solidFill>
-                          <a:schemeClr val="tx1"/>
-                        </a:solidFill>
-                        <a:effectLst/>
-                        <a:latin typeface="Calibri"/>
-                        <a:ea typeface="Calibri"/>
-                        <a:cs typeface="Times New Roman"/>
-                      </a:endParaRPr>
-                    </a:p>
-                  </a:txBody>
-                  <a:tcPr marL="68580" marR="68580" marT="0" marB="0">
-                    <a:lnL w="12700" cap="flat" cmpd="sng" algn="ctr">
-                      <a:solidFill>
-                        <a:schemeClr val="tx1"/>
-                      </a:solidFill>
-                      <a:prstDash val="solid"/>
-                      <a:round/>
-                      <a:headEnd type="none" w="med" len="med"/>
-                      <a:tailEnd type="none" w="med" len="med"/>
-                    </a:lnL>
-                    <a:lnR w="12700" cap="flat" cmpd="sng" algn="ctr">
-                      <a:solidFill>
-                        <a:schemeClr val="tx1"/>
-                      </a:solidFill>
-                      <a:prstDash val="solid"/>
-                      <a:round/>
-                      <a:headEnd type="none" w="med" len="med"/>
-                      <a:tailEnd type="none" w="med" len="med"/>
-                    </a:lnR>
-                    <a:lnT w="12700" cap="flat" cmpd="sng" algn="ctr">
-                      <a:solidFill>
-                        <a:schemeClr val="tx1"/>
-                      </a:solidFill>
-                      <a:prstDash val="solid"/>
-                      <a:round/>
-                      <a:headEnd type="none" w="med" len="med"/>
-                      <a:tailEnd type="none" w="med" len="med"/>
-                    </a:lnT>
-                    <a:lnB w="12700" cap="flat" cmpd="sng" algn="ctr">
-                      <a:solidFill>
-                        <a:schemeClr val="tx1"/>
-                      </a:solidFill>
-                      <a:prstDash val="solid"/>
-                      <a:round/>
-                      <a:headEnd type="none" w="med" len="med"/>
-                      <a:tailEnd type="none" w="med" len="med"/>
-                    </a:lnB>
-                    <a:lnTlToBr w="12700" cmpd="sng">
-                      <a:noFill/>
-                      <a:prstDash val="solid"/>
-                    </a:lnTlToBr>
-                    <a:lnBlToTr w="12700" cmpd="sng">
-                      <a:noFill/>
-                      <a:prstDash val="solid"/>
-                    </a:lnBlToTr>
-                    <a:solidFill>
-                      <a:schemeClr val="bg1"/>
-                    </a:solidFill>
-                  </a:tcPr>
-                </a:tc>
-              </a:tr>
-            </a:tbl>
-          </a:graphicData>
-        </a:graphic>
-      </p:graphicFrame>
-      <p:graphicFrame>
-        <p:nvGraphicFramePr>
-          <p:cNvPr id="12" name="Table 11"/>
-          <p:cNvGraphicFramePr>
-            <a:graphicFrameLocks noGrp="1"/>
-          </p:cNvGraphicFramePr>
-          <p:nvPr>
-            <p:extLst>
-              <p:ext uri="{D42A27DB-BD31-4B8C-83A1-F6EECF244321}">
-                <p14:modId xmlns:p14="http://schemas.microsoft.com/office/powerpoint/2010/main" val="1199184117"/>
-              </p:ext>
-            </p:extLst>
-          </p:nvPr>
-        </p:nvGraphicFramePr>
-        <p:xfrm>
-          <a:off x="1295400" y="5029200"/>
-          <a:ext cx="6100286" cy="192786"/>
-        </p:xfrm>
-        <a:graphic>
-          <a:graphicData uri="http://schemas.openxmlformats.org/drawingml/2006/table">
-            <a:tbl>
-              <a:tblPr firstRow="1" firstCol="1" bandRow="1">
-                <a:tableStyleId>{5C22544A-7EE6-4342-B048-85BDC9FD1C3A}</a:tableStyleId>
-              </a:tblPr>
-              <a:tblGrid>
-                <a:gridCol w="1535906"/>
-                <a:gridCol w="1671955"/>
-                <a:gridCol w="1486535"/>
-                <a:gridCol w="1405890"/>
-              </a:tblGrid>
-              <a:tr h="0">
-                <a:tc>
-                  <a:txBody>
-                    <a:bodyPr/>
-                    <a:lstStyle/>
-                    <a:p>
-                      <a:pPr marL="0" marR="0">
-                        <a:lnSpc>
-                          <a:spcPct val="115000"/>
-                        </a:lnSpc>
-                        <a:spcBef>
-                          <a:spcPts val="0"/>
-                        </a:spcBef>
-                        <a:spcAft>
-                          <a:spcPts val="0"/>
-                        </a:spcAft>
-                      </a:pPr>
-                      <a:r>
-                        <a:rPr lang="en-US" sz="1100" dirty="0" err="1" smtClean="0">
+                        <a:rPr lang="en-US" sz="1100" b="0" dirty="0" smtClean="0">
                           <a:solidFill>
                             <a:schemeClr val="tx1"/>
                           </a:solidFill>
                           <a:effectLst/>
                           <a:latin typeface="Arial" pitchFamily="34" charset="0"/>
+                          <a:ea typeface="+mn-ea"/>
                           <a:cs typeface="Arial" pitchFamily="34" charset="0"/>
                         </a:rPr>
-                        <a:t>Lylian</a:t>
+                        <a:t>“Row-Oriented</a:t>
                       </a:r>
                       <a:r>
-                        <a:rPr lang="en-US" sz="1100" dirty="0" smtClean="0">
+                        <a:rPr lang="en-US" sz="1100" b="0" baseline="0" dirty="0" smtClean="0">
                           <a:solidFill>
                             <a:schemeClr val="tx1"/>
                           </a:solidFill>
                           <a:effectLst/>
                           <a:latin typeface="Arial" pitchFamily="34" charset="0"/>
+                          <a:ea typeface="+mn-ea"/>
                           <a:cs typeface="Arial" pitchFamily="34" charset="0"/>
                         </a:rPr>
-                        <a:t> </a:t>
+                        <a:t>?”</a:t>
                       </a:r>
-                      <a:r>
-                        <a:rPr lang="en-US" sz="1100" dirty="0" err="1" smtClean="0">
-                          <a:solidFill>
-                            <a:schemeClr val="tx1"/>
-                          </a:solidFill>
-                          <a:effectLst/>
-                          <a:latin typeface="Arial" pitchFamily="34" charset="0"/>
-                          <a:cs typeface="Arial" pitchFamily="34" charset="0"/>
-                        </a:rPr>
-                        <a:t>Blaud</a:t>
-                      </a:r>
-                      <a:endParaRPr lang="en-US" sz="1100" dirty="0">
+                      <a:endParaRPr lang="en-US" sz="1100" b="0" dirty="0">
                         <a:solidFill>
                           <a:schemeClr val="tx1"/>
                         </a:solidFill>
@@ -16151,196 +16564,7 @@
                         </a:spcAft>
                       </a:pPr>
                       <a:r>
-                        <a:rPr lang="en-US" sz="1100" dirty="0" smtClean="0">
-                          <a:solidFill>
-                            <a:schemeClr val="tx1"/>
-                          </a:solidFill>
-                          <a:effectLst/>
-                          <a:latin typeface="Arial" pitchFamily="34" charset="0"/>
-                          <a:cs typeface="Arial" pitchFamily="34" charset="0"/>
-                        </a:rPr>
-                        <a:t>Status</a:t>
-                      </a:r>
-                      <a:endParaRPr lang="en-US" sz="1100" dirty="0">
-                        <a:solidFill>
-                          <a:schemeClr val="tx1"/>
-                        </a:solidFill>
-                        <a:effectLst/>
-                        <a:latin typeface="Arial" pitchFamily="34" charset="0"/>
-                        <a:ea typeface="Calibri"/>
-                        <a:cs typeface="Arial" pitchFamily="34" charset="0"/>
-                      </a:endParaRPr>
-                    </a:p>
-                  </a:txBody>
-                  <a:tcPr marL="68580" marR="68580" marT="0" marB="0">
-                    <a:lnL w="12700" cap="flat" cmpd="sng" algn="ctr">
-                      <a:solidFill>
-                        <a:schemeClr val="tx1"/>
-                      </a:solidFill>
-                      <a:prstDash val="solid"/>
-                      <a:round/>
-                      <a:headEnd type="none" w="med" len="med"/>
-                      <a:tailEnd type="none" w="med" len="med"/>
-                    </a:lnL>
-                    <a:lnR w="12700" cap="flat" cmpd="sng" algn="ctr">
-                      <a:solidFill>
-                        <a:schemeClr val="tx1"/>
-                      </a:solidFill>
-                      <a:prstDash val="solid"/>
-                      <a:round/>
-                      <a:headEnd type="none" w="med" len="med"/>
-                      <a:tailEnd type="none" w="med" len="med"/>
-                    </a:lnR>
-                    <a:lnT w="12700" cap="flat" cmpd="sng" algn="ctr">
-                      <a:solidFill>
-                        <a:schemeClr val="tx1"/>
-                      </a:solidFill>
-                      <a:prstDash val="solid"/>
-                      <a:round/>
-                      <a:headEnd type="none" w="med" len="med"/>
-                      <a:tailEnd type="none" w="med" len="med"/>
-                    </a:lnT>
-                    <a:lnB w="12700" cap="flat" cmpd="sng" algn="ctr">
-                      <a:solidFill>
-                        <a:schemeClr val="tx1"/>
-                      </a:solidFill>
-                      <a:prstDash val="solid"/>
-                      <a:round/>
-                      <a:headEnd type="none" w="med" len="med"/>
-                      <a:tailEnd type="none" w="med" len="med"/>
-                    </a:lnB>
-                    <a:lnTlToBr w="12700" cmpd="sng">
-                      <a:noFill/>
-                      <a:prstDash val="solid"/>
-                    </a:lnTlToBr>
-                    <a:lnBlToTr w="12700" cmpd="sng">
-                      <a:noFill/>
-                      <a:prstDash val="solid"/>
-                    </a:lnBlToTr>
-                    <a:solidFill>
-                      <a:schemeClr val="bg1"/>
-                    </a:solidFill>
-                  </a:tcPr>
-                </a:tc>
-                <a:tc>
-                  <a:txBody>
-                    <a:bodyPr/>
-                    <a:lstStyle/>
-                    <a:p>
-                      <a:pPr marL="0" marR="0">
-                        <a:lnSpc>
-                          <a:spcPct val="115000"/>
-                        </a:lnSpc>
-                        <a:spcBef>
-                          <a:spcPts val="0"/>
-                        </a:spcBef>
-                        <a:spcAft>
-                          <a:spcPts val="0"/>
-                        </a:spcAft>
-                      </a:pPr>
-                      <a:r>
-                        <a:rPr lang="en-US" sz="1100" dirty="0" smtClean="0">
-                          <a:solidFill>
-                            <a:schemeClr val="tx1"/>
-                          </a:solidFill>
-                          <a:effectLst/>
-                          <a:latin typeface="Arial" pitchFamily="34" charset="0"/>
-                          <a:ea typeface="+mn-ea"/>
-                          <a:cs typeface="Arial" pitchFamily="34" charset="0"/>
-                        </a:rPr>
-                        <a:t>“Row-Oriented</a:t>
-                      </a:r>
-                      <a:r>
-                        <a:rPr lang="en-US" sz="1100" baseline="0" dirty="0" smtClean="0">
-                          <a:solidFill>
-                            <a:schemeClr val="tx1"/>
-                          </a:solidFill>
-                          <a:effectLst/>
-                          <a:latin typeface="Arial" pitchFamily="34" charset="0"/>
-                          <a:ea typeface="+mn-ea"/>
-                          <a:cs typeface="Arial" pitchFamily="34" charset="0"/>
-                        </a:rPr>
-                        <a:t>?”</a:t>
-                      </a:r>
-                      <a:endParaRPr lang="en-US" sz="1100" dirty="0">
-                        <a:solidFill>
-                          <a:schemeClr val="tx1"/>
-                        </a:solidFill>
-                        <a:effectLst/>
-                        <a:latin typeface="Arial" pitchFamily="34" charset="0"/>
-                        <a:ea typeface="Calibri"/>
-                        <a:cs typeface="Arial" pitchFamily="34" charset="0"/>
-                      </a:endParaRPr>
-                    </a:p>
-                  </a:txBody>
-                  <a:tcPr marL="68580" marR="68580" marT="0" marB="0">
-                    <a:lnL w="12700" cap="flat" cmpd="sng" algn="ctr">
-                      <a:solidFill>
-                        <a:schemeClr val="tx1"/>
-                      </a:solidFill>
-                      <a:prstDash val="solid"/>
-                      <a:round/>
-                      <a:headEnd type="none" w="med" len="med"/>
-                      <a:tailEnd type="none" w="med" len="med"/>
-                    </a:lnL>
-                    <a:lnR w="12700" cap="flat" cmpd="sng" algn="ctr">
-                      <a:solidFill>
-                        <a:schemeClr val="tx1"/>
-                      </a:solidFill>
-                      <a:prstDash val="solid"/>
-                      <a:round/>
-                      <a:headEnd type="none" w="med" len="med"/>
-                      <a:tailEnd type="none" w="med" len="med"/>
-                    </a:lnR>
-                    <a:lnT w="12700" cap="flat" cmpd="sng" algn="ctr">
-                      <a:solidFill>
-                        <a:schemeClr val="tx1"/>
-                      </a:solidFill>
-                      <a:prstDash val="solid"/>
-                      <a:round/>
-                      <a:headEnd type="none" w="med" len="med"/>
-                      <a:tailEnd type="none" w="med" len="med"/>
-                    </a:lnT>
-                    <a:lnB w="12700" cap="flat" cmpd="sng" algn="ctr">
-                      <a:solidFill>
-                        <a:schemeClr val="tx1"/>
-                      </a:solidFill>
-                      <a:prstDash val="solid"/>
-                      <a:round/>
-                      <a:headEnd type="none" w="med" len="med"/>
-                      <a:tailEnd type="none" w="med" len="med"/>
-                    </a:lnB>
-                    <a:lnTlToBr w="12700" cmpd="sng">
-                      <a:noFill/>
-                      <a:prstDash val="solid"/>
-                    </a:lnTlToBr>
-                    <a:lnBlToTr w="12700" cmpd="sng">
-                      <a:noFill/>
-                      <a:prstDash val="solid"/>
-                    </a:lnBlToTr>
-                    <a:solidFill>
-                      <a:schemeClr val="bg1"/>
-                    </a:solidFill>
-                  </a:tcPr>
-                </a:tc>
-                <a:tc>
-                  <a:txBody>
-                    <a:bodyPr/>
-                    <a:lstStyle/>
-                    <a:p>
-                      <a:pPr marL="0" marR="0">
-                        <a:lnSpc>
-                          <a:spcPct val="115000"/>
-                        </a:lnSpc>
-                        <a:spcBef>
-                          <a:spcPts val="0"/>
-                        </a:spcBef>
-                        <a:spcAft>
-                          <a:spcPts val="0"/>
-                        </a:spcAft>
-                      </a:pPr>
-                      <a:r>
-                        <a:rPr lang="en-US" sz="1100" dirty="0" smtClean="0">
+                        <a:rPr lang="en-US" sz="1100" b="0" dirty="0" smtClean="0">
                           <a:solidFill>
                             <a:schemeClr val="tx1"/>
                           </a:solidFill>
@@ -16352,7 +16576,7 @@
                         <a:t>05/19/2015</a:t>
                       </a:r>
                       <a:r>
-                        <a:rPr lang="en-US" sz="1100" baseline="0" dirty="0" smtClean="0">
+                        <a:rPr lang="en-US" sz="1100" b="0" baseline="0" dirty="0" smtClean="0">
                           <a:solidFill>
                             <a:schemeClr val="tx1"/>
                           </a:solidFill>
@@ -16363,7 +16587,7 @@
                         </a:rPr>
                         <a:t> 10:01</a:t>
                       </a:r>
-                      <a:endParaRPr lang="en-US" sz="1100" dirty="0">
+                      <a:endParaRPr lang="en-US" sz="1100" b="0" dirty="0">
                         <a:solidFill>
                           <a:schemeClr val="tx1"/>
                         </a:solidFill>
@@ -16589,442 +16813,6 @@
           </a:extLst>
         </p:spPr>
       </p:pic>
-      <p:graphicFrame>
-        <p:nvGraphicFramePr>
-          <p:cNvPr id="14" name="Table 13"/>
-          <p:cNvGraphicFramePr>
-            <a:graphicFrameLocks noGrp="1"/>
-          </p:cNvGraphicFramePr>
-          <p:nvPr>
-            <p:extLst>
-              <p:ext uri="{D42A27DB-BD31-4B8C-83A1-F6EECF244321}">
-                <p14:modId xmlns:p14="http://schemas.microsoft.com/office/powerpoint/2010/main" val="1551344642"/>
-              </p:ext>
-            </p:extLst>
-          </p:nvPr>
-        </p:nvGraphicFramePr>
-        <p:xfrm>
-          <a:off x="1295400" y="5257800"/>
-          <a:ext cx="6100286" cy="192786"/>
-        </p:xfrm>
-        <a:graphic>
-          <a:graphicData uri="http://schemas.openxmlformats.org/drawingml/2006/table">
-            <a:tbl>
-              <a:tblPr firstRow="1" firstCol="1" bandRow="1">
-                <a:tableStyleId>{5C22544A-7EE6-4342-B048-85BDC9FD1C3A}</a:tableStyleId>
-              </a:tblPr>
-              <a:tblGrid>
-                <a:gridCol w="1535906"/>
-                <a:gridCol w="1671955"/>
-                <a:gridCol w="1486535"/>
-                <a:gridCol w="1405890"/>
-              </a:tblGrid>
-              <a:tr h="0">
-                <a:tc>
-                  <a:txBody>
-                    <a:bodyPr/>
-                    <a:lstStyle/>
-                    <a:p>
-                      <a:pPr marL="0" marR="0">
-                        <a:lnSpc>
-                          <a:spcPct val="115000"/>
-                        </a:lnSpc>
-                        <a:spcBef>
-                          <a:spcPts val="0"/>
-                        </a:spcBef>
-                        <a:spcAft>
-                          <a:spcPts val="0"/>
-                        </a:spcAft>
-                      </a:pPr>
-                      <a:r>
-                        <a:rPr lang="en-US" sz="1100" dirty="0" err="1" smtClean="0">
-                          <a:solidFill>
-                            <a:schemeClr val="tx1"/>
-                          </a:solidFill>
-                          <a:effectLst/>
-                          <a:latin typeface="Arial" pitchFamily="34" charset="0"/>
-                          <a:cs typeface="Arial" pitchFamily="34" charset="0"/>
-                        </a:rPr>
-                        <a:t>Lylian</a:t>
-                      </a:r>
-                      <a:r>
-                        <a:rPr lang="en-US" sz="1100" dirty="0" smtClean="0">
-                          <a:solidFill>
-                            <a:schemeClr val="tx1"/>
-                          </a:solidFill>
-                          <a:effectLst/>
-                          <a:latin typeface="Arial" pitchFamily="34" charset="0"/>
-                          <a:cs typeface="Arial" pitchFamily="34" charset="0"/>
-                        </a:rPr>
-                        <a:t> </a:t>
-                      </a:r>
-                      <a:r>
-                        <a:rPr lang="en-US" sz="1100" dirty="0" err="1" smtClean="0">
-                          <a:solidFill>
-                            <a:schemeClr val="tx1"/>
-                          </a:solidFill>
-                          <a:effectLst/>
-                          <a:latin typeface="Arial" pitchFamily="34" charset="0"/>
-                          <a:cs typeface="Arial" pitchFamily="34" charset="0"/>
-                        </a:rPr>
-                        <a:t>Blaud</a:t>
-                      </a:r>
-                      <a:endParaRPr lang="en-US" sz="1100" dirty="0">
-                        <a:solidFill>
-                          <a:schemeClr val="tx1"/>
-                        </a:solidFill>
-                        <a:effectLst/>
-                        <a:latin typeface="Arial" pitchFamily="34" charset="0"/>
-                        <a:ea typeface="Calibri"/>
-                        <a:cs typeface="Arial" pitchFamily="34" charset="0"/>
-                      </a:endParaRPr>
-                    </a:p>
-                  </a:txBody>
-                  <a:tcPr marL="68580" marR="68580" marT="0" marB="0">
-                    <a:lnL w="12700" cap="flat" cmpd="sng" algn="ctr">
-                      <a:solidFill>
-                        <a:schemeClr val="tx1"/>
-                      </a:solidFill>
-                      <a:prstDash val="solid"/>
-                      <a:round/>
-                      <a:headEnd type="none" w="med" len="med"/>
-                      <a:tailEnd type="none" w="med" len="med"/>
-                    </a:lnL>
-                    <a:lnR w="12700" cap="flat" cmpd="sng" algn="ctr">
-                      <a:solidFill>
-                        <a:schemeClr val="tx1"/>
-                      </a:solidFill>
-                      <a:prstDash val="solid"/>
-                      <a:round/>
-                      <a:headEnd type="none" w="med" len="med"/>
-                      <a:tailEnd type="none" w="med" len="med"/>
-                    </a:lnR>
-                    <a:lnT w="12700" cap="flat" cmpd="sng" algn="ctr">
-                      <a:solidFill>
-                        <a:schemeClr val="tx1"/>
-                      </a:solidFill>
-                      <a:prstDash val="solid"/>
-                      <a:round/>
-                      <a:headEnd type="none" w="med" len="med"/>
-                      <a:tailEnd type="none" w="med" len="med"/>
-                    </a:lnT>
-                    <a:lnB w="12700" cap="flat" cmpd="sng" algn="ctr">
-                      <a:solidFill>
-                        <a:schemeClr val="tx1"/>
-                      </a:solidFill>
-                      <a:prstDash val="solid"/>
-                      <a:round/>
-                      <a:headEnd type="none" w="med" len="med"/>
-                      <a:tailEnd type="none" w="med" len="med"/>
-                    </a:lnB>
-                    <a:lnTlToBr w="12700" cmpd="sng">
-                      <a:noFill/>
-                      <a:prstDash val="solid"/>
-                    </a:lnTlToBr>
-                    <a:lnBlToTr w="12700" cmpd="sng">
-                      <a:noFill/>
-                      <a:prstDash val="solid"/>
-                    </a:lnBlToTr>
-                    <a:solidFill>
-                      <a:schemeClr val="bg1"/>
-                    </a:solidFill>
-                  </a:tcPr>
-                </a:tc>
-                <a:tc>
-                  <a:txBody>
-                    <a:bodyPr/>
-                    <a:lstStyle/>
-                    <a:p>
-                      <a:pPr marL="0" marR="0">
-                        <a:lnSpc>
-                          <a:spcPct val="115000"/>
-                        </a:lnSpc>
-                        <a:spcBef>
-                          <a:spcPts val="0"/>
-                        </a:spcBef>
-                        <a:spcAft>
-                          <a:spcPts val="0"/>
-                        </a:spcAft>
-                      </a:pPr>
-                      <a:r>
-                        <a:rPr lang="en-US" sz="1100" dirty="0" smtClean="0">
-                          <a:solidFill>
-                            <a:schemeClr val="tx1"/>
-                          </a:solidFill>
-                          <a:effectLst/>
-                          <a:latin typeface="Arial" pitchFamily="34" charset="0"/>
-                          <a:cs typeface="Arial" pitchFamily="34" charset="0"/>
-                        </a:rPr>
-                        <a:t>Status</a:t>
-                      </a:r>
-                      <a:endParaRPr lang="en-US" sz="1100" dirty="0">
-                        <a:solidFill>
-                          <a:schemeClr val="tx1"/>
-                        </a:solidFill>
-                        <a:effectLst/>
-                        <a:latin typeface="Arial" pitchFamily="34" charset="0"/>
-                        <a:ea typeface="Calibri"/>
-                        <a:cs typeface="Arial" pitchFamily="34" charset="0"/>
-                      </a:endParaRPr>
-                    </a:p>
-                  </a:txBody>
-                  <a:tcPr marL="68580" marR="68580" marT="0" marB="0">
-                    <a:lnL w="12700" cap="flat" cmpd="sng" algn="ctr">
-                      <a:solidFill>
-                        <a:schemeClr val="tx1"/>
-                      </a:solidFill>
-                      <a:prstDash val="solid"/>
-                      <a:round/>
-                      <a:headEnd type="none" w="med" len="med"/>
-                      <a:tailEnd type="none" w="med" len="med"/>
-                    </a:lnL>
-                    <a:lnR w="12700" cap="flat" cmpd="sng" algn="ctr">
-                      <a:solidFill>
-                        <a:schemeClr val="tx1"/>
-                      </a:solidFill>
-                      <a:prstDash val="solid"/>
-                      <a:round/>
-                      <a:headEnd type="none" w="med" len="med"/>
-                      <a:tailEnd type="none" w="med" len="med"/>
-                    </a:lnR>
-                    <a:lnT w="12700" cap="flat" cmpd="sng" algn="ctr">
-                      <a:solidFill>
-                        <a:schemeClr val="tx1"/>
-                      </a:solidFill>
-                      <a:prstDash val="solid"/>
-                      <a:round/>
-                      <a:headEnd type="none" w="med" len="med"/>
-                      <a:tailEnd type="none" w="med" len="med"/>
-                    </a:lnT>
-                    <a:lnB w="12700" cap="flat" cmpd="sng" algn="ctr">
-                      <a:solidFill>
-                        <a:schemeClr val="tx1"/>
-                      </a:solidFill>
-                      <a:prstDash val="solid"/>
-                      <a:round/>
-                      <a:headEnd type="none" w="med" len="med"/>
-                      <a:tailEnd type="none" w="med" len="med"/>
-                    </a:lnB>
-                    <a:lnTlToBr w="12700" cmpd="sng">
-                      <a:noFill/>
-                      <a:prstDash val="solid"/>
-                    </a:lnTlToBr>
-                    <a:lnBlToTr w="12700" cmpd="sng">
-                      <a:noFill/>
-                      <a:prstDash val="solid"/>
-                    </a:lnBlToTr>
-                    <a:solidFill>
-                      <a:schemeClr val="bg1"/>
-                    </a:solidFill>
-                  </a:tcPr>
-                </a:tc>
-                <a:tc>
-                  <a:txBody>
-                    <a:bodyPr/>
-                    <a:lstStyle/>
-                    <a:p>
-                      <a:pPr marL="0" marR="0">
-                        <a:lnSpc>
-                          <a:spcPct val="115000"/>
-                        </a:lnSpc>
-                        <a:spcBef>
-                          <a:spcPts val="0"/>
-                        </a:spcBef>
-                        <a:spcAft>
-                          <a:spcPts val="0"/>
-                        </a:spcAft>
-                      </a:pPr>
-                      <a:r>
-                        <a:rPr lang="en-US" sz="1100" dirty="0" smtClean="0">
-                          <a:solidFill>
-                            <a:schemeClr val="tx1"/>
-                          </a:solidFill>
-                          <a:effectLst/>
-                          <a:latin typeface="Arial" pitchFamily="34" charset="0"/>
-                          <a:ea typeface="+mn-ea"/>
-                          <a:cs typeface="Arial" pitchFamily="34" charset="0"/>
-                        </a:rPr>
-                        <a:t>“Hello</a:t>
-                      </a:r>
-                      <a:r>
-                        <a:rPr lang="en-US" sz="1100" baseline="0" dirty="0" smtClean="0">
-                          <a:solidFill>
-                            <a:schemeClr val="tx1"/>
-                          </a:solidFill>
-                          <a:effectLst/>
-                          <a:latin typeface="Arial" pitchFamily="34" charset="0"/>
-                          <a:ea typeface="+mn-ea"/>
-                          <a:cs typeface="Arial" pitchFamily="34" charset="0"/>
-                        </a:rPr>
-                        <a:t> !”</a:t>
-                      </a:r>
-                      <a:endParaRPr lang="en-US" sz="1100" dirty="0">
-                        <a:solidFill>
-                          <a:schemeClr val="tx1"/>
-                        </a:solidFill>
-                        <a:effectLst/>
-                        <a:latin typeface="Arial" pitchFamily="34" charset="0"/>
-                        <a:ea typeface="Calibri"/>
-                        <a:cs typeface="Arial" pitchFamily="34" charset="0"/>
-                      </a:endParaRPr>
-                    </a:p>
-                  </a:txBody>
-                  <a:tcPr marL="68580" marR="68580" marT="0" marB="0">
-                    <a:lnL w="12700" cap="flat" cmpd="sng" algn="ctr">
-                      <a:solidFill>
-                        <a:schemeClr val="tx1"/>
-                      </a:solidFill>
-                      <a:prstDash val="solid"/>
-                      <a:round/>
-                      <a:headEnd type="none" w="med" len="med"/>
-                      <a:tailEnd type="none" w="med" len="med"/>
-                    </a:lnL>
-                    <a:lnR w="12700" cap="flat" cmpd="sng" algn="ctr">
-                      <a:solidFill>
-                        <a:schemeClr val="tx1"/>
-                      </a:solidFill>
-                      <a:prstDash val="solid"/>
-                      <a:round/>
-                      <a:headEnd type="none" w="med" len="med"/>
-                      <a:tailEnd type="none" w="med" len="med"/>
-                    </a:lnR>
-                    <a:lnT w="12700" cap="flat" cmpd="sng" algn="ctr">
-                      <a:solidFill>
-                        <a:schemeClr val="tx1"/>
-                      </a:solidFill>
-                      <a:prstDash val="solid"/>
-                      <a:round/>
-                      <a:headEnd type="none" w="med" len="med"/>
-                      <a:tailEnd type="none" w="med" len="med"/>
-                    </a:lnT>
-                    <a:lnB w="12700" cap="flat" cmpd="sng" algn="ctr">
-                      <a:solidFill>
-                        <a:schemeClr val="tx1"/>
-                      </a:solidFill>
-                      <a:prstDash val="solid"/>
-                      <a:round/>
-                      <a:headEnd type="none" w="med" len="med"/>
-                      <a:tailEnd type="none" w="med" len="med"/>
-                    </a:lnB>
-                    <a:lnTlToBr w="12700" cmpd="sng">
-                      <a:noFill/>
-                      <a:prstDash val="solid"/>
-                    </a:lnTlToBr>
-                    <a:lnBlToTr w="12700" cmpd="sng">
-                      <a:noFill/>
-                      <a:prstDash val="solid"/>
-                    </a:lnBlToTr>
-                    <a:solidFill>
-                      <a:schemeClr val="bg1"/>
-                    </a:solidFill>
-                  </a:tcPr>
-                </a:tc>
-                <a:tc>
-                  <a:txBody>
-                    <a:bodyPr/>
-                    <a:lstStyle/>
-                    <a:p>
-                      <a:pPr marL="0" marR="0">
-                        <a:lnSpc>
-                          <a:spcPct val="115000"/>
-                        </a:lnSpc>
-                        <a:spcBef>
-                          <a:spcPts val="0"/>
-                        </a:spcBef>
-                        <a:spcAft>
-                          <a:spcPts val="0"/>
-                        </a:spcAft>
-                      </a:pPr>
-                      <a:r>
-                        <a:rPr lang="en-US" sz="1100" dirty="0" smtClean="0">
-                          <a:solidFill>
-                            <a:schemeClr val="tx1"/>
-                          </a:solidFill>
-                          <a:effectLst/>
-                          <a:latin typeface="Arial" pitchFamily="34" charset="0"/>
-                          <a:ea typeface="+mn-ea"/>
-                          <a:cs typeface="Arial" pitchFamily="34" charset="0"/>
-                        </a:rPr>
-                        <a:t>05/19/2015</a:t>
-                      </a:r>
-                      <a:r>
-                        <a:rPr lang="en-US" sz="1100" baseline="0" dirty="0" smtClean="0">
-                          <a:solidFill>
-                            <a:schemeClr val="tx1"/>
-                          </a:solidFill>
-                          <a:effectLst/>
-                          <a:latin typeface="Arial" pitchFamily="34" charset="0"/>
-                          <a:ea typeface="+mn-ea"/>
-                          <a:cs typeface="Arial" pitchFamily="34" charset="0"/>
-                        </a:rPr>
-                        <a:t> 10:00</a:t>
-                      </a:r>
-                      <a:endParaRPr lang="en-US" sz="1100" dirty="0">
-                        <a:solidFill>
-                          <a:schemeClr val="tx1"/>
-                        </a:solidFill>
-                        <a:effectLst/>
-                        <a:latin typeface="Arial" pitchFamily="34" charset="0"/>
-                        <a:ea typeface="Calibri"/>
-                        <a:cs typeface="Arial" pitchFamily="34" charset="0"/>
-                      </a:endParaRPr>
-                    </a:p>
-                  </a:txBody>
-                  <a:tcPr marL="68580" marR="68580" marT="0" marB="0">
-                    <a:lnL w="12700" cap="flat" cmpd="sng" algn="ctr">
-                      <a:solidFill>
-                        <a:schemeClr val="tx1"/>
-                      </a:solidFill>
-                      <a:prstDash val="solid"/>
-                      <a:round/>
-                      <a:headEnd type="none" w="med" len="med"/>
-                      <a:tailEnd type="none" w="med" len="med"/>
-                    </a:lnL>
-                    <a:lnR w="12700" cap="flat" cmpd="sng" algn="ctr">
-                      <a:solidFill>
-                        <a:schemeClr val="tx1"/>
-                      </a:solidFill>
-                      <a:prstDash val="solid"/>
-                      <a:round/>
-                      <a:headEnd type="none" w="med" len="med"/>
-                      <a:tailEnd type="none" w="med" len="med"/>
-                    </a:lnR>
-                    <a:lnT w="12700" cap="flat" cmpd="sng" algn="ctr">
-                      <a:solidFill>
-                        <a:schemeClr val="tx1"/>
-                      </a:solidFill>
-                      <a:prstDash val="solid"/>
-                      <a:round/>
-                      <a:headEnd type="none" w="med" len="med"/>
-                      <a:tailEnd type="none" w="med" len="med"/>
-                    </a:lnT>
-                    <a:lnB w="12700" cap="flat" cmpd="sng" algn="ctr">
-                      <a:solidFill>
-                        <a:schemeClr val="tx1"/>
-                      </a:solidFill>
-                      <a:prstDash val="solid"/>
-                      <a:round/>
-                      <a:headEnd type="none" w="med" len="med"/>
-                      <a:tailEnd type="none" w="med" len="med"/>
-                    </a:lnB>
-                    <a:lnTlToBr w="12700" cmpd="sng">
-                      <a:noFill/>
-                      <a:prstDash val="solid"/>
-                    </a:lnTlToBr>
-                    <a:lnBlToTr w="12700" cmpd="sng">
-                      <a:noFill/>
-                      <a:prstDash val="solid"/>
-                    </a:lnBlToTr>
-                    <a:solidFill>
-                      <a:schemeClr val="bg1"/>
-                    </a:solidFill>
-                  </a:tcPr>
-                </a:tc>
-              </a:tr>
-            </a:tbl>
-          </a:graphicData>
-        </a:graphic>
-      </p:graphicFrame>
     </p:spTree>
     <p:extLst>
       <p:ext uri="{BB962C8B-B14F-4D97-AF65-F5344CB8AC3E}">
@@ -17329,7 +17117,7 @@
                                 </p:cTn>
                               </p:par>
                               <p:par>
-                                <p:cTn id="25" presetID="1" presetClass="exit" presetSubtype="0" fill="hold" nodeType="withEffect">
+                                <p:cTn id="25" presetID="1" presetClass="entr" presetSubtype="0" fill="hold" nodeType="withEffect">
                                   <p:stCondLst>
                                     <p:cond delay="0"/>
                                   </p:stCondLst>
@@ -17342,61 +17130,7 @@
                                           </p:stCondLst>
                                         </p:cTn>
                                         <p:tgtEl>
-                                          <p:spTgt spid="11"/>
-                                        </p:tgtEl>
-                                        <p:attrNameLst>
-                                          <p:attrName>style.visibility</p:attrName>
-                                        </p:attrNameLst>
-                                      </p:cBhvr>
-                                      <p:to>
-                                        <p:strVal val="hidden"/>
-                                      </p:to>
-                                    </p:set>
-                                  </p:childTnLst>
-                                </p:cTn>
-                              </p:par>
-                              <p:par>
-                                <p:cTn id="27" presetID="1" presetClass="entr" presetSubtype="0" fill="hold" nodeType="withEffect">
-                                  <p:stCondLst>
-                                    <p:cond delay="0"/>
-                                  </p:stCondLst>
-                                  <p:childTnLst>
-                                    <p:set>
-                                      <p:cBhvr>
-                                        <p:cTn id="28" dur="1" fill="hold">
-                                          <p:stCondLst>
-                                            <p:cond delay="0"/>
-                                          </p:stCondLst>
-                                        </p:cTn>
-                                        <p:tgtEl>
                                           <p:spTgt spid="12"/>
-                                        </p:tgtEl>
-                                        <p:attrNameLst>
-                                          <p:attrName>style.visibility</p:attrName>
-                                        </p:attrNameLst>
-                                      </p:cBhvr>
-                                      <p:to>
-                                        <p:strVal val="visible"/>
-                                      </p:to>
-                                    </p:set>
-                                  </p:childTnLst>
-                                </p:cTn>
-                              </p:par>
-                              <p:par>
-                                <p:cTn id="29" presetID="1" presetClass="entr" presetSubtype="0" fill="hold" nodeType="withEffect">
-                                  <p:stCondLst>
-                                    <p:cond delay="0"/>
-                                  </p:stCondLst>
-                                  <p:childTnLst>
-                                    <p:set>
-                                      <p:cBhvr>
-                                        <p:cTn id="30" dur="1" fill="hold">
-                                          <p:stCondLst>
-                                            <p:cond delay="0"/>
-                                          </p:stCondLst>
-                                        </p:cTn>
-                                        <p:tgtEl>
-                                          <p:spTgt spid="14"/>
                                         </p:tgtEl>
                                         <p:attrNameLst>
                                           <p:attrName>style.visibility</p:attrName>
@@ -17508,8 +17242,8 @@
         </p:nvSpPr>
         <p:spPr>
           <a:xfrm>
-            <a:off x="1066800" y="609600"/>
-            <a:ext cx="6777317" cy="1066800"/>
+            <a:off x="762000" y="609600"/>
+            <a:ext cx="7082117" cy="1066800"/>
           </a:xfrm>
         </p:spPr>
         <p:txBody>
@@ -17527,6 +17261,9 @@
             </a:endParaRPr>
           </a:p>
           <a:p>
+            <a:pPr marL="68580" indent="0">
+              <a:buNone/>
+            </a:pPr>
             <a:r>
               <a:rPr lang="en-US" dirty="0" smtClean="0">
                 <a:latin typeface="Arial" pitchFamily="34" charset="0"/>
@@ -19618,62 +19355,28 @@
                 <a:latin typeface="Arial" pitchFamily="34" charset="0"/>
                 <a:cs typeface="Arial" pitchFamily="34" charset="0"/>
               </a:rPr>
-              <a:t>column in a table with an id that can be used for the joins</a:t>
+              <a:t>column in a table with an </a:t>
             </a:r>
-          </a:p>
-        </p:txBody>
-      </p:sp>
-      <p:sp>
-        <p:nvSpPr>
-          <p:cNvPr id="4" name="TextBox 3"/>
-          <p:cNvSpPr txBox="1"/>
-          <p:nvPr/>
-        </p:nvSpPr>
-        <p:spPr>
-          <a:xfrm>
-            <a:off x="914400" y="6056466"/>
-            <a:ext cx="8727774" cy="400110"/>
-          </a:xfrm>
-          <a:prstGeom prst="rect">
-            <a:avLst/>
-          </a:prstGeom>
-          <a:noFill/>
-        </p:spPr>
-        <p:txBody>
-          <a:bodyPr wrap="square" rtlCol="0">
-            <a:spAutoFit/>
-          </a:bodyPr>
-          <a:lstStyle/>
-          <a:p>
             <a:r>
-              <a:rPr lang="en-US" sz="2000" dirty="0">
-                <a:solidFill>
-                  <a:schemeClr val="tx2"/>
-                </a:solidFill>
+              <a:rPr lang="en-US" sz="2200" dirty="0" err="1" smtClean="0">
                 <a:latin typeface="Arial" pitchFamily="34" charset="0"/>
                 <a:cs typeface="Arial" pitchFamily="34" charset="0"/>
               </a:rPr>
-              <a:t>High performance in </a:t>
+              <a:t>oid</a:t>
             </a:r>
             <a:r>
-              <a:rPr lang="en-US" sz="2000" dirty="0" smtClean="0">
-                <a:solidFill>
-                  <a:schemeClr val="tx2"/>
-                </a:solidFill>
+              <a:rPr lang="en-US" sz="2200" dirty="0" smtClean="0">
                 <a:latin typeface="Arial" pitchFamily="34" charset="0"/>
                 <a:cs typeface="Arial" pitchFamily="34" charset="0"/>
               </a:rPr>
-              <a:t>Online Analytical Processing </a:t>
+              <a:t> </a:t>
             </a:r>
             <a:r>
-              <a:rPr lang="en-US" sz="2000" dirty="0">
-                <a:solidFill>
-                  <a:schemeClr val="tx2"/>
-                </a:solidFill>
+              <a:rPr lang="en-US" sz="2200" dirty="0">
                 <a:latin typeface="Arial" pitchFamily="34" charset="0"/>
                 <a:cs typeface="Arial" pitchFamily="34" charset="0"/>
               </a:rPr>
-              <a:t>(OLAP)</a:t>
+              <a:t>that can be used for the joins</a:t>
             </a:r>
           </a:p>
         </p:txBody>
@@ -19799,6 +19502,3143 @@
         </p:nvSpPr>
         <p:spPr>
           <a:xfrm>
+            <a:off x="927303" y="1066800"/>
+            <a:ext cx="6967184" cy="685800"/>
+          </a:xfrm>
+        </p:spPr>
+        <p:txBody>
+          <a:bodyPr>
+            <a:normAutofit/>
+          </a:bodyPr>
+          <a:lstStyle/>
+          <a:p>
+            <a:pPr marL="68580" indent="0" algn="ctr">
+              <a:buNone/>
+            </a:pPr>
+            <a:r>
+              <a:rPr lang="en-US" dirty="0" smtClean="0">
+                <a:latin typeface="Arial" pitchFamily="34" charset="0"/>
+                <a:cs typeface="Arial" pitchFamily="34" charset="0"/>
+              </a:rPr>
+              <a:t>What is it</a:t>
+            </a:r>
+            <a:r>
+              <a:rPr lang="en-US" dirty="0" smtClean="0">
+                <a:latin typeface="Arial" pitchFamily="34" charset="0"/>
+                <a:cs typeface="Arial" pitchFamily="34" charset="0"/>
+              </a:rPr>
+              <a:t>?</a:t>
+            </a:r>
+            <a:endParaRPr lang="en-US" dirty="0" smtClean="0">
+              <a:latin typeface="Arial" pitchFamily="34" charset="0"/>
+              <a:cs typeface="Arial" pitchFamily="34" charset="0"/>
+            </a:endParaRPr>
+          </a:p>
+        </p:txBody>
+      </p:sp>
+      <p:graphicFrame>
+        <p:nvGraphicFramePr>
+          <p:cNvPr id="6" name="Table 5"/>
+          <p:cNvGraphicFramePr>
+            <a:graphicFrameLocks noGrp="1"/>
+          </p:cNvGraphicFramePr>
+          <p:nvPr>
+            <p:extLst>
+              <p:ext uri="{D42A27DB-BD31-4B8C-83A1-F6EECF244321}">
+                <p14:modId xmlns:p14="http://schemas.microsoft.com/office/powerpoint/2010/main" val="2194849703"/>
+              </p:ext>
+            </p:extLst>
+          </p:nvPr>
+        </p:nvGraphicFramePr>
+        <p:xfrm>
+          <a:off x="1400238" y="2209800"/>
+          <a:ext cx="6172200" cy="176403"/>
+        </p:xfrm>
+        <a:graphic>
+          <a:graphicData uri="http://schemas.openxmlformats.org/drawingml/2006/table">
+            <a:tbl>
+              <a:tblPr firstRow="1" firstCol="1" bandRow="1">
+                <a:tableStyleId>{5C22544A-7EE6-4342-B048-85BDC9FD1C3A}</a:tableStyleId>
+              </a:tblPr>
+              <a:tblGrid>
+                <a:gridCol w="762000"/>
+                <a:gridCol w="1143000"/>
+                <a:gridCol w="1143000"/>
+                <a:gridCol w="1295400"/>
+                <a:gridCol w="1828800"/>
+              </a:tblGrid>
+              <a:tr h="0">
+                <a:tc>
+                  <a:txBody>
+                    <a:bodyPr/>
+                    <a:lstStyle/>
+                    <a:p>
+                      <a:pPr marL="0" marR="0" algn="ctr">
+                        <a:lnSpc>
+                          <a:spcPct val="115000"/>
+                        </a:lnSpc>
+                        <a:spcBef>
+                          <a:spcPts val="0"/>
+                        </a:spcBef>
+                        <a:spcAft>
+                          <a:spcPts val="0"/>
+                        </a:spcAft>
+                      </a:pPr>
+                      <a:r>
+                        <a:rPr lang="en-US" sz="1100" dirty="0" smtClean="0">
+                          <a:solidFill>
+                            <a:schemeClr val="tx1"/>
+                          </a:solidFill>
+                          <a:effectLst/>
+                          <a:latin typeface="Arial" pitchFamily="34" charset="0"/>
+                          <a:ea typeface="Calibri"/>
+                          <a:cs typeface="Arial" pitchFamily="34" charset="0"/>
+                        </a:rPr>
+                        <a:t>id</a:t>
+                      </a:r>
+                      <a:endParaRPr lang="en-US" sz="1100" dirty="0">
+                        <a:solidFill>
+                          <a:schemeClr val="tx1"/>
+                        </a:solidFill>
+                        <a:effectLst/>
+                        <a:latin typeface="Arial" pitchFamily="34" charset="0"/>
+                        <a:ea typeface="Calibri"/>
+                        <a:cs typeface="Arial" pitchFamily="34" charset="0"/>
+                      </a:endParaRPr>
+                    </a:p>
+                  </a:txBody>
+                  <a:tcPr marL="68580" marR="68580" marT="0" marB="0">
+                    <a:lnL w="12700" cap="flat" cmpd="sng" algn="ctr">
+                      <a:solidFill>
+                        <a:schemeClr val="tx1"/>
+                      </a:solidFill>
+                      <a:prstDash val="solid"/>
+                      <a:round/>
+                      <a:headEnd type="none" w="med" len="med"/>
+                      <a:tailEnd type="none" w="med" len="med"/>
+                    </a:lnL>
+                    <a:lnR w="12700" cap="flat" cmpd="sng" algn="ctr">
+                      <a:solidFill>
+                        <a:schemeClr val="tx1"/>
+                      </a:solidFill>
+                      <a:prstDash val="solid"/>
+                      <a:round/>
+                      <a:headEnd type="none" w="med" len="med"/>
+                      <a:tailEnd type="none" w="med" len="med"/>
+                    </a:lnR>
+                    <a:lnT w="12700" cap="flat" cmpd="sng" algn="ctr">
+                      <a:solidFill>
+                        <a:schemeClr val="tx1"/>
+                      </a:solidFill>
+                      <a:prstDash val="solid"/>
+                      <a:round/>
+                      <a:headEnd type="none" w="med" len="med"/>
+                      <a:tailEnd type="none" w="med" len="med"/>
+                    </a:lnT>
+                    <a:lnB w="12700" cap="flat" cmpd="sng" algn="ctr">
+                      <a:solidFill>
+                        <a:schemeClr val="tx1"/>
+                      </a:solidFill>
+                      <a:prstDash val="solid"/>
+                      <a:round/>
+                      <a:headEnd type="none" w="med" len="med"/>
+                      <a:tailEnd type="none" w="med" len="med"/>
+                    </a:lnB>
+                    <a:lnTlToBr w="12700" cmpd="sng">
+                      <a:noFill/>
+                      <a:prstDash val="solid"/>
+                    </a:lnTlToBr>
+                    <a:lnBlToTr w="12700" cmpd="sng">
+                      <a:noFill/>
+                      <a:prstDash val="solid"/>
+                    </a:lnBlToTr>
+                    <a:solidFill>
+                      <a:schemeClr val="bg1"/>
+                    </a:solidFill>
+                  </a:tcPr>
+                </a:tc>
+                <a:tc>
+                  <a:txBody>
+                    <a:bodyPr/>
+                    <a:lstStyle/>
+                    <a:p>
+                      <a:pPr marL="0" marR="0" algn="ctr">
+                        <a:lnSpc>
+                          <a:spcPct val="115000"/>
+                        </a:lnSpc>
+                        <a:spcBef>
+                          <a:spcPts val="0"/>
+                        </a:spcBef>
+                        <a:spcAft>
+                          <a:spcPts val="0"/>
+                        </a:spcAft>
+                      </a:pPr>
+                      <a:r>
+                        <a:rPr lang="en-US" sz="1100" dirty="0">
+                          <a:solidFill>
+                            <a:schemeClr val="tx1"/>
+                          </a:solidFill>
+                          <a:effectLst/>
+                          <a:latin typeface="Arial" pitchFamily="34" charset="0"/>
+                          <a:cs typeface="Arial" pitchFamily="34" charset="0"/>
+                        </a:rPr>
+                        <a:t>Name</a:t>
+                      </a:r>
+                      <a:endParaRPr lang="en-US" sz="1100" dirty="0">
+                        <a:solidFill>
+                          <a:schemeClr val="tx1"/>
+                        </a:solidFill>
+                        <a:effectLst/>
+                        <a:latin typeface="Arial" pitchFamily="34" charset="0"/>
+                        <a:ea typeface="Calibri"/>
+                        <a:cs typeface="Arial" pitchFamily="34" charset="0"/>
+                      </a:endParaRPr>
+                    </a:p>
+                  </a:txBody>
+                  <a:tcPr marL="68580" marR="68580" marT="0" marB="0">
+                    <a:lnL w="12700" cap="flat" cmpd="sng" algn="ctr">
+                      <a:solidFill>
+                        <a:schemeClr val="tx1"/>
+                      </a:solidFill>
+                      <a:prstDash val="solid"/>
+                      <a:round/>
+                      <a:headEnd type="none" w="med" len="med"/>
+                      <a:tailEnd type="none" w="med" len="med"/>
+                    </a:lnL>
+                    <a:lnR w="12700" cap="flat" cmpd="sng" algn="ctr">
+                      <a:solidFill>
+                        <a:schemeClr val="tx1"/>
+                      </a:solidFill>
+                      <a:prstDash val="solid"/>
+                      <a:round/>
+                      <a:headEnd type="none" w="med" len="med"/>
+                      <a:tailEnd type="none" w="med" len="med"/>
+                    </a:lnR>
+                    <a:lnT w="12700" cap="flat" cmpd="sng" algn="ctr">
+                      <a:solidFill>
+                        <a:schemeClr val="tx1"/>
+                      </a:solidFill>
+                      <a:prstDash val="solid"/>
+                      <a:round/>
+                      <a:headEnd type="none" w="med" len="med"/>
+                      <a:tailEnd type="none" w="med" len="med"/>
+                    </a:lnT>
+                    <a:lnB w="12700" cap="flat" cmpd="sng" algn="ctr">
+                      <a:solidFill>
+                        <a:schemeClr val="tx1"/>
+                      </a:solidFill>
+                      <a:prstDash val="solid"/>
+                      <a:round/>
+                      <a:headEnd type="none" w="med" len="med"/>
+                      <a:tailEnd type="none" w="med" len="med"/>
+                    </a:lnB>
+                    <a:lnTlToBr w="12700" cmpd="sng">
+                      <a:noFill/>
+                      <a:prstDash val="solid"/>
+                    </a:lnTlToBr>
+                    <a:lnBlToTr w="12700" cmpd="sng">
+                      <a:noFill/>
+                      <a:prstDash val="solid"/>
+                    </a:lnBlToTr>
+                    <a:solidFill>
+                      <a:schemeClr val="bg1"/>
+                    </a:solidFill>
+                  </a:tcPr>
+                </a:tc>
+                <a:tc>
+                  <a:txBody>
+                    <a:bodyPr/>
+                    <a:lstStyle/>
+                    <a:p>
+                      <a:pPr marL="0" marR="0" algn="ctr">
+                        <a:lnSpc>
+                          <a:spcPct val="115000"/>
+                        </a:lnSpc>
+                        <a:spcBef>
+                          <a:spcPts val="0"/>
+                        </a:spcBef>
+                        <a:spcAft>
+                          <a:spcPts val="0"/>
+                        </a:spcAft>
+                      </a:pPr>
+                      <a:r>
+                        <a:rPr lang="en-US" sz="1100" dirty="0" err="1">
+                          <a:solidFill>
+                            <a:schemeClr val="tx1"/>
+                          </a:solidFill>
+                          <a:effectLst/>
+                          <a:latin typeface="Arial" pitchFamily="34" charset="0"/>
+                          <a:cs typeface="Arial" pitchFamily="34" charset="0"/>
+                        </a:rPr>
+                        <a:t>Post_category</a:t>
+                      </a:r>
+                      <a:endParaRPr lang="en-US" sz="1100" dirty="0">
+                        <a:solidFill>
+                          <a:schemeClr val="tx1"/>
+                        </a:solidFill>
+                        <a:effectLst/>
+                        <a:latin typeface="Arial" pitchFamily="34" charset="0"/>
+                        <a:ea typeface="Calibri"/>
+                        <a:cs typeface="Arial" pitchFamily="34" charset="0"/>
+                      </a:endParaRPr>
+                    </a:p>
+                  </a:txBody>
+                  <a:tcPr marL="68580" marR="68580" marT="0" marB="0">
+                    <a:lnL w="12700" cap="flat" cmpd="sng" algn="ctr">
+                      <a:solidFill>
+                        <a:schemeClr val="tx1"/>
+                      </a:solidFill>
+                      <a:prstDash val="solid"/>
+                      <a:round/>
+                      <a:headEnd type="none" w="med" len="med"/>
+                      <a:tailEnd type="none" w="med" len="med"/>
+                    </a:lnL>
+                    <a:lnR w="12700" cap="flat" cmpd="sng" algn="ctr">
+                      <a:solidFill>
+                        <a:schemeClr val="tx1"/>
+                      </a:solidFill>
+                      <a:prstDash val="solid"/>
+                      <a:round/>
+                      <a:headEnd type="none" w="med" len="med"/>
+                      <a:tailEnd type="none" w="med" len="med"/>
+                    </a:lnR>
+                    <a:lnT w="12700" cap="flat" cmpd="sng" algn="ctr">
+                      <a:solidFill>
+                        <a:schemeClr val="tx1"/>
+                      </a:solidFill>
+                      <a:prstDash val="solid"/>
+                      <a:round/>
+                      <a:headEnd type="none" w="med" len="med"/>
+                      <a:tailEnd type="none" w="med" len="med"/>
+                    </a:lnT>
+                    <a:lnB w="12700" cap="flat" cmpd="sng" algn="ctr">
+                      <a:solidFill>
+                        <a:schemeClr val="tx1"/>
+                      </a:solidFill>
+                      <a:prstDash val="solid"/>
+                      <a:round/>
+                      <a:headEnd type="none" w="med" len="med"/>
+                      <a:tailEnd type="none" w="med" len="med"/>
+                    </a:lnB>
+                    <a:lnTlToBr w="12700" cmpd="sng">
+                      <a:noFill/>
+                      <a:prstDash val="solid"/>
+                    </a:lnTlToBr>
+                    <a:lnBlToTr w="12700" cmpd="sng">
+                      <a:noFill/>
+                      <a:prstDash val="solid"/>
+                    </a:lnBlToTr>
+                    <a:solidFill>
+                      <a:schemeClr val="bg1"/>
+                    </a:solidFill>
+                  </a:tcPr>
+                </a:tc>
+                <a:tc>
+                  <a:txBody>
+                    <a:bodyPr/>
+                    <a:lstStyle/>
+                    <a:p>
+                      <a:pPr marL="0" marR="0" algn="ctr">
+                        <a:lnSpc>
+                          <a:spcPct val="115000"/>
+                        </a:lnSpc>
+                        <a:spcBef>
+                          <a:spcPts val="0"/>
+                        </a:spcBef>
+                        <a:spcAft>
+                          <a:spcPts val="0"/>
+                        </a:spcAft>
+                      </a:pPr>
+                      <a:r>
+                        <a:rPr lang="en-US" sz="1100" dirty="0" smtClean="0">
+                          <a:solidFill>
+                            <a:schemeClr val="tx1"/>
+                          </a:solidFill>
+                          <a:effectLst/>
+                          <a:latin typeface="Arial" pitchFamily="34" charset="0"/>
+                          <a:cs typeface="Arial" pitchFamily="34" charset="0"/>
+                        </a:rPr>
+                        <a:t>Contain</a:t>
+                      </a:r>
+                      <a:endParaRPr lang="en-US" sz="1100" dirty="0">
+                        <a:solidFill>
+                          <a:schemeClr val="tx1"/>
+                        </a:solidFill>
+                        <a:effectLst/>
+                        <a:latin typeface="Arial" pitchFamily="34" charset="0"/>
+                        <a:ea typeface="Calibri"/>
+                        <a:cs typeface="Arial" pitchFamily="34" charset="0"/>
+                      </a:endParaRPr>
+                    </a:p>
+                  </a:txBody>
+                  <a:tcPr marL="68580" marR="68580" marT="0" marB="0">
+                    <a:lnL w="12700" cap="flat" cmpd="sng" algn="ctr">
+                      <a:solidFill>
+                        <a:schemeClr val="tx1"/>
+                      </a:solidFill>
+                      <a:prstDash val="solid"/>
+                      <a:round/>
+                      <a:headEnd type="none" w="med" len="med"/>
+                      <a:tailEnd type="none" w="med" len="med"/>
+                    </a:lnL>
+                    <a:lnR w="12700" cap="flat" cmpd="sng" algn="ctr">
+                      <a:solidFill>
+                        <a:schemeClr val="tx1"/>
+                      </a:solidFill>
+                      <a:prstDash val="solid"/>
+                      <a:round/>
+                      <a:headEnd type="none" w="med" len="med"/>
+                      <a:tailEnd type="none" w="med" len="med"/>
+                    </a:lnR>
+                    <a:lnT w="12700" cap="flat" cmpd="sng" algn="ctr">
+                      <a:solidFill>
+                        <a:schemeClr val="tx1"/>
+                      </a:solidFill>
+                      <a:prstDash val="solid"/>
+                      <a:round/>
+                      <a:headEnd type="none" w="med" len="med"/>
+                      <a:tailEnd type="none" w="med" len="med"/>
+                    </a:lnT>
+                    <a:lnB w="12700" cap="flat" cmpd="sng" algn="ctr">
+                      <a:solidFill>
+                        <a:schemeClr val="tx1"/>
+                      </a:solidFill>
+                      <a:prstDash val="solid"/>
+                      <a:round/>
+                      <a:headEnd type="none" w="med" len="med"/>
+                      <a:tailEnd type="none" w="med" len="med"/>
+                    </a:lnB>
+                    <a:lnTlToBr w="12700" cmpd="sng">
+                      <a:noFill/>
+                      <a:prstDash val="solid"/>
+                    </a:lnTlToBr>
+                    <a:lnBlToTr w="12700" cmpd="sng">
+                      <a:noFill/>
+                      <a:prstDash val="solid"/>
+                    </a:lnBlToTr>
+                    <a:solidFill>
+                      <a:schemeClr val="bg1"/>
+                    </a:solidFill>
+                  </a:tcPr>
+                </a:tc>
+                <a:tc>
+                  <a:txBody>
+                    <a:bodyPr/>
+                    <a:lstStyle/>
+                    <a:p>
+                      <a:pPr marL="0" marR="0" algn="ctr">
+                        <a:lnSpc>
+                          <a:spcPct val="115000"/>
+                        </a:lnSpc>
+                        <a:spcBef>
+                          <a:spcPts val="0"/>
+                        </a:spcBef>
+                        <a:spcAft>
+                          <a:spcPts val="0"/>
+                        </a:spcAft>
+                      </a:pPr>
+                      <a:r>
+                        <a:rPr lang="en-US" sz="1100" dirty="0">
+                          <a:solidFill>
+                            <a:schemeClr val="tx1"/>
+                          </a:solidFill>
+                          <a:effectLst/>
+                          <a:latin typeface="Arial" pitchFamily="34" charset="0"/>
+                          <a:cs typeface="Arial" pitchFamily="34" charset="0"/>
+                        </a:rPr>
+                        <a:t>Date</a:t>
+                      </a:r>
+                      <a:endParaRPr lang="en-US" sz="1100" dirty="0">
+                        <a:solidFill>
+                          <a:schemeClr val="tx1"/>
+                        </a:solidFill>
+                        <a:effectLst/>
+                        <a:latin typeface="Arial" pitchFamily="34" charset="0"/>
+                        <a:ea typeface="Calibri"/>
+                        <a:cs typeface="Arial" pitchFamily="34" charset="0"/>
+                      </a:endParaRPr>
+                    </a:p>
+                  </a:txBody>
+                  <a:tcPr marL="68580" marR="68580" marT="0" marB="0">
+                    <a:lnL w="12700" cap="flat" cmpd="sng" algn="ctr">
+                      <a:solidFill>
+                        <a:schemeClr val="tx1"/>
+                      </a:solidFill>
+                      <a:prstDash val="solid"/>
+                      <a:round/>
+                      <a:headEnd type="none" w="med" len="med"/>
+                      <a:tailEnd type="none" w="med" len="med"/>
+                    </a:lnL>
+                    <a:lnR w="12700" cap="flat" cmpd="sng" algn="ctr">
+                      <a:solidFill>
+                        <a:schemeClr val="tx1"/>
+                      </a:solidFill>
+                      <a:prstDash val="solid"/>
+                      <a:round/>
+                      <a:headEnd type="none" w="med" len="med"/>
+                      <a:tailEnd type="none" w="med" len="med"/>
+                    </a:lnR>
+                    <a:lnT w="12700" cap="flat" cmpd="sng" algn="ctr">
+                      <a:solidFill>
+                        <a:schemeClr val="tx1"/>
+                      </a:solidFill>
+                      <a:prstDash val="solid"/>
+                      <a:round/>
+                      <a:headEnd type="none" w="med" len="med"/>
+                      <a:tailEnd type="none" w="med" len="med"/>
+                    </a:lnT>
+                    <a:lnB w="12700" cap="flat" cmpd="sng" algn="ctr">
+                      <a:solidFill>
+                        <a:schemeClr val="tx1"/>
+                      </a:solidFill>
+                      <a:prstDash val="solid"/>
+                      <a:round/>
+                      <a:headEnd type="none" w="med" len="med"/>
+                      <a:tailEnd type="none" w="med" len="med"/>
+                    </a:lnB>
+                    <a:lnTlToBr w="12700" cmpd="sng">
+                      <a:noFill/>
+                      <a:prstDash val="solid"/>
+                    </a:lnTlToBr>
+                    <a:lnBlToTr w="12700" cmpd="sng">
+                      <a:noFill/>
+                      <a:prstDash val="solid"/>
+                    </a:lnBlToTr>
+                    <a:solidFill>
+                      <a:schemeClr val="bg1"/>
+                    </a:solidFill>
+                  </a:tcPr>
+                </a:tc>
+              </a:tr>
+            </a:tbl>
+          </a:graphicData>
+        </a:graphic>
+      </p:graphicFrame>
+      <p:graphicFrame>
+        <p:nvGraphicFramePr>
+          <p:cNvPr id="8" name="Table 7"/>
+          <p:cNvGraphicFramePr>
+            <a:graphicFrameLocks noGrp="1"/>
+          </p:cNvGraphicFramePr>
+          <p:nvPr>
+            <p:extLst>
+              <p:ext uri="{D42A27DB-BD31-4B8C-83A1-F6EECF244321}">
+                <p14:modId xmlns:p14="http://schemas.microsoft.com/office/powerpoint/2010/main" val="2633362475"/>
+              </p:ext>
+            </p:extLst>
+          </p:nvPr>
+        </p:nvGraphicFramePr>
+        <p:xfrm>
+          <a:off x="1400237" y="2438400"/>
+          <a:ext cx="6172201" cy="192786"/>
+        </p:xfrm>
+        <a:graphic>
+          <a:graphicData uri="http://schemas.openxmlformats.org/drawingml/2006/table">
+            <a:tbl>
+              <a:tblPr firstRow="1" firstCol="1" bandRow="1">
+                <a:tableStyleId>{5C22544A-7EE6-4342-B048-85BDC9FD1C3A}</a:tableStyleId>
+              </a:tblPr>
+              <a:tblGrid>
+                <a:gridCol w="762001"/>
+                <a:gridCol w="1143000"/>
+                <a:gridCol w="1143000"/>
+                <a:gridCol w="1295400"/>
+                <a:gridCol w="1828800"/>
+              </a:tblGrid>
+              <a:tr h="40386">
+                <a:tc>
+                  <a:txBody>
+                    <a:bodyPr/>
+                    <a:lstStyle/>
+                    <a:p>
+                      <a:pPr marL="0" marR="0" algn="l">
+                        <a:lnSpc>
+                          <a:spcPct val="115000"/>
+                        </a:lnSpc>
+                        <a:spcBef>
+                          <a:spcPts val="0"/>
+                        </a:spcBef>
+                        <a:spcAft>
+                          <a:spcPts val="0"/>
+                        </a:spcAft>
+                      </a:pPr>
+                      <a:r>
+                        <a:rPr lang="en-US" sz="1100" b="0" dirty="0" smtClean="0">
+                          <a:solidFill>
+                            <a:schemeClr val="tx1"/>
+                          </a:solidFill>
+                          <a:effectLst/>
+                          <a:latin typeface="Arial" pitchFamily="34" charset="0"/>
+                          <a:ea typeface="Calibri"/>
+                          <a:cs typeface="Arial" pitchFamily="34" charset="0"/>
+                        </a:rPr>
+                        <a:t>1</a:t>
+                      </a:r>
+                      <a:endParaRPr lang="en-US" sz="1100" b="0" dirty="0">
+                        <a:solidFill>
+                          <a:schemeClr val="tx1"/>
+                        </a:solidFill>
+                        <a:effectLst/>
+                        <a:latin typeface="Arial" pitchFamily="34" charset="0"/>
+                        <a:ea typeface="Calibri"/>
+                        <a:cs typeface="Arial" pitchFamily="34" charset="0"/>
+                      </a:endParaRPr>
+                    </a:p>
+                  </a:txBody>
+                  <a:tcPr marL="68580" marR="68580" marT="0" marB="0">
+                    <a:lnL w="12700" cap="flat" cmpd="sng" algn="ctr">
+                      <a:solidFill>
+                        <a:schemeClr val="tx1"/>
+                      </a:solidFill>
+                      <a:prstDash val="solid"/>
+                      <a:round/>
+                      <a:headEnd type="none" w="med" len="med"/>
+                      <a:tailEnd type="none" w="med" len="med"/>
+                    </a:lnL>
+                    <a:lnR w="12700" cap="flat" cmpd="sng" algn="ctr">
+                      <a:solidFill>
+                        <a:schemeClr val="tx1"/>
+                      </a:solidFill>
+                      <a:prstDash val="solid"/>
+                      <a:round/>
+                      <a:headEnd type="none" w="med" len="med"/>
+                      <a:tailEnd type="none" w="med" len="med"/>
+                    </a:lnR>
+                    <a:lnT w="12700" cap="flat" cmpd="sng" algn="ctr">
+                      <a:solidFill>
+                        <a:schemeClr val="tx1"/>
+                      </a:solidFill>
+                      <a:prstDash val="solid"/>
+                      <a:round/>
+                      <a:headEnd type="none" w="med" len="med"/>
+                      <a:tailEnd type="none" w="med" len="med"/>
+                    </a:lnT>
+                    <a:lnB w="12700" cap="flat" cmpd="sng" algn="ctr">
+                      <a:solidFill>
+                        <a:schemeClr val="tx1"/>
+                      </a:solidFill>
+                      <a:prstDash val="solid"/>
+                      <a:round/>
+                      <a:headEnd type="none" w="med" len="med"/>
+                      <a:tailEnd type="none" w="med" len="med"/>
+                    </a:lnB>
+                    <a:lnTlToBr w="12700" cmpd="sng">
+                      <a:noFill/>
+                      <a:prstDash val="solid"/>
+                    </a:lnTlToBr>
+                    <a:lnBlToTr w="12700" cmpd="sng">
+                      <a:noFill/>
+                      <a:prstDash val="solid"/>
+                    </a:lnBlToTr>
+                    <a:solidFill>
+                      <a:schemeClr val="bg1"/>
+                    </a:solidFill>
+                  </a:tcPr>
+                </a:tc>
+                <a:tc>
+                  <a:txBody>
+                    <a:bodyPr/>
+                    <a:lstStyle/>
+                    <a:p>
+                      <a:pPr marL="0" marR="0" algn="l">
+                        <a:lnSpc>
+                          <a:spcPct val="115000"/>
+                        </a:lnSpc>
+                        <a:spcBef>
+                          <a:spcPts val="0"/>
+                        </a:spcBef>
+                        <a:spcAft>
+                          <a:spcPts val="0"/>
+                        </a:spcAft>
+                      </a:pPr>
+                      <a:r>
+                        <a:rPr lang="en-US" sz="1100" b="0" dirty="0" smtClean="0">
+                          <a:solidFill>
+                            <a:schemeClr val="tx1"/>
+                          </a:solidFill>
+                          <a:effectLst/>
+                          <a:latin typeface="Arial" pitchFamily="34" charset="0"/>
+                          <a:cs typeface="Arial" pitchFamily="34" charset="0"/>
+                        </a:rPr>
+                        <a:t>Lylian Blaud</a:t>
+                      </a:r>
+                      <a:endParaRPr lang="en-US" sz="1100" b="0" dirty="0">
+                        <a:solidFill>
+                          <a:schemeClr val="tx1"/>
+                        </a:solidFill>
+                        <a:effectLst/>
+                        <a:latin typeface="Arial" pitchFamily="34" charset="0"/>
+                        <a:ea typeface="Calibri"/>
+                        <a:cs typeface="Arial" pitchFamily="34" charset="0"/>
+                      </a:endParaRPr>
+                    </a:p>
+                  </a:txBody>
+                  <a:tcPr marL="68580" marR="68580" marT="0" marB="0">
+                    <a:lnL w="12700" cap="flat" cmpd="sng" algn="ctr">
+                      <a:solidFill>
+                        <a:schemeClr val="tx1"/>
+                      </a:solidFill>
+                      <a:prstDash val="solid"/>
+                      <a:round/>
+                      <a:headEnd type="none" w="med" len="med"/>
+                      <a:tailEnd type="none" w="med" len="med"/>
+                    </a:lnL>
+                    <a:lnR w="12700" cap="flat" cmpd="sng" algn="ctr">
+                      <a:solidFill>
+                        <a:schemeClr val="tx1"/>
+                      </a:solidFill>
+                      <a:prstDash val="solid"/>
+                      <a:round/>
+                      <a:headEnd type="none" w="med" len="med"/>
+                      <a:tailEnd type="none" w="med" len="med"/>
+                    </a:lnR>
+                    <a:lnT w="12700" cap="flat" cmpd="sng" algn="ctr">
+                      <a:solidFill>
+                        <a:schemeClr val="tx1"/>
+                      </a:solidFill>
+                      <a:prstDash val="solid"/>
+                      <a:round/>
+                      <a:headEnd type="none" w="med" len="med"/>
+                      <a:tailEnd type="none" w="med" len="med"/>
+                    </a:lnT>
+                    <a:lnB w="12700" cap="flat" cmpd="sng" algn="ctr">
+                      <a:solidFill>
+                        <a:schemeClr val="tx1"/>
+                      </a:solidFill>
+                      <a:prstDash val="solid"/>
+                      <a:round/>
+                      <a:headEnd type="none" w="med" len="med"/>
+                      <a:tailEnd type="none" w="med" len="med"/>
+                    </a:lnB>
+                    <a:lnTlToBr w="12700" cmpd="sng">
+                      <a:noFill/>
+                      <a:prstDash val="solid"/>
+                    </a:lnTlToBr>
+                    <a:lnBlToTr w="12700" cmpd="sng">
+                      <a:noFill/>
+                      <a:prstDash val="solid"/>
+                    </a:lnBlToTr>
+                    <a:solidFill>
+                      <a:schemeClr val="bg1"/>
+                    </a:solidFill>
+                  </a:tcPr>
+                </a:tc>
+                <a:tc>
+                  <a:txBody>
+                    <a:bodyPr/>
+                    <a:lstStyle/>
+                    <a:p>
+                      <a:pPr marL="0" marR="0" algn="l">
+                        <a:lnSpc>
+                          <a:spcPct val="115000"/>
+                        </a:lnSpc>
+                        <a:spcBef>
+                          <a:spcPts val="0"/>
+                        </a:spcBef>
+                        <a:spcAft>
+                          <a:spcPts val="0"/>
+                        </a:spcAft>
+                      </a:pPr>
+                      <a:r>
+                        <a:rPr lang="en-US" sz="1100" b="0" dirty="0" smtClean="0">
+                          <a:solidFill>
+                            <a:schemeClr val="tx1"/>
+                          </a:solidFill>
+                          <a:effectLst/>
+                          <a:latin typeface="Arial" pitchFamily="34" charset="0"/>
+                          <a:cs typeface="Arial" pitchFamily="34" charset="0"/>
+                        </a:rPr>
+                        <a:t>Status</a:t>
+                      </a:r>
+                      <a:endParaRPr lang="en-US" sz="1100" b="0" dirty="0">
+                        <a:solidFill>
+                          <a:schemeClr val="tx1"/>
+                        </a:solidFill>
+                        <a:effectLst/>
+                        <a:latin typeface="Arial" pitchFamily="34" charset="0"/>
+                        <a:ea typeface="Calibri"/>
+                        <a:cs typeface="Arial" pitchFamily="34" charset="0"/>
+                      </a:endParaRPr>
+                    </a:p>
+                  </a:txBody>
+                  <a:tcPr marL="68580" marR="68580" marT="0" marB="0">
+                    <a:lnL w="12700" cap="flat" cmpd="sng" algn="ctr">
+                      <a:solidFill>
+                        <a:schemeClr val="tx1"/>
+                      </a:solidFill>
+                      <a:prstDash val="solid"/>
+                      <a:round/>
+                      <a:headEnd type="none" w="med" len="med"/>
+                      <a:tailEnd type="none" w="med" len="med"/>
+                    </a:lnL>
+                    <a:lnR w="12700" cap="flat" cmpd="sng" algn="ctr">
+                      <a:solidFill>
+                        <a:schemeClr val="tx1"/>
+                      </a:solidFill>
+                      <a:prstDash val="solid"/>
+                      <a:round/>
+                      <a:headEnd type="none" w="med" len="med"/>
+                      <a:tailEnd type="none" w="med" len="med"/>
+                    </a:lnR>
+                    <a:lnT w="12700" cap="flat" cmpd="sng" algn="ctr">
+                      <a:solidFill>
+                        <a:schemeClr val="tx1"/>
+                      </a:solidFill>
+                      <a:prstDash val="solid"/>
+                      <a:round/>
+                      <a:headEnd type="none" w="med" len="med"/>
+                      <a:tailEnd type="none" w="med" len="med"/>
+                    </a:lnT>
+                    <a:lnB w="12700" cap="flat" cmpd="sng" algn="ctr">
+                      <a:solidFill>
+                        <a:schemeClr val="tx1"/>
+                      </a:solidFill>
+                      <a:prstDash val="solid"/>
+                      <a:round/>
+                      <a:headEnd type="none" w="med" len="med"/>
+                      <a:tailEnd type="none" w="med" len="med"/>
+                    </a:lnB>
+                    <a:lnTlToBr w="12700" cmpd="sng">
+                      <a:noFill/>
+                      <a:prstDash val="solid"/>
+                    </a:lnTlToBr>
+                    <a:lnBlToTr w="12700" cmpd="sng">
+                      <a:noFill/>
+                      <a:prstDash val="solid"/>
+                    </a:lnBlToTr>
+                    <a:solidFill>
+                      <a:schemeClr val="bg1"/>
+                    </a:solidFill>
+                  </a:tcPr>
+                </a:tc>
+                <a:tc>
+                  <a:txBody>
+                    <a:bodyPr/>
+                    <a:lstStyle/>
+                    <a:p>
+                      <a:pPr marL="0" marR="0" algn="l">
+                        <a:lnSpc>
+                          <a:spcPct val="115000"/>
+                        </a:lnSpc>
+                        <a:spcBef>
+                          <a:spcPts val="0"/>
+                        </a:spcBef>
+                        <a:spcAft>
+                          <a:spcPts val="0"/>
+                        </a:spcAft>
+                      </a:pPr>
+                      <a:r>
+                        <a:rPr lang="en-US" sz="1100" b="0" dirty="0" smtClean="0">
+                          <a:solidFill>
+                            <a:schemeClr val="tx1"/>
+                          </a:solidFill>
+                          <a:effectLst/>
+                          <a:latin typeface="Arial" pitchFamily="34" charset="0"/>
+                          <a:ea typeface="+mn-ea"/>
+                          <a:cs typeface="Arial" pitchFamily="34" charset="0"/>
+                        </a:rPr>
+                        <a:t>“Hello</a:t>
+                      </a:r>
+                      <a:r>
+                        <a:rPr lang="en-US" sz="1100" b="0" baseline="0" dirty="0" smtClean="0">
+                          <a:solidFill>
+                            <a:schemeClr val="tx1"/>
+                          </a:solidFill>
+                          <a:effectLst/>
+                          <a:latin typeface="Arial" pitchFamily="34" charset="0"/>
+                          <a:ea typeface="+mn-ea"/>
+                          <a:cs typeface="Arial" pitchFamily="34" charset="0"/>
+                        </a:rPr>
+                        <a:t> !”</a:t>
+                      </a:r>
+                      <a:endParaRPr lang="en-US" sz="1100" b="0" dirty="0">
+                        <a:solidFill>
+                          <a:schemeClr val="tx1"/>
+                        </a:solidFill>
+                        <a:effectLst/>
+                        <a:latin typeface="Arial" pitchFamily="34" charset="0"/>
+                        <a:ea typeface="Calibri"/>
+                        <a:cs typeface="Arial" pitchFamily="34" charset="0"/>
+                      </a:endParaRPr>
+                    </a:p>
+                  </a:txBody>
+                  <a:tcPr marL="68580" marR="68580" marT="0" marB="0">
+                    <a:lnL w="12700" cap="flat" cmpd="sng" algn="ctr">
+                      <a:solidFill>
+                        <a:schemeClr val="tx1"/>
+                      </a:solidFill>
+                      <a:prstDash val="solid"/>
+                      <a:round/>
+                      <a:headEnd type="none" w="med" len="med"/>
+                      <a:tailEnd type="none" w="med" len="med"/>
+                    </a:lnL>
+                    <a:lnR w="12700" cap="flat" cmpd="sng" algn="ctr">
+                      <a:solidFill>
+                        <a:schemeClr val="tx1"/>
+                      </a:solidFill>
+                      <a:prstDash val="solid"/>
+                      <a:round/>
+                      <a:headEnd type="none" w="med" len="med"/>
+                      <a:tailEnd type="none" w="med" len="med"/>
+                    </a:lnR>
+                    <a:lnT w="12700" cap="flat" cmpd="sng" algn="ctr">
+                      <a:solidFill>
+                        <a:schemeClr val="tx1"/>
+                      </a:solidFill>
+                      <a:prstDash val="solid"/>
+                      <a:round/>
+                      <a:headEnd type="none" w="med" len="med"/>
+                      <a:tailEnd type="none" w="med" len="med"/>
+                    </a:lnT>
+                    <a:lnB w="12700" cap="flat" cmpd="sng" algn="ctr">
+                      <a:solidFill>
+                        <a:schemeClr val="tx1"/>
+                      </a:solidFill>
+                      <a:prstDash val="solid"/>
+                      <a:round/>
+                      <a:headEnd type="none" w="med" len="med"/>
+                      <a:tailEnd type="none" w="med" len="med"/>
+                    </a:lnB>
+                    <a:lnTlToBr w="12700" cmpd="sng">
+                      <a:noFill/>
+                      <a:prstDash val="solid"/>
+                    </a:lnTlToBr>
+                    <a:lnBlToTr w="12700" cmpd="sng">
+                      <a:noFill/>
+                      <a:prstDash val="solid"/>
+                    </a:lnBlToTr>
+                    <a:solidFill>
+                      <a:schemeClr val="bg1"/>
+                    </a:solidFill>
+                  </a:tcPr>
+                </a:tc>
+                <a:tc>
+                  <a:txBody>
+                    <a:bodyPr/>
+                    <a:lstStyle/>
+                    <a:p>
+                      <a:pPr marL="0" marR="0" algn="l">
+                        <a:lnSpc>
+                          <a:spcPct val="115000"/>
+                        </a:lnSpc>
+                        <a:spcBef>
+                          <a:spcPts val="0"/>
+                        </a:spcBef>
+                        <a:spcAft>
+                          <a:spcPts val="0"/>
+                        </a:spcAft>
+                      </a:pPr>
+                      <a:r>
+                        <a:rPr lang="en-US" sz="1100" b="0" dirty="0" smtClean="0">
+                          <a:solidFill>
+                            <a:schemeClr val="tx1"/>
+                          </a:solidFill>
+                          <a:effectLst/>
+                          <a:latin typeface="Arial" pitchFamily="34" charset="0"/>
+                          <a:ea typeface="+mn-ea"/>
+                          <a:cs typeface="Arial" pitchFamily="34" charset="0"/>
+                        </a:rPr>
+                        <a:t>05/19/2015</a:t>
+                      </a:r>
+                      <a:r>
+                        <a:rPr lang="en-US" sz="1100" b="0" baseline="0" dirty="0" smtClean="0">
+                          <a:solidFill>
+                            <a:schemeClr val="tx1"/>
+                          </a:solidFill>
+                          <a:effectLst/>
+                          <a:latin typeface="Arial" pitchFamily="34" charset="0"/>
+                          <a:ea typeface="+mn-ea"/>
+                          <a:cs typeface="Arial" pitchFamily="34" charset="0"/>
+                        </a:rPr>
+                        <a:t> 10:00</a:t>
+                      </a:r>
+                      <a:endParaRPr lang="en-US" sz="1100" b="0" dirty="0">
+                        <a:solidFill>
+                          <a:schemeClr val="tx1"/>
+                        </a:solidFill>
+                        <a:effectLst/>
+                        <a:latin typeface="Arial" pitchFamily="34" charset="0"/>
+                        <a:ea typeface="Calibri"/>
+                        <a:cs typeface="Arial" pitchFamily="34" charset="0"/>
+                      </a:endParaRPr>
+                    </a:p>
+                  </a:txBody>
+                  <a:tcPr marL="68580" marR="68580" marT="0" marB="0">
+                    <a:lnL w="12700" cap="flat" cmpd="sng" algn="ctr">
+                      <a:solidFill>
+                        <a:schemeClr val="tx1"/>
+                      </a:solidFill>
+                      <a:prstDash val="solid"/>
+                      <a:round/>
+                      <a:headEnd type="none" w="med" len="med"/>
+                      <a:tailEnd type="none" w="med" len="med"/>
+                    </a:lnL>
+                    <a:lnR w="12700" cap="flat" cmpd="sng" algn="ctr">
+                      <a:solidFill>
+                        <a:schemeClr val="tx1"/>
+                      </a:solidFill>
+                      <a:prstDash val="solid"/>
+                      <a:round/>
+                      <a:headEnd type="none" w="med" len="med"/>
+                      <a:tailEnd type="none" w="med" len="med"/>
+                    </a:lnR>
+                    <a:lnT w="12700" cap="flat" cmpd="sng" algn="ctr">
+                      <a:solidFill>
+                        <a:schemeClr val="tx1"/>
+                      </a:solidFill>
+                      <a:prstDash val="solid"/>
+                      <a:round/>
+                      <a:headEnd type="none" w="med" len="med"/>
+                      <a:tailEnd type="none" w="med" len="med"/>
+                    </a:lnT>
+                    <a:lnB w="12700" cap="flat" cmpd="sng" algn="ctr">
+                      <a:solidFill>
+                        <a:schemeClr val="tx1"/>
+                      </a:solidFill>
+                      <a:prstDash val="solid"/>
+                      <a:round/>
+                      <a:headEnd type="none" w="med" len="med"/>
+                      <a:tailEnd type="none" w="med" len="med"/>
+                    </a:lnB>
+                    <a:lnTlToBr w="12700" cmpd="sng">
+                      <a:noFill/>
+                      <a:prstDash val="solid"/>
+                    </a:lnTlToBr>
+                    <a:lnBlToTr w="12700" cmpd="sng">
+                      <a:noFill/>
+                      <a:prstDash val="solid"/>
+                    </a:lnBlToTr>
+                    <a:solidFill>
+                      <a:schemeClr val="bg1"/>
+                    </a:solidFill>
+                  </a:tcPr>
+                </a:tc>
+              </a:tr>
+            </a:tbl>
+          </a:graphicData>
+        </a:graphic>
+      </p:graphicFrame>
+      <p:graphicFrame>
+        <p:nvGraphicFramePr>
+          <p:cNvPr id="9" name="Table 8"/>
+          <p:cNvGraphicFramePr>
+            <a:graphicFrameLocks noGrp="1"/>
+          </p:cNvGraphicFramePr>
+          <p:nvPr>
+            <p:extLst>
+              <p:ext uri="{D42A27DB-BD31-4B8C-83A1-F6EECF244321}">
+                <p14:modId xmlns:p14="http://schemas.microsoft.com/office/powerpoint/2010/main" val="3269781554"/>
+              </p:ext>
+            </p:extLst>
+          </p:nvPr>
+        </p:nvGraphicFramePr>
+        <p:xfrm>
+          <a:off x="1400238" y="2667000"/>
+          <a:ext cx="6172200" cy="192786"/>
+        </p:xfrm>
+        <a:graphic>
+          <a:graphicData uri="http://schemas.openxmlformats.org/drawingml/2006/table">
+            <a:tbl>
+              <a:tblPr firstRow="1" firstCol="1" bandRow="1">
+                <a:tableStyleId>{5C22544A-7EE6-4342-B048-85BDC9FD1C3A}</a:tableStyleId>
+              </a:tblPr>
+              <a:tblGrid>
+                <a:gridCol w="762000"/>
+                <a:gridCol w="1143000"/>
+                <a:gridCol w="1143000"/>
+                <a:gridCol w="1295400"/>
+                <a:gridCol w="1828800"/>
+              </a:tblGrid>
+              <a:tr h="0">
+                <a:tc>
+                  <a:txBody>
+                    <a:bodyPr/>
+                    <a:lstStyle/>
+                    <a:p>
+                      <a:pPr marL="0" marR="0">
+                        <a:lnSpc>
+                          <a:spcPct val="115000"/>
+                        </a:lnSpc>
+                        <a:spcBef>
+                          <a:spcPts val="0"/>
+                        </a:spcBef>
+                        <a:spcAft>
+                          <a:spcPts val="0"/>
+                        </a:spcAft>
+                      </a:pPr>
+                      <a:r>
+                        <a:rPr lang="en-US" sz="1100" b="0" dirty="0" smtClean="0">
+                          <a:solidFill>
+                            <a:schemeClr val="tx1"/>
+                          </a:solidFill>
+                          <a:effectLst/>
+                          <a:latin typeface="Arial" pitchFamily="34" charset="0"/>
+                          <a:ea typeface="Calibri"/>
+                          <a:cs typeface="Arial" pitchFamily="34" charset="0"/>
+                        </a:rPr>
+                        <a:t>2</a:t>
+                      </a:r>
+                      <a:endParaRPr lang="en-US" sz="1100" b="0" dirty="0">
+                        <a:solidFill>
+                          <a:schemeClr val="tx1"/>
+                        </a:solidFill>
+                        <a:effectLst/>
+                        <a:latin typeface="Arial" pitchFamily="34" charset="0"/>
+                        <a:ea typeface="Calibri"/>
+                        <a:cs typeface="Arial" pitchFamily="34" charset="0"/>
+                      </a:endParaRPr>
+                    </a:p>
+                  </a:txBody>
+                  <a:tcPr marL="68580" marR="68580" marT="0" marB="0">
+                    <a:lnL w="12700" cap="flat" cmpd="sng" algn="ctr">
+                      <a:solidFill>
+                        <a:schemeClr val="tx1"/>
+                      </a:solidFill>
+                      <a:prstDash val="solid"/>
+                      <a:round/>
+                      <a:headEnd type="none" w="med" len="med"/>
+                      <a:tailEnd type="none" w="med" len="med"/>
+                    </a:lnL>
+                    <a:lnR w="12700" cap="flat" cmpd="sng" algn="ctr">
+                      <a:solidFill>
+                        <a:schemeClr val="tx1"/>
+                      </a:solidFill>
+                      <a:prstDash val="solid"/>
+                      <a:round/>
+                      <a:headEnd type="none" w="med" len="med"/>
+                      <a:tailEnd type="none" w="med" len="med"/>
+                    </a:lnR>
+                    <a:lnT w="12700" cap="flat" cmpd="sng" algn="ctr">
+                      <a:solidFill>
+                        <a:schemeClr val="tx1"/>
+                      </a:solidFill>
+                      <a:prstDash val="solid"/>
+                      <a:round/>
+                      <a:headEnd type="none" w="med" len="med"/>
+                      <a:tailEnd type="none" w="med" len="med"/>
+                    </a:lnT>
+                    <a:lnB w="12700" cap="flat" cmpd="sng" algn="ctr">
+                      <a:solidFill>
+                        <a:schemeClr val="tx1"/>
+                      </a:solidFill>
+                      <a:prstDash val="solid"/>
+                      <a:round/>
+                      <a:headEnd type="none" w="med" len="med"/>
+                      <a:tailEnd type="none" w="med" len="med"/>
+                    </a:lnB>
+                    <a:lnTlToBr w="12700" cmpd="sng">
+                      <a:noFill/>
+                      <a:prstDash val="solid"/>
+                    </a:lnTlToBr>
+                    <a:lnBlToTr w="12700" cmpd="sng">
+                      <a:noFill/>
+                      <a:prstDash val="solid"/>
+                    </a:lnBlToTr>
+                    <a:solidFill>
+                      <a:schemeClr val="bg1"/>
+                    </a:solidFill>
+                  </a:tcPr>
+                </a:tc>
+                <a:tc>
+                  <a:txBody>
+                    <a:bodyPr/>
+                    <a:lstStyle/>
+                    <a:p>
+                      <a:pPr marL="0" marR="0">
+                        <a:lnSpc>
+                          <a:spcPct val="115000"/>
+                        </a:lnSpc>
+                        <a:spcBef>
+                          <a:spcPts val="0"/>
+                        </a:spcBef>
+                        <a:spcAft>
+                          <a:spcPts val="0"/>
+                        </a:spcAft>
+                      </a:pPr>
+                      <a:r>
+                        <a:rPr lang="en-US" sz="1100" b="0" dirty="0" smtClean="0">
+                          <a:solidFill>
+                            <a:schemeClr val="tx1"/>
+                          </a:solidFill>
+                          <a:effectLst/>
+                          <a:latin typeface="Arial" pitchFamily="34" charset="0"/>
+                          <a:cs typeface="Arial" pitchFamily="34" charset="0"/>
+                        </a:rPr>
+                        <a:t>Lylian Blaud</a:t>
+                      </a:r>
+                      <a:endParaRPr lang="en-US" sz="1100" b="0" dirty="0">
+                        <a:solidFill>
+                          <a:schemeClr val="tx1"/>
+                        </a:solidFill>
+                        <a:effectLst/>
+                        <a:latin typeface="Arial" pitchFamily="34" charset="0"/>
+                        <a:ea typeface="Calibri"/>
+                        <a:cs typeface="Arial" pitchFamily="34" charset="0"/>
+                      </a:endParaRPr>
+                    </a:p>
+                  </a:txBody>
+                  <a:tcPr marL="68580" marR="68580" marT="0" marB="0">
+                    <a:lnL w="12700" cap="flat" cmpd="sng" algn="ctr">
+                      <a:solidFill>
+                        <a:schemeClr val="tx1"/>
+                      </a:solidFill>
+                      <a:prstDash val="solid"/>
+                      <a:round/>
+                      <a:headEnd type="none" w="med" len="med"/>
+                      <a:tailEnd type="none" w="med" len="med"/>
+                    </a:lnL>
+                    <a:lnR w="12700" cap="flat" cmpd="sng" algn="ctr">
+                      <a:solidFill>
+                        <a:schemeClr val="tx1"/>
+                      </a:solidFill>
+                      <a:prstDash val="solid"/>
+                      <a:round/>
+                      <a:headEnd type="none" w="med" len="med"/>
+                      <a:tailEnd type="none" w="med" len="med"/>
+                    </a:lnR>
+                    <a:lnT w="12700" cap="flat" cmpd="sng" algn="ctr">
+                      <a:solidFill>
+                        <a:schemeClr val="tx1"/>
+                      </a:solidFill>
+                      <a:prstDash val="solid"/>
+                      <a:round/>
+                      <a:headEnd type="none" w="med" len="med"/>
+                      <a:tailEnd type="none" w="med" len="med"/>
+                    </a:lnT>
+                    <a:lnB w="12700" cap="flat" cmpd="sng" algn="ctr">
+                      <a:solidFill>
+                        <a:schemeClr val="tx1"/>
+                      </a:solidFill>
+                      <a:prstDash val="solid"/>
+                      <a:round/>
+                      <a:headEnd type="none" w="med" len="med"/>
+                      <a:tailEnd type="none" w="med" len="med"/>
+                    </a:lnB>
+                    <a:lnTlToBr w="12700" cmpd="sng">
+                      <a:noFill/>
+                      <a:prstDash val="solid"/>
+                    </a:lnTlToBr>
+                    <a:lnBlToTr w="12700" cmpd="sng">
+                      <a:noFill/>
+                      <a:prstDash val="solid"/>
+                    </a:lnBlToTr>
+                    <a:solidFill>
+                      <a:schemeClr val="bg1"/>
+                    </a:solidFill>
+                  </a:tcPr>
+                </a:tc>
+                <a:tc>
+                  <a:txBody>
+                    <a:bodyPr/>
+                    <a:lstStyle/>
+                    <a:p>
+                      <a:pPr marL="0" marR="0">
+                        <a:lnSpc>
+                          <a:spcPct val="115000"/>
+                        </a:lnSpc>
+                        <a:spcBef>
+                          <a:spcPts val="0"/>
+                        </a:spcBef>
+                        <a:spcAft>
+                          <a:spcPts val="0"/>
+                        </a:spcAft>
+                      </a:pPr>
+                      <a:r>
+                        <a:rPr lang="en-US" sz="1100" b="0" dirty="0" smtClean="0">
+                          <a:solidFill>
+                            <a:schemeClr val="tx1"/>
+                          </a:solidFill>
+                          <a:effectLst/>
+                          <a:latin typeface="Arial" pitchFamily="34" charset="0"/>
+                          <a:cs typeface="Arial" pitchFamily="34" charset="0"/>
+                        </a:rPr>
+                        <a:t>Status</a:t>
+                      </a:r>
+                      <a:endParaRPr lang="en-US" sz="1100" b="0" dirty="0">
+                        <a:solidFill>
+                          <a:schemeClr val="tx1"/>
+                        </a:solidFill>
+                        <a:effectLst/>
+                        <a:latin typeface="Arial" pitchFamily="34" charset="0"/>
+                        <a:ea typeface="Calibri"/>
+                        <a:cs typeface="Arial" pitchFamily="34" charset="0"/>
+                      </a:endParaRPr>
+                    </a:p>
+                  </a:txBody>
+                  <a:tcPr marL="68580" marR="68580" marT="0" marB="0">
+                    <a:lnL w="12700" cap="flat" cmpd="sng" algn="ctr">
+                      <a:solidFill>
+                        <a:schemeClr val="tx1"/>
+                      </a:solidFill>
+                      <a:prstDash val="solid"/>
+                      <a:round/>
+                      <a:headEnd type="none" w="med" len="med"/>
+                      <a:tailEnd type="none" w="med" len="med"/>
+                    </a:lnL>
+                    <a:lnR w="12700" cap="flat" cmpd="sng" algn="ctr">
+                      <a:solidFill>
+                        <a:schemeClr val="tx1"/>
+                      </a:solidFill>
+                      <a:prstDash val="solid"/>
+                      <a:round/>
+                      <a:headEnd type="none" w="med" len="med"/>
+                      <a:tailEnd type="none" w="med" len="med"/>
+                    </a:lnR>
+                    <a:lnT w="12700" cap="flat" cmpd="sng" algn="ctr">
+                      <a:solidFill>
+                        <a:schemeClr val="tx1"/>
+                      </a:solidFill>
+                      <a:prstDash val="solid"/>
+                      <a:round/>
+                      <a:headEnd type="none" w="med" len="med"/>
+                      <a:tailEnd type="none" w="med" len="med"/>
+                    </a:lnT>
+                    <a:lnB w="12700" cap="flat" cmpd="sng" algn="ctr">
+                      <a:solidFill>
+                        <a:schemeClr val="tx1"/>
+                      </a:solidFill>
+                      <a:prstDash val="solid"/>
+                      <a:round/>
+                      <a:headEnd type="none" w="med" len="med"/>
+                      <a:tailEnd type="none" w="med" len="med"/>
+                    </a:lnB>
+                    <a:lnTlToBr w="12700" cmpd="sng">
+                      <a:noFill/>
+                      <a:prstDash val="solid"/>
+                    </a:lnTlToBr>
+                    <a:lnBlToTr w="12700" cmpd="sng">
+                      <a:noFill/>
+                      <a:prstDash val="solid"/>
+                    </a:lnBlToTr>
+                    <a:solidFill>
+                      <a:schemeClr val="bg1"/>
+                    </a:solidFill>
+                  </a:tcPr>
+                </a:tc>
+                <a:tc>
+                  <a:txBody>
+                    <a:bodyPr/>
+                    <a:lstStyle/>
+                    <a:p>
+                      <a:pPr marL="0" marR="0">
+                        <a:lnSpc>
+                          <a:spcPct val="115000"/>
+                        </a:lnSpc>
+                        <a:spcBef>
+                          <a:spcPts val="0"/>
+                        </a:spcBef>
+                        <a:spcAft>
+                          <a:spcPts val="0"/>
+                        </a:spcAft>
+                      </a:pPr>
+                      <a:r>
+                        <a:rPr lang="en-US" sz="1100" b="0" dirty="0" smtClean="0">
+                          <a:solidFill>
+                            <a:schemeClr val="tx1"/>
+                          </a:solidFill>
+                          <a:effectLst/>
+                          <a:latin typeface="Arial" pitchFamily="34" charset="0"/>
+                          <a:ea typeface="+mn-ea"/>
+                          <a:cs typeface="Arial" pitchFamily="34" charset="0"/>
+                        </a:rPr>
+                        <a:t>“Row-Oriented</a:t>
+                      </a:r>
+                      <a:r>
+                        <a:rPr lang="en-US" sz="1100" b="0" baseline="0" dirty="0" smtClean="0">
+                          <a:solidFill>
+                            <a:schemeClr val="tx1"/>
+                          </a:solidFill>
+                          <a:effectLst/>
+                          <a:latin typeface="Arial" pitchFamily="34" charset="0"/>
+                          <a:ea typeface="+mn-ea"/>
+                          <a:cs typeface="Arial" pitchFamily="34" charset="0"/>
+                        </a:rPr>
+                        <a:t>?”</a:t>
+                      </a:r>
+                      <a:endParaRPr lang="en-US" sz="1100" b="0" dirty="0">
+                        <a:solidFill>
+                          <a:schemeClr val="tx1"/>
+                        </a:solidFill>
+                        <a:effectLst/>
+                        <a:latin typeface="Arial" pitchFamily="34" charset="0"/>
+                        <a:ea typeface="Calibri"/>
+                        <a:cs typeface="Arial" pitchFamily="34" charset="0"/>
+                      </a:endParaRPr>
+                    </a:p>
+                  </a:txBody>
+                  <a:tcPr marL="68580" marR="68580" marT="0" marB="0">
+                    <a:lnL w="12700" cap="flat" cmpd="sng" algn="ctr">
+                      <a:solidFill>
+                        <a:schemeClr val="tx1"/>
+                      </a:solidFill>
+                      <a:prstDash val="solid"/>
+                      <a:round/>
+                      <a:headEnd type="none" w="med" len="med"/>
+                      <a:tailEnd type="none" w="med" len="med"/>
+                    </a:lnL>
+                    <a:lnR w="12700" cap="flat" cmpd="sng" algn="ctr">
+                      <a:solidFill>
+                        <a:schemeClr val="tx1"/>
+                      </a:solidFill>
+                      <a:prstDash val="solid"/>
+                      <a:round/>
+                      <a:headEnd type="none" w="med" len="med"/>
+                      <a:tailEnd type="none" w="med" len="med"/>
+                    </a:lnR>
+                    <a:lnT w="12700" cap="flat" cmpd="sng" algn="ctr">
+                      <a:solidFill>
+                        <a:schemeClr val="tx1"/>
+                      </a:solidFill>
+                      <a:prstDash val="solid"/>
+                      <a:round/>
+                      <a:headEnd type="none" w="med" len="med"/>
+                      <a:tailEnd type="none" w="med" len="med"/>
+                    </a:lnT>
+                    <a:lnB w="12700" cap="flat" cmpd="sng" algn="ctr">
+                      <a:solidFill>
+                        <a:schemeClr val="tx1"/>
+                      </a:solidFill>
+                      <a:prstDash val="solid"/>
+                      <a:round/>
+                      <a:headEnd type="none" w="med" len="med"/>
+                      <a:tailEnd type="none" w="med" len="med"/>
+                    </a:lnB>
+                    <a:lnTlToBr w="12700" cmpd="sng">
+                      <a:noFill/>
+                      <a:prstDash val="solid"/>
+                    </a:lnTlToBr>
+                    <a:lnBlToTr w="12700" cmpd="sng">
+                      <a:noFill/>
+                      <a:prstDash val="solid"/>
+                    </a:lnBlToTr>
+                    <a:solidFill>
+                      <a:schemeClr val="bg1"/>
+                    </a:solidFill>
+                  </a:tcPr>
+                </a:tc>
+                <a:tc>
+                  <a:txBody>
+                    <a:bodyPr/>
+                    <a:lstStyle/>
+                    <a:p>
+                      <a:pPr marL="0" marR="0">
+                        <a:lnSpc>
+                          <a:spcPct val="115000"/>
+                        </a:lnSpc>
+                        <a:spcBef>
+                          <a:spcPts val="0"/>
+                        </a:spcBef>
+                        <a:spcAft>
+                          <a:spcPts val="0"/>
+                        </a:spcAft>
+                      </a:pPr>
+                      <a:r>
+                        <a:rPr lang="en-US" sz="1100" b="0" dirty="0" smtClean="0">
+                          <a:solidFill>
+                            <a:schemeClr val="tx1"/>
+                          </a:solidFill>
+                          <a:effectLst/>
+                          <a:latin typeface="Arial" pitchFamily="34" charset="0"/>
+                          <a:ea typeface="+mn-ea"/>
+                          <a:cs typeface="Arial" pitchFamily="34" charset="0"/>
+                        </a:rPr>
+                        <a:t>05/19/2015</a:t>
+                      </a:r>
+                      <a:r>
+                        <a:rPr lang="en-US" sz="1100" b="0" baseline="0" dirty="0" smtClean="0">
+                          <a:solidFill>
+                            <a:schemeClr val="tx1"/>
+                          </a:solidFill>
+                          <a:effectLst/>
+                          <a:latin typeface="Arial" pitchFamily="34" charset="0"/>
+                          <a:ea typeface="+mn-ea"/>
+                          <a:cs typeface="Arial" pitchFamily="34" charset="0"/>
+                        </a:rPr>
+                        <a:t> 10:01</a:t>
+                      </a:r>
+                      <a:endParaRPr lang="en-US" sz="1100" b="0" dirty="0">
+                        <a:solidFill>
+                          <a:schemeClr val="tx1"/>
+                        </a:solidFill>
+                        <a:effectLst/>
+                        <a:latin typeface="Arial" pitchFamily="34" charset="0"/>
+                        <a:ea typeface="Calibri"/>
+                        <a:cs typeface="Arial" pitchFamily="34" charset="0"/>
+                      </a:endParaRPr>
+                    </a:p>
+                  </a:txBody>
+                  <a:tcPr marL="68580" marR="68580" marT="0" marB="0">
+                    <a:lnL w="12700" cap="flat" cmpd="sng" algn="ctr">
+                      <a:solidFill>
+                        <a:schemeClr val="tx1"/>
+                      </a:solidFill>
+                      <a:prstDash val="solid"/>
+                      <a:round/>
+                      <a:headEnd type="none" w="med" len="med"/>
+                      <a:tailEnd type="none" w="med" len="med"/>
+                    </a:lnL>
+                    <a:lnR w="12700" cap="flat" cmpd="sng" algn="ctr">
+                      <a:solidFill>
+                        <a:schemeClr val="tx1"/>
+                      </a:solidFill>
+                      <a:prstDash val="solid"/>
+                      <a:round/>
+                      <a:headEnd type="none" w="med" len="med"/>
+                      <a:tailEnd type="none" w="med" len="med"/>
+                    </a:lnR>
+                    <a:lnT w="12700" cap="flat" cmpd="sng" algn="ctr">
+                      <a:solidFill>
+                        <a:schemeClr val="tx1"/>
+                      </a:solidFill>
+                      <a:prstDash val="solid"/>
+                      <a:round/>
+                      <a:headEnd type="none" w="med" len="med"/>
+                      <a:tailEnd type="none" w="med" len="med"/>
+                    </a:lnT>
+                    <a:lnB w="12700" cap="flat" cmpd="sng" algn="ctr">
+                      <a:solidFill>
+                        <a:schemeClr val="tx1"/>
+                      </a:solidFill>
+                      <a:prstDash val="solid"/>
+                      <a:round/>
+                      <a:headEnd type="none" w="med" len="med"/>
+                      <a:tailEnd type="none" w="med" len="med"/>
+                    </a:lnB>
+                    <a:lnTlToBr w="12700" cmpd="sng">
+                      <a:noFill/>
+                      <a:prstDash val="solid"/>
+                    </a:lnTlToBr>
+                    <a:lnBlToTr w="12700" cmpd="sng">
+                      <a:noFill/>
+                      <a:prstDash val="solid"/>
+                    </a:lnBlToTr>
+                    <a:solidFill>
+                      <a:schemeClr val="bg1"/>
+                    </a:solidFill>
+                  </a:tcPr>
+                </a:tc>
+              </a:tr>
+            </a:tbl>
+          </a:graphicData>
+        </a:graphic>
+      </p:graphicFrame>
+      <p:graphicFrame>
+        <p:nvGraphicFramePr>
+          <p:cNvPr id="5" name="Table 4"/>
+          <p:cNvGraphicFramePr>
+            <a:graphicFrameLocks noGrp="1"/>
+          </p:cNvGraphicFramePr>
+          <p:nvPr>
+            <p:extLst>
+              <p:ext uri="{D42A27DB-BD31-4B8C-83A1-F6EECF244321}">
+                <p14:modId xmlns:p14="http://schemas.microsoft.com/office/powerpoint/2010/main" val="1485507622"/>
+              </p:ext>
+            </p:extLst>
+          </p:nvPr>
+        </p:nvGraphicFramePr>
+        <p:xfrm>
+          <a:off x="714438" y="3657600"/>
+          <a:ext cx="1219200" cy="581025"/>
+        </p:xfrm>
+        <a:graphic>
+          <a:graphicData uri="http://schemas.openxmlformats.org/drawingml/2006/table">
+            <a:tbl>
+              <a:tblPr>
+                <a:tableStyleId>{5C22544A-7EE6-4342-B048-85BDC9FD1C3A}</a:tableStyleId>
+              </a:tblPr>
+              <a:tblGrid>
+                <a:gridCol w="609600"/>
+                <a:gridCol w="609600"/>
+              </a:tblGrid>
+              <a:tr h="190500">
+                <a:tc>
+                  <a:txBody>
+                    <a:bodyPr/>
+                    <a:lstStyle/>
+                    <a:p>
+                      <a:pPr algn="ctr" fontAlgn="b"/>
+                      <a:r>
+                        <a:rPr lang="en-US" sz="1100" b="1" u="none" strike="noStrike" dirty="0" err="1">
+                          <a:effectLst/>
+                        </a:rPr>
+                        <a:t>oid</a:t>
+                      </a:r>
+                      <a:endParaRPr lang="en-US" sz="1100" b="1" i="0" u="none" strike="noStrike" dirty="0">
+                        <a:solidFill>
+                          <a:srgbClr val="000000"/>
+                        </a:solidFill>
+                        <a:effectLst/>
+                        <a:latin typeface="Arial"/>
+                      </a:endParaRPr>
+                    </a:p>
+                  </a:txBody>
+                  <a:tcPr marL="9525" marR="9525" marT="9525" marB="0" anchor="b">
+                    <a:lnL w="12700" cap="flat" cmpd="sng" algn="ctr">
+                      <a:solidFill>
+                        <a:schemeClr val="tx1"/>
+                      </a:solidFill>
+                      <a:prstDash val="solid"/>
+                      <a:round/>
+                      <a:headEnd type="none" w="med" len="med"/>
+                      <a:tailEnd type="none" w="med" len="med"/>
+                    </a:lnL>
+                    <a:lnR w="12700" cap="flat" cmpd="sng" algn="ctr">
+                      <a:solidFill>
+                        <a:schemeClr val="tx1"/>
+                      </a:solidFill>
+                      <a:prstDash val="solid"/>
+                      <a:round/>
+                      <a:headEnd type="none" w="med" len="med"/>
+                      <a:tailEnd type="none" w="med" len="med"/>
+                    </a:lnR>
+                    <a:lnT w="12700" cap="flat" cmpd="sng" algn="ctr">
+                      <a:solidFill>
+                        <a:schemeClr val="tx1"/>
+                      </a:solidFill>
+                      <a:prstDash val="solid"/>
+                      <a:round/>
+                      <a:headEnd type="none" w="med" len="med"/>
+                      <a:tailEnd type="none" w="med" len="med"/>
+                    </a:lnT>
+                    <a:lnB w="12700" cap="flat" cmpd="sng" algn="ctr">
+                      <a:solidFill>
+                        <a:schemeClr val="tx1"/>
+                      </a:solidFill>
+                      <a:prstDash val="solid"/>
+                      <a:round/>
+                      <a:headEnd type="none" w="med" len="med"/>
+                      <a:tailEnd type="none" w="med" len="med"/>
+                    </a:lnB>
+                    <a:lnTlToBr w="12700" cmpd="sng">
+                      <a:noFill/>
+                      <a:prstDash val="solid"/>
+                    </a:lnTlToBr>
+                    <a:lnBlToTr w="12700" cmpd="sng">
+                      <a:noFill/>
+                      <a:prstDash val="solid"/>
+                    </a:lnBlToTr>
+                    <a:solidFill>
+                      <a:schemeClr val="bg1"/>
+                    </a:solidFill>
+                  </a:tcPr>
+                </a:tc>
+                <a:tc>
+                  <a:txBody>
+                    <a:bodyPr/>
+                    <a:lstStyle/>
+                    <a:p>
+                      <a:pPr algn="ctr" fontAlgn="b"/>
+                      <a:r>
+                        <a:rPr lang="en-US" sz="1100" b="1" u="none" strike="noStrike" dirty="0">
+                          <a:effectLst/>
+                        </a:rPr>
+                        <a:t>id</a:t>
+                      </a:r>
+                      <a:endParaRPr lang="en-US" sz="1100" b="1" i="0" u="none" strike="noStrike" dirty="0">
+                        <a:solidFill>
+                          <a:srgbClr val="000000"/>
+                        </a:solidFill>
+                        <a:effectLst/>
+                        <a:latin typeface="Arial"/>
+                      </a:endParaRPr>
+                    </a:p>
+                  </a:txBody>
+                  <a:tcPr marL="9525" marR="9525" marT="9525" marB="0" anchor="b">
+                    <a:lnL w="12700" cap="flat" cmpd="sng" algn="ctr">
+                      <a:solidFill>
+                        <a:schemeClr val="tx1"/>
+                      </a:solidFill>
+                      <a:prstDash val="solid"/>
+                      <a:round/>
+                      <a:headEnd type="none" w="med" len="med"/>
+                      <a:tailEnd type="none" w="med" len="med"/>
+                    </a:lnL>
+                    <a:lnR w="12700" cap="flat" cmpd="sng" algn="ctr">
+                      <a:solidFill>
+                        <a:schemeClr val="tx1"/>
+                      </a:solidFill>
+                      <a:prstDash val="solid"/>
+                      <a:round/>
+                      <a:headEnd type="none" w="med" len="med"/>
+                      <a:tailEnd type="none" w="med" len="med"/>
+                    </a:lnR>
+                    <a:lnT w="12700" cap="flat" cmpd="sng" algn="ctr">
+                      <a:solidFill>
+                        <a:schemeClr val="tx1"/>
+                      </a:solidFill>
+                      <a:prstDash val="solid"/>
+                      <a:round/>
+                      <a:headEnd type="none" w="med" len="med"/>
+                      <a:tailEnd type="none" w="med" len="med"/>
+                    </a:lnT>
+                    <a:lnB w="12700" cap="flat" cmpd="sng" algn="ctr">
+                      <a:solidFill>
+                        <a:schemeClr val="tx1"/>
+                      </a:solidFill>
+                      <a:prstDash val="solid"/>
+                      <a:round/>
+                      <a:headEnd type="none" w="med" len="med"/>
+                      <a:tailEnd type="none" w="med" len="med"/>
+                    </a:lnB>
+                    <a:lnTlToBr w="12700" cmpd="sng">
+                      <a:noFill/>
+                      <a:prstDash val="solid"/>
+                    </a:lnTlToBr>
+                    <a:lnBlToTr w="12700" cmpd="sng">
+                      <a:noFill/>
+                      <a:prstDash val="solid"/>
+                    </a:lnBlToTr>
+                    <a:solidFill>
+                      <a:schemeClr val="bg1"/>
+                    </a:solidFill>
+                  </a:tcPr>
+                </a:tc>
+              </a:tr>
+              <a:tr h="190500">
+                <a:tc>
+                  <a:txBody>
+                    <a:bodyPr/>
+                    <a:lstStyle/>
+                    <a:p>
+                      <a:pPr algn="ctr" fontAlgn="b"/>
+                      <a:r>
+                        <a:rPr lang="en-US" sz="1100" u="none" strike="noStrike" dirty="0">
+                          <a:effectLst/>
+                        </a:rPr>
+                        <a:t>101</a:t>
+                      </a:r>
+                      <a:endParaRPr lang="en-US" sz="1100" b="0" i="0" u="none" strike="noStrike" dirty="0">
+                        <a:solidFill>
+                          <a:srgbClr val="000000"/>
+                        </a:solidFill>
+                        <a:effectLst/>
+                        <a:latin typeface="Arial"/>
+                      </a:endParaRPr>
+                    </a:p>
+                  </a:txBody>
+                  <a:tcPr marL="9525" marR="9525" marT="9525" marB="0" anchor="b">
+                    <a:lnL w="12700" cap="flat" cmpd="sng" algn="ctr">
+                      <a:solidFill>
+                        <a:schemeClr val="tx1"/>
+                      </a:solidFill>
+                      <a:prstDash val="solid"/>
+                      <a:round/>
+                      <a:headEnd type="none" w="med" len="med"/>
+                      <a:tailEnd type="none" w="med" len="med"/>
+                    </a:lnL>
+                    <a:lnR w="12700" cap="flat" cmpd="sng" algn="ctr">
+                      <a:solidFill>
+                        <a:schemeClr val="tx1"/>
+                      </a:solidFill>
+                      <a:prstDash val="solid"/>
+                      <a:round/>
+                      <a:headEnd type="none" w="med" len="med"/>
+                      <a:tailEnd type="none" w="med" len="med"/>
+                    </a:lnR>
+                    <a:lnT w="12700" cap="flat" cmpd="sng" algn="ctr">
+                      <a:solidFill>
+                        <a:schemeClr val="tx1"/>
+                      </a:solidFill>
+                      <a:prstDash val="solid"/>
+                      <a:round/>
+                      <a:headEnd type="none" w="med" len="med"/>
+                      <a:tailEnd type="none" w="med" len="med"/>
+                    </a:lnT>
+                    <a:lnB w="12700" cap="flat" cmpd="sng" algn="ctr">
+                      <a:solidFill>
+                        <a:schemeClr val="tx1"/>
+                      </a:solidFill>
+                      <a:prstDash val="solid"/>
+                      <a:round/>
+                      <a:headEnd type="none" w="med" len="med"/>
+                      <a:tailEnd type="none" w="med" len="med"/>
+                    </a:lnB>
+                    <a:lnTlToBr w="12700" cmpd="sng">
+                      <a:noFill/>
+                      <a:prstDash val="solid"/>
+                    </a:lnTlToBr>
+                    <a:lnBlToTr w="12700" cmpd="sng">
+                      <a:noFill/>
+                      <a:prstDash val="solid"/>
+                    </a:lnBlToTr>
+                    <a:solidFill>
+                      <a:schemeClr val="bg1"/>
+                    </a:solidFill>
+                  </a:tcPr>
+                </a:tc>
+                <a:tc>
+                  <a:txBody>
+                    <a:bodyPr/>
+                    <a:lstStyle/>
+                    <a:p>
+                      <a:pPr algn="ctr" fontAlgn="b"/>
+                      <a:r>
+                        <a:rPr lang="en-US" sz="1100" u="none" strike="noStrike" dirty="0">
+                          <a:effectLst/>
+                        </a:rPr>
+                        <a:t>1</a:t>
+                      </a:r>
+                      <a:endParaRPr lang="en-US" sz="1100" b="0" i="0" u="none" strike="noStrike" dirty="0">
+                        <a:solidFill>
+                          <a:srgbClr val="000000"/>
+                        </a:solidFill>
+                        <a:effectLst/>
+                        <a:latin typeface="Arial"/>
+                      </a:endParaRPr>
+                    </a:p>
+                  </a:txBody>
+                  <a:tcPr marL="9525" marR="9525" marT="9525" marB="0" anchor="b">
+                    <a:lnL w="12700" cap="flat" cmpd="sng" algn="ctr">
+                      <a:solidFill>
+                        <a:schemeClr val="tx1"/>
+                      </a:solidFill>
+                      <a:prstDash val="solid"/>
+                      <a:round/>
+                      <a:headEnd type="none" w="med" len="med"/>
+                      <a:tailEnd type="none" w="med" len="med"/>
+                    </a:lnL>
+                    <a:lnR w="12700" cap="flat" cmpd="sng" algn="ctr">
+                      <a:solidFill>
+                        <a:schemeClr val="tx1"/>
+                      </a:solidFill>
+                      <a:prstDash val="solid"/>
+                      <a:round/>
+                      <a:headEnd type="none" w="med" len="med"/>
+                      <a:tailEnd type="none" w="med" len="med"/>
+                    </a:lnR>
+                    <a:lnT w="12700" cap="flat" cmpd="sng" algn="ctr">
+                      <a:solidFill>
+                        <a:schemeClr val="tx1"/>
+                      </a:solidFill>
+                      <a:prstDash val="solid"/>
+                      <a:round/>
+                      <a:headEnd type="none" w="med" len="med"/>
+                      <a:tailEnd type="none" w="med" len="med"/>
+                    </a:lnT>
+                    <a:lnB w="12700" cap="flat" cmpd="sng" algn="ctr">
+                      <a:solidFill>
+                        <a:schemeClr val="tx1"/>
+                      </a:solidFill>
+                      <a:prstDash val="solid"/>
+                      <a:round/>
+                      <a:headEnd type="none" w="med" len="med"/>
+                      <a:tailEnd type="none" w="med" len="med"/>
+                    </a:lnB>
+                    <a:lnTlToBr w="12700" cmpd="sng">
+                      <a:noFill/>
+                      <a:prstDash val="solid"/>
+                    </a:lnTlToBr>
+                    <a:lnBlToTr w="12700" cmpd="sng">
+                      <a:noFill/>
+                      <a:prstDash val="solid"/>
+                    </a:lnBlToTr>
+                    <a:solidFill>
+                      <a:schemeClr val="bg1"/>
+                    </a:solidFill>
+                  </a:tcPr>
+                </a:tc>
+              </a:tr>
+              <a:tr h="200025">
+                <a:tc>
+                  <a:txBody>
+                    <a:bodyPr/>
+                    <a:lstStyle/>
+                    <a:p>
+                      <a:pPr algn="ctr" fontAlgn="b"/>
+                      <a:r>
+                        <a:rPr lang="en-US" sz="1100" u="none" strike="noStrike">
+                          <a:effectLst/>
+                        </a:rPr>
+                        <a:t>102</a:t>
+                      </a:r>
+                      <a:endParaRPr lang="en-US" sz="1100" b="0" i="0" u="none" strike="noStrike">
+                        <a:solidFill>
+                          <a:srgbClr val="000000"/>
+                        </a:solidFill>
+                        <a:effectLst/>
+                        <a:latin typeface="Arial"/>
+                      </a:endParaRPr>
+                    </a:p>
+                  </a:txBody>
+                  <a:tcPr marL="9525" marR="9525" marT="9525" marB="0" anchor="b">
+                    <a:lnL w="12700" cap="flat" cmpd="sng" algn="ctr">
+                      <a:solidFill>
+                        <a:schemeClr val="tx1"/>
+                      </a:solidFill>
+                      <a:prstDash val="solid"/>
+                      <a:round/>
+                      <a:headEnd type="none" w="med" len="med"/>
+                      <a:tailEnd type="none" w="med" len="med"/>
+                    </a:lnL>
+                    <a:lnR w="12700" cap="flat" cmpd="sng" algn="ctr">
+                      <a:solidFill>
+                        <a:schemeClr val="tx1"/>
+                      </a:solidFill>
+                      <a:prstDash val="solid"/>
+                      <a:round/>
+                      <a:headEnd type="none" w="med" len="med"/>
+                      <a:tailEnd type="none" w="med" len="med"/>
+                    </a:lnR>
+                    <a:lnT w="12700" cap="flat" cmpd="sng" algn="ctr">
+                      <a:solidFill>
+                        <a:schemeClr val="tx1"/>
+                      </a:solidFill>
+                      <a:prstDash val="solid"/>
+                      <a:round/>
+                      <a:headEnd type="none" w="med" len="med"/>
+                      <a:tailEnd type="none" w="med" len="med"/>
+                    </a:lnT>
+                    <a:lnB w="12700" cap="flat" cmpd="sng" algn="ctr">
+                      <a:solidFill>
+                        <a:schemeClr val="tx1"/>
+                      </a:solidFill>
+                      <a:prstDash val="solid"/>
+                      <a:round/>
+                      <a:headEnd type="none" w="med" len="med"/>
+                      <a:tailEnd type="none" w="med" len="med"/>
+                    </a:lnB>
+                    <a:lnTlToBr w="12700" cmpd="sng">
+                      <a:noFill/>
+                      <a:prstDash val="solid"/>
+                    </a:lnTlToBr>
+                    <a:lnBlToTr w="12700" cmpd="sng">
+                      <a:noFill/>
+                      <a:prstDash val="solid"/>
+                    </a:lnBlToTr>
+                    <a:solidFill>
+                      <a:schemeClr val="bg1"/>
+                    </a:solidFill>
+                  </a:tcPr>
+                </a:tc>
+                <a:tc>
+                  <a:txBody>
+                    <a:bodyPr/>
+                    <a:lstStyle/>
+                    <a:p>
+                      <a:pPr algn="ctr" fontAlgn="b"/>
+                      <a:r>
+                        <a:rPr lang="en-US" sz="1100" u="none" strike="noStrike" dirty="0">
+                          <a:effectLst/>
+                        </a:rPr>
+                        <a:t>2</a:t>
+                      </a:r>
+                      <a:endParaRPr lang="en-US" sz="1100" b="0" i="0" u="none" strike="noStrike" dirty="0">
+                        <a:solidFill>
+                          <a:srgbClr val="000000"/>
+                        </a:solidFill>
+                        <a:effectLst/>
+                        <a:latin typeface="Arial"/>
+                      </a:endParaRPr>
+                    </a:p>
+                  </a:txBody>
+                  <a:tcPr marL="9525" marR="9525" marT="9525" marB="0" anchor="b">
+                    <a:lnL w="12700" cap="flat" cmpd="sng" algn="ctr">
+                      <a:solidFill>
+                        <a:schemeClr val="tx1"/>
+                      </a:solidFill>
+                      <a:prstDash val="solid"/>
+                      <a:round/>
+                      <a:headEnd type="none" w="med" len="med"/>
+                      <a:tailEnd type="none" w="med" len="med"/>
+                    </a:lnL>
+                    <a:lnR w="12700" cap="flat" cmpd="sng" algn="ctr">
+                      <a:solidFill>
+                        <a:schemeClr val="tx1"/>
+                      </a:solidFill>
+                      <a:prstDash val="solid"/>
+                      <a:round/>
+                      <a:headEnd type="none" w="med" len="med"/>
+                      <a:tailEnd type="none" w="med" len="med"/>
+                    </a:lnR>
+                    <a:lnT w="12700" cap="flat" cmpd="sng" algn="ctr">
+                      <a:solidFill>
+                        <a:schemeClr val="tx1"/>
+                      </a:solidFill>
+                      <a:prstDash val="solid"/>
+                      <a:round/>
+                      <a:headEnd type="none" w="med" len="med"/>
+                      <a:tailEnd type="none" w="med" len="med"/>
+                    </a:lnT>
+                    <a:lnB w="12700" cap="flat" cmpd="sng" algn="ctr">
+                      <a:solidFill>
+                        <a:schemeClr val="tx1"/>
+                      </a:solidFill>
+                      <a:prstDash val="solid"/>
+                      <a:round/>
+                      <a:headEnd type="none" w="med" len="med"/>
+                      <a:tailEnd type="none" w="med" len="med"/>
+                    </a:lnB>
+                    <a:lnTlToBr w="12700" cmpd="sng">
+                      <a:noFill/>
+                      <a:prstDash val="solid"/>
+                    </a:lnTlToBr>
+                    <a:lnBlToTr w="12700" cmpd="sng">
+                      <a:noFill/>
+                      <a:prstDash val="solid"/>
+                    </a:lnBlToTr>
+                    <a:solidFill>
+                      <a:schemeClr val="bg1"/>
+                    </a:solidFill>
+                  </a:tcPr>
+                </a:tc>
+              </a:tr>
+            </a:tbl>
+          </a:graphicData>
+        </a:graphic>
+      </p:graphicFrame>
+      <p:graphicFrame>
+        <p:nvGraphicFramePr>
+          <p:cNvPr id="10" name="Table 9"/>
+          <p:cNvGraphicFramePr>
+            <a:graphicFrameLocks noGrp="1"/>
+          </p:cNvGraphicFramePr>
+          <p:nvPr>
+            <p:extLst>
+              <p:ext uri="{D42A27DB-BD31-4B8C-83A1-F6EECF244321}">
+                <p14:modId xmlns:p14="http://schemas.microsoft.com/office/powerpoint/2010/main" val="2228010600"/>
+              </p:ext>
+            </p:extLst>
+          </p:nvPr>
+        </p:nvGraphicFramePr>
+        <p:xfrm>
+          <a:off x="2543238" y="3657600"/>
+          <a:ext cx="2057400" cy="581025"/>
+        </p:xfrm>
+        <a:graphic>
+          <a:graphicData uri="http://schemas.openxmlformats.org/drawingml/2006/table">
+            <a:tbl>
+              <a:tblPr>
+                <a:tableStyleId>{5C22544A-7EE6-4342-B048-85BDC9FD1C3A}</a:tableStyleId>
+              </a:tblPr>
+              <a:tblGrid>
+                <a:gridCol w="762000"/>
+                <a:gridCol w="1295400"/>
+              </a:tblGrid>
+              <a:tr h="190500">
+                <a:tc>
+                  <a:txBody>
+                    <a:bodyPr/>
+                    <a:lstStyle/>
+                    <a:p>
+                      <a:pPr algn="ctr" fontAlgn="b"/>
+                      <a:r>
+                        <a:rPr lang="en-US" sz="1100" b="1" u="none" strike="noStrike" dirty="0" err="1">
+                          <a:effectLst/>
+                        </a:rPr>
+                        <a:t>oid</a:t>
+                      </a:r>
+                      <a:endParaRPr lang="en-US" sz="1100" b="1" i="0" u="none" strike="noStrike" dirty="0">
+                        <a:solidFill>
+                          <a:srgbClr val="000000"/>
+                        </a:solidFill>
+                        <a:effectLst/>
+                        <a:latin typeface="Arial"/>
+                      </a:endParaRPr>
+                    </a:p>
+                  </a:txBody>
+                  <a:tcPr marL="9525" marR="9525" marT="9525" marB="0" anchor="b">
+                    <a:lnL w="12700" cap="flat" cmpd="sng" algn="ctr">
+                      <a:solidFill>
+                        <a:schemeClr val="tx1"/>
+                      </a:solidFill>
+                      <a:prstDash val="solid"/>
+                      <a:round/>
+                      <a:headEnd type="none" w="med" len="med"/>
+                      <a:tailEnd type="none" w="med" len="med"/>
+                    </a:lnL>
+                    <a:lnR w="12700" cap="flat" cmpd="sng" algn="ctr">
+                      <a:solidFill>
+                        <a:schemeClr val="tx1"/>
+                      </a:solidFill>
+                      <a:prstDash val="solid"/>
+                      <a:round/>
+                      <a:headEnd type="none" w="med" len="med"/>
+                      <a:tailEnd type="none" w="med" len="med"/>
+                    </a:lnR>
+                    <a:lnT w="12700" cap="flat" cmpd="sng" algn="ctr">
+                      <a:solidFill>
+                        <a:schemeClr val="tx1"/>
+                      </a:solidFill>
+                      <a:prstDash val="solid"/>
+                      <a:round/>
+                      <a:headEnd type="none" w="med" len="med"/>
+                      <a:tailEnd type="none" w="med" len="med"/>
+                    </a:lnT>
+                    <a:lnB w="12700" cap="flat" cmpd="sng" algn="ctr">
+                      <a:solidFill>
+                        <a:schemeClr val="tx1"/>
+                      </a:solidFill>
+                      <a:prstDash val="solid"/>
+                      <a:round/>
+                      <a:headEnd type="none" w="med" len="med"/>
+                      <a:tailEnd type="none" w="med" len="med"/>
+                    </a:lnB>
+                    <a:solidFill>
+                      <a:schemeClr val="bg1"/>
+                    </a:solidFill>
+                  </a:tcPr>
+                </a:tc>
+                <a:tc>
+                  <a:txBody>
+                    <a:bodyPr/>
+                    <a:lstStyle/>
+                    <a:p>
+                      <a:pPr algn="ctr" fontAlgn="b"/>
+                      <a:r>
+                        <a:rPr lang="en-US" sz="1100" b="1" u="none" strike="noStrike" dirty="0">
+                          <a:effectLst/>
+                        </a:rPr>
+                        <a:t>Name</a:t>
+                      </a:r>
+                      <a:endParaRPr lang="en-US" sz="1100" b="1" i="0" u="none" strike="noStrike" dirty="0">
+                        <a:solidFill>
+                          <a:srgbClr val="000000"/>
+                        </a:solidFill>
+                        <a:effectLst/>
+                        <a:latin typeface="Arial"/>
+                      </a:endParaRPr>
+                    </a:p>
+                  </a:txBody>
+                  <a:tcPr marL="9525" marR="9525" marT="9525" marB="0" anchor="b">
+                    <a:lnL w="12700" cap="flat" cmpd="sng" algn="ctr">
+                      <a:solidFill>
+                        <a:schemeClr val="tx1"/>
+                      </a:solidFill>
+                      <a:prstDash val="solid"/>
+                      <a:round/>
+                      <a:headEnd type="none" w="med" len="med"/>
+                      <a:tailEnd type="none" w="med" len="med"/>
+                    </a:lnL>
+                    <a:lnR w="12700" cap="flat" cmpd="sng" algn="ctr">
+                      <a:solidFill>
+                        <a:schemeClr val="tx1"/>
+                      </a:solidFill>
+                      <a:prstDash val="solid"/>
+                      <a:round/>
+                      <a:headEnd type="none" w="med" len="med"/>
+                      <a:tailEnd type="none" w="med" len="med"/>
+                    </a:lnR>
+                    <a:lnT w="12700" cap="flat" cmpd="sng" algn="ctr">
+                      <a:solidFill>
+                        <a:schemeClr val="tx1"/>
+                      </a:solidFill>
+                      <a:prstDash val="solid"/>
+                      <a:round/>
+                      <a:headEnd type="none" w="med" len="med"/>
+                      <a:tailEnd type="none" w="med" len="med"/>
+                    </a:lnT>
+                    <a:lnB w="12700" cap="flat" cmpd="sng" algn="ctr">
+                      <a:solidFill>
+                        <a:schemeClr val="tx1"/>
+                      </a:solidFill>
+                      <a:prstDash val="solid"/>
+                      <a:round/>
+                      <a:headEnd type="none" w="med" len="med"/>
+                      <a:tailEnd type="none" w="med" len="med"/>
+                    </a:lnB>
+                    <a:solidFill>
+                      <a:schemeClr val="bg1"/>
+                    </a:solidFill>
+                  </a:tcPr>
+                </a:tc>
+              </a:tr>
+              <a:tr h="190500">
+                <a:tc>
+                  <a:txBody>
+                    <a:bodyPr/>
+                    <a:lstStyle/>
+                    <a:p>
+                      <a:pPr algn="ctr" fontAlgn="b"/>
+                      <a:r>
+                        <a:rPr lang="en-US" sz="1100" u="none" strike="noStrike">
+                          <a:effectLst/>
+                        </a:rPr>
+                        <a:t>101</a:t>
+                      </a:r>
+                      <a:endParaRPr lang="en-US" sz="1100" b="0" i="0" u="none" strike="noStrike">
+                        <a:solidFill>
+                          <a:srgbClr val="000000"/>
+                        </a:solidFill>
+                        <a:effectLst/>
+                        <a:latin typeface="Arial"/>
+                      </a:endParaRPr>
+                    </a:p>
+                  </a:txBody>
+                  <a:tcPr marL="9525" marR="9525" marT="9525" marB="0" anchor="b">
+                    <a:lnL w="12700" cap="flat" cmpd="sng" algn="ctr">
+                      <a:solidFill>
+                        <a:schemeClr val="tx1"/>
+                      </a:solidFill>
+                      <a:prstDash val="solid"/>
+                      <a:round/>
+                      <a:headEnd type="none" w="med" len="med"/>
+                      <a:tailEnd type="none" w="med" len="med"/>
+                    </a:lnL>
+                    <a:lnR w="12700" cap="flat" cmpd="sng" algn="ctr">
+                      <a:solidFill>
+                        <a:schemeClr val="tx1"/>
+                      </a:solidFill>
+                      <a:prstDash val="solid"/>
+                      <a:round/>
+                      <a:headEnd type="none" w="med" len="med"/>
+                      <a:tailEnd type="none" w="med" len="med"/>
+                    </a:lnR>
+                    <a:lnT w="12700" cap="flat" cmpd="sng" algn="ctr">
+                      <a:solidFill>
+                        <a:schemeClr val="tx1"/>
+                      </a:solidFill>
+                      <a:prstDash val="solid"/>
+                      <a:round/>
+                      <a:headEnd type="none" w="med" len="med"/>
+                      <a:tailEnd type="none" w="med" len="med"/>
+                    </a:lnT>
+                    <a:lnB w="12700" cap="flat" cmpd="sng" algn="ctr">
+                      <a:solidFill>
+                        <a:schemeClr val="tx1"/>
+                      </a:solidFill>
+                      <a:prstDash val="solid"/>
+                      <a:round/>
+                      <a:headEnd type="none" w="med" len="med"/>
+                      <a:tailEnd type="none" w="med" len="med"/>
+                    </a:lnB>
+                    <a:solidFill>
+                      <a:schemeClr val="bg1"/>
+                    </a:solidFill>
+                  </a:tcPr>
+                </a:tc>
+                <a:tc>
+                  <a:txBody>
+                    <a:bodyPr/>
+                    <a:lstStyle/>
+                    <a:p>
+                      <a:pPr algn="ctr" fontAlgn="b"/>
+                      <a:r>
+                        <a:rPr lang="en-US" sz="1100" u="none" strike="noStrike">
+                          <a:effectLst/>
+                        </a:rPr>
+                        <a:t>Lylian Blaud</a:t>
+                      </a:r>
+                      <a:endParaRPr lang="en-US" sz="1100" b="0" i="0" u="none" strike="noStrike">
+                        <a:solidFill>
+                          <a:srgbClr val="000000"/>
+                        </a:solidFill>
+                        <a:effectLst/>
+                        <a:latin typeface="Arial"/>
+                      </a:endParaRPr>
+                    </a:p>
+                  </a:txBody>
+                  <a:tcPr marL="9525" marR="9525" marT="9525" marB="0" anchor="b">
+                    <a:lnL w="12700" cap="flat" cmpd="sng" algn="ctr">
+                      <a:solidFill>
+                        <a:schemeClr val="tx1"/>
+                      </a:solidFill>
+                      <a:prstDash val="solid"/>
+                      <a:round/>
+                      <a:headEnd type="none" w="med" len="med"/>
+                      <a:tailEnd type="none" w="med" len="med"/>
+                    </a:lnL>
+                    <a:lnR w="12700" cap="flat" cmpd="sng" algn="ctr">
+                      <a:solidFill>
+                        <a:schemeClr val="tx1"/>
+                      </a:solidFill>
+                      <a:prstDash val="solid"/>
+                      <a:round/>
+                      <a:headEnd type="none" w="med" len="med"/>
+                      <a:tailEnd type="none" w="med" len="med"/>
+                    </a:lnR>
+                    <a:lnT w="12700" cap="flat" cmpd="sng" algn="ctr">
+                      <a:solidFill>
+                        <a:schemeClr val="tx1"/>
+                      </a:solidFill>
+                      <a:prstDash val="solid"/>
+                      <a:round/>
+                      <a:headEnd type="none" w="med" len="med"/>
+                      <a:tailEnd type="none" w="med" len="med"/>
+                    </a:lnT>
+                    <a:lnB w="12700" cap="flat" cmpd="sng" algn="ctr">
+                      <a:solidFill>
+                        <a:schemeClr val="tx1"/>
+                      </a:solidFill>
+                      <a:prstDash val="solid"/>
+                      <a:round/>
+                      <a:headEnd type="none" w="med" len="med"/>
+                      <a:tailEnd type="none" w="med" len="med"/>
+                    </a:lnB>
+                    <a:solidFill>
+                      <a:schemeClr val="bg1"/>
+                    </a:solidFill>
+                  </a:tcPr>
+                </a:tc>
+              </a:tr>
+              <a:tr h="200025">
+                <a:tc>
+                  <a:txBody>
+                    <a:bodyPr/>
+                    <a:lstStyle/>
+                    <a:p>
+                      <a:pPr algn="ctr" fontAlgn="b"/>
+                      <a:r>
+                        <a:rPr lang="en-US" sz="1100" u="none" strike="noStrike">
+                          <a:effectLst/>
+                        </a:rPr>
+                        <a:t>102</a:t>
+                      </a:r>
+                      <a:endParaRPr lang="en-US" sz="1100" b="0" i="0" u="none" strike="noStrike">
+                        <a:solidFill>
+                          <a:srgbClr val="000000"/>
+                        </a:solidFill>
+                        <a:effectLst/>
+                        <a:latin typeface="Arial"/>
+                      </a:endParaRPr>
+                    </a:p>
+                  </a:txBody>
+                  <a:tcPr marL="9525" marR="9525" marT="9525" marB="0" anchor="b">
+                    <a:lnL w="12700" cap="flat" cmpd="sng" algn="ctr">
+                      <a:solidFill>
+                        <a:schemeClr val="tx1"/>
+                      </a:solidFill>
+                      <a:prstDash val="solid"/>
+                      <a:round/>
+                      <a:headEnd type="none" w="med" len="med"/>
+                      <a:tailEnd type="none" w="med" len="med"/>
+                    </a:lnL>
+                    <a:lnR w="12700" cap="flat" cmpd="sng" algn="ctr">
+                      <a:solidFill>
+                        <a:schemeClr val="tx1"/>
+                      </a:solidFill>
+                      <a:prstDash val="solid"/>
+                      <a:round/>
+                      <a:headEnd type="none" w="med" len="med"/>
+                      <a:tailEnd type="none" w="med" len="med"/>
+                    </a:lnR>
+                    <a:lnT w="12700" cap="flat" cmpd="sng" algn="ctr">
+                      <a:solidFill>
+                        <a:schemeClr val="tx1"/>
+                      </a:solidFill>
+                      <a:prstDash val="solid"/>
+                      <a:round/>
+                      <a:headEnd type="none" w="med" len="med"/>
+                      <a:tailEnd type="none" w="med" len="med"/>
+                    </a:lnT>
+                    <a:lnB w="12700" cap="flat" cmpd="sng" algn="ctr">
+                      <a:solidFill>
+                        <a:schemeClr val="tx1"/>
+                      </a:solidFill>
+                      <a:prstDash val="solid"/>
+                      <a:round/>
+                      <a:headEnd type="none" w="med" len="med"/>
+                      <a:tailEnd type="none" w="med" len="med"/>
+                    </a:lnB>
+                    <a:solidFill>
+                      <a:schemeClr val="bg1"/>
+                    </a:solidFill>
+                  </a:tcPr>
+                </a:tc>
+                <a:tc>
+                  <a:txBody>
+                    <a:bodyPr/>
+                    <a:lstStyle/>
+                    <a:p>
+                      <a:pPr algn="ctr" fontAlgn="b"/>
+                      <a:r>
+                        <a:rPr lang="en-US" sz="1100" u="none" strike="noStrike" dirty="0">
+                          <a:effectLst/>
+                        </a:rPr>
+                        <a:t>Lylian Blaud</a:t>
+                      </a:r>
+                      <a:endParaRPr lang="en-US" sz="1100" b="0" i="0" u="none" strike="noStrike" dirty="0">
+                        <a:solidFill>
+                          <a:srgbClr val="000000"/>
+                        </a:solidFill>
+                        <a:effectLst/>
+                        <a:latin typeface="Arial"/>
+                      </a:endParaRPr>
+                    </a:p>
+                  </a:txBody>
+                  <a:tcPr marL="9525" marR="9525" marT="9525" marB="0" anchor="b">
+                    <a:lnL w="12700" cap="flat" cmpd="sng" algn="ctr">
+                      <a:solidFill>
+                        <a:schemeClr val="tx1"/>
+                      </a:solidFill>
+                      <a:prstDash val="solid"/>
+                      <a:round/>
+                      <a:headEnd type="none" w="med" len="med"/>
+                      <a:tailEnd type="none" w="med" len="med"/>
+                    </a:lnL>
+                    <a:lnR w="12700" cap="flat" cmpd="sng" algn="ctr">
+                      <a:solidFill>
+                        <a:schemeClr val="tx1"/>
+                      </a:solidFill>
+                      <a:prstDash val="solid"/>
+                      <a:round/>
+                      <a:headEnd type="none" w="med" len="med"/>
+                      <a:tailEnd type="none" w="med" len="med"/>
+                    </a:lnR>
+                    <a:lnT w="12700" cap="flat" cmpd="sng" algn="ctr">
+                      <a:solidFill>
+                        <a:schemeClr val="tx1"/>
+                      </a:solidFill>
+                      <a:prstDash val="solid"/>
+                      <a:round/>
+                      <a:headEnd type="none" w="med" len="med"/>
+                      <a:tailEnd type="none" w="med" len="med"/>
+                    </a:lnT>
+                    <a:lnB w="12700" cap="flat" cmpd="sng" algn="ctr">
+                      <a:solidFill>
+                        <a:schemeClr val="tx1"/>
+                      </a:solidFill>
+                      <a:prstDash val="solid"/>
+                      <a:round/>
+                      <a:headEnd type="none" w="med" len="med"/>
+                      <a:tailEnd type="none" w="med" len="med"/>
+                    </a:lnB>
+                    <a:solidFill>
+                      <a:schemeClr val="bg1"/>
+                    </a:solidFill>
+                  </a:tcPr>
+                </a:tc>
+              </a:tr>
+            </a:tbl>
+          </a:graphicData>
+        </a:graphic>
+      </p:graphicFrame>
+      <p:graphicFrame>
+        <p:nvGraphicFramePr>
+          <p:cNvPr id="12" name="Table 11"/>
+          <p:cNvGraphicFramePr>
+            <a:graphicFrameLocks noGrp="1"/>
+          </p:cNvGraphicFramePr>
+          <p:nvPr>
+            <p:extLst>
+              <p:ext uri="{D42A27DB-BD31-4B8C-83A1-F6EECF244321}">
+                <p14:modId xmlns:p14="http://schemas.microsoft.com/office/powerpoint/2010/main" val="86366507"/>
+              </p:ext>
+            </p:extLst>
+          </p:nvPr>
+        </p:nvGraphicFramePr>
+        <p:xfrm>
+          <a:off x="6581838" y="3657600"/>
+          <a:ext cx="1981200" cy="581025"/>
+        </p:xfrm>
+        <a:graphic>
+          <a:graphicData uri="http://schemas.openxmlformats.org/drawingml/2006/table">
+            <a:tbl>
+              <a:tblPr>
+                <a:tableStyleId>{5C22544A-7EE6-4342-B048-85BDC9FD1C3A}</a:tableStyleId>
+              </a:tblPr>
+              <a:tblGrid>
+                <a:gridCol w="678058"/>
+                <a:gridCol w="1303142"/>
+              </a:tblGrid>
+              <a:tr h="190500">
+                <a:tc>
+                  <a:txBody>
+                    <a:bodyPr/>
+                    <a:lstStyle/>
+                    <a:p>
+                      <a:pPr algn="ctr" fontAlgn="b"/>
+                      <a:r>
+                        <a:rPr lang="en-US" sz="1100" b="1" u="none" strike="noStrike" dirty="0" err="1">
+                          <a:effectLst/>
+                        </a:rPr>
+                        <a:t>oid</a:t>
+                      </a:r>
+                      <a:endParaRPr lang="en-US" sz="1100" b="1" i="0" u="none" strike="noStrike" dirty="0">
+                        <a:solidFill>
+                          <a:srgbClr val="000000"/>
+                        </a:solidFill>
+                        <a:effectLst/>
+                        <a:latin typeface="Arial"/>
+                      </a:endParaRPr>
+                    </a:p>
+                  </a:txBody>
+                  <a:tcPr marL="9525" marR="9525" marT="9525" marB="0" anchor="b">
+                    <a:lnL w="12700" cap="flat" cmpd="sng" algn="ctr">
+                      <a:solidFill>
+                        <a:schemeClr val="tx1"/>
+                      </a:solidFill>
+                      <a:prstDash val="solid"/>
+                      <a:round/>
+                      <a:headEnd type="none" w="med" len="med"/>
+                      <a:tailEnd type="none" w="med" len="med"/>
+                    </a:lnL>
+                    <a:lnR w="12700" cap="flat" cmpd="sng" algn="ctr">
+                      <a:solidFill>
+                        <a:schemeClr val="tx1"/>
+                      </a:solidFill>
+                      <a:prstDash val="solid"/>
+                      <a:round/>
+                      <a:headEnd type="none" w="med" len="med"/>
+                      <a:tailEnd type="none" w="med" len="med"/>
+                    </a:lnR>
+                    <a:lnT w="12700" cap="flat" cmpd="sng" algn="ctr">
+                      <a:solidFill>
+                        <a:schemeClr val="tx1"/>
+                      </a:solidFill>
+                      <a:prstDash val="solid"/>
+                      <a:round/>
+                      <a:headEnd type="none" w="med" len="med"/>
+                      <a:tailEnd type="none" w="med" len="med"/>
+                    </a:lnT>
+                    <a:lnB w="12700" cap="flat" cmpd="sng" algn="ctr">
+                      <a:solidFill>
+                        <a:schemeClr val="tx1"/>
+                      </a:solidFill>
+                      <a:prstDash val="solid"/>
+                      <a:round/>
+                      <a:headEnd type="none" w="med" len="med"/>
+                      <a:tailEnd type="none" w="med" len="med"/>
+                    </a:lnB>
+                    <a:solidFill>
+                      <a:schemeClr val="bg1"/>
+                    </a:solidFill>
+                  </a:tcPr>
+                </a:tc>
+                <a:tc>
+                  <a:txBody>
+                    <a:bodyPr/>
+                    <a:lstStyle/>
+                    <a:p>
+                      <a:pPr algn="ctr" fontAlgn="b"/>
+                      <a:r>
+                        <a:rPr lang="en-US" sz="1100" b="1" u="none" strike="noStrike" dirty="0">
+                          <a:effectLst/>
+                        </a:rPr>
+                        <a:t>Contain</a:t>
+                      </a:r>
+                      <a:endParaRPr lang="en-US" sz="1100" b="1" i="0" u="none" strike="noStrike" dirty="0">
+                        <a:solidFill>
+                          <a:srgbClr val="000000"/>
+                        </a:solidFill>
+                        <a:effectLst/>
+                        <a:latin typeface="Arial"/>
+                      </a:endParaRPr>
+                    </a:p>
+                  </a:txBody>
+                  <a:tcPr marL="9525" marR="9525" marT="9525" marB="0" anchor="b">
+                    <a:lnL w="12700" cap="flat" cmpd="sng" algn="ctr">
+                      <a:solidFill>
+                        <a:schemeClr val="tx1"/>
+                      </a:solidFill>
+                      <a:prstDash val="solid"/>
+                      <a:round/>
+                      <a:headEnd type="none" w="med" len="med"/>
+                      <a:tailEnd type="none" w="med" len="med"/>
+                    </a:lnL>
+                    <a:lnR w="12700" cap="flat" cmpd="sng" algn="ctr">
+                      <a:solidFill>
+                        <a:schemeClr val="tx1"/>
+                      </a:solidFill>
+                      <a:prstDash val="solid"/>
+                      <a:round/>
+                      <a:headEnd type="none" w="med" len="med"/>
+                      <a:tailEnd type="none" w="med" len="med"/>
+                    </a:lnR>
+                    <a:lnT w="12700" cap="flat" cmpd="sng" algn="ctr">
+                      <a:solidFill>
+                        <a:schemeClr val="tx1"/>
+                      </a:solidFill>
+                      <a:prstDash val="solid"/>
+                      <a:round/>
+                      <a:headEnd type="none" w="med" len="med"/>
+                      <a:tailEnd type="none" w="med" len="med"/>
+                    </a:lnT>
+                    <a:lnB w="12700" cap="flat" cmpd="sng" algn="ctr">
+                      <a:solidFill>
+                        <a:schemeClr val="tx1"/>
+                      </a:solidFill>
+                      <a:prstDash val="solid"/>
+                      <a:round/>
+                      <a:headEnd type="none" w="med" len="med"/>
+                      <a:tailEnd type="none" w="med" len="med"/>
+                    </a:lnB>
+                    <a:solidFill>
+                      <a:schemeClr val="bg1"/>
+                    </a:solidFill>
+                  </a:tcPr>
+                </a:tc>
+              </a:tr>
+              <a:tr h="190500">
+                <a:tc>
+                  <a:txBody>
+                    <a:bodyPr/>
+                    <a:lstStyle/>
+                    <a:p>
+                      <a:pPr algn="ctr" fontAlgn="b"/>
+                      <a:r>
+                        <a:rPr lang="en-US" sz="1100" u="none" strike="noStrike">
+                          <a:effectLst/>
+                        </a:rPr>
+                        <a:t>101</a:t>
+                      </a:r>
+                      <a:endParaRPr lang="en-US" sz="1100" b="0" i="0" u="none" strike="noStrike">
+                        <a:solidFill>
+                          <a:srgbClr val="000000"/>
+                        </a:solidFill>
+                        <a:effectLst/>
+                        <a:latin typeface="Arial"/>
+                      </a:endParaRPr>
+                    </a:p>
+                  </a:txBody>
+                  <a:tcPr marL="9525" marR="9525" marT="9525" marB="0" anchor="b">
+                    <a:lnL w="12700" cap="flat" cmpd="sng" algn="ctr">
+                      <a:solidFill>
+                        <a:schemeClr val="tx1"/>
+                      </a:solidFill>
+                      <a:prstDash val="solid"/>
+                      <a:round/>
+                      <a:headEnd type="none" w="med" len="med"/>
+                      <a:tailEnd type="none" w="med" len="med"/>
+                    </a:lnL>
+                    <a:lnR w="12700" cap="flat" cmpd="sng" algn="ctr">
+                      <a:solidFill>
+                        <a:schemeClr val="tx1"/>
+                      </a:solidFill>
+                      <a:prstDash val="solid"/>
+                      <a:round/>
+                      <a:headEnd type="none" w="med" len="med"/>
+                      <a:tailEnd type="none" w="med" len="med"/>
+                    </a:lnR>
+                    <a:lnT w="12700" cap="flat" cmpd="sng" algn="ctr">
+                      <a:solidFill>
+                        <a:schemeClr val="tx1"/>
+                      </a:solidFill>
+                      <a:prstDash val="solid"/>
+                      <a:round/>
+                      <a:headEnd type="none" w="med" len="med"/>
+                      <a:tailEnd type="none" w="med" len="med"/>
+                    </a:lnT>
+                    <a:lnB w="12700" cap="flat" cmpd="sng" algn="ctr">
+                      <a:solidFill>
+                        <a:schemeClr val="tx1"/>
+                      </a:solidFill>
+                      <a:prstDash val="solid"/>
+                      <a:round/>
+                      <a:headEnd type="none" w="med" len="med"/>
+                      <a:tailEnd type="none" w="med" len="med"/>
+                    </a:lnB>
+                    <a:solidFill>
+                      <a:schemeClr val="bg1"/>
+                    </a:solidFill>
+                  </a:tcPr>
+                </a:tc>
+                <a:tc>
+                  <a:txBody>
+                    <a:bodyPr/>
+                    <a:lstStyle/>
+                    <a:p>
+                      <a:pPr algn="ctr" fontAlgn="b"/>
+                      <a:r>
+                        <a:rPr lang="en-US" sz="1100" u="none" strike="noStrike" dirty="0">
+                          <a:effectLst/>
+                        </a:rPr>
+                        <a:t>"Hello!"</a:t>
+                      </a:r>
+                      <a:endParaRPr lang="en-US" sz="1100" b="0" i="0" u="none" strike="noStrike" dirty="0">
+                        <a:solidFill>
+                          <a:srgbClr val="000000"/>
+                        </a:solidFill>
+                        <a:effectLst/>
+                        <a:latin typeface="Calibri"/>
+                      </a:endParaRPr>
+                    </a:p>
+                  </a:txBody>
+                  <a:tcPr marL="9525" marR="9525" marT="9525" marB="0" anchor="b">
+                    <a:lnL w="12700" cap="flat" cmpd="sng" algn="ctr">
+                      <a:solidFill>
+                        <a:schemeClr val="tx1"/>
+                      </a:solidFill>
+                      <a:prstDash val="solid"/>
+                      <a:round/>
+                      <a:headEnd type="none" w="med" len="med"/>
+                      <a:tailEnd type="none" w="med" len="med"/>
+                    </a:lnL>
+                    <a:lnR w="12700" cap="flat" cmpd="sng" algn="ctr">
+                      <a:solidFill>
+                        <a:schemeClr val="tx1"/>
+                      </a:solidFill>
+                      <a:prstDash val="solid"/>
+                      <a:round/>
+                      <a:headEnd type="none" w="med" len="med"/>
+                      <a:tailEnd type="none" w="med" len="med"/>
+                    </a:lnR>
+                    <a:lnT w="12700" cap="flat" cmpd="sng" algn="ctr">
+                      <a:solidFill>
+                        <a:schemeClr val="tx1"/>
+                      </a:solidFill>
+                      <a:prstDash val="solid"/>
+                      <a:round/>
+                      <a:headEnd type="none" w="med" len="med"/>
+                      <a:tailEnd type="none" w="med" len="med"/>
+                    </a:lnT>
+                    <a:lnB w="12700" cap="flat" cmpd="sng" algn="ctr">
+                      <a:solidFill>
+                        <a:schemeClr val="tx1"/>
+                      </a:solidFill>
+                      <a:prstDash val="solid"/>
+                      <a:round/>
+                      <a:headEnd type="none" w="med" len="med"/>
+                      <a:tailEnd type="none" w="med" len="med"/>
+                    </a:lnB>
+                    <a:solidFill>
+                      <a:schemeClr val="bg1"/>
+                    </a:solidFill>
+                  </a:tcPr>
+                </a:tc>
+              </a:tr>
+              <a:tr h="200025">
+                <a:tc>
+                  <a:txBody>
+                    <a:bodyPr/>
+                    <a:lstStyle/>
+                    <a:p>
+                      <a:pPr algn="ctr" fontAlgn="b"/>
+                      <a:r>
+                        <a:rPr lang="en-US" sz="1100" u="none" strike="noStrike">
+                          <a:effectLst/>
+                        </a:rPr>
+                        <a:t>102</a:t>
+                      </a:r>
+                      <a:endParaRPr lang="en-US" sz="1100" b="0" i="0" u="none" strike="noStrike">
+                        <a:solidFill>
+                          <a:srgbClr val="000000"/>
+                        </a:solidFill>
+                        <a:effectLst/>
+                        <a:latin typeface="Arial"/>
+                      </a:endParaRPr>
+                    </a:p>
+                  </a:txBody>
+                  <a:tcPr marL="9525" marR="9525" marT="9525" marB="0" anchor="b">
+                    <a:lnL w="12700" cap="flat" cmpd="sng" algn="ctr">
+                      <a:solidFill>
+                        <a:schemeClr val="tx1"/>
+                      </a:solidFill>
+                      <a:prstDash val="solid"/>
+                      <a:round/>
+                      <a:headEnd type="none" w="med" len="med"/>
+                      <a:tailEnd type="none" w="med" len="med"/>
+                    </a:lnL>
+                    <a:lnR w="12700" cap="flat" cmpd="sng" algn="ctr">
+                      <a:solidFill>
+                        <a:schemeClr val="tx1"/>
+                      </a:solidFill>
+                      <a:prstDash val="solid"/>
+                      <a:round/>
+                      <a:headEnd type="none" w="med" len="med"/>
+                      <a:tailEnd type="none" w="med" len="med"/>
+                    </a:lnR>
+                    <a:lnT w="12700" cap="flat" cmpd="sng" algn="ctr">
+                      <a:solidFill>
+                        <a:schemeClr val="tx1"/>
+                      </a:solidFill>
+                      <a:prstDash val="solid"/>
+                      <a:round/>
+                      <a:headEnd type="none" w="med" len="med"/>
+                      <a:tailEnd type="none" w="med" len="med"/>
+                    </a:lnT>
+                    <a:lnB w="12700" cap="flat" cmpd="sng" algn="ctr">
+                      <a:solidFill>
+                        <a:schemeClr val="tx1"/>
+                      </a:solidFill>
+                      <a:prstDash val="solid"/>
+                      <a:round/>
+                      <a:headEnd type="none" w="med" len="med"/>
+                      <a:tailEnd type="none" w="med" len="med"/>
+                    </a:lnB>
+                    <a:solidFill>
+                      <a:schemeClr val="bg1"/>
+                    </a:solidFill>
+                  </a:tcPr>
+                </a:tc>
+                <a:tc>
+                  <a:txBody>
+                    <a:bodyPr/>
+                    <a:lstStyle/>
+                    <a:p>
+                      <a:pPr algn="ctr" fontAlgn="ctr"/>
+                      <a:r>
+                        <a:rPr lang="en-US" sz="1100" u="none" strike="noStrike" dirty="0">
+                          <a:effectLst/>
+                        </a:rPr>
+                        <a:t>“Row-Oriented?”</a:t>
+                      </a:r>
+                      <a:endParaRPr lang="en-US" sz="1100" b="0" i="0" u="none" strike="noStrike" dirty="0">
+                        <a:solidFill>
+                          <a:srgbClr val="000000"/>
+                        </a:solidFill>
+                        <a:effectLst/>
+                        <a:latin typeface="Arial"/>
+                      </a:endParaRPr>
+                    </a:p>
+                  </a:txBody>
+                  <a:tcPr marL="9525" marR="9525" marT="9525" marB="0" anchor="ctr">
+                    <a:lnL w="12700" cap="flat" cmpd="sng" algn="ctr">
+                      <a:solidFill>
+                        <a:schemeClr val="tx1"/>
+                      </a:solidFill>
+                      <a:prstDash val="solid"/>
+                      <a:round/>
+                      <a:headEnd type="none" w="med" len="med"/>
+                      <a:tailEnd type="none" w="med" len="med"/>
+                    </a:lnL>
+                    <a:lnR w="12700" cap="flat" cmpd="sng" algn="ctr">
+                      <a:solidFill>
+                        <a:schemeClr val="tx1"/>
+                      </a:solidFill>
+                      <a:prstDash val="solid"/>
+                      <a:round/>
+                      <a:headEnd type="none" w="med" len="med"/>
+                      <a:tailEnd type="none" w="med" len="med"/>
+                    </a:lnR>
+                    <a:lnT w="12700" cap="flat" cmpd="sng" algn="ctr">
+                      <a:solidFill>
+                        <a:schemeClr val="tx1"/>
+                      </a:solidFill>
+                      <a:prstDash val="solid"/>
+                      <a:round/>
+                      <a:headEnd type="none" w="med" len="med"/>
+                      <a:tailEnd type="none" w="med" len="med"/>
+                    </a:lnT>
+                    <a:lnB w="12700" cap="flat" cmpd="sng" algn="ctr">
+                      <a:solidFill>
+                        <a:schemeClr val="tx1"/>
+                      </a:solidFill>
+                      <a:prstDash val="solid"/>
+                      <a:round/>
+                      <a:headEnd type="none" w="med" len="med"/>
+                      <a:tailEnd type="none" w="med" len="med"/>
+                    </a:lnB>
+                    <a:solidFill>
+                      <a:schemeClr val="bg1"/>
+                    </a:solidFill>
+                  </a:tcPr>
+                </a:tc>
+              </a:tr>
+            </a:tbl>
+          </a:graphicData>
+        </a:graphic>
+      </p:graphicFrame>
+      <p:sp>
+        <p:nvSpPr>
+          <p:cNvPr id="13" name="TextBox 12"/>
+          <p:cNvSpPr txBox="1"/>
+          <p:nvPr/>
+        </p:nvSpPr>
+        <p:spPr>
+          <a:xfrm>
+            <a:off x="5438838" y="3810000"/>
+            <a:ext cx="533400" cy="381000"/>
+          </a:xfrm>
+          <a:prstGeom prst="rect">
+            <a:avLst/>
+          </a:prstGeom>
+          <a:noFill/>
+        </p:spPr>
+        <p:txBody>
+          <a:bodyPr wrap="square" rtlCol="0">
+            <a:spAutoFit/>
+          </a:bodyPr>
+          <a:lstStyle/>
+          <a:p>
+            <a:r>
+              <a:rPr lang="en-US" dirty="0" smtClean="0"/>
+              <a:t>…</a:t>
+            </a:r>
+            <a:endParaRPr lang="en-US" dirty="0"/>
+          </a:p>
+        </p:txBody>
+      </p:sp>
+      <p:cxnSp>
+        <p:nvCxnSpPr>
+          <p:cNvPr id="15" name="Elbow Connector 14"/>
+          <p:cNvCxnSpPr>
+            <a:endCxn id="5" idx="0"/>
+          </p:cNvCxnSpPr>
+          <p:nvPr/>
+        </p:nvCxnSpPr>
+        <p:spPr>
+          <a:xfrm rot="5400000">
+            <a:off x="1133538" y="3086100"/>
+            <a:ext cx="762000" cy="381000"/>
+          </a:xfrm>
+          <a:prstGeom prst="bentConnector3">
+            <a:avLst/>
+          </a:prstGeom>
+          <a:ln>
+            <a:tailEnd type="arrow"/>
+          </a:ln>
+        </p:spPr>
+        <p:style>
+          <a:lnRef idx="1">
+            <a:schemeClr val="dk1"/>
+          </a:lnRef>
+          <a:fillRef idx="0">
+            <a:schemeClr val="dk1"/>
+          </a:fillRef>
+          <a:effectRef idx="0">
+            <a:schemeClr val="dk1"/>
+          </a:effectRef>
+          <a:fontRef idx="minor">
+            <a:schemeClr val="tx1"/>
+          </a:fontRef>
+        </p:style>
+      </p:cxnSp>
+      <p:cxnSp>
+        <p:nvCxnSpPr>
+          <p:cNvPr id="18" name="Elbow Connector 17"/>
+          <p:cNvCxnSpPr>
+            <a:endCxn id="10" idx="0"/>
+          </p:cNvCxnSpPr>
+          <p:nvPr/>
+        </p:nvCxnSpPr>
+        <p:spPr>
+          <a:xfrm rot="16200000" flipH="1">
+            <a:off x="2943289" y="3028951"/>
+            <a:ext cx="762000" cy="495298"/>
+          </a:xfrm>
+          <a:prstGeom prst="bentConnector3">
+            <a:avLst>
+              <a:gd name="adj1" fmla="val 50000"/>
+            </a:avLst>
+          </a:prstGeom>
+          <a:ln>
+            <a:tailEnd type="arrow"/>
+          </a:ln>
+        </p:spPr>
+        <p:style>
+          <a:lnRef idx="1">
+            <a:schemeClr val="dk1"/>
+          </a:lnRef>
+          <a:fillRef idx="0">
+            <a:schemeClr val="dk1"/>
+          </a:fillRef>
+          <a:effectRef idx="0">
+            <a:schemeClr val="dk1"/>
+          </a:effectRef>
+          <a:fontRef idx="minor">
+            <a:schemeClr val="tx1"/>
+          </a:fontRef>
+        </p:style>
+      </p:cxnSp>
+      <p:cxnSp>
+        <p:nvCxnSpPr>
+          <p:cNvPr id="29" name="Elbow Connector 28"/>
+          <p:cNvCxnSpPr/>
+          <p:nvPr/>
+        </p:nvCxnSpPr>
+        <p:spPr>
+          <a:xfrm rot="16200000" flipH="1">
+            <a:off x="6600887" y="2971799"/>
+            <a:ext cx="762000" cy="495298"/>
+          </a:xfrm>
+          <a:prstGeom prst="bentConnector3">
+            <a:avLst>
+              <a:gd name="adj1" fmla="val 50000"/>
+            </a:avLst>
+          </a:prstGeom>
+          <a:ln>
+            <a:tailEnd type="arrow"/>
+          </a:ln>
+        </p:spPr>
+        <p:style>
+          <a:lnRef idx="1">
+            <a:schemeClr val="dk1"/>
+          </a:lnRef>
+          <a:fillRef idx="0">
+            <a:schemeClr val="dk1"/>
+          </a:fillRef>
+          <a:effectRef idx="0">
+            <a:schemeClr val="dk1"/>
+          </a:effectRef>
+          <a:fontRef idx="minor">
+            <a:schemeClr val="tx1"/>
+          </a:fontRef>
+        </p:style>
+      </p:cxnSp>
+      <p:sp>
+        <p:nvSpPr>
+          <p:cNvPr id="30" name="TextBox 29"/>
+          <p:cNvSpPr txBox="1"/>
+          <p:nvPr/>
+        </p:nvSpPr>
+        <p:spPr>
+          <a:xfrm>
+            <a:off x="1219200" y="5181600"/>
+            <a:ext cx="6675287" cy="400110"/>
+          </a:xfrm>
+          <a:prstGeom prst="rect">
+            <a:avLst/>
+          </a:prstGeom>
+          <a:noFill/>
+        </p:spPr>
+        <p:txBody>
+          <a:bodyPr wrap="square" rtlCol="0">
+            <a:spAutoFit/>
+          </a:bodyPr>
+          <a:lstStyle/>
+          <a:p>
+            <a:r>
+              <a:rPr lang="en-US" sz="2000" dirty="0">
+                <a:solidFill>
+                  <a:schemeClr val="tx2"/>
+                </a:solidFill>
+                <a:latin typeface="Arial" pitchFamily="34" charset="0"/>
+                <a:cs typeface="Arial" pitchFamily="34" charset="0"/>
+              </a:rPr>
+              <a:t>High performance in </a:t>
+            </a:r>
+            <a:r>
+              <a:rPr lang="en-US" sz="2000" dirty="0" smtClean="0">
+                <a:solidFill>
+                  <a:schemeClr val="tx2"/>
+                </a:solidFill>
+                <a:latin typeface="Arial" pitchFamily="34" charset="0"/>
+                <a:cs typeface="Arial" pitchFamily="34" charset="0"/>
+              </a:rPr>
+              <a:t>Online Analytical Processing </a:t>
+            </a:r>
+            <a:r>
+              <a:rPr lang="en-US" sz="2000" dirty="0">
+                <a:solidFill>
+                  <a:schemeClr val="tx2"/>
+                </a:solidFill>
+                <a:latin typeface="Arial" pitchFamily="34" charset="0"/>
+                <a:cs typeface="Arial" pitchFamily="34" charset="0"/>
+              </a:rPr>
+              <a:t>(OLAP)</a:t>
+            </a:r>
+          </a:p>
+        </p:txBody>
+      </p:sp>
+      <p:pic>
+        <p:nvPicPr>
+          <p:cNvPr id="31" name="Picture 11" descr="C:\Users\user\Desktop\download.png"/>
+          <p:cNvPicPr>
+            <a:picLocks noChangeAspect="1" noChangeArrowheads="1"/>
+          </p:cNvPicPr>
+          <p:nvPr/>
+        </p:nvPicPr>
+        <p:blipFill>
+          <a:blip r:embed="rId2">
+            <a:extLst>
+              <a:ext uri="{28A0092B-C50C-407E-A947-70E740481C1C}">
+                <a14:useLocalDpi xmlns:a14="http://schemas.microsoft.com/office/drawing/2010/main" val="0"/>
+              </a:ext>
+            </a:extLst>
+          </a:blip>
+          <a:srcRect/>
+          <a:stretch>
+            <a:fillRect/>
+          </a:stretch>
+        </p:blipFill>
+        <p:spPr bwMode="auto">
+          <a:xfrm>
+            <a:off x="495363" y="391477"/>
+            <a:ext cx="904875" cy="904875"/>
+          </a:xfrm>
+          <a:prstGeom prst="rect">
+            <a:avLst/>
+          </a:prstGeom>
+          <a:noFill/>
+          <a:extLst>
+            <a:ext uri="{909E8E84-426E-40DD-AFC4-6F175D3DCCD1}">
+              <a14:hiddenFill xmlns:a14="http://schemas.microsoft.com/office/drawing/2010/main">
+                <a:solidFill>
+                  <a:srgbClr val="FFFFFF"/>
+                </a:solidFill>
+              </a14:hiddenFill>
+            </a:ext>
+          </a:extLst>
+        </p:spPr>
+      </p:pic>
+    </p:spTree>
+    <p:extLst>
+      <p:ext uri="{BB962C8B-B14F-4D97-AF65-F5344CB8AC3E}">
+        <p14:creationId xmlns:p14="http://schemas.microsoft.com/office/powerpoint/2010/main" val="48295883"/>
+      </p:ext>
+    </p:extLst>
+  </p:cSld>
+  <p:clrMapOvr>
+    <a:masterClrMapping/>
+  </p:clrMapOvr>
+  <p:timing>
+    <p:tnLst>
+      <p:par>
+        <p:cTn id="1" dur="indefinite" restart="never" nodeType="tmRoot"/>
+      </p:par>
+    </p:tnLst>
+  </p:timing>
+</p:sld>
+</file>
+
+<file path=ppt/slides/slide16.xml><?xml version="1.0" encoding="utf-8"?>
+<p:sld xmlns:a="http://schemas.openxmlformats.org/drawingml/2006/main" xmlns:r="http://schemas.openxmlformats.org/officeDocument/2006/relationships" xmlns:p="http://schemas.openxmlformats.org/presentationml/2006/main">
+  <p:cSld>
+    <p:spTree>
+      <p:nvGrpSpPr>
+        <p:cNvPr id="1" name=""/>
+        <p:cNvGrpSpPr/>
+        <p:nvPr/>
+      </p:nvGrpSpPr>
+      <p:grpSpPr>
+        <a:xfrm>
+          <a:off x="0" y="0"/>
+          <a:ext cx="0" cy="0"/>
+          <a:chOff x="0" y="0"/>
+          <a:chExt cx="0" cy="0"/>
+        </a:xfrm>
+      </p:grpSpPr>
+      <p:sp>
+        <p:nvSpPr>
+          <p:cNvPr id="2" name="Title 1"/>
+          <p:cNvSpPr>
+            <a:spLocks noGrp="1"/>
+          </p:cNvSpPr>
+          <p:nvPr>
+            <p:ph type="title"/>
+          </p:nvPr>
+        </p:nvSpPr>
+        <p:spPr>
+          <a:xfrm>
+            <a:off x="4495800" y="0"/>
+            <a:ext cx="3810000" cy="494264"/>
+          </a:xfrm>
+        </p:spPr>
+        <p:txBody>
+          <a:bodyPr>
+            <a:noAutofit/>
+          </a:bodyPr>
+          <a:lstStyle/>
+          <a:p>
+            <a:pPr algn="ctr"/>
+            <a:r>
+              <a:rPr lang="en-US" sz="2200" dirty="0" smtClean="0">
+                <a:solidFill>
+                  <a:schemeClr val="bg1"/>
+                </a:solidFill>
+              </a:rPr>
+              <a:t>Column-Oriented DBMS</a:t>
+            </a:r>
+            <a:endParaRPr lang="en-US" sz="2200" dirty="0">
+              <a:solidFill>
+                <a:schemeClr val="bg1"/>
+              </a:solidFill>
+            </a:endParaRPr>
+          </a:p>
+        </p:txBody>
+      </p:sp>
+      <p:sp>
+        <p:nvSpPr>
+          <p:cNvPr id="3" name="Content Placeholder 2"/>
+          <p:cNvSpPr>
+            <a:spLocks noGrp="1"/>
+          </p:cNvSpPr>
+          <p:nvPr>
+            <p:ph idx="1"/>
+          </p:nvPr>
+        </p:nvSpPr>
+        <p:spPr>
+          <a:xfrm>
             <a:off x="1043492" y="914400"/>
             <a:ext cx="6777317" cy="5486400"/>
           </a:xfrm>
@@ -19980,7 +22820,7 @@
 </p:sld>
 </file>
 
-<file path=ppt/slides/slide16.xml><?xml version="1.0" encoding="utf-8"?>
+<file path=ppt/slides/slide17.xml><?xml version="1.0" encoding="utf-8"?>
 <p:sld xmlns:a="http://schemas.openxmlformats.org/drawingml/2006/main" xmlns:r="http://schemas.openxmlformats.org/officeDocument/2006/relationships" xmlns:p="http://schemas.openxmlformats.org/presentationml/2006/main">
   <p:cSld>
     <p:spTree>
@@ -20181,7 +23021,7 @@
 </p:sld>
 </file>
 
-<file path=ppt/slides/slide17.xml><?xml version="1.0" encoding="utf-8"?>
+<file path=ppt/slides/slide18.xml><?xml version="1.0" encoding="utf-8"?>
 <p:sld xmlns:a="http://schemas.openxmlformats.org/drawingml/2006/main" xmlns:r="http://schemas.openxmlformats.org/officeDocument/2006/relationships" xmlns:p="http://schemas.openxmlformats.org/presentationml/2006/main">
   <p:cSld>
     <p:spTree>
@@ -20448,7 +23288,7 @@
 </p:sld>
 </file>
 
-<file path=ppt/slides/slide18.xml><?xml version="1.0" encoding="utf-8"?>
+<file path=ppt/slides/slide19.xml><?xml version="1.0" encoding="utf-8"?>
 <p:sld xmlns:a="http://schemas.openxmlformats.org/drawingml/2006/main" xmlns:r="http://schemas.openxmlformats.org/officeDocument/2006/relationships" xmlns:p="http://schemas.openxmlformats.org/presentationml/2006/main">
   <p:cSld>
     <p:spTree>
@@ -20913,7 +23753,228 @@
 </p:sld>
 </file>
 
-<file path=ppt/slides/slide19.xml><?xml version="1.0" encoding="utf-8"?>
+<file path=ppt/slides/slide2.xml><?xml version="1.0" encoding="utf-8"?>
+<p:sld xmlns:a="http://schemas.openxmlformats.org/drawingml/2006/main" xmlns:r="http://schemas.openxmlformats.org/officeDocument/2006/relationships" xmlns:p="http://schemas.openxmlformats.org/presentationml/2006/main">
+  <p:cSld>
+    <p:spTree>
+      <p:nvGrpSpPr>
+        <p:cNvPr id="1" name=""/>
+        <p:cNvGrpSpPr/>
+        <p:nvPr/>
+      </p:nvGrpSpPr>
+      <p:grpSpPr>
+        <a:xfrm>
+          <a:off x="0" y="0"/>
+          <a:ext cx="0" cy="0"/>
+          <a:chOff x="0" y="0"/>
+          <a:chExt cx="0" cy="0"/>
+        </a:xfrm>
+      </p:grpSpPr>
+      <p:sp>
+        <p:nvSpPr>
+          <p:cNvPr id="2" name="Title 1"/>
+          <p:cNvSpPr>
+            <a:spLocks noGrp="1"/>
+          </p:cNvSpPr>
+          <p:nvPr>
+            <p:ph type="title"/>
+          </p:nvPr>
+        </p:nvSpPr>
+        <p:spPr>
+          <a:xfrm>
+            <a:off x="4800600" y="0"/>
+            <a:ext cx="3124200" cy="494264"/>
+          </a:xfrm>
+        </p:spPr>
+        <p:txBody>
+          <a:bodyPr>
+            <a:noAutofit/>
+          </a:bodyPr>
+          <a:lstStyle/>
+          <a:p>
+            <a:pPr algn="ctr"/>
+            <a:r>
+              <a:rPr lang="en-US" sz="2800" dirty="0" smtClean="0">
+                <a:solidFill>
+                  <a:schemeClr val="bg1"/>
+                </a:solidFill>
+              </a:rPr>
+              <a:t>Summary</a:t>
+            </a:r>
+            <a:endParaRPr lang="en-US" sz="2800" dirty="0">
+              <a:solidFill>
+                <a:schemeClr val="bg1"/>
+              </a:solidFill>
+            </a:endParaRPr>
+          </a:p>
+        </p:txBody>
+      </p:sp>
+      <p:sp>
+        <p:nvSpPr>
+          <p:cNvPr id="3" name="Content Placeholder 2"/>
+          <p:cNvSpPr>
+            <a:spLocks noGrp="1"/>
+          </p:cNvSpPr>
+          <p:nvPr>
+            <p:ph idx="1"/>
+          </p:nvPr>
+        </p:nvSpPr>
+        <p:spPr>
+          <a:xfrm>
+            <a:off x="990600" y="990600"/>
+            <a:ext cx="6777317" cy="4918229"/>
+          </a:xfrm>
+        </p:spPr>
+        <p:txBody>
+          <a:bodyPr>
+            <a:normAutofit fontScale="25000" lnSpcReduction="20000"/>
+          </a:bodyPr>
+          <a:lstStyle/>
+          <a:p>
+            <a:r>
+              <a:rPr lang="en-US" sz="9600" dirty="0" smtClean="0">
+                <a:latin typeface="Arial" pitchFamily="34" charset="0"/>
+                <a:cs typeface="Arial" pitchFamily="34" charset="0"/>
+              </a:rPr>
+              <a:t>Big Data </a:t>
+            </a:r>
+          </a:p>
+          <a:p>
+            <a:endParaRPr lang="en-US" sz="9600" dirty="0">
+              <a:latin typeface="Arial" pitchFamily="34" charset="0"/>
+              <a:cs typeface="Arial" pitchFamily="34" charset="0"/>
+            </a:endParaRPr>
+          </a:p>
+          <a:p>
+            <a:r>
+              <a:rPr lang="en-US" sz="9600" dirty="0" smtClean="0">
+                <a:latin typeface="Arial" pitchFamily="34" charset="0"/>
+                <a:cs typeface="Arial" pitchFamily="34" charset="0"/>
+              </a:rPr>
+              <a:t>e-Learning </a:t>
+            </a:r>
+            <a:r>
+              <a:rPr lang="en-US" sz="9600" dirty="0">
+                <a:latin typeface="Arial" pitchFamily="34" charset="0"/>
+                <a:cs typeface="Arial" pitchFamily="34" charset="0"/>
+              </a:rPr>
+              <a:t>P</a:t>
+            </a:r>
+            <a:r>
+              <a:rPr lang="en-US" sz="9600" dirty="0" smtClean="0">
+                <a:latin typeface="Arial" pitchFamily="34" charset="0"/>
+                <a:cs typeface="Arial" pitchFamily="34" charset="0"/>
+              </a:rPr>
+              <a:t>latform</a:t>
+            </a:r>
+          </a:p>
+          <a:p>
+            <a:endParaRPr lang="en-US" sz="9600" dirty="0">
+              <a:latin typeface="Arial" pitchFamily="34" charset="0"/>
+              <a:cs typeface="Arial" pitchFamily="34" charset="0"/>
+            </a:endParaRPr>
+          </a:p>
+          <a:p>
+            <a:r>
+              <a:rPr lang="en-US" sz="9600" dirty="0" smtClean="0">
+                <a:latin typeface="Arial" pitchFamily="34" charset="0"/>
+                <a:cs typeface="Arial" pitchFamily="34" charset="0"/>
+              </a:rPr>
+              <a:t>Row-Oriented DBMS</a:t>
+            </a:r>
+          </a:p>
+          <a:p>
+            <a:endParaRPr lang="en-US" sz="9600" dirty="0">
+              <a:latin typeface="Arial" pitchFamily="34" charset="0"/>
+              <a:cs typeface="Arial" pitchFamily="34" charset="0"/>
+            </a:endParaRPr>
+          </a:p>
+          <a:p>
+            <a:r>
+              <a:rPr lang="en-US" sz="9600" dirty="0" smtClean="0">
+                <a:latin typeface="Arial" pitchFamily="34" charset="0"/>
+                <a:cs typeface="Arial" pitchFamily="34" charset="0"/>
+              </a:rPr>
+              <a:t>Column-Oriented DBMS</a:t>
+            </a:r>
+          </a:p>
+          <a:p>
+            <a:pPr marL="68580" indent="0">
+              <a:buNone/>
+            </a:pPr>
+            <a:endParaRPr lang="en-US" sz="9600" dirty="0">
+              <a:latin typeface="Arial" pitchFamily="34" charset="0"/>
+              <a:cs typeface="Arial" pitchFamily="34" charset="0"/>
+            </a:endParaRPr>
+          </a:p>
+          <a:p>
+            <a:r>
+              <a:rPr lang="en-US" sz="9600" dirty="0" smtClean="0">
+                <a:latin typeface="Arial" pitchFamily="34" charset="0"/>
+                <a:cs typeface="Arial" pitchFamily="34" charset="0"/>
+              </a:rPr>
+              <a:t>Optimized Performance</a:t>
+            </a:r>
+          </a:p>
+          <a:p>
+            <a:endParaRPr lang="en-US" sz="9600" dirty="0">
+              <a:latin typeface="Arial" pitchFamily="34" charset="0"/>
+              <a:cs typeface="Arial" pitchFamily="34" charset="0"/>
+            </a:endParaRPr>
+          </a:p>
+          <a:p>
+            <a:r>
+              <a:rPr lang="en-US" sz="9600" dirty="0" smtClean="0">
+                <a:latin typeface="Arial" pitchFamily="34" charset="0"/>
+                <a:cs typeface="Arial" pitchFamily="34" charset="0"/>
+              </a:rPr>
+              <a:t>Performance Comparisons between MonetDB and MySQL</a:t>
+            </a:r>
+          </a:p>
+          <a:p>
+            <a:endParaRPr lang="en-US" sz="9600" dirty="0" smtClean="0">
+              <a:latin typeface="Arial" pitchFamily="34" charset="0"/>
+              <a:cs typeface="Arial" pitchFamily="34" charset="0"/>
+            </a:endParaRPr>
+          </a:p>
+          <a:p>
+            <a:r>
+              <a:rPr lang="en-US" sz="9600" dirty="0" smtClean="0">
+                <a:latin typeface="Arial" pitchFamily="34" charset="0"/>
+                <a:cs typeface="Arial" pitchFamily="34" charset="0"/>
+              </a:rPr>
+              <a:t>Future Work</a:t>
+            </a:r>
+          </a:p>
+          <a:p>
+            <a:pPr marL="68580" indent="0">
+              <a:buNone/>
+            </a:pPr>
+            <a:endParaRPr lang="en-US" dirty="0"/>
+          </a:p>
+        </p:txBody>
+      </p:sp>
+    </p:spTree>
+    <p:extLst>
+      <p:ext uri="{BB962C8B-B14F-4D97-AF65-F5344CB8AC3E}">
+        <p14:creationId xmlns:p14="http://schemas.microsoft.com/office/powerpoint/2010/main" val="593183326"/>
+      </p:ext>
+    </p:extLst>
+  </p:cSld>
+  <p:clrMapOvr>
+    <a:masterClrMapping/>
+  </p:clrMapOvr>
+  <p:timing>
+    <p:tnLst>
+      <p:par>
+        <p:cTn id="1" dur="indefinite" restart="never" nodeType="tmRoot"/>
+      </p:par>
+    </p:tnLst>
+  </p:timing>
+</p:sld>
+</file>
+
+<file path=ppt/slides/slide20.xml><?xml version="1.0" encoding="utf-8"?>
 <p:sld xmlns:a="http://schemas.openxmlformats.org/drawingml/2006/main" xmlns:r="http://schemas.openxmlformats.org/officeDocument/2006/relationships" xmlns:p="http://schemas.openxmlformats.org/presentationml/2006/main">
   <p:cSld>
     <p:spTree>
@@ -21133,228 +24194,7 @@
 </p:sld>
 </file>
 
-<file path=ppt/slides/slide2.xml><?xml version="1.0" encoding="utf-8"?>
-<p:sld xmlns:a="http://schemas.openxmlformats.org/drawingml/2006/main" xmlns:r="http://schemas.openxmlformats.org/officeDocument/2006/relationships" xmlns:p="http://schemas.openxmlformats.org/presentationml/2006/main">
-  <p:cSld>
-    <p:spTree>
-      <p:nvGrpSpPr>
-        <p:cNvPr id="1" name=""/>
-        <p:cNvGrpSpPr/>
-        <p:nvPr/>
-      </p:nvGrpSpPr>
-      <p:grpSpPr>
-        <a:xfrm>
-          <a:off x="0" y="0"/>
-          <a:ext cx="0" cy="0"/>
-          <a:chOff x="0" y="0"/>
-          <a:chExt cx="0" cy="0"/>
-        </a:xfrm>
-      </p:grpSpPr>
-      <p:sp>
-        <p:nvSpPr>
-          <p:cNvPr id="2" name="Title 1"/>
-          <p:cNvSpPr>
-            <a:spLocks noGrp="1"/>
-          </p:cNvSpPr>
-          <p:nvPr>
-            <p:ph type="title"/>
-          </p:nvPr>
-        </p:nvSpPr>
-        <p:spPr>
-          <a:xfrm>
-            <a:off x="4800600" y="0"/>
-            <a:ext cx="3124200" cy="494264"/>
-          </a:xfrm>
-        </p:spPr>
-        <p:txBody>
-          <a:bodyPr>
-            <a:noAutofit/>
-          </a:bodyPr>
-          <a:lstStyle/>
-          <a:p>
-            <a:pPr algn="ctr"/>
-            <a:r>
-              <a:rPr lang="en-US" sz="2800" dirty="0" smtClean="0">
-                <a:solidFill>
-                  <a:schemeClr val="bg1"/>
-                </a:solidFill>
-              </a:rPr>
-              <a:t>Summary</a:t>
-            </a:r>
-            <a:endParaRPr lang="en-US" sz="2800" dirty="0">
-              <a:solidFill>
-                <a:schemeClr val="bg1"/>
-              </a:solidFill>
-            </a:endParaRPr>
-          </a:p>
-        </p:txBody>
-      </p:sp>
-      <p:sp>
-        <p:nvSpPr>
-          <p:cNvPr id="3" name="Content Placeholder 2"/>
-          <p:cNvSpPr>
-            <a:spLocks noGrp="1"/>
-          </p:cNvSpPr>
-          <p:nvPr>
-            <p:ph idx="1"/>
-          </p:nvPr>
-        </p:nvSpPr>
-        <p:spPr>
-          <a:xfrm>
-            <a:off x="990600" y="990600"/>
-            <a:ext cx="6777317" cy="4918229"/>
-          </a:xfrm>
-        </p:spPr>
-        <p:txBody>
-          <a:bodyPr>
-            <a:normAutofit fontScale="25000" lnSpcReduction="20000"/>
-          </a:bodyPr>
-          <a:lstStyle/>
-          <a:p>
-            <a:r>
-              <a:rPr lang="en-US" sz="9600" dirty="0" smtClean="0">
-                <a:latin typeface="Arial" pitchFamily="34" charset="0"/>
-                <a:cs typeface="Arial" pitchFamily="34" charset="0"/>
-              </a:rPr>
-              <a:t>Big Data </a:t>
-            </a:r>
-          </a:p>
-          <a:p>
-            <a:endParaRPr lang="en-US" sz="9600" dirty="0">
-              <a:latin typeface="Arial" pitchFamily="34" charset="0"/>
-              <a:cs typeface="Arial" pitchFamily="34" charset="0"/>
-            </a:endParaRPr>
-          </a:p>
-          <a:p>
-            <a:r>
-              <a:rPr lang="en-US" sz="9600" dirty="0" smtClean="0">
-                <a:latin typeface="Arial" pitchFamily="34" charset="0"/>
-                <a:cs typeface="Arial" pitchFamily="34" charset="0"/>
-              </a:rPr>
-              <a:t>e-Learning </a:t>
-            </a:r>
-            <a:r>
-              <a:rPr lang="en-US" sz="9600" dirty="0">
-                <a:latin typeface="Arial" pitchFamily="34" charset="0"/>
-                <a:cs typeface="Arial" pitchFamily="34" charset="0"/>
-              </a:rPr>
-              <a:t>P</a:t>
-            </a:r>
-            <a:r>
-              <a:rPr lang="en-US" sz="9600" dirty="0" smtClean="0">
-                <a:latin typeface="Arial" pitchFamily="34" charset="0"/>
-                <a:cs typeface="Arial" pitchFamily="34" charset="0"/>
-              </a:rPr>
-              <a:t>latform</a:t>
-            </a:r>
-          </a:p>
-          <a:p>
-            <a:endParaRPr lang="en-US" sz="9600" dirty="0">
-              <a:latin typeface="Arial" pitchFamily="34" charset="0"/>
-              <a:cs typeface="Arial" pitchFamily="34" charset="0"/>
-            </a:endParaRPr>
-          </a:p>
-          <a:p>
-            <a:r>
-              <a:rPr lang="en-US" sz="9600" dirty="0" smtClean="0">
-                <a:latin typeface="Arial" pitchFamily="34" charset="0"/>
-                <a:cs typeface="Arial" pitchFamily="34" charset="0"/>
-              </a:rPr>
-              <a:t>Row-Oriented DBMS</a:t>
-            </a:r>
-          </a:p>
-          <a:p>
-            <a:endParaRPr lang="en-US" sz="9600" dirty="0">
-              <a:latin typeface="Arial" pitchFamily="34" charset="0"/>
-              <a:cs typeface="Arial" pitchFamily="34" charset="0"/>
-            </a:endParaRPr>
-          </a:p>
-          <a:p>
-            <a:r>
-              <a:rPr lang="en-US" sz="9600" dirty="0" smtClean="0">
-                <a:latin typeface="Arial" pitchFamily="34" charset="0"/>
-                <a:cs typeface="Arial" pitchFamily="34" charset="0"/>
-              </a:rPr>
-              <a:t>Column-Oriented DBMS</a:t>
-            </a:r>
-          </a:p>
-          <a:p>
-            <a:pPr marL="68580" indent="0">
-              <a:buNone/>
-            </a:pPr>
-            <a:endParaRPr lang="en-US" sz="9600" dirty="0">
-              <a:latin typeface="Arial" pitchFamily="34" charset="0"/>
-              <a:cs typeface="Arial" pitchFamily="34" charset="0"/>
-            </a:endParaRPr>
-          </a:p>
-          <a:p>
-            <a:r>
-              <a:rPr lang="en-US" sz="9600" dirty="0" smtClean="0">
-                <a:latin typeface="Arial" pitchFamily="34" charset="0"/>
-                <a:cs typeface="Arial" pitchFamily="34" charset="0"/>
-              </a:rPr>
-              <a:t>Optimized Performance</a:t>
-            </a:r>
-          </a:p>
-          <a:p>
-            <a:endParaRPr lang="en-US" sz="9600" dirty="0">
-              <a:latin typeface="Arial" pitchFamily="34" charset="0"/>
-              <a:cs typeface="Arial" pitchFamily="34" charset="0"/>
-            </a:endParaRPr>
-          </a:p>
-          <a:p>
-            <a:r>
-              <a:rPr lang="en-US" sz="9600" dirty="0" smtClean="0">
-                <a:latin typeface="Arial" pitchFamily="34" charset="0"/>
-                <a:cs typeface="Arial" pitchFamily="34" charset="0"/>
-              </a:rPr>
-              <a:t>Performance Comparisons between MonetDB and MySQL</a:t>
-            </a:r>
-          </a:p>
-          <a:p>
-            <a:endParaRPr lang="en-US" sz="9600" dirty="0" smtClean="0">
-              <a:latin typeface="Arial" pitchFamily="34" charset="0"/>
-              <a:cs typeface="Arial" pitchFamily="34" charset="0"/>
-            </a:endParaRPr>
-          </a:p>
-          <a:p>
-            <a:r>
-              <a:rPr lang="en-US" sz="9600" dirty="0" smtClean="0">
-                <a:latin typeface="Arial" pitchFamily="34" charset="0"/>
-                <a:cs typeface="Arial" pitchFamily="34" charset="0"/>
-              </a:rPr>
-              <a:t>Future Work</a:t>
-            </a:r>
-          </a:p>
-          <a:p>
-            <a:pPr marL="68580" indent="0">
-              <a:buNone/>
-            </a:pPr>
-            <a:endParaRPr lang="en-US" dirty="0"/>
-          </a:p>
-        </p:txBody>
-      </p:sp>
-    </p:spTree>
-    <p:extLst>
-      <p:ext uri="{BB962C8B-B14F-4D97-AF65-F5344CB8AC3E}">
-        <p14:creationId xmlns:p14="http://schemas.microsoft.com/office/powerpoint/2010/main" val="593183326"/>
-      </p:ext>
-    </p:extLst>
-  </p:cSld>
-  <p:clrMapOvr>
-    <a:masterClrMapping/>
-  </p:clrMapOvr>
-  <p:timing>
-    <p:tnLst>
-      <p:par>
-        <p:cTn id="1" dur="indefinite" restart="never" nodeType="tmRoot"/>
-      </p:par>
-    </p:tnLst>
-  </p:timing>
-</p:sld>
-</file>
-
-<file path=ppt/slides/slide20.xml><?xml version="1.0" encoding="utf-8"?>
+<file path=ppt/slides/slide21.xml><?xml version="1.0" encoding="utf-8"?>
 <p:sld xmlns:a="http://schemas.openxmlformats.org/drawingml/2006/main" xmlns:r="http://schemas.openxmlformats.org/officeDocument/2006/relationships" xmlns:p="http://schemas.openxmlformats.org/presentationml/2006/main">
   <p:cSld>
     <p:spTree>
@@ -21574,7 +24414,7 @@
 </p:sld>
 </file>
 
-<file path=ppt/slides/slide21.xml><?xml version="1.0" encoding="utf-8"?>
+<file path=ppt/slides/slide22.xml><?xml version="1.0" encoding="utf-8"?>
 <p:sld xmlns:a="http://schemas.openxmlformats.org/drawingml/2006/main" xmlns:r="http://schemas.openxmlformats.org/officeDocument/2006/relationships" xmlns:p="http://schemas.openxmlformats.org/presentationml/2006/main">
   <p:cSld>
     <p:spTree>
@@ -21814,7 +24654,7 @@
 </p:sld>
 </file>
 
-<file path=ppt/slides/slide22.xml><?xml version="1.0" encoding="utf-8"?>
+<file path=ppt/slides/slide23.xml><?xml version="1.0" encoding="utf-8"?>
 <p:sld xmlns:a="http://schemas.openxmlformats.org/drawingml/2006/main" xmlns:r="http://schemas.openxmlformats.org/officeDocument/2006/relationships" xmlns:p="http://schemas.openxmlformats.org/presentationml/2006/main">
   <p:cSld>
     <p:spTree>
@@ -22414,7 +25254,7 @@
 </p:sld>
 </file>
 
-<file path=ppt/slides/slide23.xml><?xml version="1.0" encoding="utf-8"?>
+<file path=ppt/slides/slide24.xml><?xml version="1.0" encoding="utf-8"?>
 <p:sld xmlns:a="http://schemas.openxmlformats.org/drawingml/2006/main" xmlns:r="http://schemas.openxmlformats.org/officeDocument/2006/relationships" xmlns:p="http://schemas.openxmlformats.org/presentationml/2006/main">
   <p:cSld>
     <p:spTree>
@@ -22954,7 +25794,7 @@
 </p:sld>
 </file>
 
-<file path=ppt/slides/slide24.xml><?xml version="1.0" encoding="utf-8"?>
+<file path=ppt/slides/slide25.xml><?xml version="1.0" encoding="utf-8"?>
 <p:sld xmlns:a="http://schemas.openxmlformats.org/drawingml/2006/main" xmlns:r="http://schemas.openxmlformats.org/officeDocument/2006/relationships" xmlns:p="http://schemas.openxmlformats.org/presentationml/2006/main">
   <p:cSld>
     <p:spTree>
@@ -23300,7 +26140,7 @@
 </p:sld>
 </file>
 
-<file path=ppt/slides/slide25.xml><?xml version="1.0" encoding="utf-8"?>
+<file path=ppt/slides/slide26.xml><?xml version="1.0" encoding="utf-8"?>
 <p:sld xmlns:a="http://schemas.openxmlformats.org/drawingml/2006/main" xmlns:r="http://schemas.openxmlformats.org/officeDocument/2006/relationships" xmlns:p="http://schemas.openxmlformats.org/presentationml/2006/main">
   <p:cSld>
     <p:spTree>
@@ -23472,7 +26312,7 @@
 </p:sld>
 </file>
 
-<file path=ppt/slides/slide26.xml><?xml version="1.0" encoding="utf-8"?>
+<file path=ppt/slides/slide27.xml><?xml version="1.0" encoding="utf-8"?>
 <p:sld xmlns:a="http://schemas.openxmlformats.org/drawingml/2006/main" xmlns:r="http://schemas.openxmlformats.org/officeDocument/2006/relationships" xmlns:p="http://schemas.openxmlformats.org/presentationml/2006/main">
   <p:cSld>
     <p:spTree>
@@ -24103,124 +26943,6 @@
 </p:sld>
 </file>
 
-<file path=ppt/slides/slide27.xml><?xml version="1.0" encoding="utf-8"?>
-<p:sld xmlns:a="http://schemas.openxmlformats.org/drawingml/2006/main" xmlns:r="http://schemas.openxmlformats.org/officeDocument/2006/relationships" xmlns:p="http://schemas.openxmlformats.org/presentationml/2006/main">
-  <p:cSld>
-    <p:spTree>
-      <p:nvGrpSpPr>
-        <p:cNvPr id="1" name=""/>
-        <p:cNvGrpSpPr/>
-        <p:nvPr/>
-      </p:nvGrpSpPr>
-      <p:grpSpPr>
-        <a:xfrm>
-          <a:off x="0" y="0"/>
-          <a:ext cx="0" cy="0"/>
-          <a:chOff x="0" y="0"/>
-          <a:chExt cx="0" cy="0"/>
-        </a:xfrm>
-      </p:grpSpPr>
-      <p:sp>
-        <p:nvSpPr>
-          <p:cNvPr id="2" name="Title 1"/>
-          <p:cNvSpPr>
-            <a:spLocks noGrp="1"/>
-          </p:cNvSpPr>
-          <p:nvPr>
-            <p:ph type="title"/>
-          </p:nvPr>
-        </p:nvSpPr>
-        <p:spPr>
-          <a:xfrm>
-            <a:off x="4800600" y="0"/>
-            <a:ext cx="3124200" cy="494264"/>
-          </a:xfrm>
-        </p:spPr>
-        <p:txBody>
-          <a:bodyPr>
-            <a:noAutofit/>
-          </a:bodyPr>
-          <a:lstStyle/>
-          <a:p>
-            <a:pPr algn="ctr"/>
-            <a:r>
-              <a:rPr lang="en-US" sz="2800" dirty="0" smtClean="0">
-                <a:solidFill>
-                  <a:schemeClr val="bg1"/>
-                </a:solidFill>
-              </a:rPr>
-              <a:t>Conclusion</a:t>
-            </a:r>
-            <a:endParaRPr lang="en-US" sz="2800" dirty="0">
-              <a:solidFill>
-                <a:schemeClr val="bg1"/>
-              </a:solidFill>
-            </a:endParaRPr>
-          </a:p>
-        </p:txBody>
-      </p:sp>
-      <p:sp>
-        <p:nvSpPr>
-          <p:cNvPr id="4" name="Rectangle 3"/>
-          <p:cNvSpPr/>
-          <p:nvPr/>
-        </p:nvSpPr>
-        <p:spPr>
-          <a:xfrm>
-            <a:off x="926011" y="1905000"/>
-            <a:ext cx="7315200" cy="2677656"/>
-          </a:xfrm>
-          <a:prstGeom prst="rect">
-            <a:avLst/>
-          </a:prstGeom>
-        </p:spPr>
-        <p:txBody>
-          <a:bodyPr wrap="square">
-            <a:spAutoFit/>
-          </a:bodyPr>
-          <a:lstStyle/>
-          <a:p>
-            <a:pPr algn="ctr"/>
-            <a:r>
-              <a:rPr lang="en-US" sz="2800" dirty="0" smtClean="0">
-                <a:solidFill>
-                  <a:schemeClr val="tx2"/>
-                </a:solidFill>
-                <a:latin typeface="Arial" pitchFamily="34" charset="0"/>
-                <a:cs typeface="Arial" pitchFamily="34" charset="0"/>
-              </a:rPr>
-              <a:t>With the result and the future works we can conclude that we can have the choice and the test with the hybrid storage model can be really important and can improve the result return time and the choice between row and column oriented </a:t>
-            </a:r>
-            <a:endParaRPr lang="en-US" sz="2800" dirty="0">
-              <a:solidFill>
-                <a:schemeClr val="tx2"/>
-              </a:solidFill>
-              <a:latin typeface="Arial" pitchFamily="34" charset="0"/>
-              <a:cs typeface="Arial" pitchFamily="34" charset="0"/>
-            </a:endParaRPr>
-          </a:p>
-        </p:txBody>
-      </p:sp>
-    </p:spTree>
-    <p:extLst>
-      <p:ext uri="{BB962C8B-B14F-4D97-AF65-F5344CB8AC3E}">
-        <p14:creationId xmlns:p14="http://schemas.microsoft.com/office/powerpoint/2010/main" val="2690808625"/>
-      </p:ext>
-    </p:extLst>
-  </p:cSld>
-  <p:clrMapOvr>
-    <a:masterClrMapping/>
-  </p:clrMapOvr>
-  <p:timing>
-    <p:tnLst>
-      <p:par>
-        <p:cTn id="1" dur="indefinite" restart="never" nodeType="tmRoot"/>
-      </p:par>
-    </p:tnLst>
-  </p:timing>
-</p:sld>
-</file>
-
 <file path=ppt/slides/slide28.xml><?xml version="1.0" encoding="utf-8"?>
 <p:sld xmlns:a="http://schemas.openxmlformats.org/drawingml/2006/main" xmlns:r="http://schemas.openxmlformats.org/officeDocument/2006/relationships" xmlns:p="http://schemas.openxmlformats.org/presentationml/2006/main">
   <p:cSld>
@@ -24267,7 +26989,7 @@
                   <a:schemeClr val="bg1"/>
                 </a:solidFill>
               </a:rPr>
-              <a:t>Glossary</a:t>
+              <a:t>Conclusion</a:t>
             </a:r>
             <a:endParaRPr lang="en-US" sz="2800" dirty="0">
               <a:solidFill>
@@ -24279,14 +27001,14 @@
       </p:sp>
       <p:sp>
         <p:nvSpPr>
-          <p:cNvPr id="5" name="Rectangle 4"/>
+          <p:cNvPr id="4" name="Rectangle 3"/>
           <p:cNvSpPr/>
           <p:nvPr/>
         </p:nvSpPr>
         <p:spPr>
           <a:xfrm>
-            <a:off x="926011" y="1171468"/>
-            <a:ext cx="7315200" cy="646331"/>
+            <a:off x="926011" y="1905000"/>
+            <a:ext cx="7315200" cy="2677656"/>
           </a:xfrm>
           <a:prstGeom prst="rect">
             <a:avLst/>
@@ -24300,163 +27022,15 @@
           <a:p>
             <a:pPr algn="ctr"/>
             <a:r>
-              <a:rPr lang="en-US" sz="3600" dirty="0" smtClean="0">
-                <a:solidFill>
-                  <a:schemeClr val="tx2"/>
-                </a:solidFill>
-              </a:rPr>
-              <a:t>Keyword</a:t>
-            </a:r>
-            <a:endParaRPr lang="en-US" sz="3600" dirty="0">
-              <a:solidFill>
-                <a:schemeClr val="tx2"/>
-              </a:solidFill>
-            </a:endParaRPr>
-          </a:p>
-        </p:txBody>
-      </p:sp>
-      <p:sp>
-        <p:nvSpPr>
-          <p:cNvPr id="4" name="Rectangle 3"/>
-          <p:cNvSpPr/>
-          <p:nvPr/>
-        </p:nvSpPr>
-        <p:spPr>
-          <a:xfrm>
-            <a:off x="926011" y="2133600"/>
-            <a:ext cx="7315200" cy="3908762"/>
-          </a:xfrm>
-          <a:prstGeom prst="rect">
-            <a:avLst/>
-          </a:prstGeom>
-        </p:spPr>
-        <p:txBody>
-          <a:bodyPr wrap="square">
-            <a:spAutoFit/>
-          </a:bodyPr>
-          <a:lstStyle/>
-          <a:p>
-            <a:r>
-              <a:rPr lang="en-US" sz="2400" dirty="0" smtClean="0">
+              <a:rPr lang="en-US" sz="2800" dirty="0" smtClean="0">
                 <a:solidFill>
                   <a:schemeClr val="tx2"/>
                 </a:solidFill>
                 <a:latin typeface="Arial" pitchFamily="34" charset="0"/>
                 <a:cs typeface="Arial" pitchFamily="34" charset="0"/>
               </a:rPr>
-              <a:t>-4Vs (Volume, Variety, Velocity, Veracity)</a:t>
+              <a:t>With the result and the future works we can conclude that we can have the choice and the test with the hybrid storage model can be really important and can improve the result return time and the choice between row and column oriented </a:t>
             </a:r>
-          </a:p>
-          <a:p>
-            <a:r>
-              <a:rPr lang="en-US" sz="2400" dirty="0" smtClean="0">
-                <a:solidFill>
-                  <a:schemeClr val="tx2"/>
-                </a:solidFill>
-                <a:latin typeface="Arial" pitchFamily="34" charset="0"/>
-                <a:cs typeface="Arial" pitchFamily="34" charset="0"/>
-              </a:rPr>
-              <a:t>-Cloud Computing</a:t>
-            </a:r>
-          </a:p>
-          <a:p>
-            <a:r>
-              <a:rPr lang="en-US" sz="2400" dirty="0" smtClean="0">
-                <a:solidFill>
-                  <a:schemeClr val="tx2"/>
-                </a:solidFill>
-                <a:latin typeface="Arial" pitchFamily="34" charset="0"/>
-                <a:cs typeface="Arial" pitchFamily="34" charset="0"/>
-              </a:rPr>
-              <a:t>-DBMS (</a:t>
-            </a:r>
-            <a:r>
-              <a:rPr lang="en-US" sz="2400" dirty="0" err="1" smtClean="0">
-                <a:solidFill>
-                  <a:schemeClr val="tx2"/>
-                </a:solidFill>
-                <a:latin typeface="Arial" pitchFamily="34" charset="0"/>
-                <a:cs typeface="Arial" pitchFamily="34" charset="0"/>
-              </a:rPr>
-              <a:t>DataBase</a:t>
-            </a:r>
-            <a:r>
-              <a:rPr lang="en-US" sz="2400" dirty="0" smtClean="0">
-                <a:solidFill>
-                  <a:schemeClr val="tx2"/>
-                </a:solidFill>
-                <a:latin typeface="Arial" pitchFamily="34" charset="0"/>
-                <a:cs typeface="Arial" pitchFamily="34" charset="0"/>
-              </a:rPr>
-              <a:t> Management System)</a:t>
-            </a:r>
-          </a:p>
-          <a:p>
-            <a:r>
-              <a:rPr lang="en-US" sz="2400" dirty="0" smtClean="0">
-                <a:solidFill>
-                  <a:schemeClr val="tx2"/>
-                </a:solidFill>
-                <a:latin typeface="Arial" pitchFamily="34" charset="0"/>
-                <a:cs typeface="Arial" pitchFamily="34" charset="0"/>
-              </a:rPr>
-              <a:t>-Column-Oriented DBMS</a:t>
-            </a:r>
-          </a:p>
-          <a:p>
-            <a:r>
-              <a:rPr lang="en-US" sz="2400" dirty="0" smtClean="0">
-                <a:solidFill>
-                  <a:schemeClr val="tx2"/>
-                </a:solidFill>
-                <a:latin typeface="Arial" pitchFamily="34" charset="0"/>
-                <a:cs typeface="Arial" pitchFamily="34" charset="0"/>
-              </a:rPr>
-              <a:t>-Row-Oriented DBMS</a:t>
-            </a:r>
-          </a:p>
-          <a:p>
-            <a:r>
-              <a:rPr lang="en-US" sz="2400" dirty="0" smtClean="0">
-                <a:solidFill>
-                  <a:schemeClr val="tx2"/>
-                </a:solidFill>
-                <a:latin typeface="Arial" pitchFamily="34" charset="0"/>
-                <a:cs typeface="Arial" pitchFamily="34" charset="0"/>
-              </a:rPr>
-              <a:t>-Hybrid Storage</a:t>
-            </a:r>
-          </a:p>
-          <a:p>
-            <a:endParaRPr lang="en-US" sz="2400" dirty="0" smtClean="0">
-              <a:solidFill>
-                <a:schemeClr val="tx2"/>
-              </a:solidFill>
-              <a:latin typeface="Arial" pitchFamily="34" charset="0"/>
-              <a:cs typeface="Arial" pitchFamily="34" charset="0"/>
-            </a:endParaRPr>
-          </a:p>
-          <a:p>
-            <a:endParaRPr lang="en-US" sz="2400" dirty="0" smtClean="0">
-              <a:solidFill>
-                <a:schemeClr val="tx2"/>
-              </a:solidFill>
-              <a:latin typeface="Arial" pitchFamily="34" charset="0"/>
-              <a:cs typeface="Arial" pitchFamily="34" charset="0"/>
-            </a:endParaRPr>
-          </a:p>
-          <a:p>
-            <a:pPr algn="ctr"/>
-            <a:endParaRPr lang="en-US" sz="2800" dirty="0" smtClean="0">
-              <a:solidFill>
-                <a:schemeClr val="tx2"/>
-              </a:solidFill>
-              <a:latin typeface="Arial" pitchFamily="34" charset="0"/>
-              <a:cs typeface="Arial" pitchFamily="34" charset="0"/>
-            </a:endParaRPr>
-          </a:p>
-          <a:p>
-            <a:pPr algn="ctr"/>
             <a:endParaRPr lang="en-US" sz="2800" dirty="0">
               <a:solidFill>
                 <a:schemeClr val="tx2"/>
@@ -24470,7 +27044,7 @@
     </p:spTree>
     <p:extLst>
       <p:ext uri="{BB962C8B-B14F-4D97-AF65-F5344CB8AC3E}">
-        <p14:creationId xmlns:p14="http://schemas.microsoft.com/office/powerpoint/2010/main" val="249603615"/>
+        <p14:creationId xmlns:p14="http://schemas.microsoft.com/office/powerpoint/2010/main" val="2690808625"/>
       </p:ext>
     </p:extLst>
   </p:cSld>
@@ -24533,7 +27107,7 @@
                   <a:schemeClr val="bg1"/>
                 </a:solidFill>
               </a:rPr>
-              <a:t>The End</a:t>
+              <a:t>Glossary</a:t>
             </a:r>
             <a:endParaRPr lang="en-US" sz="2800" dirty="0">
               <a:solidFill>
@@ -24551,8 +27125,8 @@
         </p:nvSpPr>
         <p:spPr>
           <a:xfrm>
-            <a:off x="926011" y="1676400"/>
-            <a:ext cx="7315200" cy="1384995"/>
+            <a:off x="926011" y="1171468"/>
+            <a:ext cx="7315200" cy="646331"/>
           </a:xfrm>
           <a:prstGeom prst="rect">
             <a:avLst/>
@@ -24566,15 +27140,160 @@
           <a:p>
             <a:pPr algn="ctr"/>
             <a:r>
-              <a:rPr lang="en-US" sz="2800" dirty="0" smtClean="0">
+              <a:rPr lang="en-US" sz="3600" dirty="0" smtClean="0">
+                <a:solidFill>
+                  <a:schemeClr val="tx2"/>
+                </a:solidFill>
+              </a:rPr>
+              <a:t>Keyword</a:t>
+            </a:r>
+            <a:endParaRPr lang="en-US" sz="3600" dirty="0">
+              <a:solidFill>
+                <a:schemeClr val="tx2"/>
+              </a:solidFill>
+            </a:endParaRPr>
+          </a:p>
+        </p:txBody>
+      </p:sp>
+      <p:sp>
+        <p:nvSpPr>
+          <p:cNvPr id="4" name="Rectangle 3"/>
+          <p:cNvSpPr/>
+          <p:nvPr/>
+        </p:nvSpPr>
+        <p:spPr>
+          <a:xfrm>
+            <a:off x="926011" y="2133600"/>
+            <a:ext cx="7315200" cy="3908762"/>
+          </a:xfrm>
+          <a:prstGeom prst="rect">
+            <a:avLst/>
+          </a:prstGeom>
+        </p:spPr>
+        <p:txBody>
+          <a:bodyPr wrap="square">
+            <a:spAutoFit/>
+          </a:bodyPr>
+          <a:lstStyle/>
+          <a:p>
+            <a:r>
+              <a:rPr lang="en-US" sz="2400" dirty="0" smtClean="0">
                 <a:solidFill>
                   <a:schemeClr val="tx2"/>
                 </a:solidFill>
                 <a:latin typeface="Arial" pitchFamily="34" charset="0"/>
                 <a:cs typeface="Arial" pitchFamily="34" charset="0"/>
               </a:rPr>
-              <a:t>Thank you for your attention</a:t>
+              <a:t>-4Vs (Volume, Variety, Velocity, Veracity)</a:t>
             </a:r>
+          </a:p>
+          <a:p>
+            <a:r>
+              <a:rPr lang="en-US" sz="2400" dirty="0" smtClean="0">
+                <a:solidFill>
+                  <a:schemeClr val="tx2"/>
+                </a:solidFill>
+                <a:latin typeface="Arial" pitchFamily="34" charset="0"/>
+                <a:cs typeface="Arial" pitchFamily="34" charset="0"/>
+              </a:rPr>
+              <a:t>-Cloud Computing</a:t>
+            </a:r>
+          </a:p>
+          <a:p>
+            <a:r>
+              <a:rPr lang="en-US" sz="2400" dirty="0" smtClean="0">
+                <a:solidFill>
+                  <a:schemeClr val="tx2"/>
+                </a:solidFill>
+                <a:latin typeface="Arial" pitchFamily="34" charset="0"/>
+                <a:cs typeface="Arial" pitchFamily="34" charset="0"/>
+              </a:rPr>
+              <a:t>-DBMS (</a:t>
+            </a:r>
+            <a:r>
+              <a:rPr lang="en-US" sz="2400" dirty="0" err="1" smtClean="0">
+                <a:solidFill>
+                  <a:schemeClr val="tx2"/>
+                </a:solidFill>
+                <a:latin typeface="Arial" pitchFamily="34" charset="0"/>
+                <a:cs typeface="Arial" pitchFamily="34" charset="0"/>
+              </a:rPr>
+              <a:t>DataBase</a:t>
+            </a:r>
+            <a:r>
+              <a:rPr lang="en-US" sz="2400" dirty="0" smtClean="0">
+                <a:solidFill>
+                  <a:schemeClr val="tx2"/>
+                </a:solidFill>
+                <a:latin typeface="Arial" pitchFamily="34" charset="0"/>
+                <a:cs typeface="Arial" pitchFamily="34" charset="0"/>
+              </a:rPr>
+              <a:t> Management System)</a:t>
+            </a:r>
+          </a:p>
+          <a:p>
+            <a:r>
+              <a:rPr lang="en-US" sz="2400" dirty="0" smtClean="0">
+                <a:solidFill>
+                  <a:schemeClr val="tx2"/>
+                </a:solidFill>
+                <a:latin typeface="Arial" pitchFamily="34" charset="0"/>
+                <a:cs typeface="Arial" pitchFamily="34" charset="0"/>
+              </a:rPr>
+              <a:t>-Column-Oriented DBMS</a:t>
+            </a:r>
+          </a:p>
+          <a:p>
+            <a:r>
+              <a:rPr lang="en-US" sz="2400" dirty="0" smtClean="0">
+                <a:solidFill>
+                  <a:schemeClr val="tx2"/>
+                </a:solidFill>
+                <a:latin typeface="Arial" pitchFamily="34" charset="0"/>
+                <a:cs typeface="Arial" pitchFamily="34" charset="0"/>
+              </a:rPr>
+              <a:t>-Row-Oriented DBMS</a:t>
+            </a:r>
+          </a:p>
+          <a:p>
+            <a:r>
+              <a:rPr lang="en-US" sz="2400" dirty="0" smtClean="0">
+                <a:solidFill>
+                  <a:schemeClr val="tx2"/>
+                </a:solidFill>
+                <a:latin typeface="Arial" pitchFamily="34" charset="0"/>
+                <a:cs typeface="Arial" pitchFamily="34" charset="0"/>
+              </a:rPr>
+              <a:t>-Hybrid Storage</a:t>
+            </a:r>
+          </a:p>
+          <a:p>
+            <a:endParaRPr lang="en-US" sz="2400" dirty="0" smtClean="0">
+              <a:solidFill>
+                <a:schemeClr val="tx2"/>
+              </a:solidFill>
+              <a:latin typeface="Arial" pitchFamily="34" charset="0"/>
+              <a:cs typeface="Arial" pitchFamily="34" charset="0"/>
+            </a:endParaRPr>
+          </a:p>
+          <a:p>
+            <a:endParaRPr lang="en-US" sz="2400" dirty="0" smtClean="0">
+              <a:solidFill>
+                <a:schemeClr val="tx2"/>
+              </a:solidFill>
+              <a:latin typeface="Arial" pitchFamily="34" charset="0"/>
+              <a:cs typeface="Arial" pitchFamily="34" charset="0"/>
+            </a:endParaRPr>
+          </a:p>
+          <a:p>
+            <a:pPr algn="ctr"/>
+            <a:endParaRPr lang="en-US" sz="2800" dirty="0" smtClean="0">
+              <a:solidFill>
+                <a:schemeClr val="tx2"/>
+              </a:solidFill>
+              <a:latin typeface="Arial" pitchFamily="34" charset="0"/>
+              <a:cs typeface="Arial" pitchFamily="34" charset="0"/>
+            </a:endParaRPr>
           </a:p>
           <a:p>
             <a:pPr algn="ctr"/>
@@ -24586,32 +27305,12 @@
               <a:cs typeface="Arial" pitchFamily="34" charset="0"/>
             </a:endParaRPr>
           </a:p>
-          <a:p>
-            <a:pPr algn="ctr"/>
-            <a:r>
-              <a:rPr lang="en-US" sz="2800" dirty="0" smtClean="0">
-                <a:solidFill>
-                  <a:schemeClr val="tx2"/>
-                </a:solidFill>
-                <a:latin typeface="Arial" pitchFamily="34" charset="0"/>
-                <a:cs typeface="Arial" pitchFamily="34" charset="0"/>
-              </a:rPr>
-              <a:t>Any question?</a:t>
-            </a:r>
-            <a:endParaRPr lang="en-US" sz="2800" dirty="0">
-              <a:solidFill>
-                <a:schemeClr val="tx2"/>
-              </a:solidFill>
-              <a:latin typeface="Arial" pitchFamily="34" charset="0"/>
-              <a:cs typeface="Arial" pitchFamily="34" charset="0"/>
-            </a:endParaRPr>
-          </a:p>
         </p:txBody>
       </p:sp>
     </p:spTree>
     <p:extLst>
       <p:ext uri="{BB962C8B-B14F-4D97-AF65-F5344CB8AC3E}">
-        <p14:creationId xmlns:p14="http://schemas.microsoft.com/office/powerpoint/2010/main" val="335330785"/>
+        <p14:creationId xmlns:p14="http://schemas.microsoft.com/office/powerpoint/2010/main" val="249603615"/>
       </p:ext>
     </p:extLst>
   </p:cSld>
@@ -24729,6 +27428,147 @@
     <p:extLst>
       <p:ext uri="{BB962C8B-B14F-4D97-AF65-F5344CB8AC3E}">
         <p14:creationId xmlns:p14="http://schemas.microsoft.com/office/powerpoint/2010/main" val="3699391134"/>
+      </p:ext>
+    </p:extLst>
+  </p:cSld>
+  <p:clrMapOvr>
+    <a:masterClrMapping/>
+  </p:clrMapOvr>
+  <p:timing>
+    <p:tnLst>
+      <p:par>
+        <p:cTn id="1" dur="indefinite" restart="never" nodeType="tmRoot"/>
+      </p:par>
+    </p:tnLst>
+  </p:timing>
+</p:sld>
+</file>
+
+<file path=ppt/slides/slide30.xml><?xml version="1.0" encoding="utf-8"?>
+<p:sld xmlns:a="http://schemas.openxmlformats.org/drawingml/2006/main" xmlns:r="http://schemas.openxmlformats.org/officeDocument/2006/relationships" xmlns:p="http://schemas.openxmlformats.org/presentationml/2006/main">
+  <p:cSld>
+    <p:spTree>
+      <p:nvGrpSpPr>
+        <p:cNvPr id="1" name=""/>
+        <p:cNvGrpSpPr/>
+        <p:nvPr/>
+      </p:nvGrpSpPr>
+      <p:grpSpPr>
+        <a:xfrm>
+          <a:off x="0" y="0"/>
+          <a:ext cx="0" cy="0"/>
+          <a:chOff x="0" y="0"/>
+          <a:chExt cx="0" cy="0"/>
+        </a:xfrm>
+      </p:grpSpPr>
+      <p:sp>
+        <p:nvSpPr>
+          <p:cNvPr id="2" name="Title 1"/>
+          <p:cNvSpPr>
+            <a:spLocks noGrp="1"/>
+          </p:cNvSpPr>
+          <p:nvPr>
+            <p:ph type="title"/>
+          </p:nvPr>
+        </p:nvSpPr>
+        <p:spPr>
+          <a:xfrm>
+            <a:off x="4800600" y="0"/>
+            <a:ext cx="3124200" cy="494264"/>
+          </a:xfrm>
+        </p:spPr>
+        <p:txBody>
+          <a:bodyPr>
+            <a:noAutofit/>
+          </a:bodyPr>
+          <a:lstStyle/>
+          <a:p>
+            <a:pPr algn="ctr"/>
+            <a:r>
+              <a:rPr lang="en-US" sz="2800" dirty="0" smtClean="0">
+                <a:solidFill>
+                  <a:schemeClr val="bg1"/>
+                </a:solidFill>
+              </a:rPr>
+              <a:t>The End</a:t>
+            </a:r>
+            <a:endParaRPr lang="en-US" sz="2800" dirty="0">
+              <a:solidFill>
+                <a:schemeClr val="bg1"/>
+              </a:solidFill>
+            </a:endParaRPr>
+          </a:p>
+        </p:txBody>
+      </p:sp>
+      <p:sp>
+        <p:nvSpPr>
+          <p:cNvPr id="5" name="Rectangle 4"/>
+          <p:cNvSpPr/>
+          <p:nvPr/>
+        </p:nvSpPr>
+        <p:spPr>
+          <a:xfrm>
+            <a:off x="926011" y="1676400"/>
+            <a:ext cx="7315200" cy="1384995"/>
+          </a:xfrm>
+          <a:prstGeom prst="rect">
+            <a:avLst/>
+          </a:prstGeom>
+        </p:spPr>
+        <p:txBody>
+          <a:bodyPr wrap="square">
+            <a:spAutoFit/>
+          </a:bodyPr>
+          <a:lstStyle/>
+          <a:p>
+            <a:pPr algn="ctr"/>
+            <a:r>
+              <a:rPr lang="en-US" sz="2800" dirty="0" smtClean="0">
+                <a:solidFill>
+                  <a:schemeClr val="tx2"/>
+                </a:solidFill>
+                <a:latin typeface="Arial" pitchFamily="34" charset="0"/>
+                <a:cs typeface="Arial" pitchFamily="34" charset="0"/>
+              </a:rPr>
+              <a:t>Thank you for your attention</a:t>
+            </a:r>
+          </a:p>
+          <a:p>
+            <a:pPr algn="ctr"/>
+            <a:endParaRPr lang="en-US" sz="2800" dirty="0">
+              <a:solidFill>
+                <a:schemeClr val="tx2"/>
+              </a:solidFill>
+              <a:latin typeface="Arial" pitchFamily="34" charset="0"/>
+              <a:cs typeface="Arial" pitchFamily="34" charset="0"/>
+            </a:endParaRPr>
+          </a:p>
+          <a:p>
+            <a:pPr algn="ctr"/>
+            <a:r>
+              <a:rPr lang="en-US" sz="2800" dirty="0" smtClean="0">
+                <a:solidFill>
+                  <a:schemeClr val="tx2"/>
+                </a:solidFill>
+                <a:latin typeface="Arial" pitchFamily="34" charset="0"/>
+                <a:cs typeface="Arial" pitchFamily="34" charset="0"/>
+              </a:rPr>
+              <a:t>Any question?</a:t>
+            </a:r>
+            <a:endParaRPr lang="en-US" sz="2800" dirty="0">
+              <a:solidFill>
+                <a:schemeClr val="tx2"/>
+              </a:solidFill>
+              <a:latin typeface="Arial" pitchFamily="34" charset="0"/>
+              <a:cs typeface="Arial" pitchFamily="34" charset="0"/>
+            </a:endParaRPr>
+          </a:p>
+        </p:txBody>
+      </p:sp>
+    </p:spTree>
+    <p:extLst>
+      <p:ext uri="{BB962C8B-B14F-4D97-AF65-F5344CB8AC3E}">
+        <p14:creationId xmlns:p14="http://schemas.microsoft.com/office/powerpoint/2010/main" val="335330785"/>
       </p:ext>
     </p:extLst>
   </p:cSld>

--- a/slides/MonetDB workshop.pptx
+++ b/slides/MonetDB workshop.pptx
@@ -5,7 +5,7 @@
     <p:sldMasterId id="2147483720" r:id="rId1"/>
   </p:sldMasterIdLst>
   <p:notesMasterIdLst>
-    <p:notesMasterId r:id="rId32"/>
+    <p:notesMasterId r:id="rId31"/>
   </p:notesMasterIdLst>
   <p:sldIdLst>
     <p:sldId id="256" r:id="rId2"/>
@@ -37,7 +37,6 @@
     <p:sldId id="275" r:id="rId28"/>
     <p:sldId id="288" r:id="rId29"/>
     <p:sldId id="293" r:id="rId30"/>
-    <p:sldId id="281" r:id="rId31"/>
   </p:sldIdLst>
   <p:sldSz cx="9144000" cy="6858000" type="screen4x3"/>
   <p:notesSz cx="6858000" cy="9144000"/>
@@ -243,11 +242,11 @@
           <c:showBubbleSize val="0"/>
         </c:dLbls>
         <c:gapWidth val="150"/>
-        <c:axId val="65054592"/>
-        <c:axId val="65056128"/>
+        <c:axId val="71607808"/>
+        <c:axId val="71609344"/>
       </c:barChart>
       <c:catAx>
-        <c:axId val="65054592"/>
+        <c:axId val="71607808"/>
         <c:scaling>
           <c:orientation val="minMax"/>
         </c:scaling>
@@ -256,7 +255,7 @@
         <c:majorTickMark val="out"/>
         <c:minorTickMark val="none"/>
         <c:tickLblPos val="nextTo"/>
-        <c:crossAx val="65056128"/>
+        <c:crossAx val="71609344"/>
         <c:crosses val="autoZero"/>
         <c:auto val="1"/>
         <c:lblAlgn val="ctr"/>
@@ -264,7 +263,7 @@
         <c:noMultiLvlLbl val="0"/>
       </c:catAx>
       <c:valAx>
-        <c:axId val="65056128"/>
+        <c:axId val="71609344"/>
         <c:scaling>
           <c:orientation val="minMax"/>
         </c:scaling>
@@ -275,7 +274,7 @@
         <c:majorTickMark val="out"/>
         <c:minorTickMark val="none"/>
         <c:tickLblPos val="nextTo"/>
-        <c:crossAx val="65054592"/>
+        <c:crossAx val="71607808"/>
         <c:crosses val="autoZero"/>
         <c:crossBetween val="between"/>
       </c:valAx>
@@ -349,6 +348,7 @@
           </a:p>
         </c:rich>
       </c:tx>
+      <c:layout/>
       <c:overlay val="0"/>
     </c:title>
     <c:autoTitleDeleted val="0"/>
@@ -417,11 +417,11 @@
           <c:showBubbleSize val="0"/>
         </c:dLbls>
         <c:gapWidth val="150"/>
-        <c:axId val="71427968"/>
-        <c:axId val="71429504"/>
+        <c:axId val="73713152"/>
+        <c:axId val="73714688"/>
       </c:barChart>
       <c:catAx>
-        <c:axId val="71427968"/>
+        <c:axId val="73713152"/>
         <c:scaling>
           <c:orientation val="minMax"/>
         </c:scaling>
@@ -430,7 +430,7 @@
         <c:majorTickMark val="out"/>
         <c:minorTickMark val="none"/>
         <c:tickLblPos val="nextTo"/>
-        <c:crossAx val="71429504"/>
+        <c:crossAx val="73714688"/>
         <c:crosses val="autoZero"/>
         <c:auto val="1"/>
         <c:lblAlgn val="ctr"/>
@@ -438,7 +438,7 @@
         <c:noMultiLvlLbl val="0"/>
       </c:catAx>
       <c:valAx>
-        <c:axId val="71429504"/>
+        <c:axId val="73714688"/>
         <c:scaling>
           <c:orientation val="minMax"/>
         </c:scaling>
@@ -449,7 +449,7 @@
         <c:majorTickMark val="out"/>
         <c:minorTickMark val="none"/>
         <c:tickLblPos val="nextTo"/>
-        <c:crossAx val="71427968"/>
+        <c:crossAx val="73713152"/>
         <c:crosses val="autoZero"/>
         <c:crossBetween val="between"/>
       </c:valAx>
@@ -623,11 +623,11 @@
           <c:showBubbleSize val="0"/>
         </c:dLbls>
         <c:gapWidth val="150"/>
-        <c:axId val="71141248"/>
-        <c:axId val="71142784"/>
+        <c:axId val="73758208"/>
+        <c:axId val="73759744"/>
       </c:barChart>
       <c:catAx>
-        <c:axId val="71141248"/>
+        <c:axId val="73758208"/>
         <c:scaling>
           <c:orientation val="minMax"/>
         </c:scaling>
@@ -636,7 +636,7 @@
         <c:majorTickMark val="out"/>
         <c:minorTickMark val="none"/>
         <c:tickLblPos val="nextTo"/>
-        <c:crossAx val="71142784"/>
+        <c:crossAx val="73759744"/>
         <c:crosses val="autoZero"/>
         <c:auto val="1"/>
         <c:lblAlgn val="ctr"/>
@@ -644,7 +644,7 @@
         <c:noMultiLvlLbl val="0"/>
       </c:catAx>
       <c:valAx>
-        <c:axId val="71142784"/>
+        <c:axId val="73759744"/>
         <c:scaling>
           <c:orientation val="minMax"/>
         </c:scaling>
@@ -655,13 +655,14 @@
         <c:majorTickMark val="out"/>
         <c:minorTickMark val="none"/>
         <c:tickLblPos val="nextTo"/>
-        <c:crossAx val="71141248"/>
+        <c:crossAx val="73758208"/>
         <c:crosses val="autoZero"/>
         <c:crossBetween val="between"/>
       </c:valAx>
     </c:plotArea>
     <c:legend>
       <c:legendPos val="r"/>
+      <c:layout/>
       <c:overlay val="0"/>
     </c:legend>
     <c:plotVisOnly val="1"/>
@@ -14928,6 +14929,67 @@
       </p:grpSpPr>
       <p:sp>
         <p:nvSpPr>
+          <p:cNvPr id="7" name="Rectangle 6"/>
+          <p:cNvSpPr/>
+          <p:nvPr/>
+        </p:nvSpPr>
+        <p:spPr>
+          <a:xfrm>
+            <a:off x="4648200" y="4953000"/>
+            <a:ext cx="3505200" cy="838199"/>
+          </a:xfrm>
+          <a:prstGeom prst="rect">
+            <a:avLst/>
+          </a:prstGeom>
+          <a:solidFill>
+            <a:schemeClr val="bg1"/>
+          </a:solidFill>
+          <a:ln>
+            <a:noFill/>
+          </a:ln>
+        </p:spPr>
+        <p:style>
+          <a:lnRef idx="2">
+            <a:schemeClr val="accent6"/>
+          </a:lnRef>
+          <a:fillRef idx="1">
+            <a:schemeClr val="lt1"/>
+          </a:fillRef>
+          <a:effectRef idx="0">
+            <a:schemeClr val="accent6"/>
+          </a:effectRef>
+          <a:fontRef idx="minor">
+            <a:schemeClr val="dk1"/>
+          </a:fontRef>
+        </p:style>
+        <p:txBody>
+          <a:bodyPr rtlCol="0" anchor="ctr"/>
+          <a:lstStyle/>
+          <a:p>
+            <a:pPr algn="ctr"/>
+            <a:endParaRPr lang="en-US">
+              <a:ln w="18415" cmpd="sng">
+                <a:solidFill>
+                  <a:schemeClr val="bg1"/>
+                </a:solidFill>
+                <a:prstDash val="solid"/>
+              </a:ln>
+              <a:solidFill>
+                <a:schemeClr val="bg1"/>
+              </a:solidFill>
+              <a:effectLst>
+                <a:outerShdw blurRad="63500" dir="3600000" algn="tl" rotWithShape="0">
+                  <a:srgbClr val="000000">
+                    <a:alpha val="70000"/>
+                  </a:srgbClr>
+                </a:outerShdw>
+              </a:effectLst>
+            </a:endParaRPr>
+          </a:p>
+        </p:txBody>
+      </p:sp>
+      <p:sp>
+        <p:nvSpPr>
           <p:cNvPr id="2" name="Title 1"/>
           <p:cNvSpPr>
             <a:spLocks noGrp="1"/>
@@ -15009,6 +15071,166 @@
           </a:p>
         </p:txBody>
       </p:sp>
+      <p:sp>
+        <p:nvSpPr>
+          <p:cNvPr id="5" name="AutoShape 2" descr="https://www.easyuni.com/media/institution/logo/new_help_cat_logo_2.jpg"/>
+          <p:cNvSpPr>
+            <a:spLocks noChangeAspect="1" noChangeArrowheads="1"/>
+          </p:cNvSpPr>
+          <p:nvPr/>
+        </p:nvSpPr>
+        <p:spPr bwMode="auto">
+          <a:xfrm>
+            <a:off x="155575" y="-144463"/>
+            <a:ext cx="304800" cy="304801"/>
+          </a:xfrm>
+          <a:prstGeom prst="rect">
+            <a:avLst/>
+          </a:prstGeom>
+          <a:noFill/>
+          <a:extLst>
+            <a:ext uri="{909E8E84-426E-40DD-AFC4-6F175D3DCCD1}">
+              <a14:hiddenFill xmlns:a14="http://schemas.microsoft.com/office/drawing/2010/main">
+                <a:solidFill>
+                  <a:srgbClr val="FFFFFF"/>
+                </a:solidFill>
+              </a14:hiddenFill>
+            </a:ext>
+          </a:extLst>
+        </p:spPr>
+        <p:txBody>
+          <a:bodyPr vert="horz" wrap="square" lIns="91440" tIns="45720" rIns="91440" bIns="45720" numCol="1" anchor="t" anchorCtr="0" compatLnSpc="1">
+            <a:prstTxWarp prst="textNoShape">
+              <a:avLst/>
+            </a:prstTxWarp>
+          </a:bodyPr>
+          <a:lstStyle/>
+          <a:p>
+            <a:endParaRPr lang="en-US"/>
+          </a:p>
+        </p:txBody>
+      </p:sp>
+      <p:sp>
+        <p:nvSpPr>
+          <p:cNvPr id="6" name="AutoShape 4" descr="https://www.easyuni.com/media/institution/logo/new_help_cat_logo_2.jpg"/>
+          <p:cNvSpPr>
+            <a:spLocks noChangeAspect="1" noChangeArrowheads="1"/>
+          </p:cNvSpPr>
+          <p:nvPr/>
+        </p:nvSpPr>
+        <p:spPr bwMode="auto">
+          <a:xfrm>
+            <a:off x="307975" y="7937"/>
+            <a:ext cx="304800" cy="304801"/>
+          </a:xfrm>
+          <a:prstGeom prst="rect">
+            <a:avLst/>
+          </a:prstGeom>
+          <a:noFill/>
+          <a:extLst>
+            <a:ext uri="{909E8E84-426E-40DD-AFC4-6F175D3DCCD1}">
+              <a14:hiddenFill xmlns:a14="http://schemas.microsoft.com/office/drawing/2010/main">
+                <a:solidFill>
+                  <a:srgbClr val="FFFFFF"/>
+                </a:solidFill>
+              </a14:hiddenFill>
+            </a:ext>
+          </a:extLst>
+        </p:spPr>
+        <p:txBody>
+          <a:bodyPr vert="horz" wrap="square" lIns="91440" tIns="45720" rIns="91440" bIns="45720" numCol="1" anchor="t" anchorCtr="0" compatLnSpc="1">
+            <a:prstTxWarp prst="textNoShape">
+              <a:avLst/>
+            </a:prstTxWarp>
+          </a:bodyPr>
+          <a:lstStyle/>
+          <a:p>
+            <a:endParaRPr lang="en-US"/>
+          </a:p>
+        </p:txBody>
+      </p:sp>
+      <p:pic>
+        <p:nvPicPr>
+          <p:cNvPr id="2054" name="Picture 6" descr="https://www.easyuni.com/media/institution/logo/new_help_cat_logo_2.jpg"/>
+          <p:cNvPicPr>
+            <a:picLocks noChangeAspect="1" noChangeArrowheads="1"/>
+          </p:cNvPicPr>
+          <p:nvPr/>
+        </p:nvPicPr>
+        <p:blipFill>
+          <a:blip r:embed="rId2">
+            <a:extLst>
+              <a:ext uri="{28A0092B-C50C-407E-A947-70E740481C1C}">
+                <a14:useLocalDpi xmlns:a14="http://schemas.microsoft.com/office/drawing/2010/main" val="0"/>
+              </a:ext>
+            </a:extLst>
+          </a:blip>
+          <a:srcRect/>
+          <a:stretch>
+            <a:fillRect/>
+          </a:stretch>
+        </p:blipFill>
+        <p:spPr bwMode="auto">
+          <a:xfrm>
+            <a:off x="4743450" y="4953000"/>
+            <a:ext cx="1781176" cy="838201"/>
+          </a:xfrm>
+          <a:prstGeom prst="rect">
+            <a:avLst/>
+          </a:prstGeom>
+          <a:noFill/>
+          <a:extLst>
+            <a:ext uri="{909E8E84-426E-40DD-AFC4-6F175D3DCCD1}">
+              <a14:hiddenFill xmlns:a14="http://schemas.microsoft.com/office/drawing/2010/main">
+                <a:solidFill>
+                  <a:srgbClr val="FFFFFF"/>
+                </a:solidFill>
+              </a14:hiddenFill>
+            </a:ext>
+          </a:extLst>
+        </p:spPr>
+      </p:pic>
+      <p:pic>
+        <p:nvPicPr>
+          <p:cNvPr id="2055" name="Picture 7" descr="C:\Users\user\Desktop\UBP-LOGOTYPE-QUADRI2.jpg"/>
+          <p:cNvPicPr>
+            <a:picLocks noChangeAspect="1" noChangeArrowheads="1"/>
+          </p:cNvPicPr>
+          <p:nvPr/>
+        </p:nvPicPr>
+        <p:blipFill>
+          <a:blip r:embed="rId3" cstate="print">
+            <a:extLst>
+              <a:ext uri="{28A0092B-C50C-407E-A947-70E740481C1C}">
+                <a14:useLocalDpi xmlns:a14="http://schemas.microsoft.com/office/drawing/2010/main" val="0"/>
+              </a:ext>
+            </a:extLst>
+          </a:blip>
+          <a:srcRect/>
+          <a:stretch>
+            <a:fillRect/>
+          </a:stretch>
+        </p:blipFill>
+        <p:spPr bwMode="auto">
+          <a:xfrm>
+            <a:off x="6934200" y="4952998"/>
+            <a:ext cx="1096882" cy="838201"/>
+          </a:xfrm>
+          <a:prstGeom prst="rect">
+            <a:avLst/>
+          </a:prstGeom>
+          <a:noFill/>
+          <a:extLst>
+            <a:ext uri="{909E8E84-426E-40DD-AFC4-6F175D3DCCD1}">
+              <a14:hiddenFill xmlns:a14="http://schemas.microsoft.com/office/drawing/2010/main">
+                <a:solidFill>
+                  <a:srgbClr val="FFFFFF"/>
+                </a:solidFill>
+              </a14:hiddenFill>
+            </a:ext>
+          </a:extLst>
+        </p:spPr>
+      </p:pic>
     </p:spTree>
     <p:extLst>
       <p:ext uri="{BB962C8B-B14F-4D97-AF65-F5344CB8AC3E}">
@@ -15183,7 +15405,7 @@
         </p:nvGraphicFramePr>
         <p:xfrm>
           <a:off x="1066800" y="4800600"/>
-          <a:ext cx="6172200" cy="192786"/>
+          <a:ext cx="6172200" cy="176403"/>
         </p:xfrm>
         <a:graphic>
           <a:graphicData uri="http://schemas.openxmlformats.org/drawingml/2006/table">
@@ -15661,7 +15883,7 @@
         </p:nvGraphicFramePr>
         <p:xfrm>
           <a:off x="1066799" y="5029200"/>
-          <a:ext cx="6172201" cy="192786"/>
+          <a:ext cx="6172201" cy="176403"/>
         </p:xfrm>
         <a:graphic>
           <a:graphicData uri="http://schemas.openxmlformats.org/drawingml/2006/table">
@@ -17304,7 +17526,7 @@
         <p:spPr>
           <a:xfrm>
             <a:off x="4949372" y="1698170"/>
-            <a:ext cx="3448200" cy="3181375"/>
+            <a:ext cx="3661228" cy="3181375"/>
           </a:xfrm>
           <a:prstGeom prst="flowChartMagneticDisk">
             <a:avLst/>
@@ -17419,7 +17641,7 @@
           <p:nvPr>
             <p:extLst>
               <p:ext uri="{D42A27DB-BD31-4B8C-83A1-F6EECF244321}">
-                <p14:modId xmlns:p14="http://schemas.microsoft.com/office/powerpoint/2010/main" val="1974319119"/>
+                <p14:modId xmlns:p14="http://schemas.microsoft.com/office/powerpoint/2010/main" val="4142859436"/>
               </p:ext>
             </p:extLst>
           </p:nvPr>
@@ -17459,7 +17681,44 @@
                       </a:endParaRPr>
                     </a:p>
                   </a:txBody>
-                  <a:tcPr/>
+                  <a:tcPr>
+                    <a:lnL w="12700" cap="flat" cmpd="sng" algn="ctr">
+                      <a:solidFill>
+                        <a:schemeClr val="tx1"/>
+                      </a:solidFill>
+                      <a:prstDash val="solid"/>
+                      <a:round/>
+                      <a:headEnd type="none" w="med" len="med"/>
+                      <a:tailEnd type="none" w="med" len="med"/>
+                    </a:lnL>
+                    <a:lnR w="12700" cap="flat" cmpd="sng" algn="ctr">
+                      <a:solidFill>
+                        <a:schemeClr val="tx1"/>
+                      </a:solidFill>
+                      <a:prstDash val="solid"/>
+                      <a:round/>
+                      <a:headEnd type="none" w="med" len="med"/>
+                      <a:tailEnd type="none" w="med" len="med"/>
+                    </a:lnR>
+                    <a:lnT w="12700" cap="flat" cmpd="sng" algn="ctr">
+                      <a:solidFill>
+                        <a:schemeClr val="tx1"/>
+                      </a:solidFill>
+                      <a:prstDash val="solid"/>
+                      <a:round/>
+                      <a:headEnd type="none" w="med" len="med"/>
+                      <a:tailEnd type="none" w="med" len="med"/>
+                    </a:lnT>
+                    <a:lnB w="12700" cap="flat" cmpd="sng" algn="ctr">
+                      <a:solidFill>
+                        <a:schemeClr val="tx1"/>
+                      </a:solidFill>
+                      <a:prstDash val="solid"/>
+                      <a:round/>
+                      <a:headEnd type="none" w="med" len="med"/>
+                      <a:tailEnd type="none" w="med" len="med"/>
+                    </a:lnB>
+                  </a:tcPr>
                 </a:tc>
                 <a:tc>
                   <a:txBody>
@@ -17479,7 +17738,44 @@
                       </a:endParaRPr>
                     </a:p>
                   </a:txBody>
-                  <a:tcPr/>
+                  <a:tcPr>
+                    <a:lnL w="12700" cap="flat" cmpd="sng" algn="ctr">
+                      <a:solidFill>
+                        <a:schemeClr val="tx1"/>
+                      </a:solidFill>
+                      <a:prstDash val="solid"/>
+                      <a:round/>
+                      <a:headEnd type="none" w="med" len="med"/>
+                      <a:tailEnd type="none" w="med" len="med"/>
+                    </a:lnL>
+                    <a:lnR w="12700" cap="flat" cmpd="sng" algn="ctr">
+                      <a:solidFill>
+                        <a:schemeClr val="tx1"/>
+                      </a:solidFill>
+                      <a:prstDash val="solid"/>
+                      <a:round/>
+                      <a:headEnd type="none" w="med" len="med"/>
+                      <a:tailEnd type="none" w="med" len="med"/>
+                    </a:lnR>
+                    <a:lnT w="12700" cap="flat" cmpd="sng" algn="ctr">
+                      <a:solidFill>
+                        <a:schemeClr val="tx1"/>
+                      </a:solidFill>
+                      <a:prstDash val="solid"/>
+                      <a:round/>
+                      <a:headEnd type="none" w="med" len="med"/>
+                      <a:tailEnd type="none" w="med" len="med"/>
+                    </a:lnT>
+                    <a:lnB w="12700" cap="flat" cmpd="sng" algn="ctr">
+                      <a:solidFill>
+                        <a:schemeClr val="tx1"/>
+                      </a:solidFill>
+                      <a:prstDash val="solid"/>
+                      <a:round/>
+                      <a:headEnd type="none" w="med" len="med"/>
+                      <a:tailEnd type="none" w="med" len="med"/>
+                    </a:lnB>
+                  </a:tcPr>
                 </a:tc>
                 <a:tc>
                   <a:txBody>
@@ -17499,7 +17795,44 @@
                       </a:endParaRPr>
                     </a:p>
                   </a:txBody>
-                  <a:tcPr/>
+                  <a:tcPr>
+                    <a:lnL w="12700" cap="flat" cmpd="sng" algn="ctr">
+                      <a:solidFill>
+                        <a:schemeClr val="tx1"/>
+                      </a:solidFill>
+                      <a:prstDash val="solid"/>
+                      <a:round/>
+                      <a:headEnd type="none" w="med" len="med"/>
+                      <a:tailEnd type="none" w="med" len="med"/>
+                    </a:lnL>
+                    <a:lnR w="12700" cap="flat" cmpd="sng" algn="ctr">
+                      <a:solidFill>
+                        <a:schemeClr val="tx1"/>
+                      </a:solidFill>
+                      <a:prstDash val="solid"/>
+                      <a:round/>
+                      <a:headEnd type="none" w="med" len="med"/>
+                      <a:tailEnd type="none" w="med" len="med"/>
+                    </a:lnR>
+                    <a:lnT w="12700" cap="flat" cmpd="sng" algn="ctr">
+                      <a:solidFill>
+                        <a:schemeClr val="tx1"/>
+                      </a:solidFill>
+                      <a:prstDash val="solid"/>
+                      <a:round/>
+                      <a:headEnd type="none" w="med" len="med"/>
+                      <a:tailEnd type="none" w="med" len="med"/>
+                    </a:lnT>
+                    <a:lnB w="12700" cap="flat" cmpd="sng" algn="ctr">
+                      <a:solidFill>
+                        <a:schemeClr val="tx1"/>
+                      </a:solidFill>
+                      <a:prstDash val="solid"/>
+                      <a:round/>
+                      <a:headEnd type="none" w="med" len="med"/>
+                      <a:tailEnd type="none" w="med" len="med"/>
+                    </a:lnB>
+                  </a:tcPr>
                 </a:tc>
                 <a:tc>
                   <a:txBody>
@@ -17519,7 +17852,44 @@
                       </a:endParaRPr>
                     </a:p>
                   </a:txBody>
-                  <a:tcPr/>
+                  <a:tcPr>
+                    <a:lnL w="12700" cap="flat" cmpd="sng" algn="ctr">
+                      <a:solidFill>
+                        <a:schemeClr val="tx1"/>
+                      </a:solidFill>
+                      <a:prstDash val="solid"/>
+                      <a:round/>
+                      <a:headEnd type="none" w="med" len="med"/>
+                      <a:tailEnd type="none" w="med" len="med"/>
+                    </a:lnL>
+                    <a:lnR w="12700" cap="flat" cmpd="sng" algn="ctr">
+                      <a:solidFill>
+                        <a:schemeClr val="tx1"/>
+                      </a:solidFill>
+                      <a:prstDash val="solid"/>
+                      <a:round/>
+                      <a:headEnd type="none" w="med" len="med"/>
+                      <a:tailEnd type="none" w="med" len="med"/>
+                    </a:lnR>
+                    <a:lnT w="12700" cap="flat" cmpd="sng" algn="ctr">
+                      <a:solidFill>
+                        <a:schemeClr val="tx1"/>
+                      </a:solidFill>
+                      <a:prstDash val="solid"/>
+                      <a:round/>
+                      <a:headEnd type="none" w="med" len="med"/>
+                      <a:tailEnd type="none" w="med" len="med"/>
+                    </a:lnT>
+                    <a:lnB w="12700" cap="flat" cmpd="sng" algn="ctr">
+                      <a:solidFill>
+                        <a:schemeClr val="tx1"/>
+                      </a:solidFill>
+                      <a:prstDash val="solid"/>
+                      <a:round/>
+                      <a:headEnd type="none" w="med" len="med"/>
+                      <a:tailEnd type="none" w="med" len="med"/>
+                    </a:lnB>
+                  </a:tcPr>
                 </a:tc>
               </a:tr>
               <a:tr h="381000">
@@ -17541,7 +17911,44 @@
                       </a:endParaRPr>
                     </a:p>
                   </a:txBody>
-                  <a:tcPr/>
+                  <a:tcPr>
+                    <a:lnL w="12700" cap="flat" cmpd="sng" algn="ctr">
+                      <a:solidFill>
+                        <a:schemeClr val="tx1"/>
+                      </a:solidFill>
+                      <a:prstDash val="solid"/>
+                      <a:round/>
+                      <a:headEnd type="none" w="med" len="med"/>
+                      <a:tailEnd type="none" w="med" len="med"/>
+                    </a:lnL>
+                    <a:lnR w="12700" cap="flat" cmpd="sng" algn="ctr">
+                      <a:solidFill>
+                        <a:schemeClr val="tx1"/>
+                      </a:solidFill>
+                      <a:prstDash val="solid"/>
+                      <a:round/>
+                      <a:headEnd type="none" w="med" len="med"/>
+                      <a:tailEnd type="none" w="med" len="med"/>
+                    </a:lnR>
+                    <a:lnT w="12700" cap="flat" cmpd="sng" algn="ctr">
+                      <a:solidFill>
+                        <a:schemeClr val="tx1"/>
+                      </a:solidFill>
+                      <a:prstDash val="solid"/>
+                      <a:round/>
+                      <a:headEnd type="none" w="med" len="med"/>
+                      <a:tailEnd type="none" w="med" len="med"/>
+                    </a:lnT>
+                    <a:lnB w="12700" cap="flat" cmpd="sng" algn="ctr">
+                      <a:solidFill>
+                        <a:schemeClr val="tx1"/>
+                      </a:solidFill>
+                      <a:prstDash val="solid"/>
+                      <a:round/>
+                      <a:headEnd type="none" w="med" len="med"/>
+                      <a:tailEnd type="none" w="med" len="med"/>
+                    </a:lnB>
+                  </a:tcPr>
                 </a:tc>
                 <a:tc>
                   <a:txBody>
@@ -17568,7 +17975,44 @@
                       </a:endParaRPr>
                     </a:p>
                   </a:txBody>
-                  <a:tcPr/>
+                  <a:tcPr>
+                    <a:lnL w="12700" cap="flat" cmpd="sng" algn="ctr">
+                      <a:solidFill>
+                        <a:schemeClr val="tx1"/>
+                      </a:solidFill>
+                      <a:prstDash val="solid"/>
+                      <a:round/>
+                      <a:headEnd type="none" w="med" len="med"/>
+                      <a:tailEnd type="none" w="med" len="med"/>
+                    </a:lnL>
+                    <a:lnR w="12700" cap="flat" cmpd="sng" algn="ctr">
+                      <a:solidFill>
+                        <a:schemeClr val="tx1"/>
+                      </a:solidFill>
+                      <a:prstDash val="solid"/>
+                      <a:round/>
+                      <a:headEnd type="none" w="med" len="med"/>
+                      <a:tailEnd type="none" w="med" len="med"/>
+                    </a:lnR>
+                    <a:lnT w="12700" cap="flat" cmpd="sng" algn="ctr">
+                      <a:solidFill>
+                        <a:schemeClr val="tx1"/>
+                      </a:solidFill>
+                      <a:prstDash val="solid"/>
+                      <a:round/>
+                      <a:headEnd type="none" w="med" len="med"/>
+                      <a:tailEnd type="none" w="med" len="med"/>
+                    </a:lnT>
+                    <a:lnB w="12700" cap="flat" cmpd="sng" algn="ctr">
+                      <a:solidFill>
+                        <a:schemeClr val="tx1"/>
+                      </a:solidFill>
+                      <a:prstDash val="solid"/>
+                      <a:round/>
+                      <a:headEnd type="none" w="med" len="med"/>
+                      <a:tailEnd type="none" w="med" len="med"/>
+                    </a:lnB>
+                  </a:tcPr>
                 </a:tc>
                 <a:tc>
                   <a:txBody>
@@ -17588,7 +18032,44 @@
                       </a:endParaRPr>
                     </a:p>
                   </a:txBody>
-                  <a:tcPr/>
+                  <a:tcPr>
+                    <a:lnL w="12700" cap="flat" cmpd="sng" algn="ctr">
+                      <a:solidFill>
+                        <a:schemeClr val="tx1"/>
+                      </a:solidFill>
+                      <a:prstDash val="solid"/>
+                      <a:round/>
+                      <a:headEnd type="none" w="med" len="med"/>
+                      <a:tailEnd type="none" w="med" len="med"/>
+                    </a:lnL>
+                    <a:lnR w="12700" cap="flat" cmpd="sng" algn="ctr">
+                      <a:solidFill>
+                        <a:schemeClr val="tx1"/>
+                      </a:solidFill>
+                      <a:prstDash val="solid"/>
+                      <a:round/>
+                      <a:headEnd type="none" w="med" len="med"/>
+                      <a:tailEnd type="none" w="med" len="med"/>
+                    </a:lnR>
+                    <a:lnT w="12700" cap="flat" cmpd="sng" algn="ctr">
+                      <a:solidFill>
+                        <a:schemeClr val="tx1"/>
+                      </a:solidFill>
+                      <a:prstDash val="solid"/>
+                      <a:round/>
+                      <a:headEnd type="none" w="med" len="med"/>
+                      <a:tailEnd type="none" w="med" len="med"/>
+                    </a:lnT>
+                    <a:lnB w="12700" cap="flat" cmpd="sng" algn="ctr">
+                      <a:solidFill>
+                        <a:schemeClr val="tx1"/>
+                      </a:solidFill>
+                      <a:prstDash val="solid"/>
+                      <a:round/>
+                      <a:headEnd type="none" w="med" len="med"/>
+                      <a:tailEnd type="none" w="med" len="med"/>
+                    </a:lnB>
+                  </a:tcPr>
                 </a:tc>
                 <a:tc>
                   <a:txBody>
@@ -17608,7 +18089,44 @@
                       </a:endParaRPr>
                     </a:p>
                   </a:txBody>
-                  <a:tcPr/>
+                  <a:tcPr>
+                    <a:lnL w="12700" cap="flat" cmpd="sng" algn="ctr">
+                      <a:solidFill>
+                        <a:schemeClr val="tx1"/>
+                      </a:solidFill>
+                      <a:prstDash val="solid"/>
+                      <a:round/>
+                      <a:headEnd type="none" w="med" len="med"/>
+                      <a:tailEnd type="none" w="med" len="med"/>
+                    </a:lnL>
+                    <a:lnR w="12700" cap="flat" cmpd="sng" algn="ctr">
+                      <a:solidFill>
+                        <a:schemeClr val="tx1"/>
+                      </a:solidFill>
+                      <a:prstDash val="solid"/>
+                      <a:round/>
+                      <a:headEnd type="none" w="med" len="med"/>
+                      <a:tailEnd type="none" w="med" len="med"/>
+                    </a:lnR>
+                    <a:lnT w="12700" cap="flat" cmpd="sng" algn="ctr">
+                      <a:solidFill>
+                        <a:schemeClr val="tx1"/>
+                      </a:solidFill>
+                      <a:prstDash val="solid"/>
+                      <a:round/>
+                      <a:headEnd type="none" w="med" len="med"/>
+                      <a:tailEnd type="none" w="med" len="med"/>
+                    </a:lnT>
+                    <a:lnB w="12700" cap="flat" cmpd="sng" algn="ctr">
+                      <a:solidFill>
+                        <a:schemeClr val="tx1"/>
+                      </a:solidFill>
+                      <a:prstDash val="solid"/>
+                      <a:round/>
+                      <a:headEnd type="none" w="med" len="med"/>
+                      <a:tailEnd type="none" w="med" len="med"/>
+                    </a:lnB>
+                  </a:tcPr>
                 </a:tc>
               </a:tr>
               <a:tr h="701040">
@@ -17630,7 +18148,44 @@
                       </a:endParaRPr>
                     </a:p>
                   </a:txBody>
-                  <a:tcPr/>
+                  <a:tcPr>
+                    <a:lnL w="12700" cap="flat" cmpd="sng" algn="ctr">
+                      <a:solidFill>
+                        <a:schemeClr val="tx1"/>
+                      </a:solidFill>
+                      <a:prstDash val="solid"/>
+                      <a:round/>
+                      <a:headEnd type="none" w="med" len="med"/>
+                      <a:tailEnd type="none" w="med" len="med"/>
+                    </a:lnL>
+                    <a:lnR w="12700" cap="flat" cmpd="sng" algn="ctr">
+                      <a:solidFill>
+                        <a:schemeClr val="tx1"/>
+                      </a:solidFill>
+                      <a:prstDash val="solid"/>
+                      <a:round/>
+                      <a:headEnd type="none" w="med" len="med"/>
+                      <a:tailEnd type="none" w="med" len="med"/>
+                    </a:lnR>
+                    <a:lnT w="12700" cap="flat" cmpd="sng" algn="ctr">
+                      <a:solidFill>
+                        <a:schemeClr val="tx1"/>
+                      </a:solidFill>
+                      <a:prstDash val="solid"/>
+                      <a:round/>
+                      <a:headEnd type="none" w="med" len="med"/>
+                      <a:tailEnd type="none" w="med" len="med"/>
+                    </a:lnT>
+                    <a:lnB w="12700" cap="flat" cmpd="sng" algn="ctr">
+                      <a:solidFill>
+                        <a:schemeClr val="tx1"/>
+                      </a:solidFill>
+                      <a:prstDash val="solid"/>
+                      <a:round/>
+                      <a:headEnd type="none" w="med" len="med"/>
+                      <a:tailEnd type="none" w="med" len="med"/>
+                    </a:lnB>
+                  </a:tcPr>
                 </a:tc>
                 <a:tc>
                   <a:txBody>
@@ -17664,7 +18219,44 @@
                       </a:endParaRPr>
                     </a:p>
                   </a:txBody>
-                  <a:tcPr/>
+                  <a:tcPr>
+                    <a:lnL w="12700" cap="flat" cmpd="sng" algn="ctr">
+                      <a:solidFill>
+                        <a:schemeClr val="tx1"/>
+                      </a:solidFill>
+                      <a:prstDash val="solid"/>
+                      <a:round/>
+                      <a:headEnd type="none" w="med" len="med"/>
+                      <a:tailEnd type="none" w="med" len="med"/>
+                    </a:lnL>
+                    <a:lnR w="12700" cap="flat" cmpd="sng" algn="ctr">
+                      <a:solidFill>
+                        <a:schemeClr val="tx1"/>
+                      </a:solidFill>
+                      <a:prstDash val="solid"/>
+                      <a:round/>
+                      <a:headEnd type="none" w="med" len="med"/>
+                      <a:tailEnd type="none" w="med" len="med"/>
+                    </a:lnR>
+                    <a:lnT w="12700" cap="flat" cmpd="sng" algn="ctr">
+                      <a:solidFill>
+                        <a:schemeClr val="tx1"/>
+                      </a:solidFill>
+                      <a:prstDash val="solid"/>
+                      <a:round/>
+                      <a:headEnd type="none" w="med" len="med"/>
+                      <a:tailEnd type="none" w="med" len="med"/>
+                    </a:lnT>
+                    <a:lnB w="12700" cap="flat" cmpd="sng" algn="ctr">
+                      <a:solidFill>
+                        <a:schemeClr val="tx1"/>
+                      </a:solidFill>
+                      <a:prstDash val="solid"/>
+                      <a:round/>
+                      <a:headEnd type="none" w="med" len="med"/>
+                      <a:tailEnd type="none" w="med" len="med"/>
+                    </a:lnB>
+                  </a:tcPr>
                 </a:tc>
                 <a:tc>
                   <a:txBody>
@@ -17684,7 +18276,44 @@
                       </a:endParaRPr>
                     </a:p>
                   </a:txBody>
-                  <a:tcPr/>
+                  <a:tcPr>
+                    <a:lnL w="12700" cap="flat" cmpd="sng" algn="ctr">
+                      <a:solidFill>
+                        <a:schemeClr val="tx1"/>
+                      </a:solidFill>
+                      <a:prstDash val="solid"/>
+                      <a:round/>
+                      <a:headEnd type="none" w="med" len="med"/>
+                      <a:tailEnd type="none" w="med" len="med"/>
+                    </a:lnL>
+                    <a:lnR w="12700" cap="flat" cmpd="sng" algn="ctr">
+                      <a:solidFill>
+                        <a:schemeClr val="tx1"/>
+                      </a:solidFill>
+                      <a:prstDash val="solid"/>
+                      <a:round/>
+                      <a:headEnd type="none" w="med" len="med"/>
+                      <a:tailEnd type="none" w="med" len="med"/>
+                    </a:lnR>
+                    <a:lnT w="12700" cap="flat" cmpd="sng" algn="ctr">
+                      <a:solidFill>
+                        <a:schemeClr val="tx1"/>
+                      </a:solidFill>
+                      <a:prstDash val="solid"/>
+                      <a:round/>
+                      <a:headEnd type="none" w="med" len="med"/>
+                      <a:tailEnd type="none" w="med" len="med"/>
+                    </a:lnT>
+                    <a:lnB w="12700" cap="flat" cmpd="sng" algn="ctr">
+                      <a:solidFill>
+                        <a:schemeClr val="tx1"/>
+                      </a:solidFill>
+                      <a:prstDash val="solid"/>
+                      <a:round/>
+                      <a:headEnd type="none" w="med" len="med"/>
+                      <a:tailEnd type="none" w="med" len="med"/>
+                    </a:lnB>
+                  </a:tcPr>
                 </a:tc>
                 <a:tc>
                   <a:txBody>
@@ -17704,7 +18333,44 @@
                       </a:endParaRPr>
                     </a:p>
                   </a:txBody>
-                  <a:tcPr/>
+                  <a:tcPr>
+                    <a:lnL w="12700" cap="flat" cmpd="sng" algn="ctr">
+                      <a:solidFill>
+                        <a:schemeClr val="tx1"/>
+                      </a:solidFill>
+                      <a:prstDash val="solid"/>
+                      <a:round/>
+                      <a:headEnd type="none" w="med" len="med"/>
+                      <a:tailEnd type="none" w="med" len="med"/>
+                    </a:lnL>
+                    <a:lnR w="12700" cap="flat" cmpd="sng" algn="ctr">
+                      <a:solidFill>
+                        <a:schemeClr val="tx1"/>
+                      </a:solidFill>
+                      <a:prstDash val="solid"/>
+                      <a:round/>
+                      <a:headEnd type="none" w="med" len="med"/>
+                      <a:tailEnd type="none" w="med" len="med"/>
+                    </a:lnR>
+                    <a:lnT w="12700" cap="flat" cmpd="sng" algn="ctr">
+                      <a:solidFill>
+                        <a:schemeClr val="tx1"/>
+                      </a:solidFill>
+                      <a:prstDash val="solid"/>
+                      <a:round/>
+                      <a:headEnd type="none" w="med" len="med"/>
+                      <a:tailEnd type="none" w="med" len="med"/>
+                    </a:lnT>
+                    <a:lnB w="12700" cap="flat" cmpd="sng" algn="ctr">
+                      <a:solidFill>
+                        <a:schemeClr val="tx1"/>
+                      </a:solidFill>
+                      <a:prstDash val="solid"/>
+                      <a:round/>
+                      <a:headEnd type="none" w="med" len="med"/>
+                      <a:tailEnd type="none" w="med" len="med"/>
+                    </a:lnB>
+                  </a:tcPr>
                 </a:tc>
               </a:tr>
               <a:tr h="548640">
@@ -17726,7 +18392,44 @@
                       </a:endParaRPr>
                     </a:p>
                   </a:txBody>
-                  <a:tcPr/>
+                  <a:tcPr>
+                    <a:lnL w="12700" cap="flat" cmpd="sng" algn="ctr">
+                      <a:solidFill>
+                        <a:schemeClr val="tx1"/>
+                      </a:solidFill>
+                      <a:prstDash val="solid"/>
+                      <a:round/>
+                      <a:headEnd type="none" w="med" len="med"/>
+                      <a:tailEnd type="none" w="med" len="med"/>
+                    </a:lnL>
+                    <a:lnR w="12700" cap="flat" cmpd="sng" algn="ctr">
+                      <a:solidFill>
+                        <a:schemeClr val="tx1"/>
+                      </a:solidFill>
+                      <a:prstDash val="solid"/>
+                      <a:round/>
+                      <a:headEnd type="none" w="med" len="med"/>
+                      <a:tailEnd type="none" w="med" len="med"/>
+                    </a:lnR>
+                    <a:lnT w="12700" cap="flat" cmpd="sng" algn="ctr">
+                      <a:solidFill>
+                        <a:schemeClr val="tx1"/>
+                      </a:solidFill>
+                      <a:prstDash val="solid"/>
+                      <a:round/>
+                      <a:headEnd type="none" w="med" len="med"/>
+                      <a:tailEnd type="none" w="med" len="med"/>
+                    </a:lnT>
+                    <a:lnB w="12700" cap="flat" cmpd="sng" algn="ctr">
+                      <a:solidFill>
+                        <a:schemeClr val="tx1"/>
+                      </a:solidFill>
+                      <a:prstDash val="solid"/>
+                      <a:round/>
+                      <a:headEnd type="none" w="med" len="med"/>
+                      <a:tailEnd type="none" w="med" len="med"/>
+                    </a:lnB>
+                  </a:tcPr>
                 </a:tc>
                 <a:tc>
                   <a:txBody>
@@ -17746,7 +18449,44 @@
                       </a:endParaRPr>
                     </a:p>
                   </a:txBody>
-                  <a:tcPr/>
+                  <a:tcPr>
+                    <a:lnL w="12700" cap="flat" cmpd="sng" algn="ctr">
+                      <a:solidFill>
+                        <a:schemeClr val="tx1"/>
+                      </a:solidFill>
+                      <a:prstDash val="solid"/>
+                      <a:round/>
+                      <a:headEnd type="none" w="med" len="med"/>
+                      <a:tailEnd type="none" w="med" len="med"/>
+                    </a:lnL>
+                    <a:lnR w="12700" cap="flat" cmpd="sng" algn="ctr">
+                      <a:solidFill>
+                        <a:schemeClr val="tx1"/>
+                      </a:solidFill>
+                      <a:prstDash val="solid"/>
+                      <a:round/>
+                      <a:headEnd type="none" w="med" len="med"/>
+                      <a:tailEnd type="none" w="med" len="med"/>
+                    </a:lnR>
+                    <a:lnT w="12700" cap="flat" cmpd="sng" algn="ctr">
+                      <a:solidFill>
+                        <a:schemeClr val="tx1"/>
+                      </a:solidFill>
+                      <a:prstDash val="solid"/>
+                      <a:round/>
+                      <a:headEnd type="none" w="med" len="med"/>
+                      <a:tailEnd type="none" w="med" len="med"/>
+                    </a:lnT>
+                    <a:lnB w="12700" cap="flat" cmpd="sng" algn="ctr">
+                      <a:solidFill>
+                        <a:schemeClr val="tx1"/>
+                      </a:solidFill>
+                      <a:prstDash val="solid"/>
+                      <a:round/>
+                      <a:headEnd type="none" w="med" len="med"/>
+                      <a:tailEnd type="none" w="med" len="med"/>
+                    </a:lnB>
+                  </a:tcPr>
                 </a:tc>
                 <a:tc>
                   <a:txBody>
@@ -17766,7 +18506,44 @@
                       </a:endParaRPr>
                     </a:p>
                   </a:txBody>
-                  <a:tcPr/>
+                  <a:tcPr>
+                    <a:lnL w="12700" cap="flat" cmpd="sng" algn="ctr">
+                      <a:solidFill>
+                        <a:schemeClr val="tx1"/>
+                      </a:solidFill>
+                      <a:prstDash val="solid"/>
+                      <a:round/>
+                      <a:headEnd type="none" w="med" len="med"/>
+                      <a:tailEnd type="none" w="med" len="med"/>
+                    </a:lnL>
+                    <a:lnR w="12700" cap="flat" cmpd="sng" algn="ctr">
+                      <a:solidFill>
+                        <a:schemeClr val="tx1"/>
+                      </a:solidFill>
+                      <a:prstDash val="solid"/>
+                      <a:round/>
+                      <a:headEnd type="none" w="med" len="med"/>
+                      <a:tailEnd type="none" w="med" len="med"/>
+                    </a:lnR>
+                    <a:lnT w="12700" cap="flat" cmpd="sng" algn="ctr">
+                      <a:solidFill>
+                        <a:schemeClr val="tx1"/>
+                      </a:solidFill>
+                      <a:prstDash val="solid"/>
+                      <a:round/>
+                      <a:headEnd type="none" w="med" len="med"/>
+                      <a:tailEnd type="none" w="med" len="med"/>
+                    </a:lnT>
+                    <a:lnB w="12700" cap="flat" cmpd="sng" algn="ctr">
+                      <a:solidFill>
+                        <a:schemeClr val="tx1"/>
+                      </a:solidFill>
+                      <a:prstDash val="solid"/>
+                      <a:round/>
+                      <a:headEnd type="none" w="med" len="med"/>
+                      <a:tailEnd type="none" w="med" len="med"/>
+                    </a:lnB>
+                  </a:tcPr>
                 </a:tc>
                 <a:tc>
                   <a:txBody>
@@ -17786,7 +18563,44 @@
                       </a:endParaRPr>
                     </a:p>
                   </a:txBody>
-                  <a:tcPr/>
+                  <a:tcPr>
+                    <a:lnL w="12700" cap="flat" cmpd="sng" algn="ctr">
+                      <a:solidFill>
+                        <a:schemeClr val="tx1"/>
+                      </a:solidFill>
+                      <a:prstDash val="solid"/>
+                      <a:round/>
+                      <a:headEnd type="none" w="med" len="med"/>
+                      <a:tailEnd type="none" w="med" len="med"/>
+                    </a:lnL>
+                    <a:lnR w="12700" cap="flat" cmpd="sng" algn="ctr">
+                      <a:solidFill>
+                        <a:schemeClr val="tx1"/>
+                      </a:solidFill>
+                      <a:prstDash val="solid"/>
+                      <a:round/>
+                      <a:headEnd type="none" w="med" len="med"/>
+                      <a:tailEnd type="none" w="med" len="med"/>
+                    </a:lnR>
+                    <a:lnT w="12700" cap="flat" cmpd="sng" algn="ctr">
+                      <a:solidFill>
+                        <a:schemeClr val="tx1"/>
+                      </a:solidFill>
+                      <a:prstDash val="solid"/>
+                      <a:round/>
+                      <a:headEnd type="none" w="med" len="med"/>
+                      <a:tailEnd type="none" w="med" len="med"/>
+                    </a:lnT>
+                    <a:lnB w="12700" cap="flat" cmpd="sng" algn="ctr">
+                      <a:solidFill>
+                        <a:schemeClr val="tx1"/>
+                      </a:solidFill>
+                      <a:prstDash val="solid"/>
+                      <a:round/>
+                      <a:headEnd type="none" w="med" len="med"/>
+                      <a:tailEnd type="none" w="med" len="med"/>
+                    </a:lnB>
+                  </a:tcPr>
                 </a:tc>
               </a:tr>
             </a:tbl>
@@ -17835,13 +18649,13 @@
           <p:nvPr>
             <p:extLst>
               <p:ext uri="{D42A27DB-BD31-4B8C-83A1-F6EECF244321}">
-                <p14:modId xmlns:p14="http://schemas.microsoft.com/office/powerpoint/2010/main" val="3364903570"/>
+                <p14:modId xmlns:p14="http://schemas.microsoft.com/office/powerpoint/2010/main" val="4067932048"/>
               </p:ext>
             </p:extLst>
           </p:nvPr>
         </p:nvGraphicFramePr>
         <p:xfrm>
-          <a:off x="5111372" y="2966912"/>
+          <a:off x="5217886" y="2952624"/>
           <a:ext cx="3124200" cy="350520"/>
         </p:xfrm>
         <a:graphic>
@@ -18148,13 +18962,13 @@
           <p:nvPr>
             <p:extLst>
               <p:ext uri="{D42A27DB-BD31-4B8C-83A1-F6EECF244321}">
-                <p14:modId xmlns:p14="http://schemas.microsoft.com/office/powerpoint/2010/main" val="397998890"/>
+                <p14:modId xmlns:p14="http://schemas.microsoft.com/office/powerpoint/2010/main" val="3185293846"/>
               </p:ext>
             </p:extLst>
           </p:nvPr>
         </p:nvGraphicFramePr>
         <p:xfrm>
-          <a:off x="5105400" y="3962400"/>
+          <a:off x="5217884" y="3886200"/>
           <a:ext cx="3124203" cy="335280"/>
         </p:xfrm>
         <a:graphic>
@@ -18412,13 +19226,13 @@
           <p:nvPr>
             <p:extLst>
               <p:ext uri="{D42A27DB-BD31-4B8C-83A1-F6EECF244321}">
-                <p14:modId xmlns:p14="http://schemas.microsoft.com/office/powerpoint/2010/main" val="1343597861"/>
+                <p14:modId xmlns:p14="http://schemas.microsoft.com/office/powerpoint/2010/main" val="3821445834"/>
               </p:ext>
             </p:extLst>
           </p:nvPr>
         </p:nvGraphicFramePr>
         <p:xfrm>
-          <a:off x="5111372" y="3478530"/>
+          <a:off x="5217886" y="3421380"/>
           <a:ext cx="3124200" cy="350520"/>
         </p:xfrm>
         <a:graphic>
@@ -19114,7 +19928,7 @@
         </p:spPr>
         <p:txBody>
           <a:bodyPr>
-            <a:normAutofit fontScale="92500"/>
+            <a:normAutofit/>
           </a:bodyPr>
           <a:lstStyle/>
           <a:p>
@@ -19156,24 +19970,6 @@
               </a:rPr>
               <a:t>.</a:t>
             </a:r>
-          </a:p>
-          <a:p>
-            <a:pPr marL="68580" indent="0" algn="just">
-              <a:buNone/>
-            </a:pPr>
-            <a:endParaRPr lang="en-US" dirty="0" smtClean="0">
-              <a:latin typeface="Arial" pitchFamily="34" charset="0"/>
-              <a:cs typeface="Arial" pitchFamily="34" charset="0"/>
-            </a:endParaRPr>
-          </a:p>
-          <a:p>
-            <a:pPr marL="68580" indent="0" algn="just">
-              <a:buNone/>
-            </a:pPr>
-            <a:endParaRPr lang="en-US" dirty="0">
-              <a:latin typeface="Arial" pitchFamily="34" charset="0"/>
-              <a:cs typeface="Arial" pitchFamily="34" charset="0"/>
-            </a:endParaRPr>
           </a:p>
           <a:p>
             <a:pPr marL="68580" indent="0" algn="just">
@@ -19221,6 +20017,47 @@
           </a:p>
         </p:txBody>
       </p:sp>
+      <p:pic>
+        <p:nvPicPr>
+          <p:cNvPr id="1026" name="Picture 2" descr="http://www.povnet.org/sites/default/files/imagecache/contextual/sites/povnet.org/files/Screen%20shot%202010-08-19%20at%2012.00.16%20PM.png"/>
+          <p:cNvPicPr>
+            <a:picLocks noChangeAspect="1" noChangeArrowheads="1"/>
+          </p:cNvPicPr>
+          <p:nvPr/>
+        </p:nvPicPr>
+        <p:blipFill>
+          <a:blip r:embed="rId2">
+            <a:extLst>
+              <a:ext uri="{28A0092B-C50C-407E-A947-70E740481C1C}">
+                <a14:useLocalDpi xmlns:a14="http://schemas.microsoft.com/office/drawing/2010/main" val="0"/>
+              </a:ext>
+            </a:extLst>
+          </a:blip>
+          <a:srcRect/>
+          <a:stretch>
+            <a:fillRect/>
+          </a:stretch>
+        </p:blipFill>
+        <p:spPr bwMode="auto">
+          <a:xfrm>
+            <a:off x="3350741" y="5334000"/>
+            <a:ext cx="1905000" cy="1123950"/>
+          </a:xfrm>
+          <a:prstGeom prst="rect">
+            <a:avLst/>
+          </a:prstGeom>
+          <a:noFill/>
+          <a:extLst>
+            <a:ext uri="{909E8E84-426E-40DD-AFC4-6F175D3DCCD1}">
+              <a14:hiddenFill xmlns:a14="http://schemas.microsoft.com/office/drawing/2010/main">
+                <a:solidFill>
+                  <a:srgbClr val="FFFFFF"/>
+                </a:solidFill>
+              </a14:hiddenFill>
+            </a:ext>
+          </a:extLst>
+        </p:spPr>
+      </p:pic>
     </p:spTree>
     <p:extLst>
       <p:ext uri="{BB962C8B-B14F-4D97-AF65-F5344CB8AC3E}">
@@ -19520,19 +20357,8 @@
                 <a:latin typeface="Arial" pitchFamily="34" charset="0"/>
                 <a:cs typeface="Arial" pitchFamily="34" charset="0"/>
               </a:rPr>
-              <a:t>What is it</a:t>
+              <a:t>What is it?</a:t>
             </a:r>
-            <a:r>
-              <a:rPr lang="en-US" dirty="0" smtClean="0">
-                <a:latin typeface="Arial" pitchFamily="34" charset="0"/>
-                <a:cs typeface="Arial" pitchFamily="34" charset="0"/>
-              </a:rPr>
-              <a:t>?</a:t>
-            </a:r>
-            <a:endParaRPr lang="en-US" dirty="0" smtClean="0">
-              <a:latin typeface="Arial" pitchFamily="34" charset="0"/>
-              <a:cs typeface="Arial" pitchFamily="34" charset="0"/>
-            </a:endParaRPr>
           </a:p>
         </p:txBody>
       </p:sp>
@@ -19545,7 +20371,7 @@
           <p:nvPr>
             <p:extLst>
               <p:ext uri="{D42A27DB-BD31-4B8C-83A1-F6EECF244321}">
-                <p14:modId xmlns:p14="http://schemas.microsoft.com/office/powerpoint/2010/main" val="2194849703"/>
+                <p14:modId xmlns:p14="http://schemas.microsoft.com/office/powerpoint/2010/main" val="257218432"/>
               </p:ext>
             </p:extLst>
           </p:nvPr>
@@ -20023,14 +20849,14 @@
           <p:nvPr>
             <p:extLst>
               <p:ext uri="{D42A27DB-BD31-4B8C-83A1-F6EECF244321}">
-                <p14:modId xmlns:p14="http://schemas.microsoft.com/office/powerpoint/2010/main" val="2633362475"/>
+                <p14:modId xmlns:p14="http://schemas.microsoft.com/office/powerpoint/2010/main" val="1468732750"/>
               </p:ext>
             </p:extLst>
           </p:nvPr>
         </p:nvGraphicFramePr>
         <p:xfrm>
           <a:off x="1400237" y="2438400"/>
-          <a:ext cx="6172201" cy="192786"/>
+          <a:ext cx="6172201" cy="176403"/>
         </p:xfrm>
         <a:graphic>
           <a:graphicData uri="http://schemas.openxmlformats.org/drawingml/2006/table">
@@ -20527,14 +21353,14 @@
           <p:nvPr>
             <p:extLst>
               <p:ext uri="{D42A27DB-BD31-4B8C-83A1-F6EECF244321}">
-                <p14:modId xmlns:p14="http://schemas.microsoft.com/office/powerpoint/2010/main" val="3269781554"/>
+                <p14:modId xmlns:p14="http://schemas.microsoft.com/office/powerpoint/2010/main" val="2071755143"/>
               </p:ext>
             </p:extLst>
           </p:nvPr>
         </p:nvGraphicFramePr>
         <p:xfrm>
           <a:off x="1400238" y="2667000"/>
-          <a:ext cx="6172200" cy="192786"/>
+          <a:ext cx="6172200" cy="176403"/>
         </p:xfrm>
         <a:graphic>
           <a:graphicData uri="http://schemas.openxmlformats.org/drawingml/2006/table">
@@ -21031,7 +21857,7 @@
           <p:nvPr>
             <p:extLst>
               <p:ext uri="{D42A27DB-BD31-4B8C-83A1-F6EECF244321}">
-                <p14:modId xmlns:p14="http://schemas.microsoft.com/office/powerpoint/2010/main" val="1485507622"/>
+                <p14:modId xmlns:p14="http://schemas.microsoft.com/office/powerpoint/2010/main" val="1108428027"/>
               </p:ext>
             </p:extLst>
           </p:nvPr>
@@ -21495,7 +22321,7 @@
           <p:nvPr>
             <p:extLst>
               <p:ext uri="{D42A27DB-BD31-4B8C-83A1-F6EECF244321}">
-                <p14:modId xmlns:p14="http://schemas.microsoft.com/office/powerpoint/2010/main" val="2228010600"/>
+                <p14:modId xmlns:p14="http://schemas.microsoft.com/office/powerpoint/2010/main" val="3347654958"/>
               </p:ext>
             </p:extLst>
           </p:nvPr>
@@ -21911,7 +22737,7 @@
           <p:nvPr>
             <p:extLst>
               <p:ext uri="{D42A27DB-BD31-4B8C-83A1-F6EECF244321}">
-                <p14:modId xmlns:p14="http://schemas.microsoft.com/office/powerpoint/2010/main" val="86366507"/>
+                <p14:modId xmlns:p14="http://schemas.microsoft.com/office/powerpoint/2010/main" val="1969143475"/>
               </p:ext>
             </p:extLst>
           </p:nvPr>
@@ -22327,7 +23153,7 @@
         <p:spPr>
           <a:xfrm>
             <a:off x="5438838" y="3810000"/>
-            <a:ext cx="533400" cy="381000"/>
+            <a:ext cx="533400" cy="369332"/>
           </a:xfrm>
           <a:prstGeom prst="rect">
             <a:avLst/>
@@ -27125,7 +27951,7 @@
         </p:nvSpPr>
         <p:spPr>
           <a:xfrm>
-            <a:off x="926011" y="1171468"/>
+            <a:off x="940427" y="848302"/>
             <a:ext cx="7315200" cy="646331"/>
           </a:xfrm>
           <a:prstGeom prst="rect">
@@ -27163,8 +27989,8 @@
         </p:nvSpPr>
         <p:spPr>
           <a:xfrm>
-            <a:off x="926011" y="2133600"/>
-            <a:ext cx="7315200" cy="3908762"/>
+            <a:off x="926011" y="1828800"/>
+            <a:ext cx="7315200" cy="2246769"/>
           </a:xfrm>
           <a:prstGeom prst="rect">
             <a:avLst/>
@@ -27177,7 +28003,7 @@
           <a:lstStyle/>
           <a:p>
             <a:r>
-              <a:rPr lang="en-US" sz="2400" dirty="0" smtClean="0">
+              <a:rPr lang="en-US" sz="2000" dirty="0" smtClean="0">
                 <a:solidFill>
                   <a:schemeClr val="tx2"/>
                 </a:solidFill>
@@ -27189,7 +28015,7 @@
           </a:p>
           <a:p>
             <a:r>
-              <a:rPr lang="en-US" sz="2400" dirty="0" smtClean="0">
+              <a:rPr lang="en-US" sz="2000" dirty="0" smtClean="0">
                 <a:solidFill>
                   <a:schemeClr val="tx2"/>
                 </a:solidFill>
@@ -27201,7 +28027,7 @@
           </a:p>
           <a:p>
             <a:r>
-              <a:rPr lang="en-US" sz="2400" dirty="0" smtClean="0">
+              <a:rPr lang="en-US" sz="2000" dirty="0" smtClean="0">
                 <a:solidFill>
                   <a:schemeClr val="tx2"/>
                 </a:solidFill>
@@ -27211,7 +28037,7 @@
               <a:t>-DBMS (</a:t>
             </a:r>
             <a:r>
-              <a:rPr lang="en-US" sz="2400" dirty="0" err="1" smtClean="0">
+              <a:rPr lang="en-US" sz="2000" dirty="0" err="1" smtClean="0">
                 <a:solidFill>
                   <a:schemeClr val="tx2"/>
                 </a:solidFill>
@@ -27221,19 +28047,48 @@
               <a:t>DataBase</a:t>
             </a:r>
             <a:r>
-              <a:rPr lang="en-US" sz="2400" dirty="0" smtClean="0">
+              <a:rPr lang="en-US" sz="2000" dirty="0" smtClean="0">
                 <a:solidFill>
                   <a:schemeClr val="tx2"/>
                 </a:solidFill>
                 <a:latin typeface="Arial" pitchFamily="34" charset="0"/>
                 <a:cs typeface="Arial" pitchFamily="34" charset="0"/>
               </a:rPr>
-              <a:t> Management System)</a:t>
+              <a:t> Management System</a:t>
             </a:r>
-          </a:p>
-          <a:p>
             <a:r>
-              <a:rPr lang="en-US" sz="2400" dirty="0" smtClean="0">
+              <a:rPr lang="en-US" sz="2000" dirty="0" smtClean="0">
+                <a:solidFill>
+                  <a:schemeClr val="tx2"/>
+                </a:solidFill>
+                <a:latin typeface="Arial" pitchFamily="34" charset="0"/>
+                <a:cs typeface="Arial" pitchFamily="34" charset="0"/>
+              </a:rPr>
+              <a:t>)</a:t>
+            </a:r>
+          </a:p>
+          <a:p>
+            <a:r>
+              <a:rPr lang="en-US" sz="2000" dirty="0" smtClean="0">
+                <a:solidFill>
+                  <a:schemeClr val="tx2"/>
+                </a:solidFill>
+                <a:latin typeface="Arial" pitchFamily="34" charset="0"/>
+                <a:cs typeface="Arial" pitchFamily="34" charset="0"/>
+              </a:rPr>
+              <a:t>-Cross Platform</a:t>
+            </a:r>
+            <a:endParaRPr lang="en-US" sz="2000" dirty="0" smtClean="0">
+              <a:solidFill>
+                <a:schemeClr val="tx2"/>
+              </a:solidFill>
+              <a:latin typeface="Arial" pitchFamily="34" charset="0"/>
+              <a:cs typeface="Arial" pitchFamily="34" charset="0"/>
+            </a:endParaRPr>
+          </a:p>
+          <a:p>
+            <a:r>
+              <a:rPr lang="en-US" sz="2000" dirty="0" smtClean="0">
                 <a:solidFill>
                   <a:schemeClr val="tx2"/>
                 </a:solidFill>
@@ -27245,7 +28100,7 @@
           </a:p>
           <a:p>
             <a:r>
-              <a:rPr lang="en-US" sz="2400" dirty="0" smtClean="0">
+              <a:rPr lang="en-US" sz="2000" dirty="0" smtClean="0">
                 <a:solidFill>
                   <a:schemeClr val="tx2"/>
                 </a:solidFill>
@@ -27257,18 +28112,26 @@
           </a:p>
           <a:p>
             <a:r>
-              <a:rPr lang="en-US" sz="2400" dirty="0" smtClean="0">
+              <a:rPr lang="en-US" sz="2000" dirty="0" smtClean="0">
                 <a:solidFill>
                   <a:schemeClr val="tx2"/>
                 </a:solidFill>
                 <a:latin typeface="Arial" pitchFamily="34" charset="0"/>
                 <a:cs typeface="Arial" pitchFamily="34" charset="0"/>
               </a:rPr>
-              <a:t>-Hybrid Storage</a:t>
+              <a:t>-Hybrid </a:t>
             </a:r>
-          </a:p>
-          <a:p>
-            <a:endParaRPr lang="en-US" sz="2400" dirty="0" smtClean="0">
+            <a:r>
+              <a:rPr lang="en-US" sz="2000" dirty="0" smtClean="0">
+                <a:solidFill>
+                  <a:schemeClr val="tx2"/>
+                </a:solidFill>
+                <a:latin typeface="Arial" pitchFamily="34" charset="0"/>
+                <a:cs typeface="Arial" pitchFamily="34" charset="0"/>
+              </a:rPr>
+              <a:t>Storage</a:t>
+            </a:r>
+            <a:endParaRPr lang="en-US" sz="2000" dirty="0" smtClean="0">
               <a:solidFill>
                 <a:schemeClr val="tx2"/>
               </a:solidFill>
@@ -27276,8 +28139,44 @@
               <a:cs typeface="Arial" pitchFamily="34" charset="0"/>
             </a:endParaRPr>
           </a:p>
-          <a:p>
-            <a:endParaRPr lang="en-US" sz="2400" dirty="0" smtClean="0">
+        </p:txBody>
+      </p:sp>
+      <p:sp>
+        <p:nvSpPr>
+          <p:cNvPr id="6" name="Rectangle 5"/>
+          <p:cNvSpPr/>
+          <p:nvPr/>
+        </p:nvSpPr>
+        <p:spPr>
+          <a:xfrm>
+            <a:off x="926011" y="4657367"/>
+            <a:ext cx="7315200" cy="1384995"/>
+          </a:xfrm>
+          <a:prstGeom prst="rect">
+            <a:avLst/>
+          </a:prstGeom>
+        </p:spPr>
+        <p:txBody>
+          <a:bodyPr wrap="square">
+            <a:spAutoFit/>
+          </a:bodyPr>
+          <a:lstStyle/>
+          <a:p>
+            <a:pPr algn="ctr"/>
+            <a:r>
+              <a:rPr lang="en-US" sz="2800" b="1" dirty="0" smtClean="0">
+                <a:solidFill>
+                  <a:schemeClr val="tx2"/>
+                </a:solidFill>
+                <a:latin typeface="Arial" pitchFamily="34" charset="0"/>
+                <a:cs typeface="Arial" pitchFamily="34" charset="0"/>
+              </a:rPr>
+              <a:t>Thank you for your attention</a:t>
+            </a:r>
+          </a:p>
+          <a:p>
+            <a:pPr algn="ctr"/>
+            <a:endParaRPr lang="en-US" sz="2800" b="1" dirty="0">
               <a:solidFill>
                 <a:schemeClr val="tx2"/>
               </a:solidFill>
@@ -27287,17 +28186,17 @@
           </a:p>
           <a:p>
             <a:pPr algn="ctr"/>
-            <a:endParaRPr lang="en-US" sz="2800" dirty="0" smtClean="0">
-              <a:solidFill>
-                <a:schemeClr val="tx2"/>
-              </a:solidFill>
-              <a:latin typeface="Arial" pitchFamily="34" charset="0"/>
-              <a:cs typeface="Arial" pitchFamily="34" charset="0"/>
-            </a:endParaRPr>
-          </a:p>
-          <a:p>
-            <a:pPr algn="ctr"/>
-            <a:endParaRPr lang="en-US" sz="2800" dirty="0">
+            <a:r>
+              <a:rPr lang="en-US" sz="2800" b="1" dirty="0" smtClean="0">
+                <a:solidFill>
+                  <a:schemeClr val="tx2"/>
+                </a:solidFill>
+                <a:latin typeface="Arial" pitchFamily="34" charset="0"/>
+                <a:cs typeface="Arial" pitchFamily="34" charset="0"/>
+              </a:rPr>
+              <a:t>Any question?</a:t>
+            </a:r>
+            <a:endParaRPr lang="en-US" sz="2800" b="1" dirty="0">
               <a:solidFill>
                 <a:schemeClr val="tx2"/>
               </a:solidFill>
@@ -27406,7 +28305,7 @@
         </p:blipFill>
         <p:spPr bwMode="auto">
           <a:xfrm>
-            <a:off x="1295400" y="753836"/>
+            <a:off x="1371600" y="753836"/>
             <a:ext cx="6324600" cy="5715000"/>
           </a:xfrm>
           <a:prstGeom prst="rect">
@@ -27428,147 +28327,6 @@
     <p:extLst>
       <p:ext uri="{BB962C8B-B14F-4D97-AF65-F5344CB8AC3E}">
         <p14:creationId xmlns:p14="http://schemas.microsoft.com/office/powerpoint/2010/main" val="3699391134"/>
-      </p:ext>
-    </p:extLst>
-  </p:cSld>
-  <p:clrMapOvr>
-    <a:masterClrMapping/>
-  </p:clrMapOvr>
-  <p:timing>
-    <p:tnLst>
-      <p:par>
-        <p:cTn id="1" dur="indefinite" restart="never" nodeType="tmRoot"/>
-      </p:par>
-    </p:tnLst>
-  </p:timing>
-</p:sld>
-</file>
-
-<file path=ppt/slides/slide30.xml><?xml version="1.0" encoding="utf-8"?>
-<p:sld xmlns:a="http://schemas.openxmlformats.org/drawingml/2006/main" xmlns:r="http://schemas.openxmlformats.org/officeDocument/2006/relationships" xmlns:p="http://schemas.openxmlformats.org/presentationml/2006/main">
-  <p:cSld>
-    <p:spTree>
-      <p:nvGrpSpPr>
-        <p:cNvPr id="1" name=""/>
-        <p:cNvGrpSpPr/>
-        <p:nvPr/>
-      </p:nvGrpSpPr>
-      <p:grpSpPr>
-        <a:xfrm>
-          <a:off x="0" y="0"/>
-          <a:ext cx="0" cy="0"/>
-          <a:chOff x="0" y="0"/>
-          <a:chExt cx="0" cy="0"/>
-        </a:xfrm>
-      </p:grpSpPr>
-      <p:sp>
-        <p:nvSpPr>
-          <p:cNvPr id="2" name="Title 1"/>
-          <p:cNvSpPr>
-            <a:spLocks noGrp="1"/>
-          </p:cNvSpPr>
-          <p:nvPr>
-            <p:ph type="title"/>
-          </p:nvPr>
-        </p:nvSpPr>
-        <p:spPr>
-          <a:xfrm>
-            <a:off x="4800600" y="0"/>
-            <a:ext cx="3124200" cy="494264"/>
-          </a:xfrm>
-        </p:spPr>
-        <p:txBody>
-          <a:bodyPr>
-            <a:noAutofit/>
-          </a:bodyPr>
-          <a:lstStyle/>
-          <a:p>
-            <a:pPr algn="ctr"/>
-            <a:r>
-              <a:rPr lang="en-US" sz="2800" dirty="0" smtClean="0">
-                <a:solidFill>
-                  <a:schemeClr val="bg1"/>
-                </a:solidFill>
-              </a:rPr>
-              <a:t>The End</a:t>
-            </a:r>
-            <a:endParaRPr lang="en-US" sz="2800" dirty="0">
-              <a:solidFill>
-                <a:schemeClr val="bg1"/>
-              </a:solidFill>
-            </a:endParaRPr>
-          </a:p>
-        </p:txBody>
-      </p:sp>
-      <p:sp>
-        <p:nvSpPr>
-          <p:cNvPr id="5" name="Rectangle 4"/>
-          <p:cNvSpPr/>
-          <p:nvPr/>
-        </p:nvSpPr>
-        <p:spPr>
-          <a:xfrm>
-            <a:off x="926011" y="1676400"/>
-            <a:ext cx="7315200" cy="1384995"/>
-          </a:xfrm>
-          <a:prstGeom prst="rect">
-            <a:avLst/>
-          </a:prstGeom>
-        </p:spPr>
-        <p:txBody>
-          <a:bodyPr wrap="square">
-            <a:spAutoFit/>
-          </a:bodyPr>
-          <a:lstStyle/>
-          <a:p>
-            <a:pPr algn="ctr"/>
-            <a:r>
-              <a:rPr lang="en-US" sz="2800" dirty="0" smtClean="0">
-                <a:solidFill>
-                  <a:schemeClr val="tx2"/>
-                </a:solidFill>
-                <a:latin typeface="Arial" pitchFamily="34" charset="0"/>
-                <a:cs typeface="Arial" pitchFamily="34" charset="0"/>
-              </a:rPr>
-              <a:t>Thank you for your attention</a:t>
-            </a:r>
-          </a:p>
-          <a:p>
-            <a:pPr algn="ctr"/>
-            <a:endParaRPr lang="en-US" sz="2800" dirty="0">
-              <a:solidFill>
-                <a:schemeClr val="tx2"/>
-              </a:solidFill>
-              <a:latin typeface="Arial" pitchFamily="34" charset="0"/>
-              <a:cs typeface="Arial" pitchFamily="34" charset="0"/>
-            </a:endParaRPr>
-          </a:p>
-          <a:p>
-            <a:pPr algn="ctr"/>
-            <a:r>
-              <a:rPr lang="en-US" sz="2800" dirty="0" smtClean="0">
-                <a:solidFill>
-                  <a:schemeClr val="tx2"/>
-                </a:solidFill>
-                <a:latin typeface="Arial" pitchFamily="34" charset="0"/>
-                <a:cs typeface="Arial" pitchFamily="34" charset="0"/>
-              </a:rPr>
-              <a:t>Any question?</a:t>
-            </a:r>
-            <a:endParaRPr lang="en-US" sz="2800" dirty="0">
-              <a:solidFill>
-                <a:schemeClr val="tx2"/>
-              </a:solidFill>
-              <a:latin typeface="Arial" pitchFamily="34" charset="0"/>
-              <a:cs typeface="Arial" pitchFamily="34" charset="0"/>
-            </a:endParaRPr>
-          </a:p>
-        </p:txBody>
-      </p:sp>
-    </p:spTree>
-    <p:extLst>
-      <p:ext uri="{BB962C8B-B14F-4D97-AF65-F5344CB8AC3E}">
-        <p14:creationId xmlns:p14="http://schemas.microsoft.com/office/powerpoint/2010/main" val="335330785"/>
       </p:ext>
     </p:extLst>
   </p:cSld>

--- a/slides/MonetDB workshop.pptx
+++ b/slides/MonetDB workshop.pptx
@@ -248,11 +248,11 @@
           <c:showBubbleSize val="0"/>
         </c:dLbls>
         <c:gapWidth val="150"/>
-        <c:axId val="76548736"/>
-        <c:axId val="85094784"/>
+        <c:axId val="68161536"/>
+        <c:axId val="68163072"/>
       </c:barChart>
       <c:catAx>
-        <c:axId val="76548736"/>
+        <c:axId val="68161536"/>
         <c:scaling>
           <c:orientation val="minMax"/>
         </c:scaling>
@@ -261,7 +261,7 @@
         <c:majorTickMark val="out"/>
         <c:minorTickMark val="none"/>
         <c:tickLblPos val="nextTo"/>
-        <c:crossAx val="85094784"/>
+        <c:crossAx val="68163072"/>
         <c:crosses val="autoZero"/>
         <c:auto val="1"/>
         <c:lblAlgn val="ctr"/>
@@ -269,7 +269,7 @@
         <c:noMultiLvlLbl val="0"/>
       </c:catAx>
       <c:valAx>
-        <c:axId val="85094784"/>
+        <c:axId val="68163072"/>
         <c:scaling>
           <c:orientation val="minMax"/>
         </c:scaling>
@@ -280,7 +280,7 @@
         <c:majorTickMark val="out"/>
         <c:minorTickMark val="none"/>
         <c:tickLblPos val="nextTo"/>
-        <c:crossAx val="76548736"/>
+        <c:crossAx val="68161536"/>
         <c:crosses val="autoZero"/>
         <c:crossBetween val="between"/>
       </c:valAx>
@@ -423,11 +423,11 @@
           <c:showBubbleSize val="0"/>
         </c:dLbls>
         <c:gapWidth val="150"/>
-        <c:axId val="85129856"/>
-        <c:axId val="85008768"/>
+        <c:axId val="68206592"/>
+        <c:axId val="68208128"/>
       </c:barChart>
       <c:catAx>
-        <c:axId val="85129856"/>
+        <c:axId val="68206592"/>
         <c:scaling>
           <c:orientation val="minMax"/>
         </c:scaling>
@@ -436,7 +436,7 @@
         <c:majorTickMark val="out"/>
         <c:minorTickMark val="none"/>
         <c:tickLblPos val="nextTo"/>
-        <c:crossAx val="85008768"/>
+        <c:crossAx val="68208128"/>
         <c:crosses val="autoZero"/>
         <c:auto val="1"/>
         <c:lblAlgn val="ctr"/>
@@ -444,7 +444,7 @@
         <c:noMultiLvlLbl val="0"/>
       </c:catAx>
       <c:valAx>
-        <c:axId val="85008768"/>
+        <c:axId val="68208128"/>
         <c:scaling>
           <c:orientation val="minMax"/>
         </c:scaling>
@@ -455,7 +455,7 @@
         <c:majorTickMark val="out"/>
         <c:minorTickMark val="none"/>
         <c:tickLblPos val="nextTo"/>
-        <c:crossAx val="85129856"/>
+        <c:crossAx val="68206592"/>
         <c:crosses val="autoZero"/>
         <c:crossBetween val="between"/>
       </c:valAx>
@@ -629,11 +629,11 @@
           <c:showBubbleSize val="0"/>
         </c:dLbls>
         <c:gapWidth val="150"/>
-        <c:axId val="46709376"/>
-        <c:axId val="85049728"/>
+        <c:axId val="70479872"/>
+        <c:axId val="70481408"/>
       </c:barChart>
       <c:catAx>
-        <c:axId val="46709376"/>
+        <c:axId val="70479872"/>
         <c:scaling>
           <c:orientation val="minMax"/>
         </c:scaling>
@@ -642,7 +642,7 @@
         <c:majorTickMark val="out"/>
         <c:minorTickMark val="none"/>
         <c:tickLblPos val="nextTo"/>
-        <c:crossAx val="85049728"/>
+        <c:crossAx val="70481408"/>
         <c:crosses val="autoZero"/>
         <c:auto val="1"/>
         <c:lblAlgn val="ctr"/>
@@ -650,7 +650,7 @@
         <c:noMultiLvlLbl val="0"/>
       </c:catAx>
       <c:valAx>
-        <c:axId val="85049728"/>
+        <c:axId val="70481408"/>
         <c:scaling>
           <c:orientation val="minMax"/>
         </c:scaling>
@@ -661,7 +661,7 @@
         <c:majorTickMark val="out"/>
         <c:minorTickMark val="none"/>
         <c:tickLblPos val="nextTo"/>
-        <c:crossAx val="46709376"/>
+        <c:crossAx val="70479872"/>
         <c:crosses val="autoZero"/>
         <c:crossBetween val="between"/>
       </c:valAx>
@@ -802,7 +802,7 @@
           <a:p>
             <a:fld id="{D33F08C4-19E2-45C3-B624-C97CC54881AA}" type="datetimeFigureOut">
               <a:rPr lang="en-US" smtClean="0"/>
-              <a:t>6/1/2015</a:t>
+              <a:t>6/2/2015</a:t>
             </a:fld>
             <a:endParaRPr lang="en-US"/>
           </a:p>
@@ -4079,7 +4079,7 @@
           <a:p>
             <a:fld id="{9CBAC602-64DA-4CCD-AFCB-7521516D8C55}" type="datetimeFigureOut">
               <a:rPr lang="en-US" smtClean="0"/>
-              <a:t>6/1/2015</a:t>
+              <a:t>6/2/2015</a:t>
             </a:fld>
             <a:endParaRPr lang="en-US"/>
           </a:p>
@@ -4364,7 +4364,7 @@
           <a:p>
             <a:fld id="{9CBAC602-64DA-4CCD-AFCB-7521516D8C55}" type="datetimeFigureOut">
               <a:rPr lang="en-US" smtClean="0"/>
-              <a:t>6/1/2015</a:t>
+              <a:t>6/2/2015</a:t>
             </a:fld>
             <a:endParaRPr lang="en-US"/>
           </a:p>
@@ -4539,7 +4539,7 @@
           <a:p>
             <a:fld id="{9CBAC602-64DA-4CCD-AFCB-7521516D8C55}" type="datetimeFigureOut">
               <a:rPr lang="en-US" smtClean="0"/>
-              <a:t>6/1/2015</a:t>
+              <a:t>6/2/2015</a:t>
             </a:fld>
             <a:endParaRPr lang="en-US"/>
           </a:p>
@@ -4704,7 +4704,7 @@
           <a:p>
             <a:fld id="{9CBAC602-64DA-4CCD-AFCB-7521516D8C55}" type="datetimeFigureOut">
               <a:rPr lang="en-US" smtClean="0"/>
-              <a:t>6/1/2015</a:t>
+              <a:t>6/2/2015</a:t>
             </a:fld>
             <a:endParaRPr lang="en-US"/>
           </a:p>
@@ -4945,7 +4945,7 @@
           <a:p>
             <a:fld id="{9CBAC602-64DA-4CCD-AFCB-7521516D8C55}" type="datetimeFigureOut">
               <a:rPr lang="en-US" smtClean="0"/>
-              <a:t>6/1/2015</a:t>
+              <a:t>6/2/2015</a:t>
             </a:fld>
             <a:endParaRPr lang="en-US"/>
           </a:p>
@@ -5058,7 +5058,7 @@
           <a:p>
             <a:fld id="{9CBAC602-64DA-4CCD-AFCB-7521516D8C55}" type="datetimeFigureOut">
               <a:rPr lang="en-US" smtClean="0"/>
-              <a:t>6/1/2015</a:t>
+              <a:t>6/2/2015</a:t>
             </a:fld>
             <a:endParaRPr lang="en-US"/>
           </a:p>
@@ -5597,7 +5597,7 @@
           <a:p>
             <a:fld id="{9CBAC602-64DA-4CCD-AFCB-7521516D8C55}" type="datetimeFigureOut">
               <a:rPr lang="en-US" smtClean="0"/>
-              <a:t>6/1/2015</a:t>
+              <a:t>6/2/2015</a:t>
             </a:fld>
             <a:endParaRPr lang="en-US"/>
           </a:p>
@@ -5710,7 +5710,7 @@
           <a:p>
             <a:fld id="{9CBAC602-64DA-4CCD-AFCB-7521516D8C55}" type="datetimeFigureOut">
               <a:rPr lang="en-US" smtClean="0"/>
-              <a:t>6/1/2015</a:t>
+              <a:t>6/2/2015</a:t>
             </a:fld>
             <a:endParaRPr lang="en-US"/>
           </a:p>
@@ -5800,7 +5800,7 @@
           <a:p>
             <a:fld id="{9CBAC602-64DA-4CCD-AFCB-7521516D8C55}" type="datetimeFigureOut">
               <a:rPr lang="en-US" smtClean="0"/>
-              <a:t>6/1/2015</a:t>
+              <a:t>6/2/2015</a:t>
             </a:fld>
             <a:endParaRPr lang="en-US"/>
           </a:p>
@@ -8451,7 +8451,7 @@
           <a:p>
             <a:fld id="{9CBAC602-64DA-4CCD-AFCB-7521516D8C55}" type="datetimeFigureOut">
               <a:rPr lang="en-US" smtClean="0"/>
-              <a:t>6/1/2015</a:t>
+              <a:t>6/2/2015</a:t>
             </a:fld>
             <a:endParaRPr lang="en-US"/>
           </a:p>
@@ -11663,7 +11663,7 @@
           <a:p>
             <a:fld id="{9CBAC602-64DA-4CCD-AFCB-7521516D8C55}" type="datetimeFigureOut">
               <a:rPr lang="en-US" smtClean="0"/>
-              <a:t>6/1/2015</a:t>
+              <a:t>6/2/2015</a:t>
             </a:fld>
             <a:endParaRPr lang="en-US"/>
           </a:p>
@@ -14485,7 +14485,7 @@
           <a:p>
             <a:fld id="{9CBAC602-64DA-4CCD-AFCB-7521516D8C55}" type="datetimeFigureOut">
               <a:rPr lang="en-US" smtClean="0"/>
-              <a:t>6/1/2015</a:t>
+              <a:t>6/2/2015</a:t>
             </a:fld>
             <a:endParaRPr lang="en-US"/>
           </a:p>
@@ -15576,10 +15576,6 @@
               </a:rPr>
               <a:t>Example of database</a:t>
             </a:r>
-            <a:endParaRPr lang="en-US" dirty="0" smtClean="0">
-              <a:latin typeface="Arial" pitchFamily="34" charset="0"/>
-              <a:cs typeface="Arial" pitchFamily="34" charset="0"/>
-            </a:endParaRPr>
           </a:p>
         </p:txBody>
       </p:sp>
@@ -15610,14 +15606,7 @@
                 <a:latin typeface="Arial" pitchFamily="34" charset="0"/>
                 <a:cs typeface="Arial" pitchFamily="34" charset="0"/>
               </a:rPr>
-              <a:t>A </a:t>
-            </a:r>
-            <a:r>
-              <a:rPr lang="en-US" dirty="0" smtClean="0">
-                <a:latin typeface="Arial" pitchFamily="34" charset="0"/>
-                <a:cs typeface="Arial" pitchFamily="34" charset="0"/>
-              </a:rPr>
-              <a:t>two-dimensional </a:t>
+              <a:t>A two-dimensional </a:t>
             </a:r>
             <a:r>
               <a:rPr lang="en-US" dirty="0">
@@ -15801,14 +15790,7 @@
                 <a:latin typeface="Arial" pitchFamily="34" charset="0"/>
                 <a:cs typeface="Arial" pitchFamily="34" charset="0"/>
               </a:rPr>
-              <a:t>Database </a:t>
-            </a:r>
-            <a:r>
-              <a:rPr lang="en-US" dirty="0" smtClean="0">
-                <a:latin typeface="Arial" pitchFamily="34" charset="0"/>
-                <a:cs typeface="Arial" pitchFamily="34" charset="0"/>
-              </a:rPr>
-              <a:t>Management System</a:t>
+              <a:t>Database Management System</a:t>
             </a:r>
           </a:p>
           <a:p>
@@ -21647,7 +21629,7 @@
         </p:nvGraphicFramePr>
         <p:xfrm>
           <a:off x="6324600" y="3657600"/>
-          <a:ext cx="1981200" cy="609600"/>
+          <a:ext cx="1981200" cy="621411"/>
         </p:xfrm>
         <a:graphic>
           <a:graphicData uri="http://schemas.openxmlformats.org/drawingml/2006/table">
@@ -25987,7 +25969,7 @@
         </p:nvGraphicFramePr>
         <p:xfrm>
           <a:off x="6553200" y="5029200"/>
-          <a:ext cx="2057400" cy="567690"/>
+          <a:ext cx="2057400" cy="569976"/>
         </p:xfrm>
         <a:graphic>
           <a:graphicData uri="http://schemas.openxmlformats.org/drawingml/2006/table">
@@ -27754,7 +27736,7 @@
           <p:nvPr>
             <p:extLst>
               <p:ext uri="{D42A27DB-BD31-4B8C-83A1-F6EECF244321}">
-                <p14:modId xmlns:p14="http://schemas.microsoft.com/office/powerpoint/2010/main" val="2822353198"/>
+                <p14:modId xmlns:p14="http://schemas.microsoft.com/office/powerpoint/2010/main" val="2002899530"/>
               </p:ext>
             </p:extLst>
           </p:nvPr>
@@ -27767,7 +27749,7 @@
           <a:graphicData uri="http://schemas.openxmlformats.org/drawingml/2006/table">
             <a:tbl>
               <a:tblPr firstRow="1" bandRow="1">
-                <a:tableStyleId>{5C22544A-7EE6-4342-B048-85BDC9FD1C3A}</a:tableStyleId>
+                <a:tableStyleId>{F5AB1C69-6EDB-4FF4-983F-18BD219EF322}</a:tableStyleId>
               </a:tblPr>
               <a:tblGrid>
                 <a:gridCol w="1524001"/>
@@ -27890,7 +27872,7 @@
                     <a:bodyPr/>
                     <a:lstStyle/>
                     <a:p>
-                      <a:endParaRPr lang="en-US"/>
+                      <a:endParaRPr lang="en-US" dirty="0"/>
                     </a:p>
                   </a:txBody>
                   <a:tcPr/>
@@ -28158,7 +28140,7 @@
                     <a:bodyPr/>
                     <a:lstStyle/>
                     <a:p>
-                      <a:endParaRPr lang="en-US"/>
+                      <a:endParaRPr lang="en-US" dirty="0"/>
                     </a:p>
                   </a:txBody>
                   <a:tcPr/>
@@ -28428,7 +28410,7 @@
           <p:nvPr>
             <p:extLst>
               <p:ext uri="{D42A27DB-BD31-4B8C-83A1-F6EECF244321}">
-                <p14:modId xmlns:p14="http://schemas.microsoft.com/office/powerpoint/2010/main" val="1425969992"/>
+                <p14:modId xmlns:p14="http://schemas.microsoft.com/office/powerpoint/2010/main" val="899661667"/>
               </p:ext>
             </p:extLst>
           </p:nvPr>
@@ -28441,7 +28423,7 @@
           <a:graphicData uri="http://schemas.openxmlformats.org/drawingml/2006/table">
             <a:tbl>
               <a:tblPr firstRow="1" bandRow="1">
-                <a:tableStyleId>{5C22544A-7EE6-4342-B048-85BDC9FD1C3A}</a:tableStyleId>
+                <a:tableStyleId>{F5AB1C69-6EDB-4FF4-983F-18BD219EF322}</a:tableStyleId>
               </a:tblPr>
               <a:tblGrid>
                 <a:gridCol w="2081102"/>
@@ -28899,7 +28881,7 @@
                     <a:bodyPr/>
                     <a:lstStyle/>
                     <a:p>
-                      <a:endParaRPr lang="en-US"/>
+                      <a:endParaRPr lang="en-US" dirty="0"/>
                     </a:p>
                   </a:txBody>
                   <a:tcPr/>
@@ -29089,53 +29071,32 @@
                 <a:latin typeface="Arial" pitchFamily="34" charset="0"/>
                 <a:cs typeface="Arial" pitchFamily="34" charset="0"/>
               </a:rPr>
-              <a:t>Using </a:t>
+              <a:t>Using the materialized view for rewrite the same query but simpler</a:t>
             </a:r>
+            <a:endParaRPr lang="en-US" sz="2000" dirty="0">
+              <a:latin typeface="Arial" pitchFamily="34" charset="0"/>
+              <a:cs typeface="Arial" pitchFamily="34" charset="0"/>
+            </a:endParaRPr>
+          </a:p>
+          <a:p>
+            <a:endParaRPr lang="en-US" sz="2000" dirty="0" smtClean="0">
+              <a:latin typeface="Arial" pitchFamily="34" charset="0"/>
+              <a:cs typeface="Arial" pitchFamily="34" charset="0"/>
+            </a:endParaRPr>
+          </a:p>
+          <a:p>
+            <a:endParaRPr lang="en-US" sz="2000" dirty="0" smtClean="0">
+              <a:latin typeface="Arial" pitchFamily="34" charset="0"/>
+              <a:cs typeface="Arial" pitchFamily="34" charset="0"/>
+            </a:endParaRPr>
+          </a:p>
+          <a:p>
             <a:r>
               <a:rPr lang="en-US" sz="2000" dirty="0" smtClean="0">
                 <a:latin typeface="Arial" pitchFamily="34" charset="0"/>
                 <a:cs typeface="Arial" pitchFamily="34" charset="0"/>
               </a:rPr>
-              <a:t>the materialized view for rewrite the same query </a:t>
-            </a:r>
-            <a:r>
-              <a:rPr lang="en-US" sz="2000" dirty="0" smtClean="0">
-                <a:latin typeface="Arial" pitchFamily="34" charset="0"/>
-                <a:cs typeface="Arial" pitchFamily="34" charset="0"/>
-              </a:rPr>
-              <a:t>but simpler</a:t>
-            </a:r>
-            <a:endParaRPr lang="en-US" sz="2000" dirty="0">
-              <a:latin typeface="Arial" pitchFamily="34" charset="0"/>
-              <a:cs typeface="Arial" pitchFamily="34" charset="0"/>
-            </a:endParaRPr>
-          </a:p>
-          <a:p>
-            <a:endParaRPr lang="en-US" sz="2000" dirty="0" smtClean="0">
-              <a:latin typeface="Arial" pitchFamily="34" charset="0"/>
-              <a:cs typeface="Arial" pitchFamily="34" charset="0"/>
-            </a:endParaRPr>
-          </a:p>
-          <a:p>
-            <a:endParaRPr lang="en-US" sz="2000" dirty="0" smtClean="0">
-              <a:latin typeface="Arial" pitchFamily="34" charset="0"/>
-              <a:cs typeface="Arial" pitchFamily="34" charset="0"/>
-            </a:endParaRPr>
-          </a:p>
-          <a:p>
-            <a:r>
-              <a:rPr lang="en-US" sz="2000" dirty="0" smtClean="0">
-                <a:latin typeface="Arial" pitchFamily="34" charset="0"/>
-                <a:cs typeface="Arial" pitchFamily="34" charset="0"/>
-              </a:rPr>
-              <a:t>The query rewrite </a:t>
-            </a:r>
-            <a:r>
-              <a:rPr lang="en-US" sz="2000" dirty="0" smtClean="0">
-                <a:latin typeface="Arial" pitchFamily="34" charset="0"/>
-                <a:cs typeface="Arial" pitchFamily="34" charset="0"/>
-              </a:rPr>
-              <a:t>does not </a:t>
+              <a:t>The query rewrite does not </a:t>
             </a:r>
             <a:r>
               <a:rPr lang="en-US" sz="2000" dirty="0" err="1" smtClean="0">
@@ -29149,21 +29110,7 @@
                 <a:latin typeface="Arial" pitchFamily="34" charset="0"/>
                 <a:cs typeface="Arial" pitchFamily="34" charset="0"/>
               </a:rPr>
-              <a:t>, therefore it’s </a:t>
-            </a:r>
-            <a:r>
-              <a:rPr lang="en-US" sz="2000" dirty="0" smtClean="0">
-                <a:latin typeface="Arial" pitchFamily="34" charset="0"/>
-                <a:cs typeface="Arial" pitchFamily="34" charset="0"/>
-              </a:rPr>
-              <a:t>runs </a:t>
-            </a:r>
-            <a:r>
-              <a:rPr lang="en-US" sz="2000" dirty="0" smtClean="0">
-                <a:latin typeface="Arial" pitchFamily="34" charset="0"/>
-                <a:cs typeface="Arial" pitchFamily="34" charset="0"/>
-              </a:rPr>
-              <a:t>faster than the first query </a:t>
+              <a:t>, therefore it’s runs faster than the first query </a:t>
             </a:r>
           </a:p>
           <a:p>
@@ -31204,14 +31151,7 @@
                 <a:latin typeface="Arial" pitchFamily="34" charset="0"/>
                 <a:cs typeface="Arial" pitchFamily="34" charset="0"/>
               </a:rPr>
-              <a:t>4,000 </a:t>
-            </a:r>
-            <a:r>
-              <a:rPr lang="en-US" dirty="0" smtClean="0">
-                <a:latin typeface="Arial" pitchFamily="34" charset="0"/>
-                <a:cs typeface="Arial" pitchFamily="34" charset="0"/>
-              </a:rPr>
-              <a:t>rows</a:t>
+              <a:t>4,000 rows</a:t>
             </a:r>
             <a:endParaRPr lang="en-US" dirty="0">
               <a:latin typeface="Arial" pitchFamily="34" charset="0"/>
@@ -31452,28 +31392,7 @@
                 <a:latin typeface="Arial" pitchFamily="34" charset="0"/>
                 <a:cs typeface="Arial" pitchFamily="34" charset="0"/>
               </a:rPr>
-              <a:t>Performance Comparisons between </a:t>
-            </a:r>
-            <a:r>
-              <a:rPr lang="en-US" sz="9600" dirty="0" smtClean="0">
-                <a:latin typeface="Arial" pitchFamily="34" charset="0"/>
-                <a:cs typeface="Arial" pitchFamily="34" charset="0"/>
-              </a:rPr>
-              <a:t>MySQL </a:t>
-            </a:r>
-            <a:r>
-              <a:rPr lang="en-US" sz="9600" dirty="0" smtClean="0">
-                <a:latin typeface="Arial" pitchFamily="34" charset="0"/>
-                <a:cs typeface="Arial" pitchFamily="34" charset="0"/>
-              </a:rPr>
-              <a:t>and </a:t>
-            </a:r>
-            <a:r>
-              <a:rPr lang="en-US" sz="9600" dirty="0" smtClean="0">
-                <a:latin typeface="Arial" pitchFamily="34" charset="0"/>
-                <a:cs typeface="Arial" pitchFamily="34" charset="0"/>
-              </a:rPr>
-              <a:t>MonetDB</a:t>
+              <a:t>Performance Comparisons between MySQL and MonetDB</a:t>
             </a:r>
           </a:p>
           <a:p>
@@ -33542,8 +33461,15 @@
                 <a:latin typeface="Arial" pitchFamily="34" charset="0"/>
                 <a:cs typeface="Arial" pitchFamily="34" charset="0"/>
               </a:rPr>
-              <a:t>Thank you for your attention</a:t>
+              <a:t>Merci beaucoup !</a:t>
             </a:r>
+            <a:endParaRPr lang="en-US" sz="2800" b="1" dirty="0" smtClean="0">
+              <a:solidFill>
+                <a:schemeClr val="tx2"/>
+              </a:solidFill>
+              <a:latin typeface="Arial" pitchFamily="34" charset="0"/>
+              <a:cs typeface="Arial" pitchFamily="34" charset="0"/>
+            </a:endParaRPr>
           </a:p>
           <a:p>
             <a:pPr algn="ctr"/>
@@ -33932,14 +33858,7 @@
                 <a:latin typeface="Arial" pitchFamily="34" charset="0"/>
                 <a:cs typeface="Arial" pitchFamily="34" charset="0"/>
               </a:rPr>
-              <a:t>Variety: Different </a:t>
-            </a:r>
-            <a:r>
-              <a:rPr lang="en-US" dirty="0" smtClean="0">
-                <a:latin typeface="Arial" pitchFamily="34" charset="0"/>
-                <a:cs typeface="Arial" pitchFamily="34" charset="0"/>
-              </a:rPr>
-              <a:t>type of data</a:t>
+              <a:t>Variety: Different type of data</a:t>
             </a:r>
             <a:endParaRPr lang="en-US" dirty="0">
               <a:latin typeface="Arial" pitchFamily="34" charset="0"/>
@@ -33983,21 +33902,7 @@
                 <a:latin typeface="Arial" pitchFamily="34" charset="0"/>
                 <a:cs typeface="Arial" pitchFamily="34" charset="0"/>
               </a:rPr>
-              <a:t>Volume</a:t>
-            </a:r>
-            <a:r>
-              <a:rPr lang="en-US" dirty="0" smtClean="0">
-                <a:latin typeface="Arial" pitchFamily="34" charset="0"/>
-                <a:cs typeface="Arial" pitchFamily="34" charset="0"/>
-              </a:rPr>
-              <a:t>: Data increase all </a:t>
-            </a:r>
-            <a:r>
-              <a:rPr lang="en-US" dirty="0" smtClean="0">
-                <a:latin typeface="Arial" pitchFamily="34" charset="0"/>
-                <a:cs typeface="Arial" pitchFamily="34" charset="0"/>
-              </a:rPr>
-              <a:t>time</a:t>
+              <a:t>Volume: Data increase all time</a:t>
             </a:r>
           </a:p>
           <a:p>
@@ -34033,14 +33938,7 @@
                 <a:latin typeface="Arial" pitchFamily="34" charset="0"/>
                 <a:cs typeface="Arial" pitchFamily="34" charset="0"/>
               </a:rPr>
-              <a:t>Velocity</a:t>
-            </a:r>
-            <a:r>
-              <a:rPr lang="en-US" dirty="0" smtClean="0">
-                <a:latin typeface="Arial" pitchFamily="34" charset="0"/>
-                <a:cs typeface="Arial" pitchFamily="34" charset="0"/>
-              </a:rPr>
-              <a:t>: Need to be faster</a:t>
+              <a:t>Velocity: Need to be faster</a:t>
             </a:r>
           </a:p>
           <a:p>
@@ -35491,11 +35389,11 @@
   <p:clrMapOvr>
     <a:masterClrMapping/>
   </p:clrMapOvr>
-  <mc:AlternateContent xmlns:mc="http://schemas.openxmlformats.org/markup-compatibility/2006">
-    <mc:Choice xmlns:p14="http://schemas.microsoft.com/office/powerpoint/2010/main" Requires="p14">
+  <mc:AlternateContent xmlns:mc="http://schemas.openxmlformats.org/markup-compatibility/2006" xmlns:p14="http://schemas.microsoft.com/office/powerpoint/2010/main">
+    <mc:Choice Requires="p14">
       <p:transition spd="slow" p14:dur="2000"/>
     </mc:Choice>
-    <mc:Fallback>
+    <mc:Fallback xmlns="">
       <p:transition spd="slow"/>
     </mc:Fallback>
   </mc:AlternateContent>
@@ -35792,14 +35690,7 @@
                 <a:latin typeface="Arial" pitchFamily="34" charset="0"/>
                 <a:cs typeface="Arial" pitchFamily="34" charset="0"/>
               </a:rPr>
-              <a:t>The relational model, first proposed in 1970 by Dr. </a:t>
-            </a:r>
-            <a:r>
-              <a:rPr lang="en-US" dirty="0">
-                <a:latin typeface="Arial" pitchFamily="34" charset="0"/>
-                <a:cs typeface="Arial" pitchFamily="34" charset="0"/>
-              </a:rPr>
-              <a:t>Edgar Frank </a:t>
+              <a:t>The relational model, first proposed in 1970 by Dr. Edgar Frank </a:t>
             </a:r>
             <a:r>
               <a:rPr lang="en-US" dirty="0" smtClean="0">

--- a/slides/MonetDB workshop.pptx
+++ b/slides/MonetDB workshop.pptx
@@ -248,11 +248,11 @@
           <c:showBubbleSize val="0"/>
         </c:dLbls>
         <c:gapWidth val="150"/>
-        <c:axId val="68161536"/>
-        <c:axId val="68163072"/>
+        <c:axId val="68850048"/>
+        <c:axId val="68851584"/>
       </c:barChart>
       <c:catAx>
-        <c:axId val="68161536"/>
+        <c:axId val="68850048"/>
         <c:scaling>
           <c:orientation val="minMax"/>
         </c:scaling>
@@ -261,7 +261,7 @@
         <c:majorTickMark val="out"/>
         <c:minorTickMark val="none"/>
         <c:tickLblPos val="nextTo"/>
-        <c:crossAx val="68163072"/>
+        <c:crossAx val="68851584"/>
         <c:crosses val="autoZero"/>
         <c:auto val="1"/>
         <c:lblAlgn val="ctr"/>
@@ -269,7 +269,7 @@
         <c:noMultiLvlLbl val="0"/>
       </c:catAx>
       <c:valAx>
-        <c:axId val="68163072"/>
+        <c:axId val="68851584"/>
         <c:scaling>
           <c:orientation val="minMax"/>
         </c:scaling>
@@ -280,7 +280,7 @@
         <c:majorTickMark val="out"/>
         <c:minorTickMark val="none"/>
         <c:tickLblPos val="nextTo"/>
-        <c:crossAx val="68161536"/>
+        <c:crossAx val="68850048"/>
         <c:crosses val="autoZero"/>
         <c:crossBetween val="between"/>
       </c:valAx>
@@ -423,11 +423,11 @@
           <c:showBubbleSize val="0"/>
         </c:dLbls>
         <c:gapWidth val="150"/>
-        <c:axId val="68206592"/>
-        <c:axId val="68208128"/>
+        <c:axId val="73707904"/>
+        <c:axId val="73709440"/>
       </c:barChart>
       <c:catAx>
-        <c:axId val="68206592"/>
+        <c:axId val="73707904"/>
         <c:scaling>
           <c:orientation val="minMax"/>
         </c:scaling>
@@ -436,7 +436,7 @@
         <c:majorTickMark val="out"/>
         <c:minorTickMark val="none"/>
         <c:tickLblPos val="nextTo"/>
-        <c:crossAx val="68208128"/>
+        <c:crossAx val="73709440"/>
         <c:crosses val="autoZero"/>
         <c:auto val="1"/>
         <c:lblAlgn val="ctr"/>
@@ -444,7 +444,7 @@
         <c:noMultiLvlLbl val="0"/>
       </c:catAx>
       <c:valAx>
-        <c:axId val="68208128"/>
+        <c:axId val="73709440"/>
         <c:scaling>
           <c:orientation val="minMax"/>
         </c:scaling>
@@ -455,7 +455,7 @@
         <c:majorTickMark val="out"/>
         <c:minorTickMark val="none"/>
         <c:tickLblPos val="nextTo"/>
-        <c:crossAx val="68206592"/>
+        <c:crossAx val="73707904"/>
         <c:crosses val="autoZero"/>
         <c:crossBetween val="between"/>
       </c:valAx>
@@ -629,11 +629,11 @@
           <c:showBubbleSize val="0"/>
         </c:dLbls>
         <c:gapWidth val="150"/>
-        <c:axId val="70479872"/>
-        <c:axId val="70481408"/>
+        <c:axId val="75194752"/>
+        <c:axId val="75196288"/>
       </c:barChart>
       <c:catAx>
-        <c:axId val="70479872"/>
+        <c:axId val="75194752"/>
         <c:scaling>
           <c:orientation val="minMax"/>
         </c:scaling>
@@ -642,7 +642,7 @@
         <c:majorTickMark val="out"/>
         <c:minorTickMark val="none"/>
         <c:tickLblPos val="nextTo"/>
-        <c:crossAx val="70481408"/>
+        <c:crossAx val="75196288"/>
         <c:crosses val="autoZero"/>
         <c:auto val="1"/>
         <c:lblAlgn val="ctr"/>
@@ -650,7 +650,7 @@
         <c:noMultiLvlLbl val="0"/>
       </c:catAx>
       <c:valAx>
-        <c:axId val="70481408"/>
+        <c:axId val="75196288"/>
         <c:scaling>
           <c:orientation val="minMax"/>
         </c:scaling>
@@ -661,7 +661,7 @@
         <c:majorTickMark val="out"/>
         <c:minorTickMark val="none"/>
         <c:tickLblPos val="nextTo"/>
-        <c:crossAx val="70479872"/>
+        <c:crossAx val="75194752"/>
         <c:crosses val="autoZero"/>
         <c:crossBetween val="between"/>
       </c:valAx>
@@ -26993,7 +26993,7 @@
         <p:spPr>
           <a:xfrm>
             <a:off x="914400" y="1295400"/>
-            <a:ext cx="6777317" cy="5105400"/>
+            <a:ext cx="7315200" cy="5105400"/>
           </a:xfrm>
           <a:prstGeom prst="rect">
             <a:avLst/>
@@ -27671,7 +27671,7 @@
         </p:nvSpPr>
         <p:spPr>
           <a:xfrm>
-            <a:off x="2574556" y="721667"/>
+            <a:off x="2743839" y="950266"/>
             <a:ext cx="3656322" cy="461665"/>
           </a:xfrm>
           <a:prstGeom prst="rect">
@@ -27736,7 +27736,7 @@
           <p:nvPr>
             <p:extLst>
               <p:ext uri="{D42A27DB-BD31-4B8C-83A1-F6EECF244321}">
-                <p14:modId xmlns:p14="http://schemas.microsoft.com/office/powerpoint/2010/main" val="2002899530"/>
+                <p14:modId xmlns:p14="http://schemas.microsoft.com/office/powerpoint/2010/main" val="749588089"/>
               </p:ext>
             </p:extLst>
           </p:nvPr>
@@ -28199,7 +28199,7 @@
                       </a:r>
                       <a:r>
                         <a:rPr lang="en-US" baseline="0" dirty="0" smtClean="0"/>
-                        <a:t> 000</a:t>
+                        <a:t>000</a:t>
                       </a:r>
                       <a:endParaRPr lang="en-US" dirty="0"/>
                     </a:p>
@@ -28345,7 +28345,7 @@
         </p:nvSpPr>
         <p:spPr>
           <a:xfrm>
-            <a:off x="2703598" y="721667"/>
+            <a:off x="2872880" y="838200"/>
             <a:ext cx="3398239" cy="461665"/>
           </a:xfrm>
           <a:prstGeom prst="rect">
@@ -29035,7 +29035,7 @@
         </p:nvSpPr>
         <p:spPr>
           <a:xfrm>
-            <a:off x="1043492" y="914400"/>
+            <a:off x="1183341" y="914400"/>
             <a:ext cx="6777317" cy="4437352"/>
           </a:xfrm>
         </p:spPr>
@@ -32475,13 +32475,13 @@
           <p:nvPr>
             <p:extLst>
               <p:ext uri="{D42A27DB-BD31-4B8C-83A1-F6EECF244321}">
-                <p14:modId xmlns:p14="http://schemas.microsoft.com/office/powerpoint/2010/main" val="2765963157"/>
+                <p14:modId xmlns:p14="http://schemas.microsoft.com/office/powerpoint/2010/main" val="3417544889"/>
               </p:ext>
             </p:extLst>
           </p:nvPr>
         </p:nvGraphicFramePr>
         <p:xfrm>
-          <a:off x="1666332" y="2590800"/>
+          <a:off x="1518966" y="2578795"/>
           <a:ext cx="6106068" cy="3505200"/>
         </p:xfrm>
         <a:graphic>
@@ -33280,7 +33280,7 @@
         </p:nvSpPr>
         <p:spPr>
           <a:xfrm>
-            <a:off x="990600" y="1219200"/>
+            <a:off x="1182252" y="1219200"/>
             <a:ext cx="6777317" cy="3886201"/>
           </a:xfrm>
         </p:spPr>
@@ -33463,13 +33463,6 @@
               </a:rPr>
               <a:t>Merci beaucoup !</a:t>
             </a:r>
-            <a:endParaRPr lang="en-US" sz="2800" b="1" dirty="0" smtClean="0">
-              <a:solidFill>
-                <a:schemeClr val="tx2"/>
-              </a:solidFill>
-              <a:latin typeface="Arial" pitchFamily="34" charset="0"/>
-              <a:cs typeface="Arial" pitchFamily="34" charset="0"/>
-            </a:endParaRPr>
           </a:p>
           <a:p>
             <a:pPr algn="ctr"/>
@@ -33813,7 +33806,7 @@
         </p:blipFill>
         <p:spPr bwMode="auto">
           <a:xfrm>
-            <a:off x="5389562" y="5448300"/>
+            <a:off x="917575" y="350119"/>
             <a:ext cx="3154362" cy="1054819"/>
           </a:xfrm>
           <a:prstGeom prst="rect">
@@ -33843,7 +33836,7 @@
         </p:nvSpPr>
         <p:spPr>
           <a:xfrm>
-            <a:off x="1040466" y="1227137"/>
+            <a:off x="1069975" y="1450975"/>
             <a:ext cx="6777317" cy="4918229"/>
           </a:xfrm>
         </p:spPr>
@@ -33938,8 +33931,19 @@
                 <a:latin typeface="Arial" pitchFamily="34" charset="0"/>
                 <a:cs typeface="Arial" pitchFamily="34" charset="0"/>
               </a:rPr>
-              <a:t>Velocity: Need to be faster</a:t>
+              <a:t>Velocity: </a:t>
             </a:r>
+            <a:r>
+              <a:rPr lang="en-US" dirty="0" smtClean="0">
+                <a:latin typeface="Arial" pitchFamily="34" charset="0"/>
+                <a:cs typeface="Arial" pitchFamily="34" charset="0"/>
+              </a:rPr>
+              <a:t>The data need to be treated now ? Or later ?</a:t>
+            </a:r>
+            <a:endParaRPr lang="en-US" dirty="0" smtClean="0">
+              <a:latin typeface="Arial" pitchFamily="34" charset="0"/>
+              <a:cs typeface="Arial" pitchFamily="34" charset="0"/>
+            </a:endParaRPr>
           </a:p>
           <a:p>
             <a:pPr marL="68580" indent="0">
@@ -34518,7 +34522,7 @@
         </p:blipFill>
         <p:spPr bwMode="auto">
           <a:xfrm>
-            <a:off x="2628900" y="1993108"/>
+            <a:off x="3200400" y="2183608"/>
             <a:ext cx="677862" cy="677862"/>
           </a:xfrm>
           <a:prstGeom prst="rect">
@@ -34559,7 +34563,7 @@
         </p:blipFill>
         <p:spPr bwMode="auto">
           <a:xfrm>
-            <a:off x="3817938" y="1993108"/>
+            <a:off x="4740275" y="2179639"/>
             <a:ext cx="677862" cy="677862"/>
           </a:xfrm>
           <a:prstGeom prst="rect">
@@ -34600,7 +34604,7 @@
         </p:blipFill>
         <p:spPr bwMode="auto">
           <a:xfrm>
-            <a:off x="5050631" y="1993108"/>
+            <a:off x="6324600" y="2179638"/>
             <a:ext cx="677863" cy="677863"/>
           </a:xfrm>
           <a:prstGeom prst="rect">
@@ -34641,7 +34645,7 @@
         </p:blipFill>
         <p:spPr bwMode="auto">
           <a:xfrm>
-            <a:off x="1431772" y="1993108"/>
+            <a:off x="1574647" y="2179638"/>
             <a:ext cx="705003" cy="677862"/>
           </a:xfrm>
           <a:prstGeom prst="rect">
@@ -34682,7 +34686,7 @@
         </p:blipFill>
         <p:spPr bwMode="auto">
           <a:xfrm>
-            <a:off x="3080147" y="3581400"/>
+            <a:off x="3306762" y="3810000"/>
             <a:ext cx="2153444" cy="1600082"/>
           </a:xfrm>
           <a:prstGeom prst="rect">

--- a/slides/MonetDB workshop.pptx
+++ b/slides/MonetDB workshop.pptx
@@ -174,7 +174,6 @@
           </a:p>
         </c:rich>
       </c:tx>
-      <c:layout/>
       <c:overlay val="0"/>
     </c:title>
     <c:autoTitleDeleted val="0"/>
@@ -248,11 +247,11 @@
           <c:showBubbleSize val="0"/>
         </c:dLbls>
         <c:gapWidth val="150"/>
-        <c:axId val="68850048"/>
-        <c:axId val="68851584"/>
+        <c:axId val="82940288"/>
+        <c:axId val="82941824"/>
       </c:barChart>
       <c:catAx>
-        <c:axId val="68850048"/>
+        <c:axId val="82940288"/>
         <c:scaling>
           <c:orientation val="minMax"/>
         </c:scaling>
@@ -261,7 +260,7 @@
         <c:majorTickMark val="out"/>
         <c:minorTickMark val="none"/>
         <c:tickLblPos val="nextTo"/>
-        <c:crossAx val="68851584"/>
+        <c:crossAx val="82941824"/>
         <c:crosses val="autoZero"/>
         <c:auto val="1"/>
         <c:lblAlgn val="ctr"/>
@@ -269,7 +268,7 @@
         <c:noMultiLvlLbl val="0"/>
       </c:catAx>
       <c:valAx>
-        <c:axId val="68851584"/>
+        <c:axId val="82941824"/>
         <c:scaling>
           <c:orientation val="minMax"/>
         </c:scaling>
@@ -280,7 +279,7 @@
         <c:majorTickMark val="out"/>
         <c:minorTickMark val="none"/>
         <c:tickLblPos val="nextTo"/>
-        <c:crossAx val="68850048"/>
+        <c:crossAx val="82940288"/>
         <c:crosses val="autoZero"/>
         <c:crossBetween val="between"/>
       </c:valAx>
@@ -354,7 +353,6 @@
           </a:p>
         </c:rich>
       </c:tx>
-      <c:layout/>
       <c:overlay val="0"/>
     </c:title>
     <c:autoTitleDeleted val="0"/>
@@ -423,11 +421,11 @@
           <c:showBubbleSize val="0"/>
         </c:dLbls>
         <c:gapWidth val="150"/>
-        <c:axId val="73707904"/>
-        <c:axId val="73709440"/>
+        <c:axId val="91079040"/>
+        <c:axId val="91080576"/>
       </c:barChart>
       <c:catAx>
-        <c:axId val="73707904"/>
+        <c:axId val="91079040"/>
         <c:scaling>
           <c:orientation val="minMax"/>
         </c:scaling>
@@ -436,7 +434,7 @@
         <c:majorTickMark val="out"/>
         <c:minorTickMark val="none"/>
         <c:tickLblPos val="nextTo"/>
-        <c:crossAx val="73709440"/>
+        <c:crossAx val="91080576"/>
         <c:crosses val="autoZero"/>
         <c:auto val="1"/>
         <c:lblAlgn val="ctr"/>
@@ -444,7 +442,7 @@
         <c:noMultiLvlLbl val="0"/>
       </c:catAx>
       <c:valAx>
-        <c:axId val="73709440"/>
+        <c:axId val="91080576"/>
         <c:scaling>
           <c:orientation val="minMax"/>
         </c:scaling>
@@ -455,7 +453,7 @@
         <c:majorTickMark val="out"/>
         <c:minorTickMark val="none"/>
         <c:tickLblPos val="nextTo"/>
-        <c:crossAx val="73707904"/>
+        <c:crossAx val="91079040"/>
         <c:crosses val="autoZero"/>
         <c:crossBetween val="between"/>
       </c:valAx>
@@ -629,11 +627,11 @@
           <c:showBubbleSize val="0"/>
         </c:dLbls>
         <c:gapWidth val="150"/>
-        <c:axId val="75194752"/>
-        <c:axId val="75196288"/>
+        <c:axId val="98529664"/>
+        <c:axId val="98531200"/>
       </c:barChart>
       <c:catAx>
-        <c:axId val="75194752"/>
+        <c:axId val="98529664"/>
         <c:scaling>
           <c:orientation val="minMax"/>
         </c:scaling>
@@ -642,7 +640,7 @@
         <c:majorTickMark val="out"/>
         <c:minorTickMark val="none"/>
         <c:tickLblPos val="nextTo"/>
-        <c:crossAx val="75196288"/>
+        <c:crossAx val="98531200"/>
         <c:crosses val="autoZero"/>
         <c:auto val="1"/>
         <c:lblAlgn val="ctr"/>
@@ -650,7 +648,7 @@
         <c:noMultiLvlLbl val="0"/>
       </c:catAx>
       <c:valAx>
-        <c:axId val="75196288"/>
+        <c:axId val="98531200"/>
         <c:scaling>
           <c:orientation val="minMax"/>
         </c:scaling>
@@ -661,14 +659,13 @@
         <c:majorTickMark val="out"/>
         <c:minorTickMark val="none"/>
         <c:tickLblPos val="nextTo"/>
-        <c:crossAx val="75194752"/>
+        <c:crossAx val="98529664"/>
         <c:crosses val="autoZero"/>
         <c:crossBetween val="between"/>
       </c:valAx>
     </c:plotArea>
     <c:legend>
       <c:legendPos val="r"/>
-      <c:layout/>
       <c:overlay val="0"/>
       <c:txPr>
         <a:bodyPr/>
@@ -33931,14 +33928,28 @@
                 <a:latin typeface="Arial" pitchFamily="34" charset="0"/>
                 <a:cs typeface="Arial" pitchFamily="34" charset="0"/>
               </a:rPr>
-              <a:t>Velocity: </a:t>
+              <a:t>Velocity: The data need to be treated </a:t>
             </a:r>
             <a:r>
               <a:rPr lang="en-US" dirty="0" smtClean="0">
                 <a:latin typeface="Arial" pitchFamily="34" charset="0"/>
                 <a:cs typeface="Arial" pitchFamily="34" charset="0"/>
               </a:rPr>
-              <a:t>The data need to be treated now ? Or later ?</a:t>
+              <a:t>now? </a:t>
+            </a:r>
+            <a:r>
+              <a:rPr lang="en-US" dirty="0" smtClean="0">
+                <a:latin typeface="Arial" pitchFamily="34" charset="0"/>
+                <a:cs typeface="Arial" pitchFamily="34" charset="0"/>
+              </a:rPr>
+              <a:t>Or </a:t>
+            </a:r>
+            <a:r>
+              <a:rPr lang="en-US" dirty="0" smtClean="0">
+                <a:latin typeface="Arial" pitchFamily="34" charset="0"/>
+                <a:cs typeface="Arial" pitchFamily="34" charset="0"/>
+              </a:rPr>
+              <a:t>later?</a:t>
             </a:r>
             <a:endParaRPr lang="en-US" dirty="0" smtClean="0">
               <a:latin typeface="Arial" pitchFamily="34" charset="0"/>

--- a/slides/MonetDB workshop.pptx
+++ b/slides/MonetDB workshop.pptx
@@ -247,11 +247,11 @@
           <c:showBubbleSize val="0"/>
         </c:dLbls>
         <c:gapWidth val="150"/>
-        <c:axId val="82940288"/>
-        <c:axId val="82941824"/>
+        <c:axId val="67473792"/>
+        <c:axId val="67475328"/>
       </c:barChart>
       <c:catAx>
-        <c:axId val="82940288"/>
+        <c:axId val="67473792"/>
         <c:scaling>
           <c:orientation val="minMax"/>
         </c:scaling>
@@ -260,7 +260,7 @@
         <c:majorTickMark val="out"/>
         <c:minorTickMark val="none"/>
         <c:tickLblPos val="nextTo"/>
-        <c:crossAx val="82941824"/>
+        <c:crossAx val="67475328"/>
         <c:crosses val="autoZero"/>
         <c:auto val="1"/>
         <c:lblAlgn val="ctr"/>
@@ -268,7 +268,7 @@
         <c:noMultiLvlLbl val="0"/>
       </c:catAx>
       <c:valAx>
-        <c:axId val="82941824"/>
+        <c:axId val="67475328"/>
         <c:scaling>
           <c:orientation val="minMax"/>
         </c:scaling>
@@ -279,7 +279,7 @@
         <c:majorTickMark val="out"/>
         <c:minorTickMark val="none"/>
         <c:tickLblPos val="nextTo"/>
-        <c:crossAx val="82940288"/>
+        <c:crossAx val="67473792"/>
         <c:crosses val="autoZero"/>
         <c:crossBetween val="between"/>
       </c:valAx>
@@ -421,11 +421,11 @@
           <c:showBubbleSize val="0"/>
         </c:dLbls>
         <c:gapWidth val="150"/>
-        <c:axId val="91079040"/>
-        <c:axId val="91080576"/>
+        <c:axId val="74301824"/>
+        <c:axId val="74303360"/>
       </c:barChart>
       <c:catAx>
-        <c:axId val="91079040"/>
+        <c:axId val="74301824"/>
         <c:scaling>
           <c:orientation val="minMax"/>
         </c:scaling>
@@ -434,7 +434,7 @@
         <c:majorTickMark val="out"/>
         <c:minorTickMark val="none"/>
         <c:tickLblPos val="nextTo"/>
-        <c:crossAx val="91080576"/>
+        <c:crossAx val="74303360"/>
         <c:crosses val="autoZero"/>
         <c:auto val="1"/>
         <c:lblAlgn val="ctr"/>
@@ -442,7 +442,7 @@
         <c:noMultiLvlLbl val="0"/>
       </c:catAx>
       <c:valAx>
-        <c:axId val="91080576"/>
+        <c:axId val="74303360"/>
         <c:scaling>
           <c:orientation val="minMax"/>
         </c:scaling>
@@ -453,7 +453,7 @@
         <c:majorTickMark val="out"/>
         <c:minorTickMark val="none"/>
         <c:tickLblPos val="nextTo"/>
-        <c:crossAx val="91079040"/>
+        <c:crossAx val="74301824"/>
         <c:crosses val="autoZero"/>
         <c:crossBetween val="between"/>
       </c:valAx>
@@ -627,11 +627,11 @@
           <c:showBubbleSize val="0"/>
         </c:dLbls>
         <c:gapWidth val="150"/>
-        <c:axId val="98529664"/>
-        <c:axId val="98531200"/>
+        <c:axId val="74019200"/>
+        <c:axId val="74020736"/>
       </c:barChart>
       <c:catAx>
-        <c:axId val="98529664"/>
+        <c:axId val="74019200"/>
         <c:scaling>
           <c:orientation val="minMax"/>
         </c:scaling>
@@ -640,7 +640,7 @@
         <c:majorTickMark val="out"/>
         <c:minorTickMark val="none"/>
         <c:tickLblPos val="nextTo"/>
-        <c:crossAx val="98531200"/>
+        <c:crossAx val="74020736"/>
         <c:crosses val="autoZero"/>
         <c:auto val="1"/>
         <c:lblAlgn val="ctr"/>
@@ -648,7 +648,7 @@
         <c:noMultiLvlLbl val="0"/>
       </c:catAx>
       <c:valAx>
-        <c:axId val="98531200"/>
+        <c:axId val="74020736"/>
         <c:scaling>
           <c:orientation val="minMax"/>
         </c:scaling>
@@ -659,7 +659,7 @@
         <c:majorTickMark val="out"/>
         <c:minorTickMark val="none"/>
         <c:tickLblPos val="nextTo"/>
-        <c:crossAx val="98529664"/>
+        <c:crossAx val="74019200"/>
         <c:crosses val="autoZero"/>
         <c:crossBetween val="between"/>
       </c:valAx>
@@ -27182,8 +27182,19 @@
                 <a:latin typeface="Arial" pitchFamily="34" charset="0"/>
                 <a:cs typeface="Arial" pitchFamily="34" charset="0"/>
               </a:rPr>
-              <a:t>Do you remember ?</a:t>
+              <a:t>Do you </a:t>
             </a:r>
+            <a:r>
+              <a:rPr lang="en-US" dirty="0" smtClean="0">
+                <a:latin typeface="Arial" pitchFamily="34" charset="0"/>
+                <a:cs typeface="Arial" pitchFamily="34" charset="0"/>
+              </a:rPr>
+              <a:t>remember?</a:t>
+            </a:r>
+            <a:endParaRPr lang="en-US" dirty="0" smtClean="0">
+              <a:latin typeface="Arial" pitchFamily="34" charset="0"/>
+              <a:cs typeface="Arial" pitchFamily="34" charset="0"/>
+            </a:endParaRPr>
           </a:p>
           <a:p>
             <a:endParaRPr lang="en-US" dirty="0">
@@ -33928,33 +33939,8 @@
                 <a:latin typeface="Arial" pitchFamily="34" charset="0"/>
                 <a:cs typeface="Arial" pitchFamily="34" charset="0"/>
               </a:rPr>
-              <a:t>Velocity: The data need to be treated </a:t>
+              <a:t>Velocity: The data need to be treated now? Or later?</a:t>
             </a:r>
-            <a:r>
-              <a:rPr lang="en-US" dirty="0" smtClean="0">
-                <a:latin typeface="Arial" pitchFamily="34" charset="0"/>
-                <a:cs typeface="Arial" pitchFamily="34" charset="0"/>
-              </a:rPr>
-              <a:t>now? </a:t>
-            </a:r>
-            <a:r>
-              <a:rPr lang="en-US" dirty="0" smtClean="0">
-                <a:latin typeface="Arial" pitchFamily="34" charset="0"/>
-                <a:cs typeface="Arial" pitchFamily="34" charset="0"/>
-              </a:rPr>
-              <a:t>Or </a:t>
-            </a:r>
-            <a:r>
-              <a:rPr lang="en-US" dirty="0" smtClean="0">
-                <a:latin typeface="Arial" pitchFamily="34" charset="0"/>
-                <a:cs typeface="Arial" pitchFamily="34" charset="0"/>
-              </a:rPr>
-              <a:t>later?</a:t>
-            </a:r>
-            <a:endParaRPr lang="en-US" dirty="0" smtClean="0">
-              <a:latin typeface="Arial" pitchFamily="34" charset="0"/>
-              <a:cs typeface="Arial" pitchFamily="34" charset="0"/>
-            </a:endParaRPr>
           </a:p>
           <a:p>
             <a:pPr marL="68580" indent="0">
